--- a/Git.pptx
+++ b/Git.pptx
@@ -4,15 +4,30 @@
   <p:sldMasterIdLst>
     <p:sldMasterId id="2147483648" r:id="rId1"/>
   </p:sldMasterIdLst>
+  <p:notesMasterIdLst>
+    <p:notesMasterId r:id="rId22"/>
+  </p:notesMasterIdLst>
   <p:sldIdLst>
     <p:sldId id="256" r:id="rId2"/>
     <p:sldId id="257" r:id="rId3"/>
     <p:sldId id="263" r:id="rId4"/>
-    <p:sldId id="258" r:id="rId5"/>
-    <p:sldId id="259" r:id="rId6"/>
-    <p:sldId id="260" r:id="rId7"/>
-    <p:sldId id="261" r:id="rId8"/>
-    <p:sldId id="262" r:id="rId9"/>
+    <p:sldId id="264" r:id="rId5"/>
+    <p:sldId id="266" r:id="rId6"/>
+    <p:sldId id="258" r:id="rId7"/>
+    <p:sldId id="269" r:id="rId8"/>
+    <p:sldId id="259" r:id="rId9"/>
+    <p:sldId id="271" r:id="rId10"/>
+    <p:sldId id="272" r:id="rId11"/>
+    <p:sldId id="273" r:id="rId12"/>
+    <p:sldId id="274" r:id="rId13"/>
+    <p:sldId id="270" r:id="rId14"/>
+    <p:sldId id="261" r:id="rId15"/>
+    <p:sldId id="260" r:id="rId16"/>
+    <p:sldId id="268" r:id="rId17"/>
+    <p:sldId id="262" r:id="rId18"/>
+    <p:sldId id="275" r:id="rId19"/>
+    <p:sldId id="267" r:id="rId20"/>
+    <p:sldId id="265" r:id="rId21"/>
   </p:sldIdLst>
   <p:sldSz cx="12192000" cy="6858000"/>
   <p:notesSz cx="6858000" cy="9144000"/>
@@ -112,6 +127,814 @@
     </a:lvl9pPr>
   </p:defaultTextStyle>
 </p:presentation>
+</file>
+
+<file path=ppt/notesMasters/notesMaster1.xml><?xml version="1.0" encoding="utf-8"?>
+<p:notesMaster xmlns:a="http://schemas.openxmlformats.org/drawingml/2006/main" xmlns:r="http://schemas.openxmlformats.org/officeDocument/2006/relationships" xmlns:p="http://schemas.openxmlformats.org/presentationml/2006/main">
+  <p:cSld>
+    <p:bg>
+      <p:bgRef idx="1001">
+        <a:schemeClr val="bg1"/>
+      </p:bgRef>
+    </p:bg>
+    <p:spTree>
+      <p:nvGrpSpPr>
+        <p:cNvPr id="1" name=""/>
+        <p:cNvGrpSpPr/>
+        <p:nvPr/>
+      </p:nvGrpSpPr>
+      <p:grpSpPr>
+        <a:xfrm>
+          <a:off x="0" y="0"/>
+          <a:ext cx="0" cy="0"/>
+          <a:chOff x="0" y="0"/>
+          <a:chExt cx="0" cy="0"/>
+        </a:xfrm>
+      </p:grpSpPr>
+      <p:sp>
+        <p:nvSpPr>
+          <p:cNvPr id="2" name="Header Placeholder 1"/>
+          <p:cNvSpPr>
+            <a:spLocks noGrp="1"/>
+          </p:cNvSpPr>
+          <p:nvPr>
+            <p:ph type="hdr" sz="quarter"/>
+          </p:nvPr>
+        </p:nvSpPr>
+        <p:spPr>
+          <a:xfrm>
+            <a:off x="0" y="0"/>
+            <a:ext cx="2971800" cy="458788"/>
+          </a:xfrm>
+          <a:prstGeom prst="rect">
+            <a:avLst/>
+          </a:prstGeom>
+        </p:spPr>
+        <p:txBody>
+          <a:bodyPr vert="horz" lIns="91440" tIns="45720" rIns="91440" bIns="45720" rtlCol="0"/>
+          <a:lstStyle>
+            <a:lvl1pPr algn="l">
+              <a:defRPr sz="1200"/>
+            </a:lvl1pPr>
+          </a:lstStyle>
+          <a:p>
+            <a:endParaRPr lang="en-GB"/>
+          </a:p>
+        </p:txBody>
+      </p:sp>
+      <p:sp>
+        <p:nvSpPr>
+          <p:cNvPr id="3" name="Date Placeholder 2"/>
+          <p:cNvSpPr>
+            <a:spLocks noGrp="1"/>
+          </p:cNvSpPr>
+          <p:nvPr>
+            <p:ph type="dt" idx="1"/>
+          </p:nvPr>
+        </p:nvSpPr>
+        <p:spPr>
+          <a:xfrm>
+            <a:off x="3884613" y="0"/>
+            <a:ext cx="2971800" cy="458788"/>
+          </a:xfrm>
+          <a:prstGeom prst="rect">
+            <a:avLst/>
+          </a:prstGeom>
+        </p:spPr>
+        <p:txBody>
+          <a:bodyPr vert="horz" lIns="91440" tIns="45720" rIns="91440" bIns="45720" rtlCol="0"/>
+          <a:lstStyle>
+            <a:lvl1pPr algn="r">
+              <a:defRPr sz="1200"/>
+            </a:lvl1pPr>
+          </a:lstStyle>
+          <a:p>
+            <a:fld id="{A822D160-E1DD-45E0-8E7A-4269D7F3D241}" type="datetimeFigureOut">
+              <a:rPr lang="en-GB" smtClean="0"/>
+              <a:t>25/01/2016</a:t>
+            </a:fld>
+            <a:endParaRPr lang="en-GB"/>
+          </a:p>
+        </p:txBody>
+      </p:sp>
+      <p:sp>
+        <p:nvSpPr>
+          <p:cNvPr id="4" name="Slide Image Placeholder 3"/>
+          <p:cNvSpPr>
+            <a:spLocks noGrp="1" noRot="1" noChangeAspect="1"/>
+          </p:cNvSpPr>
+          <p:nvPr>
+            <p:ph type="sldImg" idx="2"/>
+          </p:nvPr>
+        </p:nvSpPr>
+        <p:spPr>
+          <a:xfrm>
+            <a:off x="685800" y="1143000"/>
+            <a:ext cx="5486400" cy="3086100"/>
+          </a:xfrm>
+          <a:prstGeom prst="rect">
+            <a:avLst/>
+          </a:prstGeom>
+          <a:noFill/>
+          <a:ln w="12700">
+            <a:solidFill>
+              <a:prstClr val="black"/>
+            </a:solidFill>
+          </a:ln>
+        </p:spPr>
+        <p:txBody>
+          <a:bodyPr vert="horz" lIns="91440" tIns="45720" rIns="91440" bIns="45720" rtlCol="0" anchor="ctr"/>
+          <a:lstStyle/>
+          <a:p>
+            <a:endParaRPr lang="en-GB"/>
+          </a:p>
+        </p:txBody>
+      </p:sp>
+      <p:sp>
+        <p:nvSpPr>
+          <p:cNvPr id="5" name="Notes Placeholder 4"/>
+          <p:cNvSpPr>
+            <a:spLocks noGrp="1"/>
+          </p:cNvSpPr>
+          <p:nvPr>
+            <p:ph type="body" sz="quarter" idx="3"/>
+          </p:nvPr>
+        </p:nvSpPr>
+        <p:spPr>
+          <a:xfrm>
+            <a:off x="685800" y="4400550"/>
+            <a:ext cx="5486400" cy="3600450"/>
+          </a:xfrm>
+          <a:prstGeom prst="rect">
+            <a:avLst/>
+          </a:prstGeom>
+        </p:spPr>
+        <p:txBody>
+          <a:bodyPr vert="horz" lIns="91440" tIns="45720" rIns="91440" bIns="45720" rtlCol="0"/>
+          <a:lstStyle/>
+          <a:p>
+            <a:pPr lvl="0"/>
+            <a:r>
+              <a:rPr lang="en-US" smtClean="0"/>
+              <a:t>Edit Master text styles</a:t>
+            </a:r>
+          </a:p>
+          <a:p>
+            <a:pPr lvl="1"/>
+            <a:r>
+              <a:rPr lang="en-US" smtClean="0"/>
+              <a:t>Second level</a:t>
+            </a:r>
+          </a:p>
+          <a:p>
+            <a:pPr lvl="2"/>
+            <a:r>
+              <a:rPr lang="en-US" smtClean="0"/>
+              <a:t>Third level</a:t>
+            </a:r>
+          </a:p>
+          <a:p>
+            <a:pPr lvl="3"/>
+            <a:r>
+              <a:rPr lang="en-US" smtClean="0"/>
+              <a:t>Fourth level</a:t>
+            </a:r>
+          </a:p>
+          <a:p>
+            <a:pPr lvl="4"/>
+            <a:r>
+              <a:rPr lang="en-US" smtClean="0"/>
+              <a:t>Fifth level</a:t>
+            </a:r>
+            <a:endParaRPr lang="en-GB"/>
+          </a:p>
+        </p:txBody>
+      </p:sp>
+      <p:sp>
+        <p:nvSpPr>
+          <p:cNvPr id="6" name="Footer Placeholder 5"/>
+          <p:cNvSpPr>
+            <a:spLocks noGrp="1"/>
+          </p:cNvSpPr>
+          <p:nvPr>
+            <p:ph type="ftr" sz="quarter" idx="4"/>
+          </p:nvPr>
+        </p:nvSpPr>
+        <p:spPr>
+          <a:xfrm>
+            <a:off x="0" y="8685213"/>
+            <a:ext cx="2971800" cy="458787"/>
+          </a:xfrm>
+          <a:prstGeom prst="rect">
+            <a:avLst/>
+          </a:prstGeom>
+        </p:spPr>
+        <p:txBody>
+          <a:bodyPr vert="horz" lIns="91440" tIns="45720" rIns="91440" bIns="45720" rtlCol="0" anchor="b"/>
+          <a:lstStyle>
+            <a:lvl1pPr algn="l">
+              <a:defRPr sz="1200"/>
+            </a:lvl1pPr>
+          </a:lstStyle>
+          <a:p>
+            <a:endParaRPr lang="en-GB"/>
+          </a:p>
+        </p:txBody>
+      </p:sp>
+      <p:sp>
+        <p:nvSpPr>
+          <p:cNvPr id="7" name="Slide Number Placeholder 6"/>
+          <p:cNvSpPr>
+            <a:spLocks noGrp="1"/>
+          </p:cNvSpPr>
+          <p:nvPr>
+            <p:ph type="sldNum" sz="quarter" idx="5"/>
+          </p:nvPr>
+        </p:nvSpPr>
+        <p:spPr>
+          <a:xfrm>
+            <a:off x="3884613" y="8685213"/>
+            <a:ext cx="2971800" cy="458787"/>
+          </a:xfrm>
+          <a:prstGeom prst="rect">
+            <a:avLst/>
+          </a:prstGeom>
+        </p:spPr>
+        <p:txBody>
+          <a:bodyPr vert="horz" lIns="91440" tIns="45720" rIns="91440" bIns="45720" rtlCol="0" anchor="b"/>
+          <a:lstStyle>
+            <a:lvl1pPr algn="r">
+              <a:defRPr sz="1200"/>
+            </a:lvl1pPr>
+          </a:lstStyle>
+          <a:p>
+            <a:fld id="{41826960-2D9A-4E77-89F0-90A563B60D8B}" type="slidenum">
+              <a:rPr lang="en-GB" smtClean="0"/>
+              <a:t>‹#›</a:t>
+            </a:fld>
+            <a:endParaRPr lang="en-GB"/>
+          </a:p>
+        </p:txBody>
+      </p:sp>
+    </p:spTree>
+    <p:extLst>
+      <p:ext uri="{BB962C8B-B14F-4D97-AF65-F5344CB8AC3E}">
+        <p14:creationId xmlns:p14="http://schemas.microsoft.com/office/powerpoint/2010/main" val="3591364260"/>
+      </p:ext>
+    </p:extLst>
+  </p:cSld>
+  <p:clrMap bg1="lt1" tx1="dk1" bg2="lt2" tx2="dk2" accent1="accent1" accent2="accent2" accent3="accent3" accent4="accent4" accent5="accent5" accent6="accent6" hlink="hlink" folHlink="folHlink"/>
+  <p:notesStyle>
+    <a:lvl1pPr marL="0" algn="l" defTabSz="914400" rtl="0" eaLnBrk="1" latinLnBrk="0" hangingPunct="1">
+      <a:defRPr sz="1200" kern="1200">
+        <a:solidFill>
+          <a:schemeClr val="tx1"/>
+        </a:solidFill>
+        <a:latin typeface="+mn-lt"/>
+        <a:ea typeface="+mn-ea"/>
+        <a:cs typeface="+mn-cs"/>
+      </a:defRPr>
+    </a:lvl1pPr>
+    <a:lvl2pPr marL="457200" algn="l" defTabSz="914400" rtl="0" eaLnBrk="1" latinLnBrk="0" hangingPunct="1">
+      <a:defRPr sz="1200" kern="1200">
+        <a:solidFill>
+          <a:schemeClr val="tx1"/>
+        </a:solidFill>
+        <a:latin typeface="+mn-lt"/>
+        <a:ea typeface="+mn-ea"/>
+        <a:cs typeface="+mn-cs"/>
+      </a:defRPr>
+    </a:lvl2pPr>
+    <a:lvl3pPr marL="914400" algn="l" defTabSz="914400" rtl="0" eaLnBrk="1" latinLnBrk="0" hangingPunct="1">
+      <a:defRPr sz="1200" kern="1200">
+        <a:solidFill>
+          <a:schemeClr val="tx1"/>
+        </a:solidFill>
+        <a:latin typeface="+mn-lt"/>
+        <a:ea typeface="+mn-ea"/>
+        <a:cs typeface="+mn-cs"/>
+      </a:defRPr>
+    </a:lvl3pPr>
+    <a:lvl4pPr marL="1371600" algn="l" defTabSz="914400" rtl="0" eaLnBrk="1" latinLnBrk="0" hangingPunct="1">
+      <a:defRPr sz="1200" kern="1200">
+        <a:solidFill>
+          <a:schemeClr val="tx1"/>
+        </a:solidFill>
+        <a:latin typeface="+mn-lt"/>
+        <a:ea typeface="+mn-ea"/>
+        <a:cs typeface="+mn-cs"/>
+      </a:defRPr>
+    </a:lvl4pPr>
+    <a:lvl5pPr marL="1828800" algn="l" defTabSz="914400" rtl="0" eaLnBrk="1" latinLnBrk="0" hangingPunct="1">
+      <a:defRPr sz="1200" kern="1200">
+        <a:solidFill>
+          <a:schemeClr val="tx1"/>
+        </a:solidFill>
+        <a:latin typeface="+mn-lt"/>
+        <a:ea typeface="+mn-ea"/>
+        <a:cs typeface="+mn-cs"/>
+      </a:defRPr>
+    </a:lvl5pPr>
+    <a:lvl6pPr marL="2286000" algn="l" defTabSz="914400" rtl="0" eaLnBrk="1" latinLnBrk="0" hangingPunct="1">
+      <a:defRPr sz="1200" kern="1200">
+        <a:solidFill>
+          <a:schemeClr val="tx1"/>
+        </a:solidFill>
+        <a:latin typeface="+mn-lt"/>
+        <a:ea typeface="+mn-ea"/>
+        <a:cs typeface="+mn-cs"/>
+      </a:defRPr>
+    </a:lvl6pPr>
+    <a:lvl7pPr marL="2743200" algn="l" defTabSz="914400" rtl="0" eaLnBrk="1" latinLnBrk="0" hangingPunct="1">
+      <a:defRPr sz="1200" kern="1200">
+        <a:solidFill>
+          <a:schemeClr val="tx1"/>
+        </a:solidFill>
+        <a:latin typeface="+mn-lt"/>
+        <a:ea typeface="+mn-ea"/>
+        <a:cs typeface="+mn-cs"/>
+      </a:defRPr>
+    </a:lvl7pPr>
+    <a:lvl8pPr marL="3200400" algn="l" defTabSz="914400" rtl="0" eaLnBrk="1" latinLnBrk="0" hangingPunct="1">
+      <a:defRPr sz="1200" kern="1200">
+        <a:solidFill>
+          <a:schemeClr val="tx1"/>
+        </a:solidFill>
+        <a:latin typeface="+mn-lt"/>
+        <a:ea typeface="+mn-ea"/>
+        <a:cs typeface="+mn-cs"/>
+      </a:defRPr>
+    </a:lvl8pPr>
+    <a:lvl9pPr marL="3657600" algn="l" defTabSz="914400" rtl="0" eaLnBrk="1" latinLnBrk="0" hangingPunct="1">
+      <a:defRPr sz="1200" kern="1200">
+        <a:solidFill>
+          <a:schemeClr val="tx1"/>
+        </a:solidFill>
+        <a:latin typeface="+mn-lt"/>
+        <a:ea typeface="+mn-ea"/>
+        <a:cs typeface="+mn-cs"/>
+      </a:defRPr>
+    </a:lvl9pPr>
+  </p:notesStyle>
+</p:notesMaster>
+</file>
+
+<file path=ppt/notesSlides/notesSlide1.xml><?xml version="1.0" encoding="utf-8"?>
+<p:notes xmlns:a="http://schemas.openxmlformats.org/drawingml/2006/main" xmlns:r="http://schemas.openxmlformats.org/officeDocument/2006/relationships" xmlns:p="http://schemas.openxmlformats.org/presentationml/2006/main">
+  <p:cSld>
+    <p:spTree>
+      <p:nvGrpSpPr>
+        <p:cNvPr id="1" name=""/>
+        <p:cNvGrpSpPr/>
+        <p:nvPr/>
+      </p:nvGrpSpPr>
+      <p:grpSpPr>
+        <a:xfrm>
+          <a:off x="0" y="0"/>
+          <a:ext cx="0" cy="0"/>
+          <a:chOff x="0" y="0"/>
+          <a:chExt cx="0" cy="0"/>
+        </a:xfrm>
+      </p:grpSpPr>
+      <p:sp>
+        <p:nvSpPr>
+          <p:cNvPr id="2" name="Slide Image Placeholder 1"/>
+          <p:cNvSpPr>
+            <a:spLocks noGrp="1" noRot="1" noChangeAspect="1"/>
+          </p:cNvSpPr>
+          <p:nvPr>
+            <p:ph type="sldImg"/>
+          </p:nvPr>
+        </p:nvSpPr>
+        <p:spPr/>
+      </p:sp>
+      <p:sp>
+        <p:nvSpPr>
+          <p:cNvPr id="3" name="Notes Placeholder 2"/>
+          <p:cNvSpPr>
+            <a:spLocks noGrp="1"/>
+          </p:cNvSpPr>
+          <p:nvPr>
+            <p:ph type="body" idx="1"/>
+          </p:nvPr>
+        </p:nvSpPr>
+        <p:spPr/>
+        <p:txBody>
+          <a:bodyPr/>
+          <a:lstStyle/>
+          <a:p>
+            <a:r>
+              <a:rPr lang="it-IT" dirty="0" smtClean="0"/>
+              <a:t>Slang britannico per dire persona stupida o comunque</a:t>
+            </a:r>
+            <a:r>
+              <a:rPr lang="it-IT" baseline="0" dirty="0" smtClean="0"/>
+              <a:t> non ben voluta</a:t>
+            </a:r>
+          </a:p>
+          <a:p>
+            <a:r>
+              <a:rPr lang="it-IT" baseline="0" dirty="0" smtClean="0"/>
+              <a:t>SCM Source Control Management</a:t>
+            </a:r>
+          </a:p>
+          <a:p>
+            <a:r>
+              <a:rPr lang="en-GB" dirty="0" smtClean="0"/>
+              <a:t>VCS Version Control System</a:t>
+            </a:r>
+          </a:p>
+          <a:p>
+            <a:r>
+              <a:rPr lang="en-GB" dirty="0" smtClean="0"/>
+              <a:t>SCCS Source Code Control System 1972</a:t>
+            </a:r>
+            <a:endParaRPr lang="en-GB" dirty="0"/>
+          </a:p>
+        </p:txBody>
+      </p:sp>
+      <p:sp>
+        <p:nvSpPr>
+          <p:cNvPr id="4" name="Slide Number Placeholder 3"/>
+          <p:cNvSpPr>
+            <a:spLocks noGrp="1"/>
+          </p:cNvSpPr>
+          <p:nvPr>
+            <p:ph type="sldNum" sz="quarter" idx="10"/>
+          </p:nvPr>
+        </p:nvSpPr>
+        <p:spPr/>
+        <p:txBody>
+          <a:bodyPr/>
+          <a:lstStyle/>
+          <a:p>
+            <a:fld id="{41826960-2D9A-4E77-89F0-90A563B60D8B}" type="slidenum">
+              <a:rPr lang="en-GB" smtClean="0"/>
+              <a:t>1</a:t>
+            </a:fld>
+            <a:endParaRPr lang="en-GB"/>
+          </a:p>
+        </p:txBody>
+      </p:sp>
+    </p:spTree>
+    <p:extLst>
+      <p:ext uri="{BB962C8B-B14F-4D97-AF65-F5344CB8AC3E}">
+        <p14:creationId xmlns:p14="http://schemas.microsoft.com/office/powerpoint/2010/main" val="341945156"/>
+      </p:ext>
+    </p:extLst>
+  </p:cSld>
+  <p:clrMapOvr>
+    <a:masterClrMapping/>
+  </p:clrMapOvr>
+</p:notes>
+</file>
+
+<file path=ppt/notesSlides/notesSlide2.xml><?xml version="1.0" encoding="utf-8"?>
+<p:notes xmlns:a="http://schemas.openxmlformats.org/drawingml/2006/main" xmlns:r="http://schemas.openxmlformats.org/officeDocument/2006/relationships" xmlns:p="http://schemas.openxmlformats.org/presentationml/2006/main">
+  <p:cSld>
+    <p:spTree>
+      <p:nvGrpSpPr>
+        <p:cNvPr id="1" name=""/>
+        <p:cNvGrpSpPr/>
+        <p:nvPr/>
+      </p:nvGrpSpPr>
+      <p:grpSpPr>
+        <a:xfrm>
+          <a:off x="0" y="0"/>
+          <a:ext cx="0" cy="0"/>
+          <a:chOff x="0" y="0"/>
+          <a:chExt cx="0" cy="0"/>
+        </a:xfrm>
+      </p:grpSpPr>
+      <p:sp>
+        <p:nvSpPr>
+          <p:cNvPr id="2" name="Slide Image Placeholder 1"/>
+          <p:cNvSpPr>
+            <a:spLocks noGrp="1" noRot="1" noChangeAspect="1"/>
+          </p:cNvSpPr>
+          <p:nvPr>
+            <p:ph type="sldImg"/>
+          </p:nvPr>
+        </p:nvSpPr>
+        <p:spPr/>
+      </p:sp>
+      <p:sp>
+        <p:nvSpPr>
+          <p:cNvPr id="3" name="Notes Placeholder 2"/>
+          <p:cNvSpPr>
+            <a:spLocks noGrp="1"/>
+          </p:cNvSpPr>
+          <p:nvPr>
+            <p:ph type="body" idx="1"/>
+          </p:nvPr>
+        </p:nvSpPr>
+        <p:spPr/>
+        <p:txBody>
+          <a:bodyPr/>
+          <a:lstStyle/>
+          <a:p>
+            <a:endParaRPr lang="en-GB"/>
+          </a:p>
+        </p:txBody>
+      </p:sp>
+      <p:sp>
+        <p:nvSpPr>
+          <p:cNvPr id="4" name="Slide Number Placeholder 3"/>
+          <p:cNvSpPr>
+            <a:spLocks noGrp="1"/>
+          </p:cNvSpPr>
+          <p:nvPr>
+            <p:ph type="sldNum" sz="quarter" idx="10"/>
+          </p:nvPr>
+        </p:nvSpPr>
+        <p:spPr/>
+        <p:txBody>
+          <a:bodyPr/>
+          <a:lstStyle/>
+          <a:p>
+            <a:fld id="{41826960-2D9A-4E77-89F0-90A563B60D8B}" type="slidenum">
+              <a:rPr lang="en-GB" smtClean="0"/>
+              <a:t>2</a:t>
+            </a:fld>
+            <a:endParaRPr lang="en-GB"/>
+          </a:p>
+        </p:txBody>
+      </p:sp>
+    </p:spTree>
+    <p:extLst>
+      <p:ext uri="{BB962C8B-B14F-4D97-AF65-F5344CB8AC3E}">
+        <p14:creationId xmlns:p14="http://schemas.microsoft.com/office/powerpoint/2010/main" val="378348975"/>
+      </p:ext>
+    </p:extLst>
+  </p:cSld>
+  <p:clrMapOvr>
+    <a:masterClrMapping/>
+  </p:clrMapOvr>
+</p:notes>
+</file>
+
+<file path=ppt/notesSlides/notesSlide3.xml><?xml version="1.0" encoding="utf-8"?>
+<p:notes xmlns:a="http://schemas.openxmlformats.org/drawingml/2006/main" xmlns:r="http://schemas.openxmlformats.org/officeDocument/2006/relationships" xmlns:p="http://schemas.openxmlformats.org/presentationml/2006/main">
+  <p:cSld>
+    <p:spTree>
+      <p:nvGrpSpPr>
+        <p:cNvPr id="1" name=""/>
+        <p:cNvGrpSpPr/>
+        <p:nvPr/>
+      </p:nvGrpSpPr>
+      <p:grpSpPr>
+        <a:xfrm>
+          <a:off x="0" y="0"/>
+          <a:ext cx="0" cy="0"/>
+          <a:chOff x="0" y="0"/>
+          <a:chExt cx="0" cy="0"/>
+        </a:xfrm>
+      </p:grpSpPr>
+      <p:sp>
+        <p:nvSpPr>
+          <p:cNvPr id="2" name="Slide Image Placeholder 1"/>
+          <p:cNvSpPr>
+            <a:spLocks noGrp="1" noRot="1" noChangeAspect="1"/>
+          </p:cNvSpPr>
+          <p:nvPr>
+            <p:ph type="sldImg"/>
+          </p:nvPr>
+        </p:nvSpPr>
+        <p:spPr/>
+      </p:sp>
+      <p:sp>
+        <p:nvSpPr>
+          <p:cNvPr id="3" name="Notes Placeholder 2"/>
+          <p:cNvSpPr>
+            <a:spLocks noGrp="1"/>
+          </p:cNvSpPr>
+          <p:nvPr>
+            <p:ph type="body" idx="1"/>
+          </p:nvPr>
+        </p:nvSpPr>
+        <p:spPr/>
+        <p:txBody>
+          <a:bodyPr/>
+          <a:lstStyle/>
+          <a:p>
+            <a:r>
+              <a:rPr lang="en-GB" dirty="0" err="1" smtClean="0"/>
+              <a:t>Acrostico</a:t>
+            </a:r>
+            <a:r>
+              <a:rPr lang="en-GB" dirty="0" smtClean="0"/>
+              <a:t> GPL 2 GNU General Public License</a:t>
+            </a:r>
+          </a:p>
+          <a:p>
+            <a:r>
+              <a:rPr lang="en-GB" dirty="0" smtClean="0"/>
+              <a:t>DVCS Distributed Version Control Systems </a:t>
+            </a:r>
+          </a:p>
+          <a:p>
+            <a:r>
+              <a:rPr lang="en-GB" dirty="0" err="1" smtClean="0"/>
+              <a:t>Anche</a:t>
+            </a:r>
+            <a:r>
+              <a:rPr lang="en-GB" baseline="0" dirty="0" smtClean="0"/>
+              <a:t> </a:t>
+            </a:r>
+            <a:r>
+              <a:rPr lang="en-GB" dirty="0" smtClean="0"/>
+              <a:t>Mercurial lo è,</a:t>
+            </a:r>
+            <a:r>
+              <a:rPr lang="en-GB" baseline="0" dirty="0" smtClean="0"/>
+              <a:t> </a:t>
+            </a:r>
+            <a:r>
+              <a:rPr lang="en-GB" dirty="0" err="1" smtClean="0"/>
+              <a:t>noi</a:t>
+            </a:r>
+            <a:r>
+              <a:rPr lang="en-GB" dirty="0" smtClean="0"/>
+              <a:t> lo </a:t>
+            </a:r>
+            <a:r>
+              <a:rPr lang="en-GB" dirty="0" err="1" smtClean="0"/>
+              <a:t>usiamo</a:t>
+            </a:r>
+            <a:r>
+              <a:rPr lang="en-GB" dirty="0" smtClean="0"/>
+              <a:t> </a:t>
+            </a:r>
+            <a:r>
+              <a:rPr lang="en-GB" dirty="0" err="1" smtClean="0"/>
+              <a:t>attraverso</a:t>
+            </a:r>
+            <a:r>
+              <a:rPr lang="en-GB" baseline="0" dirty="0" smtClean="0"/>
+              <a:t> la </a:t>
+            </a:r>
+            <a:r>
+              <a:rPr lang="en-GB" baseline="0" dirty="0" err="1" smtClean="0"/>
+              <a:t>versione</a:t>
+            </a:r>
+            <a:r>
+              <a:rPr lang="en-GB" baseline="0" dirty="0" smtClean="0"/>
+              <a:t> </a:t>
+            </a:r>
+            <a:r>
+              <a:rPr lang="en-GB" baseline="0" dirty="0" err="1" smtClean="0"/>
+              <a:t>proposta</a:t>
+            </a:r>
+            <a:r>
+              <a:rPr lang="en-GB" baseline="0" dirty="0" smtClean="0"/>
+              <a:t> dal provider a </a:t>
+            </a:r>
+            <a:r>
+              <a:rPr lang="en-GB" baseline="0" dirty="0" err="1" smtClean="0"/>
+              <a:t>pagamento</a:t>
+            </a:r>
+            <a:r>
+              <a:rPr lang="en-GB" baseline="0" dirty="0" smtClean="0"/>
+              <a:t> kiln</a:t>
+            </a:r>
+            <a:endParaRPr lang="en-GB" dirty="0"/>
+          </a:p>
+        </p:txBody>
+      </p:sp>
+      <p:sp>
+        <p:nvSpPr>
+          <p:cNvPr id="4" name="Slide Number Placeholder 3"/>
+          <p:cNvSpPr>
+            <a:spLocks noGrp="1"/>
+          </p:cNvSpPr>
+          <p:nvPr>
+            <p:ph type="sldNum" sz="quarter" idx="10"/>
+          </p:nvPr>
+        </p:nvSpPr>
+        <p:spPr/>
+        <p:txBody>
+          <a:bodyPr/>
+          <a:lstStyle/>
+          <a:p>
+            <a:fld id="{41826960-2D9A-4E77-89F0-90A563B60D8B}" type="slidenum">
+              <a:rPr lang="en-GB" smtClean="0"/>
+              <a:t>5</a:t>
+            </a:fld>
+            <a:endParaRPr lang="en-GB"/>
+          </a:p>
+        </p:txBody>
+      </p:sp>
+    </p:spTree>
+    <p:extLst>
+      <p:ext uri="{BB962C8B-B14F-4D97-AF65-F5344CB8AC3E}">
+        <p14:creationId xmlns:p14="http://schemas.microsoft.com/office/powerpoint/2010/main" val="218573903"/>
+      </p:ext>
+    </p:extLst>
+  </p:cSld>
+  <p:clrMapOvr>
+    <a:masterClrMapping/>
+  </p:clrMapOvr>
+</p:notes>
+</file>
+
+<file path=ppt/notesSlides/notesSlide4.xml><?xml version="1.0" encoding="utf-8"?>
+<p:notes xmlns:a="http://schemas.openxmlformats.org/drawingml/2006/main" xmlns:r="http://schemas.openxmlformats.org/officeDocument/2006/relationships" xmlns:p="http://schemas.openxmlformats.org/presentationml/2006/main">
+  <p:cSld>
+    <p:spTree>
+      <p:nvGrpSpPr>
+        <p:cNvPr id="1" name=""/>
+        <p:cNvGrpSpPr/>
+        <p:nvPr/>
+      </p:nvGrpSpPr>
+      <p:grpSpPr>
+        <a:xfrm>
+          <a:off x="0" y="0"/>
+          <a:ext cx="0" cy="0"/>
+          <a:chOff x="0" y="0"/>
+          <a:chExt cx="0" cy="0"/>
+        </a:xfrm>
+      </p:grpSpPr>
+      <p:sp>
+        <p:nvSpPr>
+          <p:cNvPr id="2" name="Slide Image Placeholder 1"/>
+          <p:cNvSpPr>
+            <a:spLocks noGrp="1" noRot="1" noChangeAspect="1"/>
+          </p:cNvSpPr>
+          <p:nvPr>
+            <p:ph type="sldImg"/>
+          </p:nvPr>
+        </p:nvSpPr>
+        <p:spPr/>
+      </p:sp>
+      <p:sp>
+        <p:nvSpPr>
+          <p:cNvPr id="3" name="Notes Placeholder 2"/>
+          <p:cNvSpPr>
+            <a:spLocks noGrp="1"/>
+          </p:cNvSpPr>
+          <p:nvPr>
+            <p:ph type="body" idx="1"/>
+          </p:nvPr>
+        </p:nvSpPr>
+        <p:spPr/>
+        <p:txBody>
+          <a:bodyPr/>
+          <a:lstStyle/>
+          <a:p>
+            <a:r>
+              <a:rPr lang="it-IT" dirty="0" smtClean="0"/>
+              <a:t>Chiarire il contesto, un</a:t>
+            </a:r>
+            <a:r>
+              <a:rPr lang="it-IT" baseline="0" dirty="0" smtClean="0"/>
+              <a:t> solo cambiamento logico, descrivere il cambiamento, non il codice, mantieni il presente, rispondendo alla domanda «cosa applica questo </a:t>
+            </a:r>
+            <a:r>
+              <a:rPr lang="it-IT" baseline="0" dirty="0" err="1" smtClean="0"/>
+              <a:t>commit</a:t>
+            </a:r>
+            <a:r>
+              <a:rPr lang="it-IT" baseline="0" dirty="0" smtClean="0"/>
+              <a:t>?»</a:t>
+            </a:r>
+            <a:endParaRPr lang="en-GB" dirty="0"/>
+          </a:p>
+        </p:txBody>
+      </p:sp>
+      <p:sp>
+        <p:nvSpPr>
+          <p:cNvPr id="4" name="Slide Number Placeholder 3"/>
+          <p:cNvSpPr>
+            <a:spLocks noGrp="1"/>
+          </p:cNvSpPr>
+          <p:nvPr>
+            <p:ph type="sldNum" sz="quarter" idx="10"/>
+          </p:nvPr>
+        </p:nvSpPr>
+        <p:spPr/>
+        <p:txBody>
+          <a:bodyPr/>
+          <a:lstStyle/>
+          <a:p>
+            <a:fld id="{41826960-2D9A-4E77-89F0-90A563B60D8B}" type="slidenum">
+              <a:rPr lang="en-GB" smtClean="0"/>
+              <a:t>7</a:t>
+            </a:fld>
+            <a:endParaRPr lang="en-GB"/>
+          </a:p>
+        </p:txBody>
+      </p:sp>
+    </p:spTree>
+    <p:extLst>
+      <p:ext uri="{BB962C8B-B14F-4D97-AF65-F5344CB8AC3E}">
+        <p14:creationId xmlns:p14="http://schemas.microsoft.com/office/powerpoint/2010/main" val="1983854150"/>
+      </p:ext>
+    </p:extLst>
+  </p:cSld>
+  <p:clrMapOvr>
+    <a:masterClrMapping/>
+  </p:clrMapOvr>
+</p:notes>
 </file>
 
 <file path=ppt/slideLayouts/slideLayout1.xml><?xml version="1.0" encoding="utf-8"?>
@@ -6062,6 +6885,994 @@
 </p:sld>
 </file>
 
+<file path=ppt/slides/slide10.xml><?xml version="1.0" encoding="utf-8"?>
+<p:sld xmlns:a="http://schemas.openxmlformats.org/drawingml/2006/main" xmlns:r="http://schemas.openxmlformats.org/officeDocument/2006/relationships" xmlns:p="http://schemas.openxmlformats.org/presentationml/2006/main">
+  <p:cSld>
+    <p:spTree>
+      <p:nvGrpSpPr>
+        <p:cNvPr id="1" name=""/>
+        <p:cNvGrpSpPr/>
+        <p:nvPr/>
+      </p:nvGrpSpPr>
+      <p:grpSpPr>
+        <a:xfrm>
+          <a:off x="0" y="0"/>
+          <a:ext cx="0" cy="0"/>
+          <a:chOff x="0" y="0"/>
+          <a:chExt cx="0" cy="0"/>
+        </a:xfrm>
+      </p:grpSpPr>
+      <p:sp>
+        <p:nvSpPr>
+          <p:cNvPr id="2" name="Title 1"/>
+          <p:cNvSpPr>
+            <a:spLocks noGrp="1"/>
+          </p:cNvSpPr>
+          <p:nvPr>
+            <p:ph type="title"/>
+          </p:nvPr>
+        </p:nvSpPr>
+        <p:spPr/>
+        <p:txBody>
+          <a:bodyPr/>
+          <a:lstStyle/>
+          <a:p>
+            <a:r>
+              <a:rPr lang="it-IT" dirty="0" err="1" smtClean="0"/>
+              <a:t>Feature</a:t>
+            </a:r>
+            <a:r>
+              <a:rPr lang="it-IT" dirty="0" smtClean="0"/>
+              <a:t> </a:t>
+            </a:r>
+            <a:r>
+              <a:rPr lang="it-IT" dirty="0" err="1" smtClean="0"/>
+              <a:t>Branch</a:t>
+            </a:r>
+            <a:r>
+              <a:rPr lang="it-IT" dirty="0" smtClean="0"/>
+              <a:t> </a:t>
+            </a:r>
+            <a:r>
+              <a:rPr lang="it-IT" dirty="0" err="1" smtClean="0"/>
+              <a:t>Workflow</a:t>
+            </a:r>
+            <a:endParaRPr lang="en-GB" dirty="0"/>
+          </a:p>
+        </p:txBody>
+      </p:sp>
+      <p:pic>
+        <p:nvPicPr>
+          <p:cNvPr id="4" name="Content Placeholder 3"/>
+          <p:cNvPicPr>
+            <a:picLocks noGrp="1" noChangeAspect="1"/>
+          </p:cNvPicPr>
+          <p:nvPr>
+            <p:ph idx="1"/>
+          </p:nvPr>
+        </p:nvPicPr>
+        <p:blipFill>
+          <a:blip r:embed="rId2"/>
+          <a:stretch>
+            <a:fillRect/>
+          </a:stretch>
+        </p:blipFill>
+        <p:spPr>
+          <a:xfrm>
+            <a:off x="2035821" y="3083626"/>
+            <a:ext cx="7082134" cy="2133785"/>
+          </a:xfrm>
+        </p:spPr>
+      </p:pic>
+    </p:spTree>
+    <p:extLst>
+      <p:ext uri="{BB962C8B-B14F-4D97-AF65-F5344CB8AC3E}">
+        <p14:creationId xmlns:p14="http://schemas.microsoft.com/office/powerpoint/2010/main" val="2942296585"/>
+      </p:ext>
+    </p:extLst>
+  </p:cSld>
+  <p:clrMapOvr>
+    <a:masterClrMapping/>
+  </p:clrMapOvr>
+</p:sld>
+</file>
+
+<file path=ppt/slides/slide11.xml><?xml version="1.0" encoding="utf-8"?>
+<p:sld xmlns:a="http://schemas.openxmlformats.org/drawingml/2006/main" xmlns:r="http://schemas.openxmlformats.org/officeDocument/2006/relationships" xmlns:p="http://schemas.openxmlformats.org/presentationml/2006/main">
+  <p:cSld>
+    <p:spTree>
+      <p:nvGrpSpPr>
+        <p:cNvPr id="1" name=""/>
+        <p:cNvGrpSpPr/>
+        <p:nvPr/>
+      </p:nvGrpSpPr>
+      <p:grpSpPr>
+        <a:xfrm>
+          <a:off x="0" y="0"/>
+          <a:ext cx="0" cy="0"/>
+          <a:chOff x="0" y="0"/>
+          <a:chExt cx="0" cy="0"/>
+        </a:xfrm>
+      </p:grpSpPr>
+      <p:sp>
+        <p:nvSpPr>
+          <p:cNvPr id="2" name="Title 1"/>
+          <p:cNvSpPr>
+            <a:spLocks noGrp="1"/>
+          </p:cNvSpPr>
+          <p:nvPr>
+            <p:ph type="title"/>
+          </p:nvPr>
+        </p:nvSpPr>
+        <p:spPr/>
+        <p:txBody>
+          <a:bodyPr/>
+          <a:lstStyle/>
+          <a:p>
+            <a:r>
+              <a:rPr lang="it-IT" dirty="0" err="1" smtClean="0"/>
+              <a:t>Gitflow</a:t>
+            </a:r>
+            <a:r>
+              <a:rPr lang="it-IT" dirty="0" smtClean="0"/>
+              <a:t> </a:t>
+            </a:r>
+            <a:r>
+              <a:rPr lang="it-IT" dirty="0" err="1" smtClean="0"/>
+              <a:t>Workflow</a:t>
+            </a:r>
+            <a:endParaRPr lang="en-GB" dirty="0"/>
+          </a:p>
+        </p:txBody>
+      </p:sp>
+      <p:pic>
+        <p:nvPicPr>
+          <p:cNvPr id="4" name="Content Placeholder 3"/>
+          <p:cNvPicPr>
+            <a:picLocks noGrp="1" noChangeAspect="1"/>
+          </p:cNvPicPr>
+          <p:nvPr>
+            <p:ph idx="1"/>
+          </p:nvPr>
+        </p:nvPicPr>
+        <p:blipFill>
+          <a:blip r:embed="rId2"/>
+          <a:stretch>
+            <a:fillRect/>
+          </a:stretch>
+        </p:blipFill>
+        <p:spPr>
+          <a:xfrm>
+            <a:off x="1756397" y="2575582"/>
+            <a:ext cx="7640982" cy="3149873"/>
+          </a:xfrm>
+        </p:spPr>
+      </p:pic>
+    </p:spTree>
+    <p:extLst>
+      <p:ext uri="{BB962C8B-B14F-4D97-AF65-F5344CB8AC3E}">
+        <p14:creationId xmlns:p14="http://schemas.microsoft.com/office/powerpoint/2010/main" val="1232142752"/>
+      </p:ext>
+    </p:extLst>
+  </p:cSld>
+  <p:clrMapOvr>
+    <a:masterClrMapping/>
+  </p:clrMapOvr>
+</p:sld>
+</file>
+
+<file path=ppt/slides/slide12.xml><?xml version="1.0" encoding="utf-8"?>
+<p:sld xmlns:a="http://schemas.openxmlformats.org/drawingml/2006/main" xmlns:r="http://schemas.openxmlformats.org/officeDocument/2006/relationships" xmlns:p="http://schemas.openxmlformats.org/presentationml/2006/main">
+  <p:cSld>
+    <p:spTree>
+      <p:nvGrpSpPr>
+        <p:cNvPr id="1" name=""/>
+        <p:cNvGrpSpPr/>
+        <p:nvPr/>
+      </p:nvGrpSpPr>
+      <p:grpSpPr>
+        <a:xfrm>
+          <a:off x="0" y="0"/>
+          <a:ext cx="0" cy="0"/>
+          <a:chOff x="0" y="0"/>
+          <a:chExt cx="0" cy="0"/>
+        </a:xfrm>
+      </p:grpSpPr>
+      <p:sp>
+        <p:nvSpPr>
+          <p:cNvPr id="2" name="Title 1"/>
+          <p:cNvSpPr>
+            <a:spLocks noGrp="1"/>
+          </p:cNvSpPr>
+          <p:nvPr>
+            <p:ph type="title"/>
+          </p:nvPr>
+        </p:nvSpPr>
+        <p:spPr/>
+        <p:txBody>
+          <a:bodyPr/>
+          <a:lstStyle/>
+          <a:p>
+            <a:r>
+              <a:rPr lang="it-IT" dirty="0" err="1" smtClean="0"/>
+              <a:t>Forking</a:t>
+            </a:r>
+            <a:r>
+              <a:rPr lang="it-IT" dirty="0" smtClean="0"/>
+              <a:t> </a:t>
+            </a:r>
+            <a:r>
+              <a:rPr lang="it-IT" dirty="0" err="1" smtClean="0"/>
+              <a:t>Workflow</a:t>
+            </a:r>
+            <a:endParaRPr lang="en-GB" dirty="0"/>
+          </a:p>
+        </p:txBody>
+      </p:sp>
+      <p:pic>
+        <p:nvPicPr>
+          <p:cNvPr id="4" name="Content Placeholder 3"/>
+          <p:cNvPicPr>
+            <a:picLocks noGrp="1" noChangeAspect="1"/>
+          </p:cNvPicPr>
+          <p:nvPr>
+            <p:ph idx="1"/>
+          </p:nvPr>
+        </p:nvPicPr>
+        <p:blipFill>
+          <a:blip r:embed="rId2"/>
+          <a:stretch>
+            <a:fillRect/>
+          </a:stretch>
+        </p:blipFill>
+        <p:spPr>
+          <a:xfrm>
+            <a:off x="2867736" y="2052638"/>
+            <a:ext cx="5418303" cy="4195762"/>
+          </a:xfrm>
+        </p:spPr>
+      </p:pic>
+    </p:spTree>
+    <p:extLst>
+      <p:ext uri="{BB962C8B-B14F-4D97-AF65-F5344CB8AC3E}">
+        <p14:creationId xmlns:p14="http://schemas.microsoft.com/office/powerpoint/2010/main" val="1220355524"/>
+      </p:ext>
+    </p:extLst>
+  </p:cSld>
+  <p:clrMapOvr>
+    <a:masterClrMapping/>
+  </p:clrMapOvr>
+</p:sld>
+</file>
+
+<file path=ppt/slides/slide13.xml><?xml version="1.0" encoding="utf-8"?>
+<p:sld xmlns:a="http://schemas.openxmlformats.org/drawingml/2006/main" xmlns:r="http://schemas.openxmlformats.org/officeDocument/2006/relationships" xmlns:p="http://schemas.openxmlformats.org/presentationml/2006/main">
+  <p:cSld>
+    <p:spTree>
+      <p:nvGrpSpPr>
+        <p:cNvPr id="1" name=""/>
+        <p:cNvGrpSpPr/>
+        <p:nvPr/>
+      </p:nvGrpSpPr>
+      <p:grpSpPr>
+        <a:xfrm>
+          <a:off x="0" y="0"/>
+          <a:ext cx="0" cy="0"/>
+          <a:chOff x="0" y="0"/>
+          <a:chExt cx="0" cy="0"/>
+        </a:xfrm>
+      </p:grpSpPr>
+      <p:sp>
+        <p:nvSpPr>
+          <p:cNvPr id="2" name="Title 1"/>
+          <p:cNvSpPr>
+            <a:spLocks noGrp="1"/>
+          </p:cNvSpPr>
+          <p:nvPr>
+            <p:ph type="title"/>
+          </p:nvPr>
+        </p:nvSpPr>
+        <p:spPr/>
+        <p:txBody>
+          <a:bodyPr/>
+          <a:lstStyle/>
+          <a:p>
+            <a:r>
+              <a:rPr lang="it-IT" dirty="0" err="1" smtClean="0"/>
+              <a:t>GitHub</a:t>
+            </a:r>
+            <a:r>
+              <a:rPr lang="it-IT" dirty="0" smtClean="0"/>
+              <a:t> Flow</a:t>
+            </a:r>
+            <a:endParaRPr lang="en-GB" dirty="0"/>
+          </a:p>
+        </p:txBody>
+      </p:sp>
+      <p:pic>
+        <p:nvPicPr>
+          <p:cNvPr id="6" name="Content Placeholder 5"/>
+          <p:cNvPicPr>
+            <a:picLocks noGrp="1" noChangeAspect="1"/>
+          </p:cNvPicPr>
+          <p:nvPr>
+            <p:ph idx="1"/>
+          </p:nvPr>
+        </p:nvPicPr>
+        <p:blipFill>
+          <a:blip r:embed="rId2"/>
+          <a:stretch>
+            <a:fillRect/>
+          </a:stretch>
+        </p:blipFill>
+        <p:spPr>
+          <a:xfrm>
+            <a:off x="1571958" y="2818144"/>
+            <a:ext cx="8009860" cy="2664749"/>
+          </a:xfrm>
+        </p:spPr>
+      </p:pic>
+    </p:spTree>
+    <p:extLst>
+      <p:ext uri="{BB962C8B-B14F-4D97-AF65-F5344CB8AC3E}">
+        <p14:creationId xmlns:p14="http://schemas.microsoft.com/office/powerpoint/2010/main" val="189212613"/>
+      </p:ext>
+    </p:extLst>
+  </p:cSld>
+  <p:clrMapOvr>
+    <a:masterClrMapping/>
+  </p:clrMapOvr>
+</p:sld>
+</file>
+
+<file path=ppt/slides/slide14.xml><?xml version="1.0" encoding="utf-8"?>
+<p:sld xmlns:a="http://schemas.openxmlformats.org/drawingml/2006/main" xmlns:r="http://schemas.openxmlformats.org/officeDocument/2006/relationships" xmlns:p="http://schemas.openxmlformats.org/presentationml/2006/main">
+  <p:cSld>
+    <p:spTree>
+      <p:nvGrpSpPr>
+        <p:cNvPr id="1" name=""/>
+        <p:cNvGrpSpPr/>
+        <p:nvPr/>
+      </p:nvGrpSpPr>
+      <p:grpSpPr>
+        <a:xfrm>
+          <a:off x="0" y="0"/>
+          <a:ext cx="0" cy="0"/>
+          <a:chOff x="0" y="0"/>
+          <a:chExt cx="0" cy="0"/>
+        </a:xfrm>
+      </p:grpSpPr>
+      <p:sp>
+        <p:nvSpPr>
+          <p:cNvPr id="2" name="Title 1"/>
+          <p:cNvSpPr>
+            <a:spLocks noGrp="1"/>
+          </p:cNvSpPr>
+          <p:nvPr>
+            <p:ph type="title"/>
+          </p:nvPr>
+        </p:nvSpPr>
+        <p:spPr/>
+        <p:txBody>
+          <a:bodyPr/>
+          <a:lstStyle/>
+          <a:p>
+            <a:r>
+              <a:rPr lang="en-GB" dirty="0"/>
+              <a:t>I U+2665 CLI</a:t>
+            </a:r>
+          </a:p>
+        </p:txBody>
+      </p:sp>
+      <p:sp>
+        <p:nvSpPr>
+          <p:cNvPr id="3" name="Text Placeholder 2"/>
+          <p:cNvSpPr>
+            <a:spLocks noGrp="1"/>
+          </p:cNvSpPr>
+          <p:nvPr>
+            <p:ph type="body" idx="1"/>
+          </p:nvPr>
+        </p:nvSpPr>
+        <p:spPr/>
+        <p:txBody>
+          <a:bodyPr/>
+          <a:lstStyle/>
+          <a:p>
+            <a:r>
+              <a:rPr lang="it-IT" dirty="0"/>
+              <a:t>Ovvero: come ho imparato a non preoccuparmi e ad amare la </a:t>
+            </a:r>
+            <a:r>
+              <a:rPr lang="it-IT" dirty="0" smtClean="0"/>
+              <a:t>line di comando</a:t>
+            </a:r>
+            <a:endParaRPr lang="en-GB" dirty="0"/>
+          </a:p>
+        </p:txBody>
+      </p:sp>
+    </p:spTree>
+    <p:extLst>
+      <p:ext uri="{BB962C8B-B14F-4D97-AF65-F5344CB8AC3E}">
+        <p14:creationId xmlns:p14="http://schemas.microsoft.com/office/powerpoint/2010/main" val="1316777109"/>
+      </p:ext>
+    </p:extLst>
+  </p:cSld>
+  <p:clrMapOvr>
+    <a:masterClrMapping/>
+  </p:clrMapOvr>
+</p:sld>
+</file>
+
+<file path=ppt/slides/slide15.xml><?xml version="1.0" encoding="utf-8"?>
+<p:sld xmlns:a="http://schemas.openxmlformats.org/drawingml/2006/main" xmlns:r="http://schemas.openxmlformats.org/officeDocument/2006/relationships" xmlns:p="http://schemas.openxmlformats.org/presentationml/2006/main">
+  <p:cSld>
+    <p:spTree>
+      <p:nvGrpSpPr>
+        <p:cNvPr id="1" name=""/>
+        <p:cNvGrpSpPr/>
+        <p:nvPr/>
+      </p:nvGrpSpPr>
+      <p:grpSpPr>
+        <a:xfrm>
+          <a:off x="0" y="0"/>
+          <a:ext cx="0" cy="0"/>
+          <a:chOff x="0" y="0"/>
+          <a:chExt cx="0" cy="0"/>
+        </a:xfrm>
+      </p:grpSpPr>
+      <p:sp>
+        <p:nvSpPr>
+          <p:cNvPr id="2" name="Title 1"/>
+          <p:cNvSpPr>
+            <a:spLocks noGrp="1"/>
+          </p:cNvSpPr>
+          <p:nvPr>
+            <p:ph type="title"/>
+          </p:nvPr>
+        </p:nvSpPr>
+        <p:spPr/>
+        <p:txBody>
+          <a:bodyPr/>
+          <a:lstStyle/>
+          <a:p>
+            <a:r>
+              <a:rPr lang="it-IT" dirty="0" smtClean="0"/>
+              <a:t>Comandi base</a:t>
+            </a:r>
+            <a:endParaRPr lang="en-GB" dirty="0"/>
+          </a:p>
+        </p:txBody>
+      </p:sp>
+      <p:sp>
+        <p:nvSpPr>
+          <p:cNvPr id="3" name="Text Placeholder 2"/>
+          <p:cNvSpPr>
+            <a:spLocks noGrp="1"/>
+          </p:cNvSpPr>
+          <p:nvPr>
+            <p:ph type="body" idx="1"/>
+          </p:nvPr>
+        </p:nvSpPr>
+        <p:spPr/>
+        <p:txBody>
+          <a:bodyPr/>
+          <a:lstStyle/>
+          <a:p>
+            <a:r>
+              <a:rPr lang="it-IT" dirty="0" smtClean="0"/>
+              <a:t>La solita pizza</a:t>
+            </a:r>
+            <a:endParaRPr lang="en-GB" dirty="0"/>
+          </a:p>
+        </p:txBody>
+      </p:sp>
+    </p:spTree>
+    <p:extLst>
+      <p:ext uri="{BB962C8B-B14F-4D97-AF65-F5344CB8AC3E}">
+        <p14:creationId xmlns:p14="http://schemas.microsoft.com/office/powerpoint/2010/main" val="1597678138"/>
+      </p:ext>
+    </p:extLst>
+  </p:cSld>
+  <p:clrMapOvr>
+    <a:masterClrMapping/>
+  </p:clrMapOvr>
+</p:sld>
+</file>
+
+<file path=ppt/slides/slide16.xml><?xml version="1.0" encoding="utf-8"?>
+<p:sld xmlns:a="http://schemas.openxmlformats.org/drawingml/2006/main" xmlns:r="http://schemas.openxmlformats.org/officeDocument/2006/relationships" xmlns:p="http://schemas.openxmlformats.org/presentationml/2006/main">
+  <p:cSld>
+    <p:spTree>
+      <p:nvGrpSpPr>
+        <p:cNvPr id="1" name=""/>
+        <p:cNvGrpSpPr/>
+        <p:nvPr/>
+      </p:nvGrpSpPr>
+      <p:grpSpPr>
+        <a:xfrm>
+          <a:off x="0" y="0"/>
+          <a:ext cx="0" cy="0"/>
+          <a:chOff x="0" y="0"/>
+          <a:chExt cx="0" cy="0"/>
+        </a:xfrm>
+      </p:grpSpPr>
+      <p:sp>
+        <p:nvSpPr>
+          <p:cNvPr id="2" name="Title 1"/>
+          <p:cNvSpPr>
+            <a:spLocks noGrp="1"/>
+          </p:cNvSpPr>
+          <p:nvPr>
+            <p:ph type="title"/>
+          </p:nvPr>
+        </p:nvSpPr>
+        <p:spPr/>
+        <p:txBody>
+          <a:bodyPr/>
+          <a:lstStyle/>
+          <a:p>
+            <a:r>
+              <a:rPr lang="it-IT" dirty="0" smtClean="0"/>
+              <a:t>Li sappiamo tutti?</a:t>
+            </a:r>
+            <a:endParaRPr lang="en-GB" dirty="0"/>
+          </a:p>
+        </p:txBody>
+      </p:sp>
+      <p:sp>
+        <p:nvSpPr>
+          <p:cNvPr id="3" name="Content Placeholder 2"/>
+          <p:cNvSpPr>
+            <a:spLocks noGrp="1"/>
+          </p:cNvSpPr>
+          <p:nvPr>
+            <p:ph idx="1"/>
+          </p:nvPr>
+        </p:nvSpPr>
+        <p:spPr/>
+        <p:txBody>
+          <a:bodyPr numCol="2"/>
+          <a:lstStyle/>
+          <a:p>
+            <a:r>
+              <a:rPr lang="it-IT" dirty="0" err="1" smtClean="0"/>
+              <a:t>git</a:t>
+            </a:r>
+            <a:r>
+              <a:rPr lang="it-IT" dirty="0" smtClean="0"/>
+              <a:t> </a:t>
+            </a:r>
+            <a:r>
+              <a:rPr lang="it-IT" dirty="0" err="1" smtClean="0"/>
+              <a:t>add</a:t>
+            </a:r>
+            <a:endParaRPr lang="it-IT" dirty="0" smtClean="0"/>
+          </a:p>
+          <a:p>
+            <a:r>
+              <a:rPr lang="it-IT" dirty="0" err="1" smtClean="0"/>
+              <a:t>git</a:t>
+            </a:r>
+            <a:r>
+              <a:rPr lang="it-IT" dirty="0" smtClean="0"/>
+              <a:t> </a:t>
+            </a:r>
+            <a:r>
+              <a:rPr lang="it-IT" dirty="0" err="1" smtClean="0"/>
+              <a:t>diff</a:t>
+            </a:r>
+            <a:endParaRPr lang="it-IT" dirty="0" smtClean="0"/>
+          </a:p>
+          <a:p>
+            <a:r>
+              <a:rPr lang="it-IT" dirty="0" err="1" smtClean="0"/>
+              <a:t>git</a:t>
+            </a:r>
+            <a:r>
+              <a:rPr lang="it-IT" dirty="0" smtClean="0"/>
+              <a:t> </a:t>
+            </a:r>
+            <a:r>
+              <a:rPr lang="it-IT" dirty="0" err="1" smtClean="0"/>
+              <a:t>push</a:t>
+            </a:r>
+            <a:endParaRPr lang="it-IT" dirty="0" smtClean="0"/>
+          </a:p>
+          <a:p>
+            <a:r>
+              <a:rPr lang="it-IT" dirty="0" err="1" smtClean="0"/>
+              <a:t>git</a:t>
+            </a:r>
+            <a:r>
+              <a:rPr lang="it-IT" dirty="0" smtClean="0"/>
+              <a:t> </a:t>
+            </a:r>
+            <a:r>
+              <a:rPr lang="it-IT" dirty="0" err="1" smtClean="0"/>
+              <a:t>fetch</a:t>
+            </a:r>
+            <a:endParaRPr lang="it-IT" dirty="0" smtClean="0"/>
+          </a:p>
+          <a:p>
+            <a:endParaRPr lang="it-IT" dirty="0"/>
+          </a:p>
+          <a:p>
+            <a:endParaRPr lang="it-IT" dirty="0" smtClean="0"/>
+          </a:p>
+          <a:p>
+            <a:endParaRPr lang="it-IT" dirty="0"/>
+          </a:p>
+          <a:p>
+            <a:endParaRPr lang="it-IT" dirty="0" smtClean="0"/>
+          </a:p>
+          <a:p>
+            <a:endParaRPr lang="it-IT" dirty="0"/>
+          </a:p>
+          <a:p>
+            <a:r>
+              <a:rPr lang="it-IT" dirty="0" err="1" smtClean="0"/>
+              <a:t>git</a:t>
+            </a:r>
+            <a:r>
+              <a:rPr lang="it-IT" dirty="0" smtClean="0"/>
+              <a:t> </a:t>
+            </a:r>
+            <a:r>
+              <a:rPr lang="it-IT" dirty="0" err="1" smtClean="0"/>
+              <a:t>commit</a:t>
+            </a:r>
+            <a:endParaRPr lang="it-IT" dirty="0" smtClean="0"/>
+          </a:p>
+          <a:p>
+            <a:r>
+              <a:rPr lang="it-IT" dirty="0" err="1" smtClean="0"/>
+              <a:t>git</a:t>
+            </a:r>
+            <a:r>
+              <a:rPr lang="it-IT" dirty="0" smtClean="0"/>
+              <a:t> log</a:t>
+            </a:r>
+          </a:p>
+          <a:p>
+            <a:r>
+              <a:rPr lang="it-IT" dirty="0" err="1" smtClean="0"/>
+              <a:t>git</a:t>
+            </a:r>
+            <a:r>
+              <a:rPr lang="it-IT" dirty="0" smtClean="0"/>
+              <a:t> pull</a:t>
+            </a:r>
+          </a:p>
+          <a:p>
+            <a:r>
+              <a:rPr lang="it-IT" dirty="0" err="1" smtClean="0"/>
+              <a:t>git</a:t>
+            </a:r>
+            <a:r>
+              <a:rPr lang="it-IT" dirty="0" smtClean="0"/>
+              <a:t> </a:t>
+            </a:r>
+            <a:r>
+              <a:rPr lang="it-IT" dirty="0" err="1" smtClean="0"/>
+              <a:t>rebase</a:t>
+            </a:r>
+            <a:endParaRPr lang="it-IT" dirty="0" smtClean="0"/>
+          </a:p>
+          <a:p>
+            <a:endParaRPr lang="it-IT" dirty="0"/>
+          </a:p>
+          <a:p>
+            <a:endParaRPr lang="it-IT" dirty="0" smtClean="0"/>
+          </a:p>
+          <a:p>
+            <a:endParaRPr lang="it-IT" dirty="0"/>
+          </a:p>
+          <a:p>
+            <a:endParaRPr lang="it-IT" dirty="0" smtClean="0"/>
+          </a:p>
+          <a:p>
+            <a:r>
+              <a:rPr lang="it-IT" dirty="0" err="1" smtClean="0"/>
+              <a:t>git</a:t>
+            </a:r>
+            <a:r>
+              <a:rPr lang="it-IT" dirty="0" smtClean="0"/>
+              <a:t> show</a:t>
+            </a:r>
+            <a:endParaRPr lang="en-GB" dirty="0"/>
+          </a:p>
+        </p:txBody>
+      </p:sp>
+    </p:spTree>
+    <p:extLst>
+      <p:ext uri="{BB962C8B-B14F-4D97-AF65-F5344CB8AC3E}">
+        <p14:creationId xmlns:p14="http://schemas.microsoft.com/office/powerpoint/2010/main" val="125807149"/>
+      </p:ext>
+    </p:extLst>
+  </p:cSld>
+  <p:clrMapOvr>
+    <a:masterClrMapping/>
+  </p:clrMapOvr>
+</p:sld>
+</file>
+
+<file path=ppt/slides/slide17.xml><?xml version="1.0" encoding="utf-8"?>
+<p:sld xmlns:a="http://schemas.openxmlformats.org/drawingml/2006/main" xmlns:r="http://schemas.openxmlformats.org/officeDocument/2006/relationships" xmlns:p="http://schemas.openxmlformats.org/presentationml/2006/main">
+  <p:cSld>
+    <p:spTree>
+      <p:nvGrpSpPr>
+        <p:cNvPr id="1" name=""/>
+        <p:cNvGrpSpPr/>
+        <p:nvPr/>
+      </p:nvGrpSpPr>
+      <p:grpSpPr>
+        <a:xfrm>
+          <a:off x="0" y="0"/>
+          <a:ext cx="0" cy="0"/>
+          <a:chOff x="0" y="0"/>
+          <a:chExt cx="0" cy="0"/>
+        </a:xfrm>
+      </p:grpSpPr>
+      <p:sp>
+        <p:nvSpPr>
+          <p:cNvPr id="2" name="Title 1"/>
+          <p:cNvSpPr>
+            <a:spLocks noGrp="1"/>
+          </p:cNvSpPr>
+          <p:nvPr>
+            <p:ph type="title"/>
+          </p:nvPr>
+        </p:nvSpPr>
+        <p:spPr/>
+        <p:txBody>
+          <a:bodyPr/>
+          <a:lstStyle/>
+          <a:p>
+            <a:r>
+              <a:rPr lang="it-IT" dirty="0" err="1" smtClean="0"/>
+              <a:t>Porcelain</a:t>
+            </a:r>
+            <a:r>
+              <a:rPr lang="it-IT" dirty="0" smtClean="0"/>
+              <a:t>?</a:t>
+            </a:r>
+            <a:endParaRPr lang="en-GB" dirty="0"/>
+          </a:p>
+        </p:txBody>
+      </p:sp>
+      <p:sp>
+        <p:nvSpPr>
+          <p:cNvPr id="3" name="Text Placeholder 2"/>
+          <p:cNvSpPr>
+            <a:spLocks noGrp="1"/>
+          </p:cNvSpPr>
+          <p:nvPr>
+            <p:ph type="body" idx="1"/>
+          </p:nvPr>
+        </p:nvSpPr>
+        <p:spPr/>
+        <p:txBody>
+          <a:bodyPr/>
+          <a:lstStyle/>
+          <a:p>
+            <a:r>
+              <a:rPr lang="it-IT" dirty="0" smtClean="0"/>
+              <a:t>Quando sei arrivato sul fondo, scava</a:t>
+            </a:r>
+            <a:endParaRPr lang="en-GB" dirty="0"/>
+          </a:p>
+        </p:txBody>
+      </p:sp>
+    </p:spTree>
+    <p:extLst>
+      <p:ext uri="{BB962C8B-B14F-4D97-AF65-F5344CB8AC3E}">
+        <p14:creationId xmlns:p14="http://schemas.microsoft.com/office/powerpoint/2010/main" val="489464535"/>
+      </p:ext>
+    </p:extLst>
+  </p:cSld>
+  <p:clrMapOvr>
+    <a:masterClrMapping/>
+  </p:clrMapOvr>
+</p:sld>
+</file>
+
+<file path=ppt/slides/slide18.xml><?xml version="1.0" encoding="utf-8"?>
+<p:sld xmlns:a="http://schemas.openxmlformats.org/drawingml/2006/main" xmlns:r="http://schemas.openxmlformats.org/officeDocument/2006/relationships" xmlns:p="http://schemas.openxmlformats.org/presentationml/2006/main">
+  <p:cSld>
+    <p:spTree>
+      <p:nvGrpSpPr>
+        <p:cNvPr id="1" name=""/>
+        <p:cNvGrpSpPr/>
+        <p:nvPr/>
+      </p:nvGrpSpPr>
+      <p:grpSpPr>
+        <a:xfrm>
+          <a:off x="0" y="0"/>
+          <a:ext cx="0" cy="0"/>
+          <a:chOff x="0" y="0"/>
+          <a:chExt cx="0" cy="0"/>
+        </a:xfrm>
+      </p:grpSpPr>
+      <p:sp>
+        <p:nvSpPr>
+          <p:cNvPr id="2" name="Title 1"/>
+          <p:cNvSpPr>
+            <a:spLocks noGrp="1"/>
+          </p:cNvSpPr>
+          <p:nvPr>
+            <p:ph type="title"/>
+          </p:nvPr>
+        </p:nvSpPr>
+        <p:spPr/>
+        <p:txBody>
+          <a:bodyPr/>
+          <a:lstStyle/>
+          <a:p>
+            <a:r>
+              <a:rPr lang="it-IT" dirty="0" smtClean="0"/>
+              <a:t>DETACHED HEAD</a:t>
+            </a:r>
+            <a:endParaRPr lang="en-GB" dirty="0"/>
+          </a:p>
+        </p:txBody>
+      </p:sp>
+      <p:sp>
+        <p:nvSpPr>
+          <p:cNvPr id="3" name="Picture Placeholder 2"/>
+          <p:cNvSpPr>
+            <a:spLocks noGrp="1"/>
+          </p:cNvSpPr>
+          <p:nvPr>
+            <p:ph type="pic" idx="1"/>
+          </p:nvPr>
+        </p:nvSpPr>
+        <p:spPr/>
+      </p:sp>
+      <p:sp>
+        <p:nvSpPr>
+          <p:cNvPr id="4" name="Text Placeholder 3"/>
+          <p:cNvSpPr>
+            <a:spLocks noGrp="1"/>
+          </p:cNvSpPr>
+          <p:nvPr>
+            <p:ph type="body" sz="half" idx="2"/>
+          </p:nvPr>
+        </p:nvSpPr>
+        <p:spPr/>
+        <p:txBody>
+          <a:bodyPr/>
+          <a:lstStyle/>
+          <a:p>
+            <a:endParaRPr lang="en-GB"/>
+          </a:p>
+        </p:txBody>
+      </p:sp>
+    </p:spTree>
+    <p:extLst>
+      <p:ext uri="{BB962C8B-B14F-4D97-AF65-F5344CB8AC3E}">
+        <p14:creationId xmlns:p14="http://schemas.microsoft.com/office/powerpoint/2010/main" val="2807715743"/>
+      </p:ext>
+    </p:extLst>
+  </p:cSld>
+  <p:clrMapOvr>
+    <a:masterClrMapping/>
+  </p:clrMapOvr>
+</p:sld>
+</file>
+
+<file path=ppt/slides/slide19.xml><?xml version="1.0" encoding="utf-8"?>
+<p:sld xmlns:a="http://schemas.openxmlformats.org/drawingml/2006/main" xmlns:r="http://schemas.openxmlformats.org/officeDocument/2006/relationships" xmlns:p="http://schemas.openxmlformats.org/presentationml/2006/main">
+  <p:cSld>
+    <p:spTree>
+      <p:nvGrpSpPr>
+        <p:cNvPr id="1" name=""/>
+        <p:cNvGrpSpPr/>
+        <p:nvPr/>
+      </p:nvGrpSpPr>
+      <p:grpSpPr>
+        <a:xfrm>
+          <a:off x="0" y="0"/>
+          <a:ext cx="0" cy="0"/>
+          <a:chOff x="0" y="0"/>
+          <a:chExt cx="0" cy="0"/>
+        </a:xfrm>
+      </p:grpSpPr>
+      <p:sp>
+        <p:nvSpPr>
+          <p:cNvPr id="2" name="Title 1"/>
+          <p:cNvSpPr>
+            <a:spLocks noGrp="1"/>
+          </p:cNvSpPr>
+          <p:nvPr>
+            <p:ph type="title"/>
+          </p:nvPr>
+        </p:nvSpPr>
+        <p:spPr/>
+        <p:txBody>
+          <a:bodyPr/>
+          <a:lstStyle/>
+          <a:p>
+            <a:r>
+              <a:rPr lang="it-IT" dirty="0" smtClean="0"/>
+              <a:t>Link Utili</a:t>
+            </a:r>
+            <a:endParaRPr lang="en-GB" dirty="0"/>
+          </a:p>
+        </p:txBody>
+      </p:sp>
+      <p:sp>
+        <p:nvSpPr>
+          <p:cNvPr id="3" name="Content Placeholder 2"/>
+          <p:cNvSpPr>
+            <a:spLocks noGrp="1"/>
+          </p:cNvSpPr>
+          <p:nvPr>
+            <p:ph idx="1"/>
+          </p:nvPr>
+        </p:nvSpPr>
+        <p:spPr/>
+        <p:txBody>
+          <a:bodyPr/>
+          <a:lstStyle/>
+          <a:p>
+            <a:r>
+              <a:rPr lang="en-GB" dirty="0" err="1" smtClean="0"/>
+              <a:t>Riferimenti</a:t>
+            </a:r>
+            <a:r>
+              <a:rPr lang="en-GB" dirty="0" smtClean="0"/>
+              <a:t> ultra </a:t>
+            </a:r>
+            <a:r>
+              <a:rPr lang="en-GB" dirty="0" err="1" smtClean="0"/>
+              <a:t>veloci</a:t>
+            </a:r>
+            <a:r>
+              <a:rPr lang="en-GB" dirty="0" smtClean="0"/>
+              <a:t/>
+            </a:r>
+            <a:br>
+              <a:rPr lang="en-GB" dirty="0" smtClean="0"/>
+            </a:br>
+            <a:r>
+              <a:rPr lang="en-GB" dirty="0" smtClean="0">
+                <a:hlinkClick r:id="rId2"/>
+              </a:rPr>
+              <a:t>https</a:t>
+            </a:r>
+            <a:r>
+              <a:rPr lang="en-GB" dirty="0">
+                <a:hlinkClick r:id="rId2"/>
+              </a:rPr>
+              <a:t>://</a:t>
+            </a:r>
+            <a:r>
+              <a:rPr lang="en-GB" dirty="0" smtClean="0">
+                <a:hlinkClick r:id="rId2"/>
+              </a:rPr>
+              <a:t>git-scm.com/docs/everyday</a:t>
+            </a:r>
+            <a:endParaRPr lang="en-GB" dirty="0" smtClean="0"/>
+          </a:p>
+          <a:p>
+            <a:endParaRPr lang="en-GB" dirty="0"/>
+          </a:p>
+        </p:txBody>
+      </p:sp>
+    </p:spTree>
+    <p:extLst>
+      <p:ext uri="{BB962C8B-B14F-4D97-AF65-F5344CB8AC3E}">
+        <p14:creationId xmlns:p14="http://schemas.microsoft.com/office/powerpoint/2010/main" val="2392760351"/>
+      </p:ext>
+    </p:extLst>
+  </p:cSld>
+  <p:clrMapOvr>
+    <a:masterClrMapping/>
+  </p:clrMapOvr>
+</p:sld>
+</file>
+
 <file path=ppt/slides/slide2.xml><?xml version="1.0" encoding="utf-8"?>
 <p:sld xmlns:a="http://schemas.openxmlformats.org/drawingml/2006/main" xmlns:r="http://schemas.openxmlformats.org/officeDocument/2006/relationships" xmlns:p="http://schemas.openxmlformats.org/presentationml/2006/main">
   <p:cSld>
@@ -6129,6 +7940,213 @@
     <p:extLst>
       <p:ext uri="{BB962C8B-B14F-4D97-AF65-F5344CB8AC3E}">
         <p14:creationId xmlns:p14="http://schemas.microsoft.com/office/powerpoint/2010/main" val="2079743202"/>
+      </p:ext>
+    </p:extLst>
+  </p:cSld>
+  <p:clrMapOvr>
+    <a:masterClrMapping/>
+  </p:clrMapOvr>
+</p:sld>
+</file>
+
+<file path=ppt/slides/slide20.xml><?xml version="1.0" encoding="utf-8"?>
+<p:sld xmlns:a="http://schemas.openxmlformats.org/drawingml/2006/main" xmlns:r="http://schemas.openxmlformats.org/officeDocument/2006/relationships" xmlns:p="http://schemas.openxmlformats.org/presentationml/2006/main">
+  <p:cSld>
+    <p:spTree>
+      <p:nvGrpSpPr>
+        <p:cNvPr id="1" name=""/>
+        <p:cNvGrpSpPr/>
+        <p:nvPr/>
+      </p:nvGrpSpPr>
+      <p:grpSpPr>
+        <a:xfrm>
+          <a:off x="0" y="0"/>
+          <a:ext cx="0" cy="0"/>
+          <a:chOff x="0" y="0"/>
+          <a:chExt cx="0" cy="0"/>
+        </a:xfrm>
+      </p:grpSpPr>
+      <p:sp>
+        <p:nvSpPr>
+          <p:cNvPr id="2" name="Title 1"/>
+          <p:cNvSpPr>
+            <a:spLocks noGrp="1"/>
+          </p:cNvSpPr>
+          <p:nvPr>
+            <p:ph type="title"/>
+          </p:nvPr>
+        </p:nvSpPr>
+        <p:spPr/>
+        <p:txBody>
+          <a:bodyPr/>
+          <a:lstStyle/>
+          <a:p>
+            <a:r>
+              <a:rPr lang="it-IT" dirty="0" smtClean="0"/>
+              <a:t>Dove ho rubato</a:t>
+            </a:r>
+            <a:endParaRPr lang="en-GB" dirty="0"/>
+          </a:p>
+        </p:txBody>
+      </p:sp>
+      <p:sp>
+        <p:nvSpPr>
+          <p:cNvPr id="3" name="Content Placeholder 2"/>
+          <p:cNvSpPr>
+            <a:spLocks noGrp="1"/>
+          </p:cNvSpPr>
+          <p:nvPr>
+            <p:ph idx="1"/>
+          </p:nvPr>
+        </p:nvSpPr>
+        <p:spPr/>
+        <p:txBody>
+          <a:bodyPr/>
+          <a:lstStyle/>
+          <a:p>
+            <a:r>
+              <a:rPr lang="en-GB" dirty="0" smtClean="0"/>
+              <a:t>Video </a:t>
+            </a:r>
+            <a:r>
+              <a:rPr lang="en-GB" dirty="0" err="1" smtClean="0"/>
+              <a:t>fantastico</a:t>
+            </a:r>
+            <a:r>
+              <a:rPr lang="en-GB" dirty="0" smtClean="0"/>
+              <a:t> di Lorna Mitchell </a:t>
+            </a:r>
+            <a:br>
+              <a:rPr lang="en-GB" dirty="0" smtClean="0"/>
+            </a:br>
+            <a:r>
+              <a:rPr lang="en-GB" dirty="0" smtClean="0">
+                <a:hlinkClick r:id="rId2"/>
+              </a:rPr>
+              <a:t>https</a:t>
+            </a:r>
+            <a:r>
+              <a:rPr lang="en-GB" dirty="0">
+                <a:hlinkClick r:id="rId2"/>
+              </a:rPr>
+              <a:t>://</a:t>
+            </a:r>
+            <a:r>
+              <a:rPr lang="en-GB" dirty="0" smtClean="0">
+                <a:hlinkClick r:id="rId2"/>
+              </a:rPr>
+              <a:t>youtu.be/duqBHik7nRo</a:t>
+            </a:r>
+            <a:endParaRPr lang="en-GB" dirty="0" smtClean="0"/>
+          </a:p>
+          <a:p>
+            <a:r>
+              <a:rPr lang="it-IT" dirty="0" smtClean="0"/>
+              <a:t>Articolo sui messaggi di </a:t>
+            </a:r>
+            <a:r>
+              <a:rPr lang="it-IT" dirty="0" err="1" smtClean="0"/>
+              <a:t>commit</a:t>
+            </a:r>
+            <a:r>
+              <a:rPr lang="it-IT" dirty="0"/>
+              <a:t/>
+            </a:r>
+            <a:br>
+              <a:rPr lang="it-IT" dirty="0"/>
+            </a:br>
+            <a:r>
+              <a:rPr lang="it-IT" dirty="0">
+                <a:hlinkClick r:id="rId3"/>
+              </a:rPr>
+              <a:t>http://</a:t>
+            </a:r>
+            <a:r>
+              <a:rPr lang="it-IT" dirty="0" smtClean="0">
+                <a:hlinkClick r:id="rId3"/>
+              </a:rPr>
+              <a:t>who-t.blogspot.co.at/2009/12/on-commit-messages.html</a:t>
+            </a:r>
+            <a:endParaRPr lang="it-IT" dirty="0" smtClean="0"/>
+          </a:p>
+          <a:p>
+            <a:r>
+              <a:rPr lang="it-IT" dirty="0" smtClean="0"/>
+              <a:t>Guida sui flussi di lavoro </a:t>
+            </a:r>
+            <a:r>
+              <a:rPr lang="it-IT" dirty="0" err="1" smtClean="0"/>
+              <a:t>Atlassian</a:t>
+            </a:r>
+            <a:r>
+              <a:rPr lang="it-IT" dirty="0"/>
+              <a:t/>
+            </a:r>
+            <a:br>
+              <a:rPr lang="it-IT" dirty="0"/>
+            </a:br>
+            <a:r>
+              <a:rPr lang="it-IT" dirty="0">
+                <a:hlinkClick r:id="rId4"/>
+              </a:rPr>
+              <a:t>https://</a:t>
+            </a:r>
+            <a:r>
+              <a:rPr lang="it-IT" dirty="0" smtClean="0">
+                <a:hlinkClick r:id="rId4"/>
+              </a:rPr>
+              <a:t>www.atlassian.com/git/tutorials/comparing-workflows</a:t>
+            </a:r>
+            <a:endParaRPr lang="it-IT" dirty="0" smtClean="0"/>
+          </a:p>
+          <a:p>
+            <a:r>
+              <a:rPr lang="it-IT" dirty="0" smtClean="0"/>
+              <a:t>Indispensabile </a:t>
+            </a:r>
+            <a:r>
+              <a:rPr lang="it-IT" dirty="0" err="1" smtClean="0"/>
+              <a:t>GitHub</a:t>
+            </a:r>
+            <a:r>
+              <a:rPr lang="it-IT" dirty="0"/>
+              <a:t> Flow</a:t>
+            </a:r>
+            <a:br>
+              <a:rPr lang="it-IT" dirty="0"/>
+            </a:br>
+            <a:r>
+              <a:rPr lang="it-IT" dirty="0">
+                <a:hlinkClick r:id="rId5"/>
+              </a:rPr>
+              <a:t>https://guides.github.com/introduction/flow</a:t>
+            </a:r>
+            <a:r>
+              <a:rPr lang="it-IT" dirty="0" smtClean="0">
+                <a:hlinkClick r:id="rId5"/>
+              </a:rPr>
+              <a:t>/</a:t>
+            </a:r>
+            <a:endParaRPr lang="it-IT" dirty="0" smtClean="0"/>
+          </a:p>
+          <a:p>
+            <a:endParaRPr lang="it-IT" dirty="0" smtClean="0"/>
+          </a:p>
+          <a:p>
+            <a:endParaRPr lang="en-GB" dirty="0" smtClean="0"/>
+          </a:p>
+          <a:p>
+            <a:endParaRPr lang="en-GB" dirty="0" smtClean="0"/>
+          </a:p>
+          <a:p>
+            <a:endParaRPr lang="en-GB" dirty="0"/>
+          </a:p>
+        </p:txBody>
+      </p:sp>
+    </p:spTree>
+    <p:extLst>
+      <p:ext uri="{BB962C8B-B14F-4D97-AF65-F5344CB8AC3E}">
+        <p14:creationId xmlns:p14="http://schemas.microsoft.com/office/powerpoint/2010/main" val="1694856285"/>
       </p:ext>
     </p:extLst>
   </p:cSld>
@@ -6170,7 +8188,15 @@
           <a:bodyPr/>
           <a:lstStyle/>
           <a:p>
-            <a:endParaRPr lang="en-GB"/>
+            <a:r>
+              <a:rPr lang="it-IT" dirty="0" smtClean="0"/>
+              <a:t>Giulio </a:t>
+            </a:r>
+            <a:r>
+              <a:rPr lang="it-IT" dirty="0" err="1" smtClean="0"/>
+              <a:t>Caccin</a:t>
+            </a:r>
+            <a:endParaRPr lang="en-GB" dirty="0"/>
           </a:p>
         </p:txBody>
       </p:sp>
@@ -6208,7 +8234,29 @@
           <a:bodyPr/>
           <a:lstStyle/>
           <a:p>
-            <a:endParaRPr lang="en-GB"/>
+            <a:r>
+              <a:rPr lang="it-IT" dirty="0" smtClean="0"/>
+              <a:t>.NET Developer dal 2003</a:t>
+            </a:r>
+          </a:p>
+          <a:p>
+            <a:r>
+              <a:rPr lang="it-IT" dirty="0" smtClean="0"/>
+              <a:t>AXOT da novembre 2014</a:t>
+            </a:r>
+          </a:p>
+          <a:p>
+            <a:r>
+              <a:rPr lang="it-IT" dirty="0" smtClean="0"/>
+              <a:t>Appassionato di diritti umani</a:t>
+            </a:r>
+          </a:p>
+          <a:p>
+            <a:r>
+              <a:rPr lang="it-IT" dirty="0" smtClean="0"/>
+              <a:t>MAI tenuto presentazioni tecniche</a:t>
+            </a:r>
+            <a:endParaRPr lang="en-GB" dirty="0"/>
           </a:p>
         </p:txBody>
       </p:sp>
@@ -6259,7 +8307,7 @@
           <a:p>
             <a:r>
               <a:rPr lang="it-IT" dirty="0" smtClean="0"/>
-              <a:t>Filosofia</a:t>
+              <a:t>Questa sessione</a:t>
             </a:r>
             <a:endParaRPr lang="en-GB" dirty="0"/>
           </a:p>
@@ -6267,12 +8315,24 @@
       </p:sp>
       <p:sp>
         <p:nvSpPr>
-          <p:cNvPr id="3" name="Text Placeholder 2"/>
-          <p:cNvSpPr>
-            <a:spLocks noGrp="1"/>
-          </p:cNvSpPr>
-          <p:nvPr>
-            <p:ph type="body" idx="1"/>
+          <p:cNvPr id="3" name="Picture Placeholder 2"/>
+          <p:cNvSpPr>
+            <a:spLocks noGrp="1"/>
+          </p:cNvSpPr>
+          <p:nvPr>
+            <p:ph type="pic" idx="1"/>
+          </p:nvPr>
+        </p:nvSpPr>
+        <p:spPr/>
+      </p:sp>
+      <p:sp>
+        <p:nvSpPr>
+          <p:cNvPr id="4" name="Text Placeholder 3"/>
+          <p:cNvSpPr>
+            <a:spLocks noGrp="1"/>
+          </p:cNvSpPr>
+          <p:nvPr>
+            <p:ph type="body" sz="half" idx="2"/>
           </p:nvPr>
         </p:nvSpPr>
         <p:spPr/>
@@ -6282,7 +8342,19 @@
           <a:p>
             <a:r>
               <a:rPr lang="it-IT" dirty="0" smtClean="0"/>
-              <a:t>Lo famo strano</a:t>
+              <a:t>Introduce alcuni concetti avanzati</a:t>
+            </a:r>
+          </a:p>
+          <a:p>
+            <a:r>
+              <a:rPr lang="it-IT" dirty="0" smtClean="0"/>
+              <a:t>Punta a livellare conoscenze di strumenti aziendali</a:t>
+            </a:r>
+          </a:p>
+          <a:p>
+            <a:r>
+              <a:rPr lang="it-IT" dirty="0" smtClean="0"/>
+              <a:t>E’ soprattutto una prova</a:t>
             </a:r>
             <a:endParaRPr lang="en-GB" dirty="0"/>
           </a:p>
@@ -6291,7 +8363,7 @@
     </p:spTree>
     <p:extLst>
       <p:ext uri="{BB962C8B-B14F-4D97-AF65-F5344CB8AC3E}">
-        <p14:creationId xmlns:p14="http://schemas.microsoft.com/office/powerpoint/2010/main" val="751349797"/>
+        <p14:creationId xmlns:p14="http://schemas.microsoft.com/office/powerpoint/2010/main" val="1438754641"/>
       </p:ext>
     </p:extLst>
   </p:cSld>
@@ -6335,7 +8407,11 @@
           <a:p>
             <a:r>
               <a:rPr lang="it-IT" dirty="0" smtClean="0"/>
-              <a:t>Flussi</a:t>
+              <a:t>Perché </a:t>
+            </a:r>
+            <a:r>
+              <a:rPr lang="it-IT" dirty="0" err="1" smtClean="0"/>
+              <a:t>Git</a:t>
             </a:r>
             <a:endParaRPr lang="en-GB" dirty="0"/>
           </a:p>
@@ -6343,12 +8419,24 @@
       </p:sp>
       <p:sp>
         <p:nvSpPr>
-          <p:cNvPr id="3" name="Text Placeholder 2"/>
-          <p:cNvSpPr>
-            <a:spLocks noGrp="1"/>
-          </p:cNvSpPr>
-          <p:nvPr>
-            <p:ph type="body" idx="1"/>
+          <p:cNvPr id="3" name="Picture Placeholder 2"/>
+          <p:cNvSpPr>
+            <a:spLocks noGrp="1"/>
+          </p:cNvSpPr>
+          <p:nvPr>
+            <p:ph type="pic" idx="1"/>
+          </p:nvPr>
+        </p:nvSpPr>
+        <p:spPr/>
+      </p:sp>
+      <p:sp>
+        <p:nvSpPr>
+          <p:cNvPr id="4" name="Text Placeholder 3"/>
+          <p:cNvSpPr>
+            <a:spLocks noGrp="1"/>
+          </p:cNvSpPr>
+          <p:nvPr>
+            <p:ph type="body" sz="half" idx="2"/>
           </p:nvPr>
         </p:nvSpPr>
         <p:spPr/>
@@ -6358,7 +8446,25 @@
           <a:p>
             <a:r>
               <a:rPr lang="it-IT" dirty="0" smtClean="0"/>
-              <a:t>Devi essere come acqua</a:t>
+              <a:t>E’ uno standard de facto nel settore</a:t>
+            </a:r>
+          </a:p>
+          <a:p>
+            <a:r>
+              <a:rPr lang="it-IT" dirty="0" smtClean="0"/>
+              <a:t>E’ distribuito, veloce e flessibile</a:t>
+            </a:r>
+          </a:p>
+          <a:p>
+            <a:r>
+              <a:rPr lang="it-IT" dirty="0" smtClean="0"/>
+              <a:t>E’ sicuro (in teoria)</a:t>
+            </a:r>
+          </a:p>
+          <a:p>
+            <a:r>
+              <a:rPr lang="it-IT" dirty="0" smtClean="0"/>
+              <a:t>Viene usato da tutti noi in YOOX</a:t>
             </a:r>
             <a:endParaRPr lang="en-GB" dirty="0"/>
           </a:p>
@@ -6367,7 +8473,7 @@
     </p:spTree>
     <p:extLst>
       <p:ext uri="{BB962C8B-B14F-4D97-AF65-F5344CB8AC3E}">
-        <p14:creationId xmlns:p14="http://schemas.microsoft.com/office/powerpoint/2010/main" val="2640804826"/>
+        <p14:creationId xmlns:p14="http://schemas.microsoft.com/office/powerpoint/2010/main" val="2590924870"/>
       </p:ext>
     </p:extLst>
   </p:cSld>
@@ -6411,7 +8517,7 @@
           <a:p>
             <a:r>
               <a:rPr lang="it-IT" dirty="0" smtClean="0"/>
-              <a:t>Comandi base</a:t>
+              <a:t>Filosofia</a:t>
             </a:r>
             <a:endParaRPr lang="en-GB" dirty="0"/>
           </a:p>
@@ -6434,7 +8540,7 @@
           <a:p>
             <a:r>
               <a:rPr lang="it-IT" dirty="0" smtClean="0"/>
-              <a:t>La solita pizza</a:t>
+              <a:t>Lo famo strano</a:t>
             </a:r>
             <a:endParaRPr lang="en-GB" dirty="0"/>
           </a:p>
@@ -6443,7 +8549,7 @@
     </p:spTree>
     <p:extLst>
       <p:ext uri="{BB962C8B-B14F-4D97-AF65-F5344CB8AC3E}">
-        <p14:creationId xmlns:p14="http://schemas.microsoft.com/office/powerpoint/2010/main" val="1597678138"/>
+        <p14:creationId xmlns:p14="http://schemas.microsoft.com/office/powerpoint/2010/main" val="751349797"/>
       </p:ext>
     </p:extLst>
   </p:cSld>
@@ -6486,9 +8592,10 @@
           <a:lstStyle/>
           <a:p>
             <a:r>
-              <a:rPr lang="en-GB" dirty="0"/>
-              <a:t>I U+2665 CLI</a:t>
-            </a:r>
+              <a:rPr lang="it-IT" dirty="0" smtClean="0"/>
+              <a:t>Il costo della confusione</a:t>
+            </a:r>
+            <a:endParaRPr lang="en-GB" dirty="0"/>
           </a:p>
         </p:txBody>
       </p:sp>
@@ -6499,21 +8606,37 @@
             <a:spLocks noGrp="1"/>
           </p:cNvSpPr>
           <p:nvPr>
-            <p:ph type="body" idx="1"/>
-          </p:nvPr>
-        </p:nvSpPr>
-        <p:spPr/>
-        <p:txBody>
-          <a:bodyPr/>
-          <a:lstStyle/>
-          <a:p>
-            <a:r>
-              <a:rPr lang="it-IT" dirty="0"/>
-              <a:t>Ovvero: come ho imparato a non preoccuparmi e ad amare la </a:t>
-            </a:r>
+            <p:ph type="body" sz="half" idx="2"/>
+          </p:nvPr>
+        </p:nvSpPr>
+        <p:spPr/>
+        <p:txBody>
+          <a:bodyPr/>
+          <a:lstStyle/>
+          <a:p>
             <a:r>
               <a:rPr lang="it-IT" dirty="0" smtClean="0"/>
-              <a:t>line di comando</a:t>
+              <a:t>Perché è necessario?</a:t>
+            </a:r>
+          </a:p>
+          <a:p>
+            <a:r>
+              <a:rPr lang="it-IT" dirty="0" smtClean="0"/>
+              <a:t>Come il </a:t>
+            </a:r>
+            <a:r>
+              <a:rPr lang="it-IT" dirty="0" err="1" smtClean="0"/>
+              <a:t>commit</a:t>
+            </a:r>
+            <a:r>
+              <a:rPr lang="it-IT" dirty="0" smtClean="0"/>
+              <a:t> risolve la questione?</a:t>
+            </a:r>
+          </a:p>
+          <a:p>
+            <a:r>
+              <a:rPr lang="it-IT" dirty="0" smtClean="0"/>
+              <a:t>Che effetti produce?</a:t>
             </a:r>
             <a:endParaRPr lang="en-GB" dirty="0"/>
           </a:p>
@@ -6522,7 +8645,7 @@
     </p:spTree>
     <p:extLst>
       <p:ext uri="{BB962C8B-B14F-4D97-AF65-F5344CB8AC3E}">
-        <p14:creationId xmlns:p14="http://schemas.microsoft.com/office/powerpoint/2010/main" val="1316777109"/>
+        <p14:creationId xmlns:p14="http://schemas.microsoft.com/office/powerpoint/2010/main" val="1650104920"/>
       </p:ext>
     </p:extLst>
   </p:cSld>
@@ -6565,12 +8688,8 @@
           <a:lstStyle/>
           <a:p>
             <a:r>
-              <a:rPr lang="it-IT" dirty="0" err="1" smtClean="0"/>
-              <a:t>Porcelain</a:t>
-            </a:r>
-            <a:r>
               <a:rPr lang="it-IT" dirty="0" smtClean="0"/>
-              <a:t>?</a:t>
+              <a:t>Flussi</a:t>
             </a:r>
             <a:endParaRPr lang="en-GB" dirty="0"/>
           </a:p>
@@ -6593,7 +8712,7 @@
           <a:p>
             <a:r>
               <a:rPr lang="it-IT" dirty="0" smtClean="0"/>
-              <a:t>Quando sei arrivato sul fondo, scava</a:t>
+              <a:t>Devi essere come acqua</a:t>
             </a:r>
             <a:endParaRPr lang="en-GB" dirty="0"/>
           </a:p>
@@ -6602,7 +8721,91 @@
     </p:spTree>
     <p:extLst>
       <p:ext uri="{BB962C8B-B14F-4D97-AF65-F5344CB8AC3E}">
-        <p14:creationId xmlns:p14="http://schemas.microsoft.com/office/powerpoint/2010/main" val="489464535"/>
+        <p14:creationId xmlns:p14="http://schemas.microsoft.com/office/powerpoint/2010/main" val="2640804826"/>
+      </p:ext>
+    </p:extLst>
+  </p:cSld>
+  <p:clrMapOvr>
+    <a:masterClrMapping/>
+  </p:clrMapOvr>
+</p:sld>
+</file>
+
+<file path=ppt/slides/slide9.xml><?xml version="1.0" encoding="utf-8"?>
+<p:sld xmlns:a="http://schemas.openxmlformats.org/drawingml/2006/main" xmlns:r="http://schemas.openxmlformats.org/officeDocument/2006/relationships" xmlns:p="http://schemas.openxmlformats.org/presentationml/2006/main">
+  <p:cSld>
+    <p:spTree>
+      <p:nvGrpSpPr>
+        <p:cNvPr id="1" name=""/>
+        <p:cNvGrpSpPr/>
+        <p:nvPr/>
+      </p:nvGrpSpPr>
+      <p:grpSpPr>
+        <a:xfrm>
+          <a:off x="0" y="0"/>
+          <a:ext cx="0" cy="0"/>
+          <a:chOff x="0" y="0"/>
+          <a:chExt cx="0" cy="0"/>
+        </a:xfrm>
+      </p:grpSpPr>
+      <p:sp>
+        <p:nvSpPr>
+          <p:cNvPr id="2" name="Title 1"/>
+          <p:cNvSpPr>
+            <a:spLocks noGrp="1"/>
+          </p:cNvSpPr>
+          <p:nvPr>
+            <p:ph type="title"/>
+          </p:nvPr>
+        </p:nvSpPr>
+        <p:spPr/>
+        <p:txBody>
+          <a:bodyPr/>
+          <a:lstStyle/>
+          <a:p>
+            <a:r>
+              <a:rPr lang="it-IT" dirty="0" err="1" smtClean="0"/>
+              <a:t>Centralized</a:t>
+            </a:r>
+            <a:r>
+              <a:rPr lang="it-IT" dirty="0" smtClean="0"/>
+              <a:t> </a:t>
+            </a:r>
+            <a:r>
+              <a:rPr lang="it-IT" dirty="0" err="1" smtClean="0"/>
+              <a:t>Workflow</a:t>
+            </a:r>
+            <a:endParaRPr lang="en-GB" dirty="0"/>
+          </a:p>
+        </p:txBody>
+      </p:sp>
+      <p:pic>
+        <p:nvPicPr>
+          <p:cNvPr id="4" name="Content Placeholder 3"/>
+          <p:cNvPicPr>
+            <a:picLocks noGrp="1" noChangeAspect="1"/>
+          </p:cNvPicPr>
+          <p:nvPr>
+            <p:ph idx="1"/>
+          </p:nvPr>
+        </p:nvPicPr>
+        <p:blipFill>
+          <a:blip r:embed="rId2"/>
+          <a:stretch>
+            <a:fillRect/>
+          </a:stretch>
+        </p:blipFill>
+        <p:spPr>
+          <a:xfrm>
+            <a:off x="1573501" y="2158986"/>
+            <a:ext cx="8006774" cy="3983065"/>
+          </a:xfrm>
+        </p:spPr>
+      </p:pic>
+    </p:spTree>
+    <p:extLst>
+      <p:ext uri="{BB962C8B-B14F-4D97-AF65-F5344CB8AC3E}">
+        <p14:creationId xmlns:p14="http://schemas.microsoft.com/office/powerpoint/2010/main" val="1320060809"/>
       </p:ext>
     </p:extLst>
   </p:cSld>
@@ -6876,4 +9079,265 @@
     </a:ext>
   </a:extLst>
 </a:theme>
+</file>
+
+<file path=ppt/theme/theme2.xml><?xml version="1.0" encoding="utf-8"?>
+<a:theme xmlns:a="http://schemas.openxmlformats.org/drawingml/2006/main" name="Office Theme">
+  <a:themeElements>
+    <a:clrScheme name="Office">
+      <a:dk1>
+        <a:sysClr val="windowText" lastClr="000000"/>
+      </a:dk1>
+      <a:lt1>
+        <a:sysClr val="window" lastClr="FFFFFF"/>
+      </a:lt1>
+      <a:dk2>
+        <a:srgbClr val="44546A"/>
+      </a:dk2>
+      <a:lt2>
+        <a:srgbClr val="E7E6E6"/>
+      </a:lt2>
+      <a:accent1>
+        <a:srgbClr val="5B9BD5"/>
+      </a:accent1>
+      <a:accent2>
+        <a:srgbClr val="ED7D31"/>
+      </a:accent2>
+      <a:accent3>
+        <a:srgbClr val="A5A5A5"/>
+      </a:accent3>
+      <a:accent4>
+        <a:srgbClr val="FFC000"/>
+      </a:accent4>
+      <a:accent5>
+        <a:srgbClr val="4472C4"/>
+      </a:accent5>
+      <a:accent6>
+        <a:srgbClr val="70AD47"/>
+      </a:accent6>
+      <a:hlink>
+        <a:srgbClr val="0563C1"/>
+      </a:hlink>
+      <a:folHlink>
+        <a:srgbClr val="954F72"/>
+      </a:folHlink>
+    </a:clrScheme>
+    <a:fontScheme name="Office">
+      <a:majorFont>
+        <a:latin typeface="Calibri Light" panose="020F0302020204030204"/>
+        <a:ea typeface=""/>
+        <a:cs typeface=""/>
+        <a:font script="Jpan" typeface="游ゴシック Light"/>
+        <a:font script="Hang" typeface="맑은 고딕"/>
+        <a:font script="Hans" typeface="等线 Light"/>
+        <a:font script="Hant" typeface="新細明體"/>
+        <a:font script="Arab" typeface="Times New Roman"/>
+        <a:font script="Hebr" typeface="Times New Roman"/>
+        <a:font script="Thai" typeface="Angsana New"/>
+        <a:font script="Ethi" typeface="Nyala"/>
+        <a:font script="Beng" typeface="Vrinda"/>
+        <a:font script="Gujr" typeface="Shruti"/>
+        <a:font script="Khmr" typeface="MoolBoran"/>
+        <a:font script="Knda" typeface="Tunga"/>
+        <a:font script="Guru" typeface="Raavi"/>
+        <a:font script="Cans" typeface="Euphemia"/>
+        <a:font script="Cher" typeface="Plantagenet Cherokee"/>
+        <a:font script="Yiii" typeface="Microsoft Yi Baiti"/>
+        <a:font script="Tibt" typeface="Microsoft Himalaya"/>
+        <a:font script="Thaa" typeface="MV Boli"/>
+        <a:font script="Deva" typeface="Mangal"/>
+        <a:font script="Telu" typeface="Gautami"/>
+        <a:font script="Taml" typeface="Latha"/>
+        <a:font script="Syrc" typeface="Estrangelo Edessa"/>
+        <a:font script="Orya" typeface="Kalinga"/>
+        <a:font script="Mlym" typeface="Kartika"/>
+        <a:font script="Laoo" typeface="DokChampa"/>
+        <a:font script="Sinh" typeface="Iskoola Pota"/>
+        <a:font script="Mong" typeface="Mongolian Baiti"/>
+        <a:font script="Viet" typeface="Times New Roman"/>
+        <a:font script="Uigh" typeface="Microsoft Uighur"/>
+        <a:font script="Geor" typeface="Sylfaen"/>
+      </a:majorFont>
+      <a:minorFont>
+        <a:latin typeface="Calibri" panose="020F0502020204030204"/>
+        <a:ea typeface=""/>
+        <a:cs typeface=""/>
+        <a:font script="Jpan" typeface="游ゴシック"/>
+        <a:font script="Hang" typeface="맑은 고딕"/>
+        <a:font script="Hans" typeface="等线"/>
+        <a:font script="Hant" typeface="新細明體"/>
+        <a:font script="Arab" typeface="Arial"/>
+        <a:font script="Hebr" typeface="Arial"/>
+        <a:font script="Thai" typeface="Cordia New"/>
+        <a:font script="Ethi" typeface="Nyala"/>
+        <a:font script="Beng" typeface="Vrinda"/>
+        <a:font script="Gujr" typeface="Shruti"/>
+        <a:font script="Khmr" typeface="DaunPenh"/>
+        <a:font script="Knda" typeface="Tunga"/>
+        <a:font script="Guru" typeface="Raavi"/>
+        <a:font script="Cans" typeface="Euphemia"/>
+        <a:font script="Cher" typeface="Plantagenet Cherokee"/>
+        <a:font script="Yiii" typeface="Microsoft Yi Baiti"/>
+        <a:font script="Tibt" typeface="Microsoft Himalaya"/>
+        <a:font script="Thaa" typeface="MV Boli"/>
+        <a:font script="Deva" typeface="Mangal"/>
+        <a:font script="Telu" typeface="Gautami"/>
+        <a:font script="Taml" typeface="Latha"/>
+        <a:font script="Syrc" typeface="Estrangelo Edessa"/>
+        <a:font script="Orya" typeface="Kalinga"/>
+        <a:font script="Mlym" typeface="Kartika"/>
+        <a:font script="Laoo" typeface="DokChampa"/>
+        <a:font script="Sinh" typeface="Iskoola Pota"/>
+        <a:font script="Mong" typeface="Mongolian Baiti"/>
+        <a:font script="Viet" typeface="Arial"/>
+        <a:font script="Uigh" typeface="Microsoft Uighur"/>
+        <a:font script="Geor" typeface="Sylfaen"/>
+      </a:minorFont>
+    </a:fontScheme>
+    <a:fmtScheme name="Office">
+      <a:fillStyleLst>
+        <a:solidFill>
+          <a:schemeClr val="phClr"/>
+        </a:solidFill>
+        <a:gradFill rotWithShape="1">
+          <a:gsLst>
+            <a:gs pos="0">
+              <a:schemeClr val="phClr">
+                <a:lumMod val="110000"/>
+                <a:satMod val="105000"/>
+                <a:tint val="67000"/>
+              </a:schemeClr>
+            </a:gs>
+            <a:gs pos="50000">
+              <a:schemeClr val="phClr">
+                <a:lumMod val="105000"/>
+                <a:satMod val="103000"/>
+                <a:tint val="73000"/>
+              </a:schemeClr>
+            </a:gs>
+            <a:gs pos="100000">
+              <a:schemeClr val="phClr">
+                <a:lumMod val="105000"/>
+                <a:satMod val="109000"/>
+                <a:tint val="81000"/>
+              </a:schemeClr>
+            </a:gs>
+          </a:gsLst>
+          <a:lin ang="5400000" scaled="0"/>
+        </a:gradFill>
+        <a:gradFill rotWithShape="1">
+          <a:gsLst>
+            <a:gs pos="0">
+              <a:schemeClr val="phClr">
+                <a:satMod val="103000"/>
+                <a:lumMod val="102000"/>
+                <a:tint val="94000"/>
+              </a:schemeClr>
+            </a:gs>
+            <a:gs pos="50000">
+              <a:schemeClr val="phClr">
+                <a:satMod val="110000"/>
+                <a:lumMod val="100000"/>
+                <a:shade val="100000"/>
+              </a:schemeClr>
+            </a:gs>
+            <a:gs pos="100000">
+              <a:schemeClr val="phClr">
+                <a:lumMod val="99000"/>
+                <a:satMod val="120000"/>
+                <a:shade val="78000"/>
+              </a:schemeClr>
+            </a:gs>
+          </a:gsLst>
+          <a:lin ang="5400000" scaled="0"/>
+        </a:gradFill>
+      </a:fillStyleLst>
+      <a:lnStyleLst>
+        <a:ln w="6350" cap="flat" cmpd="sng" algn="ctr">
+          <a:solidFill>
+            <a:schemeClr val="phClr"/>
+          </a:solidFill>
+          <a:prstDash val="solid"/>
+          <a:miter lim="800000"/>
+        </a:ln>
+        <a:ln w="12700" cap="flat" cmpd="sng" algn="ctr">
+          <a:solidFill>
+            <a:schemeClr val="phClr"/>
+          </a:solidFill>
+          <a:prstDash val="solid"/>
+          <a:miter lim="800000"/>
+        </a:ln>
+        <a:ln w="19050" cap="flat" cmpd="sng" algn="ctr">
+          <a:solidFill>
+            <a:schemeClr val="phClr"/>
+          </a:solidFill>
+          <a:prstDash val="solid"/>
+          <a:miter lim="800000"/>
+        </a:ln>
+      </a:lnStyleLst>
+      <a:effectStyleLst>
+        <a:effectStyle>
+          <a:effectLst/>
+        </a:effectStyle>
+        <a:effectStyle>
+          <a:effectLst/>
+        </a:effectStyle>
+        <a:effectStyle>
+          <a:effectLst>
+            <a:outerShdw blurRad="57150" dist="19050" dir="5400000" algn="ctr" rotWithShape="0">
+              <a:srgbClr val="000000">
+                <a:alpha val="63000"/>
+              </a:srgbClr>
+            </a:outerShdw>
+          </a:effectLst>
+        </a:effectStyle>
+      </a:effectStyleLst>
+      <a:bgFillStyleLst>
+        <a:solidFill>
+          <a:schemeClr val="phClr"/>
+        </a:solidFill>
+        <a:solidFill>
+          <a:schemeClr val="phClr">
+            <a:tint val="95000"/>
+            <a:satMod val="170000"/>
+          </a:schemeClr>
+        </a:solidFill>
+        <a:gradFill rotWithShape="1">
+          <a:gsLst>
+            <a:gs pos="0">
+              <a:schemeClr val="phClr">
+                <a:tint val="93000"/>
+                <a:satMod val="150000"/>
+                <a:shade val="98000"/>
+                <a:lumMod val="102000"/>
+              </a:schemeClr>
+            </a:gs>
+            <a:gs pos="50000">
+              <a:schemeClr val="phClr">
+                <a:tint val="98000"/>
+                <a:satMod val="130000"/>
+                <a:shade val="90000"/>
+                <a:lumMod val="103000"/>
+              </a:schemeClr>
+            </a:gs>
+            <a:gs pos="100000">
+              <a:schemeClr val="phClr">
+                <a:shade val="63000"/>
+                <a:satMod val="120000"/>
+              </a:schemeClr>
+            </a:gs>
+          </a:gsLst>
+          <a:lin ang="5400000" scaled="0"/>
+        </a:gradFill>
+      </a:bgFillStyleLst>
+    </a:fmtScheme>
+  </a:themeElements>
+  <a:objectDefaults/>
+  <a:extraClrSchemeLst/>
+  <a:extLst>
+    <a:ext uri="{05A4C25C-085E-4340-85A3-A5531E510DB2}">
+      <thm15:themeFamily xmlns:thm15="http://schemas.microsoft.com/office/thememl/2012/main" name="Office Theme" id="{62F939B6-93AF-4DB8-9C6B-D6C7DFDC589F}" vid="{4A3C46E8-61CC-4603-A589-7422A47A8E4A}"/>
+    </a:ext>
+  </a:extLst>
+</a:theme>
 </file>
--- a/Git.pptx
+++ b/Git.pptx
@@ -5,7 +5,7 @@
     <p:sldMasterId id="2147483648" r:id="rId1"/>
   </p:sldMasterIdLst>
   <p:notesMasterIdLst>
-    <p:notesMasterId r:id="rId22"/>
+    <p:notesMasterId r:id="rId42"/>
   </p:notesMasterIdLst>
   <p:sldIdLst>
     <p:sldId id="256" r:id="rId2"/>
@@ -15,19 +15,39 @@
     <p:sldId id="266" r:id="rId6"/>
     <p:sldId id="258" r:id="rId7"/>
     <p:sldId id="269" r:id="rId8"/>
-    <p:sldId id="259" r:id="rId9"/>
-    <p:sldId id="271" r:id="rId10"/>
-    <p:sldId id="272" r:id="rId11"/>
-    <p:sldId id="273" r:id="rId12"/>
-    <p:sldId id="274" r:id="rId13"/>
-    <p:sldId id="270" r:id="rId14"/>
-    <p:sldId id="261" r:id="rId15"/>
-    <p:sldId id="260" r:id="rId16"/>
-    <p:sldId id="268" r:id="rId17"/>
-    <p:sldId id="262" r:id="rId18"/>
-    <p:sldId id="275" r:id="rId19"/>
-    <p:sldId id="267" r:id="rId20"/>
-    <p:sldId id="265" r:id="rId21"/>
+    <p:sldId id="276" r:id="rId9"/>
+    <p:sldId id="285" r:id="rId10"/>
+    <p:sldId id="259" r:id="rId11"/>
+    <p:sldId id="271" r:id="rId12"/>
+    <p:sldId id="272" r:id="rId13"/>
+    <p:sldId id="273" r:id="rId14"/>
+    <p:sldId id="274" r:id="rId15"/>
+    <p:sldId id="270" r:id="rId16"/>
+    <p:sldId id="293" r:id="rId17"/>
+    <p:sldId id="261" r:id="rId18"/>
+    <p:sldId id="282" r:id="rId19"/>
+    <p:sldId id="279" r:id="rId20"/>
+    <p:sldId id="277" r:id="rId21"/>
+    <p:sldId id="278" r:id="rId22"/>
+    <p:sldId id="292" r:id="rId23"/>
+    <p:sldId id="260" r:id="rId24"/>
+    <p:sldId id="268" r:id="rId25"/>
+    <p:sldId id="283" r:id="rId26"/>
+    <p:sldId id="262" r:id="rId27"/>
+    <p:sldId id="286" r:id="rId28"/>
+    <p:sldId id="294" r:id="rId29"/>
+    <p:sldId id="295" r:id="rId30"/>
+    <p:sldId id="290" r:id="rId31"/>
+    <p:sldId id="289" r:id="rId32"/>
+    <p:sldId id="291" r:id="rId33"/>
+    <p:sldId id="296" r:id="rId34"/>
+    <p:sldId id="284" r:id="rId35"/>
+    <p:sldId id="275" r:id="rId36"/>
+    <p:sldId id="281" r:id="rId37"/>
+    <p:sldId id="288" r:id="rId38"/>
+    <p:sldId id="287" r:id="rId39"/>
+    <p:sldId id="267" r:id="rId40"/>
+    <p:sldId id="265" r:id="rId41"/>
   </p:sldIdLst>
   <p:sldSz cx="12192000" cy="6858000"/>
   <p:notesSz cx="6858000" cy="9144000"/>
@@ -126,6 +146,14 @@
       </a:defRPr>
     </a:lvl9pPr>
   </p:defaultTextStyle>
+  <p:extLst>
+    <p:ext uri="{EFAFB233-063F-42B5-8137-9DF3F51BA10A}">
+      <p15:sldGuideLst xmlns:p15="http://schemas.microsoft.com/office/powerpoint/2012/main"/>
+    </p:ext>
+    <p:ext uri="{2D200454-40CA-4A62-9FC3-DE9A4176ACB9}">
+      <p15:notesGuideLst xmlns:p15="http://schemas.microsoft.com/office/powerpoint/2012/main"/>
+    </p:ext>
+  </p:extLst>
 </p:presentation>
 </file>
 
@@ -211,7 +239,7 @@
           <a:p>
             <a:fld id="{A822D160-E1DD-45E0-8E7A-4269D7F3D241}" type="datetimeFigureOut">
               <a:rPr lang="en-GB" smtClean="0"/>
-              <a:t>25/01/2016</a:t>
+              <a:t>27/01/2016</a:t>
             </a:fld>
             <a:endParaRPr lang="en-GB"/>
           </a:p>
@@ -525,12 +553,9 @@
           <a:p>
             <a:r>
               <a:rPr lang="it-IT" dirty="0" smtClean="0"/>
-              <a:t>Slang britannico per dire persona stupida o comunque</a:t>
-            </a:r>
-            <a:r>
-              <a:rPr lang="it-IT" baseline="0" dirty="0" smtClean="0"/>
-              <a:t> non ben voluta</a:t>
-            </a:r>
+              <a:t>Slang britannico per dire persona stupida</a:t>
+            </a:r>
+            <a:endParaRPr lang="it-IT" baseline="0" dirty="0" smtClean="0"/>
           </a:p>
           <a:p>
             <a:r>
@@ -572,7 +597,7 @@
               <a:rPr lang="en-GB" smtClean="0"/>
               <a:t>1</a:t>
             </a:fld>
-            <a:endParaRPr lang="en-GB"/>
+            <a:endParaRPr lang="en-GB" dirty="0"/>
           </a:p>
         </p:txBody>
       </p:sp>
@@ -580,6 +605,1063 @@
     <p:extLst>
       <p:ext uri="{BB962C8B-B14F-4D97-AF65-F5344CB8AC3E}">
         <p14:creationId xmlns:p14="http://schemas.microsoft.com/office/powerpoint/2010/main" val="341945156"/>
+      </p:ext>
+    </p:extLst>
+  </p:cSld>
+  <p:clrMapOvr>
+    <a:masterClrMapping/>
+  </p:clrMapOvr>
+</p:notes>
+</file>
+
+<file path=ppt/notesSlides/notesSlide10.xml><?xml version="1.0" encoding="utf-8"?>
+<p:notes xmlns:a="http://schemas.openxmlformats.org/drawingml/2006/main" xmlns:r="http://schemas.openxmlformats.org/officeDocument/2006/relationships" xmlns:p="http://schemas.openxmlformats.org/presentationml/2006/main">
+  <p:cSld>
+    <p:spTree>
+      <p:nvGrpSpPr>
+        <p:cNvPr id="1" name=""/>
+        <p:cNvGrpSpPr/>
+        <p:nvPr/>
+      </p:nvGrpSpPr>
+      <p:grpSpPr>
+        <a:xfrm>
+          <a:off x="0" y="0"/>
+          <a:ext cx="0" cy="0"/>
+          <a:chOff x="0" y="0"/>
+          <a:chExt cx="0" cy="0"/>
+        </a:xfrm>
+      </p:grpSpPr>
+      <p:sp>
+        <p:nvSpPr>
+          <p:cNvPr id="2" name="Slide Image Placeholder 1"/>
+          <p:cNvSpPr>
+            <a:spLocks noGrp="1" noRot="1" noChangeAspect="1"/>
+          </p:cNvSpPr>
+          <p:nvPr>
+            <p:ph type="sldImg"/>
+          </p:nvPr>
+        </p:nvSpPr>
+        <p:spPr/>
+      </p:sp>
+      <p:sp>
+        <p:nvSpPr>
+          <p:cNvPr id="3" name="Notes Placeholder 2"/>
+          <p:cNvSpPr>
+            <a:spLocks noGrp="1"/>
+          </p:cNvSpPr>
+          <p:nvPr>
+            <p:ph type="body" idx="1"/>
+          </p:nvPr>
+        </p:nvSpPr>
+        <p:spPr/>
+        <p:txBody>
+          <a:bodyPr/>
+          <a:lstStyle/>
+          <a:p>
+            <a:r>
+              <a:rPr lang="it-IT" dirty="0" smtClean="0"/>
+              <a:t>Git può essere usato in svariati modi</a:t>
+            </a:r>
+          </a:p>
+          <a:p>
+            <a:r>
+              <a:rPr lang="it-IT" dirty="0" smtClean="0"/>
+              <a:t>Non</a:t>
+            </a:r>
+            <a:r>
+              <a:rPr lang="it-IT" baseline="0" dirty="0" smtClean="0"/>
+              <a:t> esiste quello giusto, esistono varie necessità e vari gradi di conoscenza</a:t>
+            </a:r>
+            <a:endParaRPr lang="it-IT" dirty="0"/>
+          </a:p>
+        </p:txBody>
+      </p:sp>
+      <p:sp>
+        <p:nvSpPr>
+          <p:cNvPr id="4" name="Slide Number Placeholder 3"/>
+          <p:cNvSpPr>
+            <a:spLocks noGrp="1"/>
+          </p:cNvSpPr>
+          <p:nvPr>
+            <p:ph type="sldNum" sz="quarter" idx="10"/>
+          </p:nvPr>
+        </p:nvSpPr>
+        <p:spPr/>
+        <p:txBody>
+          <a:bodyPr/>
+          <a:lstStyle/>
+          <a:p>
+            <a:fld id="{41826960-2D9A-4E77-89F0-90A563B60D8B}" type="slidenum">
+              <a:rPr lang="en-GB" smtClean="0"/>
+              <a:t>10</a:t>
+            </a:fld>
+            <a:endParaRPr lang="en-GB"/>
+          </a:p>
+        </p:txBody>
+      </p:sp>
+    </p:spTree>
+    <p:extLst>
+      <p:ext uri="{BB962C8B-B14F-4D97-AF65-F5344CB8AC3E}">
+        <p14:creationId xmlns:p14="http://schemas.microsoft.com/office/powerpoint/2010/main" val="1826902561"/>
+      </p:ext>
+    </p:extLst>
+  </p:cSld>
+  <p:clrMapOvr>
+    <a:masterClrMapping/>
+  </p:clrMapOvr>
+</p:notes>
+</file>
+
+<file path=ppt/notesSlides/notesSlide11.xml><?xml version="1.0" encoding="utf-8"?>
+<p:notes xmlns:a="http://schemas.openxmlformats.org/drawingml/2006/main" xmlns:r="http://schemas.openxmlformats.org/officeDocument/2006/relationships" xmlns:p="http://schemas.openxmlformats.org/presentationml/2006/main">
+  <p:cSld>
+    <p:spTree>
+      <p:nvGrpSpPr>
+        <p:cNvPr id="1" name=""/>
+        <p:cNvGrpSpPr/>
+        <p:nvPr/>
+      </p:nvGrpSpPr>
+      <p:grpSpPr>
+        <a:xfrm>
+          <a:off x="0" y="0"/>
+          <a:ext cx="0" cy="0"/>
+          <a:chOff x="0" y="0"/>
+          <a:chExt cx="0" cy="0"/>
+        </a:xfrm>
+      </p:grpSpPr>
+      <p:sp>
+        <p:nvSpPr>
+          <p:cNvPr id="2" name="Slide Image Placeholder 1"/>
+          <p:cNvSpPr>
+            <a:spLocks noGrp="1" noRot="1" noChangeAspect="1"/>
+          </p:cNvSpPr>
+          <p:nvPr>
+            <p:ph type="sldImg"/>
+          </p:nvPr>
+        </p:nvSpPr>
+        <p:spPr/>
+      </p:sp>
+      <p:sp>
+        <p:nvSpPr>
+          <p:cNvPr id="3" name="Notes Placeholder 2"/>
+          <p:cNvSpPr>
+            <a:spLocks noGrp="1"/>
+          </p:cNvSpPr>
+          <p:nvPr>
+            <p:ph type="body" idx="1"/>
+          </p:nvPr>
+        </p:nvSpPr>
+        <p:spPr/>
+        <p:txBody>
+          <a:bodyPr/>
+          <a:lstStyle/>
+          <a:p>
+            <a:r>
+              <a:rPr lang="it-IT" dirty="0" smtClean="0"/>
+              <a:t>Il modo più vecchio</a:t>
+            </a:r>
+          </a:p>
+          <a:p>
+            <a:r>
+              <a:rPr lang="it-IT" dirty="0" smtClean="0"/>
+              <a:t>Ogni modifica viene messa in testa alla precedente</a:t>
+            </a:r>
+            <a:endParaRPr lang="it-IT" dirty="0"/>
+          </a:p>
+        </p:txBody>
+      </p:sp>
+      <p:sp>
+        <p:nvSpPr>
+          <p:cNvPr id="4" name="Slide Number Placeholder 3"/>
+          <p:cNvSpPr>
+            <a:spLocks noGrp="1"/>
+          </p:cNvSpPr>
+          <p:nvPr>
+            <p:ph type="sldNum" sz="quarter" idx="10"/>
+          </p:nvPr>
+        </p:nvSpPr>
+        <p:spPr/>
+        <p:txBody>
+          <a:bodyPr/>
+          <a:lstStyle/>
+          <a:p>
+            <a:fld id="{41826960-2D9A-4E77-89F0-90A563B60D8B}" type="slidenum">
+              <a:rPr lang="en-GB" smtClean="0"/>
+              <a:t>11</a:t>
+            </a:fld>
+            <a:endParaRPr lang="en-GB"/>
+          </a:p>
+        </p:txBody>
+      </p:sp>
+    </p:spTree>
+    <p:extLst>
+      <p:ext uri="{BB962C8B-B14F-4D97-AF65-F5344CB8AC3E}">
+        <p14:creationId xmlns:p14="http://schemas.microsoft.com/office/powerpoint/2010/main" val="1611287452"/>
+      </p:ext>
+    </p:extLst>
+  </p:cSld>
+  <p:clrMapOvr>
+    <a:masterClrMapping/>
+  </p:clrMapOvr>
+</p:notes>
+</file>
+
+<file path=ppt/notesSlides/notesSlide12.xml><?xml version="1.0" encoding="utf-8"?>
+<p:notes xmlns:a="http://schemas.openxmlformats.org/drawingml/2006/main" xmlns:r="http://schemas.openxmlformats.org/officeDocument/2006/relationships" xmlns:p="http://schemas.openxmlformats.org/presentationml/2006/main">
+  <p:cSld>
+    <p:spTree>
+      <p:nvGrpSpPr>
+        <p:cNvPr id="1" name=""/>
+        <p:cNvGrpSpPr/>
+        <p:nvPr/>
+      </p:nvGrpSpPr>
+      <p:grpSpPr>
+        <a:xfrm>
+          <a:off x="0" y="0"/>
+          <a:ext cx="0" cy="0"/>
+          <a:chOff x="0" y="0"/>
+          <a:chExt cx="0" cy="0"/>
+        </a:xfrm>
+      </p:grpSpPr>
+      <p:sp>
+        <p:nvSpPr>
+          <p:cNvPr id="2" name="Slide Image Placeholder 1"/>
+          <p:cNvSpPr>
+            <a:spLocks noGrp="1" noRot="1" noChangeAspect="1"/>
+          </p:cNvSpPr>
+          <p:nvPr>
+            <p:ph type="sldImg"/>
+          </p:nvPr>
+        </p:nvSpPr>
+        <p:spPr/>
+      </p:sp>
+      <p:sp>
+        <p:nvSpPr>
+          <p:cNvPr id="3" name="Notes Placeholder 2"/>
+          <p:cNvSpPr>
+            <a:spLocks noGrp="1"/>
+          </p:cNvSpPr>
+          <p:nvPr>
+            <p:ph type="body" idx="1"/>
+          </p:nvPr>
+        </p:nvSpPr>
+        <p:spPr/>
+        <p:txBody>
+          <a:bodyPr/>
+          <a:lstStyle/>
+          <a:p>
+            <a:r>
+              <a:rPr lang="it-IT" dirty="0" smtClean="0"/>
+              <a:t>Spesso</a:t>
+            </a:r>
+            <a:r>
+              <a:rPr lang="it-IT" baseline="0" dirty="0" smtClean="0"/>
+              <a:t> usato da alcuni team su mercurial</a:t>
+            </a:r>
+          </a:p>
+          <a:p>
+            <a:r>
+              <a:rPr lang="it-IT" baseline="0" dirty="0" smtClean="0"/>
+              <a:t>Un master e solo features</a:t>
+            </a:r>
+            <a:endParaRPr lang="it-IT" dirty="0"/>
+          </a:p>
+        </p:txBody>
+      </p:sp>
+      <p:sp>
+        <p:nvSpPr>
+          <p:cNvPr id="4" name="Slide Number Placeholder 3"/>
+          <p:cNvSpPr>
+            <a:spLocks noGrp="1"/>
+          </p:cNvSpPr>
+          <p:nvPr>
+            <p:ph type="sldNum" sz="quarter" idx="10"/>
+          </p:nvPr>
+        </p:nvSpPr>
+        <p:spPr/>
+        <p:txBody>
+          <a:bodyPr/>
+          <a:lstStyle/>
+          <a:p>
+            <a:fld id="{41826960-2D9A-4E77-89F0-90A563B60D8B}" type="slidenum">
+              <a:rPr lang="en-GB" smtClean="0"/>
+              <a:t>12</a:t>
+            </a:fld>
+            <a:endParaRPr lang="en-GB"/>
+          </a:p>
+        </p:txBody>
+      </p:sp>
+    </p:spTree>
+    <p:extLst>
+      <p:ext uri="{BB962C8B-B14F-4D97-AF65-F5344CB8AC3E}">
+        <p14:creationId xmlns:p14="http://schemas.microsoft.com/office/powerpoint/2010/main" val="1234669487"/>
+      </p:ext>
+    </p:extLst>
+  </p:cSld>
+  <p:clrMapOvr>
+    <a:masterClrMapping/>
+  </p:clrMapOvr>
+</p:notes>
+</file>
+
+<file path=ppt/notesSlides/notesSlide13.xml><?xml version="1.0" encoding="utf-8"?>
+<p:notes xmlns:a="http://schemas.openxmlformats.org/drawingml/2006/main" xmlns:r="http://schemas.openxmlformats.org/officeDocument/2006/relationships" xmlns:p="http://schemas.openxmlformats.org/presentationml/2006/main">
+  <p:cSld>
+    <p:spTree>
+      <p:nvGrpSpPr>
+        <p:cNvPr id="1" name=""/>
+        <p:cNvGrpSpPr/>
+        <p:nvPr/>
+      </p:nvGrpSpPr>
+      <p:grpSpPr>
+        <a:xfrm>
+          <a:off x="0" y="0"/>
+          <a:ext cx="0" cy="0"/>
+          <a:chOff x="0" y="0"/>
+          <a:chExt cx="0" cy="0"/>
+        </a:xfrm>
+      </p:grpSpPr>
+      <p:sp>
+        <p:nvSpPr>
+          <p:cNvPr id="2" name="Slide Image Placeholder 1"/>
+          <p:cNvSpPr>
+            <a:spLocks noGrp="1" noRot="1" noChangeAspect="1"/>
+          </p:cNvSpPr>
+          <p:nvPr>
+            <p:ph type="sldImg"/>
+          </p:nvPr>
+        </p:nvSpPr>
+        <p:spPr/>
+      </p:sp>
+      <p:sp>
+        <p:nvSpPr>
+          <p:cNvPr id="3" name="Notes Placeholder 2"/>
+          <p:cNvSpPr>
+            <a:spLocks noGrp="1"/>
+          </p:cNvSpPr>
+          <p:nvPr>
+            <p:ph type="body" idx="1"/>
+          </p:nvPr>
+        </p:nvSpPr>
+        <p:spPr/>
+        <p:txBody>
+          <a:bodyPr/>
+          <a:lstStyle/>
+          <a:p>
+            <a:r>
+              <a:rPr lang="it-IT" dirty="0" smtClean="0"/>
+              <a:t>Release</a:t>
+            </a:r>
+          </a:p>
+          <a:p>
+            <a:r>
+              <a:rPr lang="it-IT" dirty="0" smtClean="0"/>
+              <a:t>Patch</a:t>
+            </a:r>
+          </a:p>
+          <a:p>
+            <a:r>
+              <a:rPr lang="it-IT" dirty="0" err="1" smtClean="0"/>
+              <a:t>Develop</a:t>
+            </a:r>
+            <a:endParaRPr lang="it-IT" dirty="0" smtClean="0"/>
+          </a:p>
+          <a:p>
+            <a:r>
+              <a:rPr lang="it-IT" dirty="0" err="1" smtClean="0"/>
+              <a:t>Feature</a:t>
+            </a:r>
+            <a:endParaRPr lang="it-IT" dirty="0" smtClean="0"/>
+          </a:p>
+          <a:p>
+            <a:endParaRPr lang="it-IT" dirty="0"/>
+          </a:p>
+        </p:txBody>
+      </p:sp>
+      <p:sp>
+        <p:nvSpPr>
+          <p:cNvPr id="4" name="Slide Number Placeholder 3"/>
+          <p:cNvSpPr>
+            <a:spLocks noGrp="1"/>
+          </p:cNvSpPr>
+          <p:nvPr>
+            <p:ph type="sldNum" sz="quarter" idx="10"/>
+          </p:nvPr>
+        </p:nvSpPr>
+        <p:spPr/>
+        <p:txBody>
+          <a:bodyPr/>
+          <a:lstStyle/>
+          <a:p>
+            <a:fld id="{41826960-2D9A-4E77-89F0-90A563B60D8B}" type="slidenum">
+              <a:rPr lang="en-GB" smtClean="0"/>
+              <a:t>13</a:t>
+            </a:fld>
+            <a:endParaRPr lang="en-GB"/>
+          </a:p>
+        </p:txBody>
+      </p:sp>
+    </p:spTree>
+    <p:extLst>
+      <p:ext uri="{BB962C8B-B14F-4D97-AF65-F5344CB8AC3E}">
+        <p14:creationId xmlns:p14="http://schemas.microsoft.com/office/powerpoint/2010/main" val="99209460"/>
+      </p:ext>
+    </p:extLst>
+  </p:cSld>
+  <p:clrMapOvr>
+    <a:masterClrMapping/>
+  </p:clrMapOvr>
+</p:notes>
+</file>
+
+<file path=ppt/notesSlides/notesSlide14.xml><?xml version="1.0" encoding="utf-8"?>
+<p:notes xmlns:a="http://schemas.openxmlformats.org/drawingml/2006/main" xmlns:r="http://schemas.openxmlformats.org/officeDocument/2006/relationships" xmlns:p="http://schemas.openxmlformats.org/presentationml/2006/main">
+  <p:cSld>
+    <p:spTree>
+      <p:nvGrpSpPr>
+        <p:cNvPr id="1" name=""/>
+        <p:cNvGrpSpPr/>
+        <p:nvPr/>
+      </p:nvGrpSpPr>
+      <p:grpSpPr>
+        <a:xfrm>
+          <a:off x="0" y="0"/>
+          <a:ext cx="0" cy="0"/>
+          <a:chOff x="0" y="0"/>
+          <a:chExt cx="0" cy="0"/>
+        </a:xfrm>
+      </p:grpSpPr>
+      <p:sp>
+        <p:nvSpPr>
+          <p:cNvPr id="2" name="Slide Image Placeholder 1"/>
+          <p:cNvSpPr>
+            <a:spLocks noGrp="1" noRot="1" noChangeAspect="1"/>
+          </p:cNvSpPr>
+          <p:nvPr>
+            <p:ph type="sldImg"/>
+          </p:nvPr>
+        </p:nvSpPr>
+        <p:spPr/>
+      </p:sp>
+      <p:sp>
+        <p:nvSpPr>
+          <p:cNvPr id="3" name="Notes Placeholder 2"/>
+          <p:cNvSpPr>
+            <a:spLocks noGrp="1"/>
+          </p:cNvSpPr>
+          <p:nvPr>
+            <p:ph type="body" idx="1"/>
+          </p:nvPr>
+        </p:nvSpPr>
+        <p:spPr/>
+        <p:txBody>
+          <a:bodyPr/>
+          <a:lstStyle/>
+          <a:p>
+            <a:r>
+              <a:rPr lang="it-IT" dirty="0" smtClean="0"/>
+              <a:t>Ogni sviluppatore ha un </a:t>
+            </a:r>
+            <a:r>
+              <a:rPr lang="it-IT" dirty="0" err="1" smtClean="0"/>
+              <a:t>repository</a:t>
+            </a:r>
+            <a:r>
+              <a:rPr lang="it-IT" dirty="0" smtClean="0"/>
+              <a:t> locale e uno pubblico</a:t>
+            </a:r>
+          </a:p>
+          <a:p>
+            <a:r>
+              <a:rPr lang="it-IT" dirty="0" smtClean="0"/>
+              <a:t>Ogni </a:t>
+            </a:r>
+            <a:r>
+              <a:rPr lang="it-IT" dirty="0" err="1" smtClean="0"/>
+              <a:t>repository</a:t>
+            </a:r>
+            <a:r>
+              <a:rPr lang="it-IT" dirty="0" smtClean="0"/>
+              <a:t> pubblico</a:t>
+            </a:r>
+            <a:r>
+              <a:rPr lang="it-IT" baseline="0" dirty="0" smtClean="0"/>
+              <a:t> punta allo stesso </a:t>
+            </a:r>
+            <a:r>
+              <a:rPr lang="it-IT" baseline="0" dirty="0" err="1" smtClean="0"/>
+              <a:t>repository</a:t>
+            </a:r>
+            <a:r>
+              <a:rPr lang="it-IT" baseline="0" dirty="0" smtClean="0"/>
+              <a:t> centrale</a:t>
+            </a:r>
+            <a:endParaRPr lang="en-GB" baseline="0" dirty="0" smtClean="0"/>
+          </a:p>
+          <a:p>
+            <a:r>
+              <a:rPr lang="it-IT" baseline="0" dirty="0" smtClean="0"/>
+              <a:t>Il flow può essere differenziato in ogni </a:t>
+            </a:r>
+            <a:r>
+              <a:rPr lang="it-IT" baseline="0" dirty="0" err="1" smtClean="0"/>
+              <a:t>repository</a:t>
+            </a:r>
+            <a:endParaRPr lang="it-IT" baseline="0" dirty="0" smtClean="0"/>
+          </a:p>
+        </p:txBody>
+      </p:sp>
+      <p:sp>
+        <p:nvSpPr>
+          <p:cNvPr id="4" name="Slide Number Placeholder 3"/>
+          <p:cNvSpPr>
+            <a:spLocks noGrp="1"/>
+          </p:cNvSpPr>
+          <p:nvPr>
+            <p:ph type="sldNum" sz="quarter" idx="10"/>
+          </p:nvPr>
+        </p:nvSpPr>
+        <p:spPr/>
+        <p:txBody>
+          <a:bodyPr/>
+          <a:lstStyle/>
+          <a:p>
+            <a:fld id="{41826960-2D9A-4E77-89F0-90A563B60D8B}" type="slidenum">
+              <a:rPr lang="en-GB" smtClean="0"/>
+              <a:t>14</a:t>
+            </a:fld>
+            <a:endParaRPr lang="en-GB"/>
+          </a:p>
+        </p:txBody>
+      </p:sp>
+    </p:spTree>
+    <p:extLst>
+      <p:ext uri="{BB962C8B-B14F-4D97-AF65-F5344CB8AC3E}">
+        <p14:creationId xmlns:p14="http://schemas.microsoft.com/office/powerpoint/2010/main" val="1001398758"/>
+      </p:ext>
+    </p:extLst>
+  </p:cSld>
+  <p:clrMapOvr>
+    <a:masterClrMapping/>
+  </p:clrMapOvr>
+</p:notes>
+</file>
+
+<file path=ppt/notesSlides/notesSlide15.xml><?xml version="1.0" encoding="utf-8"?>
+<p:notes xmlns:a="http://schemas.openxmlformats.org/drawingml/2006/main" xmlns:r="http://schemas.openxmlformats.org/officeDocument/2006/relationships" xmlns:p="http://schemas.openxmlformats.org/presentationml/2006/main">
+  <p:cSld>
+    <p:spTree>
+      <p:nvGrpSpPr>
+        <p:cNvPr id="1" name=""/>
+        <p:cNvGrpSpPr/>
+        <p:nvPr/>
+      </p:nvGrpSpPr>
+      <p:grpSpPr>
+        <a:xfrm>
+          <a:off x="0" y="0"/>
+          <a:ext cx="0" cy="0"/>
+          <a:chOff x="0" y="0"/>
+          <a:chExt cx="0" cy="0"/>
+        </a:xfrm>
+      </p:grpSpPr>
+      <p:sp>
+        <p:nvSpPr>
+          <p:cNvPr id="2" name="Slide Image Placeholder 1"/>
+          <p:cNvSpPr>
+            <a:spLocks noGrp="1" noRot="1" noChangeAspect="1"/>
+          </p:cNvSpPr>
+          <p:nvPr>
+            <p:ph type="sldImg"/>
+          </p:nvPr>
+        </p:nvSpPr>
+        <p:spPr/>
+      </p:sp>
+      <p:sp>
+        <p:nvSpPr>
+          <p:cNvPr id="3" name="Notes Placeholder 2"/>
+          <p:cNvSpPr>
+            <a:spLocks noGrp="1"/>
+          </p:cNvSpPr>
+          <p:nvPr>
+            <p:ph type="body" idx="1"/>
+          </p:nvPr>
+        </p:nvSpPr>
+        <p:spPr/>
+        <p:txBody>
+          <a:bodyPr/>
+          <a:lstStyle/>
+          <a:p>
+            <a:r>
+              <a:rPr lang="it-IT" dirty="0" smtClean="0"/>
+              <a:t>Un po’ tutti quelli precedenti</a:t>
+            </a:r>
+          </a:p>
+          <a:p>
+            <a:r>
+              <a:rPr lang="it-IT" dirty="0" smtClean="0"/>
+              <a:t>Incoraggia i </a:t>
+            </a:r>
+            <a:r>
+              <a:rPr lang="it-IT" dirty="0" err="1" smtClean="0"/>
+              <a:t>fork</a:t>
+            </a:r>
+            <a:endParaRPr lang="it-IT" dirty="0" smtClean="0"/>
+          </a:p>
+          <a:p>
+            <a:r>
+              <a:rPr lang="it-IT" dirty="0" smtClean="0"/>
+              <a:t>Introduce le pull </a:t>
+            </a:r>
+            <a:r>
+              <a:rPr lang="it-IT" dirty="0" err="1" smtClean="0"/>
+              <a:t>request</a:t>
+            </a:r>
+            <a:endParaRPr lang="it-IT" dirty="0" smtClean="0"/>
+          </a:p>
+          <a:p>
+            <a:r>
+              <a:rPr lang="it-IT" dirty="0" smtClean="0"/>
+              <a:t>Vuole che i </a:t>
+            </a:r>
+            <a:r>
+              <a:rPr lang="it-IT" dirty="0" err="1" smtClean="0"/>
+              <a:t>deploy</a:t>
+            </a:r>
+            <a:r>
+              <a:rPr lang="it-IT" dirty="0" smtClean="0"/>
+              <a:t> vengano fatti prima del merge sul </a:t>
+            </a:r>
+            <a:r>
+              <a:rPr lang="it-IT" dirty="0" err="1" smtClean="0"/>
+              <a:t>main</a:t>
+            </a:r>
+            <a:endParaRPr lang="en-GB" dirty="0"/>
+          </a:p>
+        </p:txBody>
+      </p:sp>
+      <p:sp>
+        <p:nvSpPr>
+          <p:cNvPr id="4" name="Slide Number Placeholder 3"/>
+          <p:cNvSpPr>
+            <a:spLocks noGrp="1"/>
+          </p:cNvSpPr>
+          <p:nvPr>
+            <p:ph type="sldNum" sz="quarter" idx="10"/>
+          </p:nvPr>
+        </p:nvSpPr>
+        <p:spPr/>
+        <p:txBody>
+          <a:bodyPr/>
+          <a:lstStyle/>
+          <a:p>
+            <a:fld id="{41826960-2D9A-4E77-89F0-90A563B60D8B}" type="slidenum">
+              <a:rPr lang="en-GB" smtClean="0"/>
+              <a:t>15</a:t>
+            </a:fld>
+            <a:endParaRPr lang="en-GB"/>
+          </a:p>
+        </p:txBody>
+      </p:sp>
+    </p:spTree>
+    <p:extLst>
+      <p:ext uri="{BB962C8B-B14F-4D97-AF65-F5344CB8AC3E}">
+        <p14:creationId xmlns:p14="http://schemas.microsoft.com/office/powerpoint/2010/main" val="578890355"/>
+      </p:ext>
+    </p:extLst>
+  </p:cSld>
+  <p:clrMapOvr>
+    <a:masterClrMapping/>
+  </p:clrMapOvr>
+</p:notes>
+</file>
+
+<file path=ppt/notesSlides/notesSlide16.xml><?xml version="1.0" encoding="utf-8"?>
+<p:notes xmlns:a="http://schemas.openxmlformats.org/drawingml/2006/main" xmlns:r="http://schemas.openxmlformats.org/officeDocument/2006/relationships" xmlns:p="http://schemas.openxmlformats.org/presentationml/2006/main">
+  <p:cSld>
+    <p:spTree>
+      <p:nvGrpSpPr>
+        <p:cNvPr id="1" name=""/>
+        <p:cNvGrpSpPr/>
+        <p:nvPr/>
+      </p:nvGrpSpPr>
+      <p:grpSpPr>
+        <a:xfrm>
+          <a:off x="0" y="0"/>
+          <a:ext cx="0" cy="0"/>
+          <a:chOff x="0" y="0"/>
+          <a:chExt cx="0" cy="0"/>
+        </a:xfrm>
+      </p:grpSpPr>
+      <p:sp>
+        <p:nvSpPr>
+          <p:cNvPr id="2" name="Slide Image Placeholder 1"/>
+          <p:cNvSpPr>
+            <a:spLocks noGrp="1" noRot="1" noChangeAspect="1"/>
+          </p:cNvSpPr>
+          <p:nvPr>
+            <p:ph type="sldImg"/>
+          </p:nvPr>
+        </p:nvSpPr>
+        <p:spPr/>
+      </p:sp>
+      <p:sp>
+        <p:nvSpPr>
+          <p:cNvPr id="3" name="Notes Placeholder 2"/>
+          <p:cNvSpPr>
+            <a:spLocks noGrp="1"/>
+          </p:cNvSpPr>
+          <p:nvPr>
+            <p:ph type="body" idx="1"/>
+          </p:nvPr>
+        </p:nvSpPr>
+        <p:spPr/>
+        <p:txBody>
+          <a:bodyPr/>
+          <a:lstStyle/>
+          <a:p>
+            <a:r>
+              <a:rPr lang="it-IT" dirty="0" smtClean="0"/>
+              <a:t>Stato attuale,</a:t>
+            </a:r>
+            <a:r>
+              <a:rPr lang="it-IT" baseline="0" dirty="0" smtClean="0"/>
+              <a:t> potrebbe cambiare in futuro</a:t>
+            </a:r>
+            <a:endParaRPr lang="en-GB" dirty="0"/>
+          </a:p>
+        </p:txBody>
+      </p:sp>
+      <p:sp>
+        <p:nvSpPr>
+          <p:cNvPr id="4" name="Slide Number Placeholder 3"/>
+          <p:cNvSpPr>
+            <a:spLocks noGrp="1"/>
+          </p:cNvSpPr>
+          <p:nvPr>
+            <p:ph type="sldNum" sz="quarter" idx="10"/>
+          </p:nvPr>
+        </p:nvSpPr>
+        <p:spPr/>
+        <p:txBody>
+          <a:bodyPr/>
+          <a:lstStyle/>
+          <a:p>
+            <a:fld id="{41826960-2D9A-4E77-89F0-90A563B60D8B}" type="slidenum">
+              <a:rPr lang="en-GB" smtClean="0"/>
+              <a:t>16</a:t>
+            </a:fld>
+            <a:endParaRPr lang="en-GB"/>
+          </a:p>
+        </p:txBody>
+      </p:sp>
+    </p:spTree>
+    <p:extLst>
+      <p:ext uri="{BB962C8B-B14F-4D97-AF65-F5344CB8AC3E}">
+        <p14:creationId xmlns:p14="http://schemas.microsoft.com/office/powerpoint/2010/main" val="2368826746"/>
+      </p:ext>
+    </p:extLst>
+  </p:cSld>
+  <p:clrMapOvr>
+    <a:masterClrMapping/>
+  </p:clrMapOvr>
+</p:notes>
+</file>
+
+<file path=ppt/notesSlides/notesSlide17.xml><?xml version="1.0" encoding="utf-8"?>
+<p:notes xmlns:a="http://schemas.openxmlformats.org/drawingml/2006/main" xmlns:r="http://schemas.openxmlformats.org/officeDocument/2006/relationships" xmlns:p="http://schemas.openxmlformats.org/presentationml/2006/main">
+  <p:cSld>
+    <p:spTree>
+      <p:nvGrpSpPr>
+        <p:cNvPr id="1" name=""/>
+        <p:cNvGrpSpPr/>
+        <p:nvPr/>
+      </p:nvGrpSpPr>
+      <p:grpSpPr>
+        <a:xfrm>
+          <a:off x="0" y="0"/>
+          <a:ext cx="0" cy="0"/>
+          <a:chOff x="0" y="0"/>
+          <a:chExt cx="0" cy="0"/>
+        </a:xfrm>
+      </p:grpSpPr>
+      <p:sp>
+        <p:nvSpPr>
+          <p:cNvPr id="2" name="Slide Image Placeholder 1"/>
+          <p:cNvSpPr>
+            <a:spLocks noGrp="1" noRot="1" noChangeAspect="1"/>
+          </p:cNvSpPr>
+          <p:nvPr>
+            <p:ph type="sldImg"/>
+          </p:nvPr>
+        </p:nvSpPr>
+        <p:spPr/>
+      </p:sp>
+      <p:sp>
+        <p:nvSpPr>
+          <p:cNvPr id="3" name="Notes Placeholder 2"/>
+          <p:cNvSpPr>
+            <a:spLocks noGrp="1"/>
+          </p:cNvSpPr>
+          <p:nvPr>
+            <p:ph type="body" idx="1"/>
+          </p:nvPr>
+        </p:nvSpPr>
+        <p:spPr/>
+        <p:txBody>
+          <a:bodyPr/>
+          <a:lstStyle/>
+          <a:p>
+            <a:r>
+              <a:rPr lang="it-IT" dirty="0" err="1" smtClean="0"/>
+              <a:t>git</a:t>
+            </a:r>
+            <a:r>
+              <a:rPr lang="it-IT" dirty="0" smtClean="0"/>
+              <a:t>-for-</a:t>
+            </a:r>
+            <a:r>
+              <a:rPr lang="it-IT" dirty="0" err="1" smtClean="0"/>
+              <a:t>windows</a:t>
+            </a:r>
+            <a:r>
+              <a:rPr lang="it-IT" baseline="0" dirty="0" smtClean="0"/>
+              <a:t> è il pacchetto base ufficiale, contiene tutto quello che serve</a:t>
+            </a:r>
+            <a:endParaRPr lang="en-GB" dirty="0"/>
+          </a:p>
+        </p:txBody>
+      </p:sp>
+      <p:sp>
+        <p:nvSpPr>
+          <p:cNvPr id="4" name="Slide Number Placeholder 3"/>
+          <p:cNvSpPr>
+            <a:spLocks noGrp="1"/>
+          </p:cNvSpPr>
+          <p:nvPr>
+            <p:ph type="sldNum" sz="quarter" idx="10"/>
+          </p:nvPr>
+        </p:nvSpPr>
+        <p:spPr/>
+        <p:txBody>
+          <a:bodyPr/>
+          <a:lstStyle/>
+          <a:p>
+            <a:fld id="{41826960-2D9A-4E77-89F0-90A563B60D8B}" type="slidenum">
+              <a:rPr lang="en-GB" smtClean="0"/>
+              <a:t>19</a:t>
+            </a:fld>
+            <a:endParaRPr lang="en-GB"/>
+          </a:p>
+        </p:txBody>
+      </p:sp>
+    </p:spTree>
+    <p:extLst>
+      <p:ext uri="{BB962C8B-B14F-4D97-AF65-F5344CB8AC3E}">
+        <p14:creationId xmlns:p14="http://schemas.microsoft.com/office/powerpoint/2010/main" val="2090228535"/>
+      </p:ext>
+    </p:extLst>
+  </p:cSld>
+  <p:clrMapOvr>
+    <a:masterClrMapping/>
+  </p:clrMapOvr>
+</p:notes>
+</file>
+
+<file path=ppt/notesSlides/notesSlide18.xml><?xml version="1.0" encoding="utf-8"?>
+<p:notes xmlns:a="http://schemas.openxmlformats.org/drawingml/2006/main" xmlns:r="http://schemas.openxmlformats.org/officeDocument/2006/relationships" xmlns:p="http://schemas.openxmlformats.org/presentationml/2006/main">
+  <p:cSld>
+    <p:spTree>
+      <p:nvGrpSpPr>
+        <p:cNvPr id="1" name=""/>
+        <p:cNvGrpSpPr/>
+        <p:nvPr/>
+      </p:nvGrpSpPr>
+      <p:grpSpPr>
+        <a:xfrm>
+          <a:off x="0" y="0"/>
+          <a:ext cx="0" cy="0"/>
+          <a:chOff x="0" y="0"/>
+          <a:chExt cx="0" cy="0"/>
+        </a:xfrm>
+      </p:grpSpPr>
+      <p:sp>
+        <p:nvSpPr>
+          <p:cNvPr id="2" name="Slide Image Placeholder 1"/>
+          <p:cNvSpPr>
+            <a:spLocks noGrp="1" noRot="1" noChangeAspect="1"/>
+          </p:cNvSpPr>
+          <p:nvPr>
+            <p:ph type="sldImg"/>
+          </p:nvPr>
+        </p:nvSpPr>
+        <p:spPr/>
+      </p:sp>
+      <p:sp>
+        <p:nvSpPr>
+          <p:cNvPr id="3" name="Notes Placeholder 2"/>
+          <p:cNvSpPr>
+            <a:spLocks noGrp="1"/>
+          </p:cNvSpPr>
+          <p:nvPr>
+            <p:ph type="body" idx="1"/>
+          </p:nvPr>
+        </p:nvSpPr>
+        <p:spPr/>
+        <p:txBody>
+          <a:bodyPr/>
+          <a:lstStyle/>
+          <a:p>
+            <a:r>
+              <a:rPr lang="it-IT" dirty="0" smtClean="0"/>
+              <a:t>Una nota da </a:t>
+            </a:r>
+            <a:r>
+              <a:rPr lang="it-IT" dirty="0" err="1" smtClean="0"/>
+              <a:t>yoox</a:t>
+            </a:r>
+            <a:endParaRPr lang="en-GB" dirty="0"/>
+          </a:p>
+        </p:txBody>
+      </p:sp>
+      <p:sp>
+        <p:nvSpPr>
+          <p:cNvPr id="4" name="Slide Number Placeholder 3"/>
+          <p:cNvSpPr>
+            <a:spLocks noGrp="1"/>
+          </p:cNvSpPr>
+          <p:nvPr>
+            <p:ph type="sldNum" sz="quarter" idx="10"/>
+          </p:nvPr>
+        </p:nvSpPr>
+        <p:spPr/>
+        <p:txBody>
+          <a:bodyPr/>
+          <a:lstStyle/>
+          <a:p>
+            <a:fld id="{41826960-2D9A-4E77-89F0-90A563B60D8B}" type="slidenum">
+              <a:rPr lang="en-GB" smtClean="0"/>
+              <a:t>22</a:t>
+            </a:fld>
+            <a:endParaRPr lang="en-GB"/>
+          </a:p>
+        </p:txBody>
+      </p:sp>
+    </p:spTree>
+    <p:extLst>
+      <p:ext uri="{BB962C8B-B14F-4D97-AF65-F5344CB8AC3E}">
+        <p14:creationId xmlns:p14="http://schemas.microsoft.com/office/powerpoint/2010/main" val="1783336742"/>
+      </p:ext>
+    </p:extLst>
+  </p:cSld>
+  <p:clrMapOvr>
+    <a:masterClrMapping/>
+  </p:clrMapOvr>
+</p:notes>
+</file>
+
+<file path=ppt/notesSlides/notesSlide19.xml><?xml version="1.0" encoding="utf-8"?>
+<p:notes xmlns:a="http://schemas.openxmlformats.org/drawingml/2006/main" xmlns:r="http://schemas.openxmlformats.org/officeDocument/2006/relationships" xmlns:p="http://schemas.openxmlformats.org/presentationml/2006/main">
+  <p:cSld>
+    <p:spTree>
+      <p:nvGrpSpPr>
+        <p:cNvPr id="1" name=""/>
+        <p:cNvGrpSpPr/>
+        <p:nvPr/>
+      </p:nvGrpSpPr>
+      <p:grpSpPr>
+        <a:xfrm>
+          <a:off x="0" y="0"/>
+          <a:ext cx="0" cy="0"/>
+          <a:chOff x="0" y="0"/>
+          <a:chExt cx="0" cy="0"/>
+        </a:xfrm>
+      </p:grpSpPr>
+      <p:sp>
+        <p:nvSpPr>
+          <p:cNvPr id="2" name="Slide Image Placeholder 1"/>
+          <p:cNvSpPr>
+            <a:spLocks noGrp="1" noRot="1" noChangeAspect="1"/>
+          </p:cNvSpPr>
+          <p:nvPr>
+            <p:ph type="sldImg"/>
+          </p:nvPr>
+        </p:nvSpPr>
+        <p:spPr/>
+      </p:sp>
+      <p:sp>
+        <p:nvSpPr>
+          <p:cNvPr id="3" name="Notes Placeholder 2"/>
+          <p:cNvSpPr>
+            <a:spLocks noGrp="1"/>
+          </p:cNvSpPr>
+          <p:nvPr>
+            <p:ph type="body" idx="1"/>
+          </p:nvPr>
+        </p:nvSpPr>
+        <p:spPr/>
+        <p:txBody>
+          <a:bodyPr/>
+          <a:lstStyle/>
+          <a:p>
+            <a:r>
+              <a:rPr lang="it-IT" dirty="0" smtClean="0"/>
+              <a:t>Git è famoso per la sua difficoltà</a:t>
+            </a:r>
+          </a:p>
+          <a:p>
+            <a:r>
+              <a:rPr lang="it-IT" dirty="0" smtClean="0"/>
+              <a:t>Questo</a:t>
+            </a:r>
+            <a:r>
+              <a:rPr lang="it-IT" baseline="0" dirty="0" smtClean="0"/>
+              <a:t> deriva dal fatto che i primi comandi erano tanti e da scriptare</a:t>
+            </a:r>
+          </a:p>
+          <a:p>
+            <a:r>
+              <a:rPr lang="it-IT" baseline="0" dirty="0" smtClean="0"/>
+              <a:t>Da questo set di tool (plumbing) sono stati creati i porcelain tra i quali i comandi appena visti</a:t>
+            </a:r>
+          </a:p>
+          <a:p>
+            <a:r>
+              <a:rPr lang="it-IT" baseline="0" dirty="0" smtClean="0"/>
+              <a:t>Andiamo a vederne alcuni meno conosciuti</a:t>
+            </a:r>
+          </a:p>
+          <a:p>
+            <a:endParaRPr lang="it-IT" dirty="0" smtClean="0"/>
+          </a:p>
+        </p:txBody>
+      </p:sp>
+      <p:sp>
+        <p:nvSpPr>
+          <p:cNvPr id="4" name="Slide Number Placeholder 3"/>
+          <p:cNvSpPr>
+            <a:spLocks noGrp="1"/>
+          </p:cNvSpPr>
+          <p:nvPr>
+            <p:ph type="sldNum" sz="quarter" idx="10"/>
+          </p:nvPr>
+        </p:nvSpPr>
+        <p:spPr/>
+        <p:txBody>
+          <a:bodyPr/>
+          <a:lstStyle/>
+          <a:p>
+            <a:fld id="{41826960-2D9A-4E77-89F0-90A563B60D8B}" type="slidenum">
+              <a:rPr lang="en-GB" smtClean="0"/>
+              <a:t>26</a:t>
+            </a:fld>
+            <a:endParaRPr lang="en-GB"/>
+          </a:p>
+        </p:txBody>
+      </p:sp>
+    </p:spTree>
+    <p:extLst>
+      <p:ext uri="{BB962C8B-B14F-4D97-AF65-F5344CB8AC3E}">
+        <p14:creationId xmlns:p14="http://schemas.microsoft.com/office/powerpoint/2010/main" val="518310226"/>
       </p:ext>
     </p:extLst>
   </p:cSld>
@@ -633,7 +1715,27 @@
           <a:bodyPr/>
           <a:lstStyle/>
           <a:p>
-            <a:endParaRPr lang="en-GB"/>
+            <a:r>
+              <a:rPr lang="en-GB" dirty="0" smtClean="0"/>
+              <a:t>3</a:t>
+            </a:r>
+            <a:r>
+              <a:rPr lang="en-GB" baseline="0" dirty="0" smtClean="0"/>
+              <a:t> ore di </a:t>
+            </a:r>
+            <a:r>
+              <a:rPr lang="en-GB" baseline="0" dirty="0" err="1" smtClean="0"/>
+              <a:t>presentazione</a:t>
+            </a:r>
+            <a:r>
+              <a:rPr lang="en-GB" baseline="0" dirty="0" smtClean="0"/>
+              <a:t> </a:t>
+            </a:r>
+            <a:r>
+              <a:rPr lang="en-GB" baseline="0" dirty="0" err="1" smtClean="0"/>
+              <a:t>impossibili</a:t>
+            </a:r>
+            <a:endParaRPr lang="en-GB" dirty="0"/>
           </a:p>
         </p:txBody>
       </p:sp>
@@ -664,6 +1766,1336 @@
     <p:extLst>
       <p:ext uri="{BB962C8B-B14F-4D97-AF65-F5344CB8AC3E}">
         <p14:creationId xmlns:p14="http://schemas.microsoft.com/office/powerpoint/2010/main" val="378348975"/>
+      </p:ext>
+    </p:extLst>
+  </p:cSld>
+  <p:clrMapOvr>
+    <a:masterClrMapping/>
+  </p:clrMapOvr>
+</p:notes>
+</file>
+
+<file path=ppt/notesSlides/notesSlide20.xml><?xml version="1.0" encoding="utf-8"?>
+<p:notes xmlns:a="http://schemas.openxmlformats.org/drawingml/2006/main" xmlns:r="http://schemas.openxmlformats.org/officeDocument/2006/relationships" xmlns:p="http://schemas.openxmlformats.org/presentationml/2006/main">
+  <p:cSld>
+    <p:spTree>
+      <p:nvGrpSpPr>
+        <p:cNvPr id="1" name=""/>
+        <p:cNvGrpSpPr/>
+        <p:nvPr/>
+      </p:nvGrpSpPr>
+      <p:grpSpPr>
+        <a:xfrm>
+          <a:off x="0" y="0"/>
+          <a:ext cx="0" cy="0"/>
+          <a:chOff x="0" y="0"/>
+          <a:chExt cx="0" cy="0"/>
+        </a:xfrm>
+      </p:grpSpPr>
+      <p:sp>
+        <p:nvSpPr>
+          <p:cNvPr id="2" name="Slide Image Placeholder 1"/>
+          <p:cNvSpPr>
+            <a:spLocks noGrp="1" noRot="1" noChangeAspect="1"/>
+          </p:cNvSpPr>
+          <p:nvPr>
+            <p:ph type="sldImg"/>
+          </p:nvPr>
+        </p:nvSpPr>
+        <p:spPr/>
+      </p:sp>
+      <p:sp>
+        <p:nvSpPr>
+          <p:cNvPr id="3" name="Notes Placeholder 2"/>
+          <p:cNvSpPr>
+            <a:spLocks noGrp="1"/>
+          </p:cNvSpPr>
+          <p:nvPr>
+            <p:ph type="body" idx="1"/>
+          </p:nvPr>
+        </p:nvSpPr>
+        <p:spPr/>
+        <p:txBody>
+          <a:bodyPr/>
+          <a:lstStyle/>
+          <a:p>
+            <a:r>
+              <a:rPr lang="en-GB" i="1" dirty="0" smtClean="0"/>
+              <a:t>--system </a:t>
+            </a:r>
+            <a:r>
+              <a:rPr lang="en-GB" i="0" baseline="0" dirty="0" err="1" smtClean="0"/>
+              <a:t>tutte</a:t>
+            </a:r>
+            <a:r>
+              <a:rPr lang="en-GB" i="0" baseline="0" dirty="0" smtClean="0"/>
+              <a:t> le </a:t>
+            </a:r>
+            <a:r>
+              <a:rPr lang="en-GB" i="0" baseline="0" dirty="0" err="1" smtClean="0"/>
+              <a:t>configurazioni</a:t>
+            </a:r>
+            <a:r>
+              <a:rPr lang="en-GB" i="0" baseline="0" dirty="0" smtClean="0"/>
+              <a:t> </a:t>
+            </a:r>
+            <a:r>
+              <a:rPr lang="en-GB" i="0" baseline="0" dirty="0" err="1" smtClean="0"/>
+              <a:t>della</a:t>
+            </a:r>
+            <a:r>
+              <a:rPr lang="en-GB" i="0" baseline="0" dirty="0" smtClean="0"/>
+              <a:t> </a:t>
+            </a:r>
+            <a:r>
+              <a:rPr lang="en-GB" i="0" baseline="0" dirty="0" err="1" smtClean="0"/>
+              <a:t>macchina</a:t>
+            </a:r>
+            <a:r>
+              <a:rPr lang="en-GB" i="0" baseline="0" dirty="0" smtClean="0"/>
+              <a:t> </a:t>
+            </a:r>
+            <a:r>
+              <a:rPr lang="en-GB" i="0" baseline="0" dirty="0" err="1" smtClean="0"/>
+              <a:t>attuale</a:t>
+            </a:r>
+            <a:r>
+              <a:rPr lang="en-GB" dirty="0" smtClean="0"/>
+              <a:t> </a:t>
+            </a:r>
+          </a:p>
+          <a:p>
+            <a:r>
+              <a:rPr lang="en-GB" i="1" dirty="0" smtClean="0"/>
+              <a:t>--global</a:t>
+            </a:r>
+            <a:r>
+              <a:rPr lang="en-GB" i="0" baseline="0" dirty="0" smtClean="0"/>
+              <a:t> </a:t>
+            </a:r>
+            <a:r>
+              <a:rPr lang="en-GB" i="0" baseline="0" dirty="0" err="1" smtClean="0"/>
+              <a:t>tutte</a:t>
+            </a:r>
+            <a:r>
+              <a:rPr lang="en-GB" i="0" baseline="0" dirty="0" smtClean="0"/>
+              <a:t> le </a:t>
+            </a:r>
+            <a:r>
+              <a:rPr lang="en-GB" i="0" baseline="0" dirty="0" err="1" smtClean="0"/>
+              <a:t>configurazioni</a:t>
+            </a:r>
+            <a:r>
+              <a:rPr lang="en-GB" i="0" baseline="0" dirty="0" smtClean="0"/>
+              <a:t> </a:t>
+            </a:r>
+            <a:r>
+              <a:rPr lang="en-GB" i="0" baseline="0" dirty="0" err="1" smtClean="0"/>
+              <a:t>dell’utente</a:t>
+            </a:r>
+            <a:r>
+              <a:rPr lang="en-GB" i="0" baseline="0" dirty="0" smtClean="0"/>
+              <a:t> </a:t>
+            </a:r>
+            <a:r>
+              <a:rPr lang="en-GB" i="0" baseline="0" dirty="0" err="1" smtClean="0"/>
+              <a:t>attuale</a:t>
+            </a:r>
+            <a:r>
+              <a:rPr lang="en-GB" dirty="0" smtClean="0"/>
+              <a:t> </a:t>
+            </a:r>
+          </a:p>
+          <a:p>
+            <a:r>
+              <a:rPr lang="en-GB" i="1" dirty="0" smtClean="0"/>
+              <a:t>--local</a:t>
+            </a:r>
+            <a:r>
+              <a:rPr lang="en-GB" dirty="0" smtClean="0"/>
+              <a:t> (default) </a:t>
+            </a:r>
+            <a:r>
+              <a:rPr lang="en-GB" dirty="0" err="1" smtClean="0"/>
+              <a:t>tutte</a:t>
+            </a:r>
+            <a:r>
+              <a:rPr lang="en-GB" dirty="0" smtClean="0"/>
+              <a:t> le </a:t>
+            </a:r>
+            <a:r>
+              <a:rPr lang="en-GB" dirty="0" err="1" smtClean="0"/>
+              <a:t>configurazioni</a:t>
+            </a:r>
+            <a:r>
+              <a:rPr lang="en-GB" dirty="0" smtClean="0"/>
+              <a:t> del </a:t>
+            </a:r>
+            <a:r>
+              <a:rPr lang="en-GB" dirty="0" err="1" smtClean="0"/>
+              <a:t>reposvim</a:t>
+            </a:r>
+            <a:r>
+              <a:rPr lang="en-GB" baseline="0" dirty="0" smtClean="0"/>
+              <a:t> </a:t>
+            </a:r>
+          </a:p>
+          <a:p>
+            <a:endParaRPr lang="it-IT" baseline="0" dirty="0" smtClean="0"/>
+          </a:p>
+          <a:p>
+            <a:r>
+              <a:rPr lang="en-GB" dirty="0" smtClean="0"/>
+              <a:t>git </a:t>
+            </a:r>
+            <a:r>
+              <a:rPr lang="en-GB" dirty="0" err="1" smtClean="0"/>
+              <a:t>config</a:t>
+            </a:r>
+            <a:r>
+              <a:rPr lang="en-GB" dirty="0" smtClean="0"/>
+              <a:t> --global user.name "Name Surname" </a:t>
+            </a:r>
+          </a:p>
+          <a:p>
+            <a:r>
+              <a:rPr lang="en-GB" dirty="0" smtClean="0"/>
+              <a:t>git </a:t>
+            </a:r>
+            <a:r>
+              <a:rPr lang="en-GB" dirty="0" err="1" smtClean="0"/>
+              <a:t>config</a:t>
+            </a:r>
+            <a:r>
+              <a:rPr lang="en-GB" dirty="0" smtClean="0"/>
+              <a:t> --global </a:t>
+            </a:r>
+            <a:r>
+              <a:rPr lang="en-GB" dirty="0" err="1" smtClean="0"/>
+              <a:t>user.email</a:t>
+            </a:r>
+            <a:r>
+              <a:rPr lang="en-GB" dirty="0" smtClean="0"/>
+              <a:t> "yourcompanyemail@yoox.com" </a:t>
+            </a:r>
+          </a:p>
+          <a:p>
+            <a:endParaRPr lang="en-GB" dirty="0" smtClean="0"/>
+          </a:p>
+          <a:p>
+            <a:r>
+              <a:rPr lang="en-GB" dirty="0" smtClean="0"/>
+              <a:t>git </a:t>
+            </a:r>
+            <a:r>
+              <a:rPr lang="en-GB" dirty="0" err="1" smtClean="0"/>
+              <a:t>config</a:t>
+            </a:r>
+            <a:r>
+              <a:rPr lang="en-GB" dirty="0" smtClean="0"/>
+              <a:t> --global </a:t>
+            </a:r>
+            <a:r>
+              <a:rPr lang="en-GB" dirty="0" err="1" smtClean="0"/>
+              <a:t>core.autocrlf</a:t>
+            </a:r>
+            <a:r>
+              <a:rPr lang="en-GB" dirty="0" smtClean="0"/>
+              <a:t> false</a:t>
+            </a:r>
+          </a:p>
+          <a:p>
+            <a:endParaRPr lang="it-IT" dirty="0"/>
+          </a:p>
+        </p:txBody>
+      </p:sp>
+      <p:sp>
+        <p:nvSpPr>
+          <p:cNvPr id="4" name="Slide Number Placeholder 3"/>
+          <p:cNvSpPr>
+            <a:spLocks noGrp="1"/>
+          </p:cNvSpPr>
+          <p:nvPr>
+            <p:ph type="sldNum" sz="quarter" idx="10"/>
+          </p:nvPr>
+        </p:nvSpPr>
+        <p:spPr/>
+        <p:txBody>
+          <a:bodyPr/>
+          <a:lstStyle/>
+          <a:p>
+            <a:fld id="{41826960-2D9A-4E77-89F0-90A563B60D8B}" type="slidenum">
+              <a:rPr lang="en-GB" smtClean="0"/>
+              <a:t>27</a:t>
+            </a:fld>
+            <a:endParaRPr lang="en-GB"/>
+          </a:p>
+        </p:txBody>
+      </p:sp>
+    </p:spTree>
+    <p:extLst>
+      <p:ext uri="{BB962C8B-B14F-4D97-AF65-F5344CB8AC3E}">
+        <p14:creationId xmlns:p14="http://schemas.microsoft.com/office/powerpoint/2010/main" val="284078202"/>
+      </p:ext>
+    </p:extLst>
+  </p:cSld>
+  <p:clrMapOvr>
+    <a:masterClrMapping/>
+  </p:clrMapOvr>
+</p:notes>
+</file>
+
+<file path=ppt/notesSlides/notesSlide21.xml><?xml version="1.0" encoding="utf-8"?>
+<p:notes xmlns:a="http://schemas.openxmlformats.org/drawingml/2006/main" xmlns:r="http://schemas.openxmlformats.org/officeDocument/2006/relationships" xmlns:p="http://schemas.openxmlformats.org/presentationml/2006/main">
+  <p:cSld>
+    <p:spTree>
+      <p:nvGrpSpPr>
+        <p:cNvPr id="1" name=""/>
+        <p:cNvGrpSpPr/>
+        <p:nvPr/>
+      </p:nvGrpSpPr>
+      <p:grpSpPr>
+        <a:xfrm>
+          <a:off x="0" y="0"/>
+          <a:ext cx="0" cy="0"/>
+          <a:chOff x="0" y="0"/>
+          <a:chExt cx="0" cy="0"/>
+        </a:xfrm>
+      </p:grpSpPr>
+      <p:sp>
+        <p:nvSpPr>
+          <p:cNvPr id="2" name="Slide Image Placeholder 1"/>
+          <p:cNvSpPr>
+            <a:spLocks noGrp="1" noRot="1" noChangeAspect="1"/>
+          </p:cNvSpPr>
+          <p:nvPr>
+            <p:ph type="sldImg"/>
+          </p:nvPr>
+        </p:nvSpPr>
+        <p:spPr/>
+      </p:sp>
+      <p:sp>
+        <p:nvSpPr>
+          <p:cNvPr id="3" name="Notes Placeholder 2"/>
+          <p:cNvSpPr>
+            <a:spLocks noGrp="1"/>
+          </p:cNvSpPr>
+          <p:nvPr>
+            <p:ph type="body" idx="1"/>
+          </p:nvPr>
+        </p:nvSpPr>
+        <p:spPr/>
+        <p:txBody>
+          <a:bodyPr/>
+          <a:lstStyle/>
+          <a:p>
+            <a:r>
+              <a:rPr lang="it-IT" dirty="0" err="1" smtClean="0"/>
+              <a:t>git</a:t>
+            </a:r>
+            <a:r>
+              <a:rPr lang="it-IT" dirty="0" smtClean="0"/>
+              <a:t> </a:t>
+            </a:r>
+            <a:r>
+              <a:rPr lang="it-IT" dirty="0" err="1" smtClean="0"/>
+              <a:t>stash</a:t>
+            </a:r>
+            <a:endParaRPr lang="it-IT" dirty="0" smtClean="0"/>
+          </a:p>
+          <a:p>
+            <a:r>
+              <a:rPr lang="it-IT" dirty="0" err="1" smtClean="0"/>
+              <a:t>git</a:t>
+            </a:r>
+            <a:r>
+              <a:rPr lang="it-IT" dirty="0" smtClean="0"/>
+              <a:t> </a:t>
+            </a:r>
+            <a:r>
+              <a:rPr lang="it-IT" dirty="0" err="1" smtClean="0"/>
+              <a:t>stash</a:t>
+            </a:r>
+            <a:r>
+              <a:rPr lang="it-IT" dirty="0" smtClean="0"/>
+              <a:t> </a:t>
+            </a:r>
+            <a:r>
+              <a:rPr lang="it-IT" dirty="0" smtClean="0"/>
+              <a:t>pop</a:t>
+            </a:r>
+          </a:p>
+          <a:p>
+            <a:r>
+              <a:rPr lang="en-GB" dirty="0" smtClean="0"/>
+              <a:t>git stash drop</a:t>
+            </a:r>
+            <a:endParaRPr lang="en-GB" dirty="0"/>
+          </a:p>
+        </p:txBody>
+      </p:sp>
+      <p:sp>
+        <p:nvSpPr>
+          <p:cNvPr id="4" name="Slide Number Placeholder 3"/>
+          <p:cNvSpPr>
+            <a:spLocks noGrp="1"/>
+          </p:cNvSpPr>
+          <p:nvPr>
+            <p:ph type="sldNum" sz="quarter" idx="10"/>
+          </p:nvPr>
+        </p:nvSpPr>
+        <p:spPr/>
+        <p:txBody>
+          <a:bodyPr/>
+          <a:lstStyle/>
+          <a:p>
+            <a:fld id="{41826960-2D9A-4E77-89F0-90A563B60D8B}" type="slidenum">
+              <a:rPr lang="en-GB" smtClean="0"/>
+              <a:t>29</a:t>
+            </a:fld>
+            <a:endParaRPr lang="en-GB"/>
+          </a:p>
+        </p:txBody>
+      </p:sp>
+    </p:spTree>
+    <p:extLst>
+      <p:ext uri="{BB962C8B-B14F-4D97-AF65-F5344CB8AC3E}">
+        <p14:creationId xmlns:p14="http://schemas.microsoft.com/office/powerpoint/2010/main" val="2205083174"/>
+      </p:ext>
+    </p:extLst>
+  </p:cSld>
+  <p:clrMapOvr>
+    <a:masterClrMapping/>
+  </p:clrMapOvr>
+</p:notes>
+</file>
+
+<file path=ppt/notesSlides/notesSlide22.xml><?xml version="1.0" encoding="utf-8"?>
+<p:notes xmlns:a="http://schemas.openxmlformats.org/drawingml/2006/main" xmlns:r="http://schemas.openxmlformats.org/officeDocument/2006/relationships" xmlns:p="http://schemas.openxmlformats.org/presentationml/2006/main">
+  <p:cSld>
+    <p:spTree>
+      <p:nvGrpSpPr>
+        <p:cNvPr id="1" name=""/>
+        <p:cNvGrpSpPr/>
+        <p:nvPr/>
+      </p:nvGrpSpPr>
+      <p:grpSpPr>
+        <a:xfrm>
+          <a:off x="0" y="0"/>
+          <a:ext cx="0" cy="0"/>
+          <a:chOff x="0" y="0"/>
+          <a:chExt cx="0" cy="0"/>
+        </a:xfrm>
+      </p:grpSpPr>
+      <p:sp>
+        <p:nvSpPr>
+          <p:cNvPr id="2" name="Slide Image Placeholder 1"/>
+          <p:cNvSpPr>
+            <a:spLocks noGrp="1" noRot="1" noChangeAspect="1"/>
+          </p:cNvSpPr>
+          <p:nvPr>
+            <p:ph type="sldImg"/>
+          </p:nvPr>
+        </p:nvSpPr>
+        <p:spPr/>
+      </p:sp>
+      <p:sp>
+        <p:nvSpPr>
+          <p:cNvPr id="3" name="Notes Placeholder 2"/>
+          <p:cNvSpPr>
+            <a:spLocks noGrp="1"/>
+          </p:cNvSpPr>
+          <p:nvPr>
+            <p:ph type="body" idx="1"/>
+          </p:nvPr>
+        </p:nvSpPr>
+        <p:spPr/>
+        <p:txBody>
+          <a:bodyPr/>
+          <a:lstStyle/>
+          <a:p>
+            <a:r>
+              <a:rPr lang="it-IT" dirty="0" smtClean="0"/>
+              <a:t>Primo consiglio che mi sono ritrovato a dare</a:t>
+            </a:r>
+          </a:p>
+          <a:p>
+            <a:r>
+              <a:rPr lang="it-IT" dirty="0" err="1" smtClean="0"/>
+              <a:t>git</a:t>
+            </a:r>
+            <a:r>
+              <a:rPr lang="it-IT" dirty="0" smtClean="0"/>
+              <a:t> pull</a:t>
+            </a:r>
+          </a:p>
+          <a:p>
+            <a:endParaRPr lang="it-IT" dirty="0" smtClean="0"/>
+          </a:p>
+          <a:p>
+            <a:r>
+              <a:rPr lang="it-IT" dirty="0" err="1" smtClean="0"/>
+              <a:t>git</a:t>
+            </a:r>
+            <a:r>
+              <a:rPr lang="it-IT" baseline="0" dirty="0" smtClean="0"/>
+              <a:t> </a:t>
+            </a:r>
+            <a:r>
+              <a:rPr lang="it-IT" baseline="0" dirty="0" err="1" smtClean="0"/>
+              <a:t>fetch</a:t>
+            </a:r>
+            <a:endParaRPr lang="it-IT" baseline="0" dirty="0" smtClean="0"/>
+          </a:p>
+          <a:p>
+            <a:r>
+              <a:rPr lang="it-IT" baseline="0" dirty="0" err="1" smtClean="0"/>
+              <a:t>git</a:t>
+            </a:r>
+            <a:r>
+              <a:rPr lang="it-IT" baseline="0" dirty="0" smtClean="0"/>
+              <a:t> merge</a:t>
+            </a:r>
+            <a:endParaRPr lang="it-IT" dirty="0"/>
+          </a:p>
+        </p:txBody>
+      </p:sp>
+      <p:sp>
+        <p:nvSpPr>
+          <p:cNvPr id="4" name="Slide Number Placeholder 3"/>
+          <p:cNvSpPr>
+            <a:spLocks noGrp="1"/>
+          </p:cNvSpPr>
+          <p:nvPr>
+            <p:ph type="sldNum" sz="quarter" idx="10"/>
+          </p:nvPr>
+        </p:nvSpPr>
+        <p:spPr/>
+        <p:txBody>
+          <a:bodyPr/>
+          <a:lstStyle/>
+          <a:p>
+            <a:fld id="{41826960-2D9A-4E77-89F0-90A563B60D8B}" type="slidenum">
+              <a:rPr lang="en-GB" smtClean="0"/>
+              <a:t>30</a:t>
+            </a:fld>
+            <a:endParaRPr lang="en-GB"/>
+          </a:p>
+        </p:txBody>
+      </p:sp>
+    </p:spTree>
+    <p:extLst>
+      <p:ext uri="{BB962C8B-B14F-4D97-AF65-F5344CB8AC3E}">
+        <p14:creationId xmlns:p14="http://schemas.microsoft.com/office/powerpoint/2010/main" val="799569674"/>
+      </p:ext>
+    </p:extLst>
+  </p:cSld>
+  <p:clrMapOvr>
+    <a:masterClrMapping/>
+  </p:clrMapOvr>
+</p:notes>
+</file>
+
+<file path=ppt/notesSlides/notesSlide23.xml><?xml version="1.0" encoding="utf-8"?>
+<p:notes xmlns:a="http://schemas.openxmlformats.org/drawingml/2006/main" xmlns:r="http://schemas.openxmlformats.org/officeDocument/2006/relationships" xmlns:p="http://schemas.openxmlformats.org/presentationml/2006/main">
+  <p:cSld>
+    <p:spTree>
+      <p:nvGrpSpPr>
+        <p:cNvPr id="1" name=""/>
+        <p:cNvGrpSpPr/>
+        <p:nvPr/>
+      </p:nvGrpSpPr>
+      <p:grpSpPr>
+        <a:xfrm>
+          <a:off x="0" y="0"/>
+          <a:ext cx="0" cy="0"/>
+          <a:chOff x="0" y="0"/>
+          <a:chExt cx="0" cy="0"/>
+        </a:xfrm>
+      </p:grpSpPr>
+      <p:sp>
+        <p:nvSpPr>
+          <p:cNvPr id="2" name="Slide Image Placeholder 1"/>
+          <p:cNvSpPr>
+            <a:spLocks noGrp="1" noRot="1" noChangeAspect="1"/>
+          </p:cNvSpPr>
+          <p:nvPr>
+            <p:ph type="sldImg"/>
+          </p:nvPr>
+        </p:nvSpPr>
+        <p:spPr/>
+      </p:sp>
+      <p:sp>
+        <p:nvSpPr>
+          <p:cNvPr id="3" name="Notes Placeholder 2"/>
+          <p:cNvSpPr>
+            <a:spLocks noGrp="1"/>
+          </p:cNvSpPr>
+          <p:nvPr>
+            <p:ph type="body" idx="1"/>
+          </p:nvPr>
+        </p:nvSpPr>
+        <p:spPr/>
+        <p:txBody>
+          <a:bodyPr/>
+          <a:lstStyle/>
+          <a:p>
+            <a:r>
+              <a:rPr lang="it-IT" dirty="0" smtClean="0"/>
+              <a:t>git tag &lt;nome&gt; TAG LEGGERO</a:t>
+            </a:r>
+          </a:p>
+          <a:p>
+            <a:r>
+              <a:rPr lang="it-IT" dirty="0" smtClean="0"/>
+              <a:t>Git tag –a &lt;nome&gt; -m &lt;commento&gt; TAG ANNOTATO</a:t>
+            </a:r>
+            <a:endParaRPr lang="it-IT" dirty="0"/>
+          </a:p>
+        </p:txBody>
+      </p:sp>
+      <p:sp>
+        <p:nvSpPr>
+          <p:cNvPr id="4" name="Slide Number Placeholder 3"/>
+          <p:cNvSpPr>
+            <a:spLocks noGrp="1"/>
+          </p:cNvSpPr>
+          <p:nvPr>
+            <p:ph type="sldNum" sz="quarter" idx="10"/>
+          </p:nvPr>
+        </p:nvSpPr>
+        <p:spPr/>
+        <p:txBody>
+          <a:bodyPr/>
+          <a:lstStyle/>
+          <a:p>
+            <a:fld id="{41826960-2D9A-4E77-89F0-90A563B60D8B}" type="slidenum">
+              <a:rPr lang="en-GB" smtClean="0"/>
+              <a:t>31</a:t>
+            </a:fld>
+            <a:endParaRPr lang="en-GB"/>
+          </a:p>
+        </p:txBody>
+      </p:sp>
+    </p:spTree>
+    <p:extLst>
+      <p:ext uri="{BB962C8B-B14F-4D97-AF65-F5344CB8AC3E}">
+        <p14:creationId xmlns:p14="http://schemas.microsoft.com/office/powerpoint/2010/main" val="3794312264"/>
+      </p:ext>
+    </p:extLst>
+  </p:cSld>
+  <p:clrMapOvr>
+    <a:masterClrMapping/>
+  </p:clrMapOvr>
+</p:notes>
+</file>
+
+<file path=ppt/notesSlides/notesSlide24.xml><?xml version="1.0" encoding="utf-8"?>
+<p:notes xmlns:a="http://schemas.openxmlformats.org/drawingml/2006/main" xmlns:r="http://schemas.openxmlformats.org/officeDocument/2006/relationships" xmlns:p="http://schemas.openxmlformats.org/presentationml/2006/main">
+  <p:cSld>
+    <p:spTree>
+      <p:nvGrpSpPr>
+        <p:cNvPr id="1" name=""/>
+        <p:cNvGrpSpPr/>
+        <p:nvPr/>
+      </p:nvGrpSpPr>
+      <p:grpSpPr>
+        <a:xfrm>
+          <a:off x="0" y="0"/>
+          <a:ext cx="0" cy="0"/>
+          <a:chOff x="0" y="0"/>
+          <a:chExt cx="0" cy="0"/>
+        </a:xfrm>
+      </p:grpSpPr>
+      <p:sp>
+        <p:nvSpPr>
+          <p:cNvPr id="2" name="Slide Image Placeholder 1"/>
+          <p:cNvSpPr>
+            <a:spLocks noGrp="1" noRot="1" noChangeAspect="1"/>
+          </p:cNvSpPr>
+          <p:nvPr>
+            <p:ph type="sldImg"/>
+          </p:nvPr>
+        </p:nvSpPr>
+        <p:spPr/>
+      </p:sp>
+      <p:sp>
+        <p:nvSpPr>
+          <p:cNvPr id="3" name="Notes Placeholder 2"/>
+          <p:cNvSpPr>
+            <a:spLocks noGrp="1"/>
+          </p:cNvSpPr>
+          <p:nvPr>
+            <p:ph type="body" idx="1"/>
+          </p:nvPr>
+        </p:nvSpPr>
+        <p:spPr/>
+        <p:txBody>
+          <a:bodyPr/>
+          <a:lstStyle/>
+          <a:p>
+            <a:r>
+              <a:rPr lang="it-IT" dirty="0" smtClean="0"/>
+              <a:t>Se siete andati troppo avanti con lo sviluppo su master</a:t>
+            </a:r>
+          </a:p>
+          <a:p>
+            <a:r>
+              <a:rPr lang="it-IT" dirty="0" smtClean="0"/>
+              <a:t>Create</a:t>
+            </a:r>
+            <a:r>
+              <a:rPr lang="it-IT" baseline="0" dirty="0" smtClean="0"/>
+              <a:t> un nuovo branch nel punto attuale</a:t>
+            </a:r>
+            <a:br>
+              <a:rPr lang="it-IT" baseline="0" dirty="0" smtClean="0"/>
+            </a:br>
+            <a:r>
+              <a:rPr lang="it-IT" dirty="0" smtClean="0"/>
+              <a:t>git branch dubious-experiment</a:t>
+            </a:r>
+          </a:p>
+          <a:p>
+            <a:r>
+              <a:rPr lang="it-IT" dirty="0" smtClean="0"/>
+              <a:t>ASSICURATEVI</a:t>
+            </a:r>
+            <a:r>
+              <a:rPr lang="it-IT" baseline="0" dirty="0" smtClean="0"/>
+              <a:t> DI ESSERE SU MASTER E DI NON AVERE LO STATUS SPORCO</a:t>
+            </a:r>
+          </a:p>
+          <a:p>
+            <a:r>
+              <a:rPr lang="en-US" dirty="0" err="1" smtClean="0"/>
+              <a:t>git</a:t>
+            </a:r>
+            <a:r>
+              <a:rPr lang="en-US" dirty="0" smtClean="0"/>
+              <a:t> reset --hard &lt;SHA1 of commit&gt;</a:t>
+            </a:r>
+          </a:p>
+          <a:p>
+            <a:r>
+              <a:rPr lang="en-US" dirty="0" err="1" smtClean="0"/>
+              <a:t>Ora</a:t>
+            </a:r>
+            <a:r>
+              <a:rPr lang="en-US" dirty="0" smtClean="0"/>
+              <a:t> master è </a:t>
+            </a:r>
+            <a:r>
+              <a:rPr lang="en-US" dirty="0" err="1" smtClean="0"/>
+              <a:t>nel</a:t>
+            </a:r>
+            <a:r>
+              <a:rPr lang="en-US" dirty="0" smtClean="0"/>
+              <a:t> </a:t>
+            </a:r>
+            <a:r>
+              <a:rPr lang="en-US" dirty="0" err="1" smtClean="0"/>
+              <a:t>posto</a:t>
+            </a:r>
+            <a:r>
+              <a:rPr lang="en-US" dirty="0" smtClean="0"/>
+              <a:t> giusto</a:t>
+            </a:r>
+          </a:p>
+          <a:p>
+            <a:r>
+              <a:rPr lang="en-US" dirty="0" smtClean="0"/>
+              <a:t>Poi pull</a:t>
+            </a:r>
+            <a:endParaRPr lang="it-IT" dirty="0"/>
+          </a:p>
+        </p:txBody>
+      </p:sp>
+      <p:sp>
+        <p:nvSpPr>
+          <p:cNvPr id="4" name="Slide Number Placeholder 3"/>
+          <p:cNvSpPr>
+            <a:spLocks noGrp="1"/>
+          </p:cNvSpPr>
+          <p:nvPr>
+            <p:ph type="sldNum" sz="quarter" idx="10"/>
+          </p:nvPr>
+        </p:nvSpPr>
+        <p:spPr/>
+        <p:txBody>
+          <a:bodyPr/>
+          <a:lstStyle/>
+          <a:p>
+            <a:fld id="{41826960-2D9A-4E77-89F0-90A563B60D8B}" type="slidenum">
+              <a:rPr lang="en-GB" smtClean="0"/>
+              <a:t>32</a:t>
+            </a:fld>
+            <a:endParaRPr lang="en-GB"/>
+          </a:p>
+        </p:txBody>
+      </p:sp>
+    </p:spTree>
+    <p:extLst>
+      <p:ext uri="{BB962C8B-B14F-4D97-AF65-F5344CB8AC3E}">
+        <p14:creationId xmlns:p14="http://schemas.microsoft.com/office/powerpoint/2010/main" val="2288145681"/>
+      </p:ext>
+    </p:extLst>
+  </p:cSld>
+  <p:clrMapOvr>
+    <a:masterClrMapping/>
+  </p:clrMapOvr>
+</p:notes>
+</file>
+
+<file path=ppt/notesSlides/notesSlide25.xml><?xml version="1.0" encoding="utf-8"?>
+<p:notes xmlns:a="http://schemas.openxmlformats.org/drawingml/2006/main" xmlns:r="http://schemas.openxmlformats.org/officeDocument/2006/relationships" xmlns:p="http://schemas.openxmlformats.org/presentationml/2006/main">
+  <p:cSld>
+    <p:spTree>
+      <p:nvGrpSpPr>
+        <p:cNvPr id="1" name=""/>
+        <p:cNvGrpSpPr/>
+        <p:nvPr/>
+      </p:nvGrpSpPr>
+      <p:grpSpPr>
+        <a:xfrm>
+          <a:off x="0" y="0"/>
+          <a:ext cx="0" cy="0"/>
+          <a:chOff x="0" y="0"/>
+          <a:chExt cx="0" cy="0"/>
+        </a:xfrm>
+      </p:grpSpPr>
+      <p:sp>
+        <p:nvSpPr>
+          <p:cNvPr id="2" name="Slide Image Placeholder 1"/>
+          <p:cNvSpPr>
+            <a:spLocks noGrp="1" noRot="1" noChangeAspect="1"/>
+          </p:cNvSpPr>
+          <p:nvPr>
+            <p:ph type="sldImg"/>
+          </p:nvPr>
+        </p:nvSpPr>
+        <p:spPr/>
+      </p:sp>
+      <p:sp>
+        <p:nvSpPr>
+          <p:cNvPr id="3" name="Notes Placeholder 2"/>
+          <p:cNvSpPr>
+            <a:spLocks noGrp="1"/>
+          </p:cNvSpPr>
+          <p:nvPr>
+            <p:ph type="body" idx="1"/>
+          </p:nvPr>
+        </p:nvSpPr>
+        <p:spPr/>
+        <p:txBody>
+          <a:bodyPr/>
+          <a:lstStyle/>
+          <a:p>
+            <a:r>
+              <a:rPr lang="it-IT" dirty="0" err="1" smtClean="0"/>
+              <a:t>git</a:t>
+            </a:r>
+            <a:r>
+              <a:rPr lang="it-IT" dirty="0" smtClean="0"/>
+              <a:t> </a:t>
+            </a:r>
+            <a:r>
+              <a:rPr lang="it-IT" dirty="0" err="1" smtClean="0"/>
+              <a:t>clean</a:t>
+            </a:r>
+            <a:r>
+              <a:rPr lang="it-IT" dirty="0" smtClean="0"/>
+              <a:t> –f –n -d</a:t>
+            </a:r>
+          </a:p>
+          <a:p>
+            <a:endParaRPr lang="en-GB" dirty="0"/>
+          </a:p>
+        </p:txBody>
+      </p:sp>
+      <p:sp>
+        <p:nvSpPr>
+          <p:cNvPr id="4" name="Slide Number Placeholder 3"/>
+          <p:cNvSpPr>
+            <a:spLocks noGrp="1"/>
+          </p:cNvSpPr>
+          <p:nvPr>
+            <p:ph type="sldNum" sz="quarter" idx="10"/>
+          </p:nvPr>
+        </p:nvSpPr>
+        <p:spPr/>
+        <p:txBody>
+          <a:bodyPr/>
+          <a:lstStyle/>
+          <a:p>
+            <a:fld id="{41826960-2D9A-4E77-89F0-90A563B60D8B}" type="slidenum">
+              <a:rPr lang="en-GB" smtClean="0"/>
+              <a:t>33</a:t>
+            </a:fld>
+            <a:endParaRPr lang="en-GB"/>
+          </a:p>
+        </p:txBody>
+      </p:sp>
+    </p:spTree>
+    <p:extLst>
+      <p:ext uri="{BB962C8B-B14F-4D97-AF65-F5344CB8AC3E}">
+        <p14:creationId xmlns:p14="http://schemas.microsoft.com/office/powerpoint/2010/main" val="2631401737"/>
+      </p:ext>
+    </p:extLst>
+  </p:cSld>
+  <p:clrMapOvr>
+    <a:masterClrMapping/>
+  </p:clrMapOvr>
+</p:notes>
+</file>
+
+<file path=ppt/notesSlides/notesSlide26.xml><?xml version="1.0" encoding="utf-8"?>
+<p:notes xmlns:a="http://schemas.openxmlformats.org/drawingml/2006/main" xmlns:r="http://schemas.openxmlformats.org/officeDocument/2006/relationships" xmlns:p="http://schemas.openxmlformats.org/presentationml/2006/main">
+  <p:cSld>
+    <p:spTree>
+      <p:nvGrpSpPr>
+        <p:cNvPr id="1" name=""/>
+        <p:cNvGrpSpPr/>
+        <p:nvPr/>
+      </p:nvGrpSpPr>
+      <p:grpSpPr>
+        <a:xfrm>
+          <a:off x="0" y="0"/>
+          <a:ext cx="0" cy="0"/>
+          <a:chOff x="0" y="0"/>
+          <a:chExt cx="0" cy="0"/>
+        </a:xfrm>
+      </p:grpSpPr>
+      <p:sp>
+        <p:nvSpPr>
+          <p:cNvPr id="2" name="Slide Image Placeholder 1"/>
+          <p:cNvSpPr>
+            <a:spLocks noGrp="1" noRot="1" noChangeAspect="1"/>
+          </p:cNvSpPr>
+          <p:nvPr>
+            <p:ph type="sldImg"/>
+          </p:nvPr>
+        </p:nvSpPr>
+        <p:spPr/>
+      </p:sp>
+      <p:sp>
+        <p:nvSpPr>
+          <p:cNvPr id="3" name="Notes Placeholder 2"/>
+          <p:cNvSpPr>
+            <a:spLocks noGrp="1"/>
+          </p:cNvSpPr>
+          <p:nvPr>
+            <p:ph type="body" idx="1"/>
+          </p:nvPr>
+        </p:nvSpPr>
+        <p:spPr/>
+        <p:txBody>
+          <a:bodyPr/>
+          <a:lstStyle/>
+          <a:p>
+            <a:r>
+              <a:rPr lang="it-IT" dirty="0" smtClean="0"/>
+              <a:t>crea master</a:t>
+            </a:r>
+          </a:p>
+          <a:p>
+            <a:r>
+              <a:rPr lang="it-IT" dirty="0" smtClean="0"/>
+              <a:t>crea </a:t>
+            </a:r>
+            <a:r>
+              <a:rPr lang="it-IT" dirty="0" err="1" smtClean="0"/>
+              <a:t>branch</a:t>
+            </a:r>
+            <a:endParaRPr lang="it-IT" dirty="0" smtClean="0"/>
+          </a:p>
+          <a:p>
+            <a:r>
+              <a:rPr lang="it-IT" dirty="0" err="1" smtClean="0"/>
+              <a:t>git</a:t>
+            </a:r>
+            <a:r>
+              <a:rPr lang="it-IT" baseline="0" dirty="0" smtClean="0"/>
+              <a:t> </a:t>
+            </a:r>
+            <a:r>
+              <a:rPr lang="it-IT" baseline="0" dirty="0" err="1" smtClean="0"/>
+              <a:t>rebase</a:t>
+            </a:r>
+            <a:r>
+              <a:rPr lang="it-IT" baseline="0" dirty="0" smtClean="0"/>
+              <a:t> on master</a:t>
+            </a:r>
+          </a:p>
+          <a:p>
+            <a:r>
+              <a:rPr lang="it-IT" baseline="0" dirty="0" err="1" smtClean="0"/>
+              <a:t>git</a:t>
+            </a:r>
+            <a:r>
+              <a:rPr lang="it-IT" baseline="0" dirty="0" smtClean="0"/>
+              <a:t> checkout master</a:t>
+            </a:r>
+          </a:p>
+          <a:p>
+            <a:r>
+              <a:rPr lang="it-IT" baseline="0" dirty="0" err="1" smtClean="0"/>
+              <a:t>git</a:t>
+            </a:r>
+            <a:r>
+              <a:rPr lang="it-IT" baseline="0" dirty="0" smtClean="0"/>
+              <a:t> merge </a:t>
+            </a:r>
+            <a:r>
+              <a:rPr lang="it-IT" baseline="0" dirty="0" err="1" smtClean="0"/>
+              <a:t>branch</a:t>
+            </a:r>
+            <a:endParaRPr lang="en-GB" dirty="0" smtClean="0"/>
+          </a:p>
+        </p:txBody>
+      </p:sp>
+      <p:sp>
+        <p:nvSpPr>
+          <p:cNvPr id="4" name="Slide Number Placeholder 3"/>
+          <p:cNvSpPr>
+            <a:spLocks noGrp="1"/>
+          </p:cNvSpPr>
+          <p:nvPr>
+            <p:ph type="sldNum" sz="quarter" idx="10"/>
+          </p:nvPr>
+        </p:nvSpPr>
+        <p:spPr/>
+        <p:txBody>
+          <a:bodyPr/>
+          <a:lstStyle/>
+          <a:p>
+            <a:fld id="{41826960-2D9A-4E77-89F0-90A563B60D8B}" type="slidenum">
+              <a:rPr lang="en-GB" smtClean="0"/>
+              <a:t>34</a:t>
+            </a:fld>
+            <a:endParaRPr lang="en-GB"/>
+          </a:p>
+        </p:txBody>
+      </p:sp>
+    </p:spTree>
+    <p:extLst>
+      <p:ext uri="{BB962C8B-B14F-4D97-AF65-F5344CB8AC3E}">
+        <p14:creationId xmlns:p14="http://schemas.microsoft.com/office/powerpoint/2010/main" val="3197493943"/>
+      </p:ext>
+    </p:extLst>
+  </p:cSld>
+  <p:clrMapOvr>
+    <a:masterClrMapping/>
+  </p:clrMapOvr>
+</p:notes>
+</file>
+
+<file path=ppt/notesSlides/notesSlide27.xml><?xml version="1.0" encoding="utf-8"?>
+<p:notes xmlns:a="http://schemas.openxmlformats.org/drawingml/2006/main" xmlns:r="http://schemas.openxmlformats.org/officeDocument/2006/relationships" xmlns:p="http://schemas.openxmlformats.org/presentationml/2006/main">
+  <p:cSld>
+    <p:spTree>
+      <p:nvGrpSpPr>
+        <p:cNvPr id="1" name=""/>
+        <p:cNvGrpSpPr/>
+        <p:nvPr/>
+      </p:nvGrpSpPr>
+      <p:grpSpPr>
+        <a:xfrm>
+          <a:off x="0" y="0"/>
+          <a:ext cx="0" cy="0"/>
+          <a:chOff x="0" y="0"/>
+          <a:chExt cx="0" cy="0"/>
+        </a:xfrm>
+      </p:grpSpPr>
+      <p:sp>
+        <p:nvSpPr>
+          <p:cNvPr id="2" name="Slide Image Placeholder 1"/>
+          <p:cNvSpPr>
+            <a:spLocks noGrp="1" noRot="1" noChangeAspect="1"/>
+          </p:cNvSpPr>
+          <p:nvPr>
+            <p:ph type="sldImg"/>
+          </p:nvPr>
+        </p:nvSpPr>
+        <p:spPr/>
+      </p:sp>
+      <p:sp>
+        <p:nvSpPr>
+          <p:cNvPr id="3" name="Notes Placeholder 2"/>
+          <p:cNvSpPr>
+            <a:spLocks noGrp="1"/>
+          </p:cNvSpPr>
+          <p:nvPr>
+            <p:ph type="body" idx="1"/>
+          </p:nvPr>
+        </p:nvSpPr>
+        <p:spPr/>
+        <p:txBody>
+          <a:bodyPr/>
+          <a:lstStyle/>
+          <a:p>
+            <a:r>
+              <a:rPr lang="it-IT" dirty="0" smtClean="0"/>
+              <a:t>HEAD è un alias</a:t>
+            </a:r>
+            <a:r>
+              <a:rPr lang="it-IT" baseline="0" dirty="0" smtClean="0"/>
+              <a:t> ad un branch, il branch a sua volta è un alias ad un commit</a:t>
+            </a:r>
+            <a:endParaRPr lang="it-IT" dirty="0" smtClean="0"/>
+          </a:p>
+          <a:p>
+            <a:r>
+              <a:rPr lang="it-IT" dirty="0" smtClean="0"/>
+              <a:t>git checkout &lt;commit</a:t>
+            </a:r>
+            <a:r>
+              <a:rPr lang="it-IT" baseline="0" dirty="0" smtClean="0"/>
+              <a:t> o alias&gt;</a:t>
+            </a:r>
+          </a:p>
+          <a:p>
+            <a:r>
+              <a:rPr lang="it-IT" dirty="0" smtClean="0"/>
+              <a:t>Per salvare</a:t>
+            </a:r>
+            <a:r>
+              <a:rPr lang="it-IT" baseline="0" dirty="0" smtClean="0"/>
+              <a:t> eventuali modifiche git tag &lt;nometag&gt; / git checkout –b &lt;nomebranch&gt;</a:t>
+            </a:r>
+          </a:p>
+          <a:p>
+            <a:r>
+              <a:rPr lang="it-IT" baseline="0" dirty="0" smtClean="0"/>
+              <a:t>Parlare dell’object HEAD</a:t>
+            </a:r>
+            <a:endParaRPr lang="it-IT" dirty="0"/>
+          </a:p>
+        </p:txBody>
+      </p:sp>
+      <p:sp>
+        <p:nvSpPr>
+          <p:cNvPr id="4" name="Slide Number Placeholder 3"/>
+          <p:cNvSpPr>
+            <a:spLocks noGrp="1"/>
+          </p:cNvSpPr>
+          <p:nvPr>
+            <p:ph type="sldNum" sz="quarter" idx="10"/>
+          </p:nvPr>
+        </p:nvSpPr>
+        <p:spPr/>
+        <p:txBody>
+          <a:bodyPr/>
+          <a:lstStyle/>
+          <a:p>
+            <a:fld id="{41826960-2D9A-4E77-89F0-90A563B60D8B}" type="slidenum">
+              <a:rPr lang="en-GB" smtClean="0"/>
+              <a:t>35</a:t>
+            </a:fld>
+            <a:endParaRPr lang="en-GB"/>
+          </a:p>
+        </p:txBody>
+      </p:sp>
+    </p:spTree>
+    <p:extLst>
+      <p:ext uri="{BB962C8B-B14F-4D97-AF65-F5344CB8AC3E}">
+        <p14:creationId xmlns:p14="http://schemas.microsoft.com/office/powerpoint/2010/main" val="2584339518"/>
+      </p:ext>
+    </p:extLst>
+  </p:cSld>
+  <p:clrMapOvr>
+    <a:masterClrMapping/>
+  </p:clrMapOvr>
+</p:notes>
+</file>
+
+<file path=ppt/notesSlides/notesSlide28.xml><?xml version="1.0" encoding="utf-8"?>
+<p:notes xmlns:a="http://schemas.openxmlformats.org/drawingml/2006/main" xmlns:r="http://schemas.openxmlformats.org/officeDocument/2006/relationships" xmlns:p="http://schemas.openxmlformats.org/presentationml/2006/main">
+  <p:cSld>
+    <p:spTree>
+      <p:nvGrpSpPr>
+        <p:cNvPr id="1" name=""/>
+        <p:cNvGrpSpPr/>
+        <p:nvPr/>
+      </p:nvGrpSpPr>
+      <p:grpSpPr>
+        <a:xfrm>
+          <a:off x="0" y="0"/>
+          <a:ext cx="0" cy="0"/>
+          <a:chOff x="0" y="0"/>
+          <a:chExt cx="0" cy="0"/>
+        </a:xfrm>
+      </p:grpSpPr>
+      <p:sp>
+        <p:nvSpPr>
+          <p:cNvPr id="2" name="Slide Image Placeholder 1"/>
+          <p:cNvSpPr>
+            <a:spLocks noGrp="1" noRot="1" noChangeAspect="1"/>
+          </p:cNvSpPr>
+          <p:nvPr>
+            <p:ph type="sldImg"/>
+          </p:nvPr>
+        </p:nvSpPr>
+        <p:spPr/>
+      </p:sp>
+      <p:sp>
+        <p:nvSpPr>
+          <p:cNvPr id="3" name="Notes Placeholder 2"/>
+          <p:cNvSpPr>
+            <a:spLocks noGrp="1"/>
+          </p:cNvSpPr>
+          <p:nvPr>
+            <p:ph type="body" idx="1"/>
+          </p:nvPr>
+        </p:nvSpPr>
+        <p:spPr/>
+        <p:txBody>
+          <a:bodyPr/>
+          <a:lstStyle/>
+          <a:p>
+            <a:r>
+              <a:rPr lang="it-IT" dirty="0" err="1" smtClean="0"/>
+              <a:t>Git</a:t>
+            </a:r>
+            <a:r>
+              <a:rPr lang="it-IT" dirty="0" smtClean="0"/>
+              <a:t> è sicuro nel certificare che tutto il</a:t>
+            </a:r>
+            <a:r>
+              <a:rPr lang="it-IT" baseline="0" dirty="0" smtClean="0"/>
+              <a:t> salvato è esattamente quello che si vuole salvare SHA1</a:t>
+            </a:r>
+          </a:p>
+          <a:p>
+            <a:r>
+              <a:rPr lang="it-IT" baseline="0" dirty="0" smtClean="0"/>
+              <a:t>Per aumentare la sicurezza è possibile firmare con chiave crittografica i propri </a:t>
+            </a:r>
+            <a:r>
+              <a:rPr lang="it-IT" baseline="0" dirty="0" err="1" smtClean="0"/>
+              <a:t>commit</a:t>
+            </a:r>
+            <a:endParaRPr lang="en-GB" dirty="0"/>
+          </a:p>
+        </p:txBody>
+      </p:sp>
+      <p:sp>
+        <p:nvSpPr>
+          <p:cNvPr id="4" name="Slide Number Placeholder 3"/>
+          <p:cNvSpPr>
+            <a:spLocks noGrp="1"/>
+          </p:cNvSpPr>
+          <p:nvPr>
+            <p:ph type="sldNum" sz="quarter" idx="10"/>
+          </p:nvPr>
+        </p:nvSpPr>
+        <p:spPr/>
+        <p:txBody>
+          <a:bodyPr/>
+          <a:lstStyle/>
+          <a:p>
+            <a:fld id="{41826960-2D9A-4E77-89F0-90A563B60D8B}" type="slidenum">
+              <a:rPr lang="en-GB" smtClean="0"/>
+              <a:t>36</a:t>
+            </a:fld>
+            <a:endParaRPr lang="en-GB"/>
+          </a:p>
+        </p:txBody>
+      </p:sp>
+    </p:spTree>
+    <p:extLst>
+      <p:ext uri="{BB962C8B-B14F-4D97-AF65-F5344CB8AC3E}">
+        <p14:creationId xmlns:p14="http://schemas.microsoft.com/office/powerpoint/2010/main" val="1852682922"/>
+      </p:ext>
+    </p:extLst>
+  </p:cSld>
+  <p:clrMapOvr>
+    <a:masterClrMapping/>
+  </p:clrMapOvr>
+</p:notes>
+</file>
+
+<file path=ppt/notesSlides/notesSlide29.xml><?xml version="1.0" encoding="utf-8"?>
+<p:notes xmlns:a="http://schemas.openxmlformats.org/drawingml/2006/main" xmlns:r="http://schemas.openxmlformats.org/officeDocument/2006/relationships" xmlns:p="http://schemas.openxmlformats.org/presentationml/2006/main">
+  <p:cSld>
+    <p:spTree>
+      <p:nvGrpSpPr>
+        <p:cNvPr id="1" name=""/>
+        <p:cNvGrpSpPr/>
+        <p:nvPr/>
+      </p:nvGrpSpPr>
+      <p:grpSpPr>
+        <a:xfrm>
+          <a:off x="0" y="0"/>
+          <a:ext cx="0" cy="0"/>
+          <a:chOff x="0" y="0"/>
+          <a:chExt cx="0" cy="0"/>
+        </a:xfrm>
+      </p:grpSpPr>
+      <p:sp>
+        <p:nvSpPr>
+          <p:cNvPr id="2" name="Slide Image Placeholder 1"/>
+          <p:cNvSpPr>
+            <a:spLocks noGrp="1" noRot="1" noChangeAspect="1"/>
+          </p:cNvSpPr>
+          <p:nvPr>
+            <p:ph type="sldImg"/>
+          </p:nvPr>
+        </p:nvSpPr>
+        <p:spPr/>
+      </p:sp>
+      <p:sp>
+        <p:nvSpPr>
+          <p:cNvPr id="3" name="Notes Placeholder 2"/>
+          <p:cNvSpPr>
+            <a:spLocks noGrp="1"/>
+          </p:cNvSpPr>
+          <p:nvPr>
+            <p:ph type="body" idx="1"/>
+          </p:nvPr>
+        </p:nvSpPr>
+        <p:spPr/>
+        <p:txBody>
+          <a:bodyPr/>
+          <a:lstStyle/>
+          <a:p>
+            <a:r>
+              <a:rPr lang="it-IT" dirty="0" smtClean="0"/>
+              <a:t>Tutorial http://www.slideshare.net/lemonlatte/git-tutorial-ii</a:t>
+            </a:r>
+          </a:p>
+          <a:p>
+            <a:endParaRPr lang="en-GB" dirty="0"/>
+          </a:p>
+        </p:txBody>
+      </p:sp>
+      <p:sp>
+        <p:nvSpPr>
+          <p:cNvPr id="4" name="Slide Number Placeholder 3"/>
+          <p:cNvSpPr>
+            <a:spLocks noGrp="1"/>
+          </p:cNvSpPr>
+          <p:nvPr>
+            <p:ph type="sldNum" sz="quarter" idx="10"/>
+          </p:nvPr>
+        </p:nvSpPr>
+        <p:spPr/>
+        <p:txBody>
+          <a:bodyPr/>
+          <a:lstStyle/>
+          <a:p>
+            <a:fld id="{41826960-2D9A-4E77-89F0-90A563B60D8B}" type="slidenum">
+              <a:rPr lang="en-GB" smtClean="0"/>
+              <a:t>40</a:t>
+            </a:fld>
+            <a:endParaRPr lang="en-GB"/>
+          </a:p>
+        </p:txBody>
+      </p:sp>
+    </p:spTree>
+    <p:extLst>
+      <p:ext uri="{BB962C8B-B14F-4D97-AF65-F5344CB8AC3E}">
+        <p14:creationId xmlns:p14="http://schemas.microsoft.com/office/powerpoint/2010/main" val="4133037370"/>
       </p:ext>
     </p:extLst>
   </p:cSld>
@@ -718,84 +3150,24 @@
           <a:lstStyle/>
           <a:p>
             <a:r>
-              <a:rPr lang="en-GB" dirty="0" err="1" smtClean="0"/>
-              <a:t>Acrostico</a:t>
-            </a:r>
-            <a:r>
-              <a:rPr lang="en-GB" dirty="0" smtClean="0"/>
-              <a:t> GPL 2 GNU General Public License</a:t>
-            </a:r>
-          </a:p>
-          <a:p>
-            <a:r>
-              <a:rPr lang="en-GB" dirty="0" smtClean="0"/>
-              <a:t>DVCS Distributed Version Control Systems </a:t>
-            </a:r>
-          </a:p>
-          <a:p>
-            <a:r>
-              <a:rPr lang="en-GB" dirty="0" err="1" smtClean="0"/>
-              <a:t>Anche</a:t>
-            </a:r>
-            <a:r>
-              <a:rPr lang="en-GB" baseline="0" dirty="0" smtClean="0"/>
-              <a:t> </a:t>
-            </a:r>
-            <a:r>
-              <a:rPr lang="en-GB" dirty="0" smtClean="0"/>
-              <a:t>Mercurial lo è,</a:t>
-            </a:r>
-            <a:r>
-              <a:rPr lang="en-GB" baseline="0" dirty="0" smtClean="0"/>
-              <a:t> </a:t>
-            </a:r>
-            <a:r>
-              <a:rPr lang="en-GB" dirty="0" err="1" smtClean="0"/>
-              <a:t>noi</a:t>
-            </a:r>
-            <a:r>
-              <a:rPr lang="en-GB" dirty="0" smtClean="0"/>
-              <a:t> lo </a:t>
-            </a:r>
-            <a:r>
-              <a:rPr lang="en-GB" dirty="0" err="1" smtClean="0"/>
-              <a:t>usiamo</a:t>
-            </a:r>
-            <a:r>
-              <a:rPr lang="en-GB" dirty="0" smtClean="0"/>
-              <a:t> </a:t>
-            </a:r>
-            <a:r>
-              <a:rPr lang="en-GB" dirty="0" err="1" smtClean="0"/>
-              <a:t>attraverso</a:t>
-            </a:r>
-            <a:r>
-              <a:rPr lang="en-GB" baseline="0" dirty="0" smtClean="0"/>
-              <a:t> la </a:t>
-            </a:r>
-            <a:r>
-              <a:rPr lang="en-GB" baseline="0" dirty="0" err="1" smtClean="0"/>
-              <a:t>versione</a:t>
-            </a:r>
-            <a:r>
-              <a:rPr lang="en-GB" baseline="0" dirty="0" smtClean="0"/>
-              <a:t> </a:t>
-            </a:r>
-            <a:r>
-              <a:rPr lang="en-GB" baseline="0" dirty="0" err="1" smtClean="0"/>
-              <a:t>proposta</a:t>
-            </a:r>
-            <a:r>
-              <a:rPr lang="en-GB" baseline="0" dirty="0" smtClean="0"/>
-              <a:t> dal provider a </a:t>
-            </a:r>
-            <a:r>
-              <a:rPr lang="en-GB" baseline="0" dirty="0" err="1" smtClean="0"/>
-              <a:t>pagamento</a:t>
-            </a:r>
-            <a:r>
-              <a:rPr lang="en-GB" baseline="0" dirty="0" smtClean="0"/>
-              <a:t> kiln</a:t>
+              <a:rPr lang="it-IT" dirty="0" smtClean="0"/>
+              <a:t>Io prima di usare git</a:t>
+            </a:r>
+          </a:p>
+          <a:p>
+            <a:r>
+              <a:rPr lang="it-IT" dirty="0" smtClean="0"/>
+              <a:t>Mai usato in grandi progetti</a:t>
+            </a:r>
+          </a:p>
+          <a:p>
+            <a:r>
+              <a:rPr lang="it-IT" dirty="0" smtClean="0"/>
+              <a:t>Sempre usato bit</a:t>
+            </a:r>
+            <a:r>
+              <a:rPr lang="it-IT" baseline="0" dirty="0" smtClean="0"/>
+              <a:t> bucket</a:t>
             </a:r>
             <a:endParaRPr lang="en-GB" dirty="0"/>
           </a:p>
@@ -818,7 +3190,7 @@
           <a:p>
             <a:fld id="{41826960-2D9A-4E77-89F0-90A563B60D8B}" type="slidenum">
               <a:rPr lang="en-GB" smtClean="0"/>
-              <a:t>5</a:t>
+              <a:t>3</a:t>
             </a:fld>
             <a:endParaRPr lang="en-GB"/>
           </a:p>
@@ -827,7 +3199,7 @@
     </p:spTree>
     <p:extLst>
       <p:ext uri="{BB962C8B-B14F-4D97-AF65-F5344CB8AC3E}">
-        <p14:creationId xmlns:p14="http://schemas.microsoft.com/office/powerpoint/2010/main" val="218573903"/>
+        <p14:creationId xmlns:p14="http://schemas.microsoft.com/office/powerpoint/2010/main" val="2114746418"/>
       </p:ext>
     </p:extLst>
   </p:cSld>
@@ -883,21 +3255,524 @@
           <a:p>
             <a:r>
               <a:rPr lang="it-IT" dirty="0" smtClean="0"/>
-              <a:t>Chiarire il contesto, un</a:t>
+              <a:t>Che</a:t>
             </a:r>
             <a:r>
               <a:rPr lang="it-IT" baseline="0" dirty="0" smtClean="0"/>
-              <a:t> solo cambiamento logico, descrivere il cambiamento, non il codice, mantieni il presente, rispondendo alla domanda «cosa applica questo </a:t>
-            </a:r>
-            <a:r>
-              <a:rPr lang="it-IT" baseline="0" dirty="0" err="1" smtClean="0"/>
-              <a:t>commit</a:t>
+              <a:t> tutti dovremmo conoscere</a:t>
+            </a:r>
+            <a:endParaRPr lang="it-IT" dirty="0" smtClean="0"/>
+          </a:p>
+          <a:p>
+            <a:r>
+              <a:rPr lang="it-IT" dirty="0" smtClean="0"/>
+              <a:t>Ogni</a:t>
             </a:r>
             <a:r>
               <a:rPr lang="it-IT" baseline="0" dirty="0" smtClean="0"/>
-              <a:t>?»</a:t>
+              <a:t> feedback è ben accetto</a:t>
+            </a:r>
+          </a:p>
+        </p:txBody>
+      </p:sp>
+      <p:sp>
+        <p:nvSpPr>
+          <p:cNvPr id="4" name="Slide Number Placeholder 3"/>
+          <p:cNvSpPr>
+            <a:spLocks noGrp="1"/>
+          </p:cNvSpPr>
+          <p:nvPr>
+            <p:ph type="sldNum" sz="quarter" idx="10"/>
+          </p:nvPr>
+        </p:nvSpPr>
+        <p:spPr/>
+        <p:txBody>
+          <a:bodyPr/>
+          <a:lstStyle/>
+          <a:p>
+            <a:fld id="{41826960-2D9A-4E77-89F0-90A563B60D8B}" type="slidenum">
+              <a:rPr lang="en-GB" smtClean="0"/>
+              <a:t>4</a:t>
+            </a:fld>
+            <a:endParaRPr lang="en-GB"/>
+          </a:p>
+        </p:txBody>
+      </p:sp>
+    </p:spTree>
+    <p:extLst>
+      <p:ext uri="{BB962C8B-B14F-4D97-AF65-F5344CB8AC3E}">
+        <p14:creationId xmlns:p14="http://schemas.microsoft.com/office/powerpoint/2010/main" val="281387546"/>
+      </p:ext>
+    </p:extLst>
+  </p:cSld>
+  <p:clrMapOvr>
+    <a:masterClrMapping/>
+  </p:clrMapOvr>
+</p:notes>
+</file>
+
+<file path=ppt/notesSlides/notesSlide5.xml><?xml version="1.0" encoding="utf-8"?>
+<p:notes xmlns:a="http://schemas.openxmlformats.org/drawingml/2006/main" xmlns:r="http://schemas.openxmlformats.org/officeDocument/2006/relationships" xmlns:p="http://schemas.openxmlformats.org/presentationml/2006/main">
+  <p:cSld>
+    <p:spTree>
+      <p:nvGrpSpPr>
+        <p:cNvPr id="1" name=""/>
+        <p:cNvGrpSpPr/>
+        <p:nvPr/>
+      </p:nvGrpSpPr>
+      <p:grpSpPr>
+        <a:xfrm>
+          <a:off x="0" y="0"/>
+          <a:ext cx="0" cy="0"/>
+          <a:chOff x="0" y="0"/>
+          <a:chExt cx="0" cy="0"/>
+        </a:xfrm>
+      </p:grpSpPr>
+      <p:sp>
+        <p:nvSpPr>
+          <p:cNvPr id="2" name="Slide Image Placeholder 1"/>
+          <p:cNvSpPr>
+            <a:spLocks noGrp="1" noRot="1" noChangeAspect="1"/>
+          </p:cNvSpPr>
+          <p:nvPr>
+            <p:ph type="sldImg"/>
+          </p:nvPr>
+        </p:nvSpPr>
+        <p:spPr/>
+      </p:sp>
+      <p:sp>
+        <p:nvSpPr>
+          <p:cNvPr id="3" name="Notes Placeholder 2"/>
+          <p:cNvSpPr>
+            <a:spLocks noGrp="1"/>
+          </p:cNvSpPr>
+          <p:nvPr>
+            <p:ph type="body" idx="1"/>
+          </p:nvPr>
+        </p:nvSpPr>
+        <p:spPr/>
+        <p:txBody>
+          <a:bodyPr/>
+          <a:lstStyle/>
+          <a:p>
+            <a:r>
+              <a:rPr lang="en-GB" dirty="0" smtClean="0"/>
+              <a:t>DVCS Distributed Version Control Systems </a:t>
+            </a:r>
+          </a:p>
+          <a:p>
+            <a:r>
+              <a:rPr lang="en-GB" dirty="0" err="1" smtClean="0"/>
+              <a:t>Anche</a:t>
+            </a:r>
+            <a:r>
+              <a:rPr lang="en-GB" baseline="0" dirty="0" smtClean="0"/>
+              <a:t> </a:t>
+            </a:r>
+            <a:r>
+              <a:rPr lang="en-GB" dirty="0" smtClean="0"/>
+              <a:t>Mercurial lo è,</a:t>
+            </a:r>
+            <a:r>
+              <a:rPr lang="en-GB" baseline="0" dirty="0" smtClean="0"/>
+              <a:t> </a:t>
+            </a:r>
+            <a:r>
+              <a:rPr lang="en-GB" dirty="0" err="1" smtClean="0"/>
+              <a:t>noi</a:t>
+            </a:r>
+            <a:r>
+              <a:rPr lang="en-GB" dirty="0" smtClean="0"/>
+              <a:t> lo </a:t>
+            </a:r>
+            <a:r>
+              <a:rPr lang="en-GB" dirty="0" err="1" smtClean="0"/>
+              <a:t>usiamo</a:t>
+            </a:r>
+            <a:r>
+              <a:rPr lang="en-GB" dirty="0" smtClean="0"/>
+              <a:t> </a:t>
+            </a:r>
+            <a:r>
+              <a:rPr lang="en-GB" dirty="0" err="1" smtClean="0"/>
+              <a:t>attraverso</a:t>
+            </a:r>
+            <a:r>
+              <a:rPr lang="en-GB" baseline="0" dirty="0" smtClean="0"/>
+              <a:t> la </a:t>
+            </a:r>
+            <a:r>
+              <a:rPr lang="en-GB" baseline="0" dirty="0" err="1" smtClean="0"/>
+              <a:t>versione</a:t>
+            </a:r>
+            <a:r>
+              <a:rPr lang="en-GB" baseline="0" dirty="0" smtClean="0"/>
+              <a:t> </a:t>
+            </a:r>
+            <a:r>
+              <a:rPr lang="en-GB" baseline="0" dirty="0" err="1" smtClean="0"/>
+              <a:t>proposta</a:t>
+            </a:r>
+            <a:r>
+              <a:rPr lang="en-GB" baseline="0" dirty="0" smtClean="0"/>
+              <a:t> dal provider a </a:t>
+            </a:r>
+            <a:r>
+              <a:rPr lang="en-GB" baseline="0" dirty="0" err="1" smtClean="0"/>
+              <a:t>pagamento</a:t>
+            </a:r>
+            <a:r>
+              <a:rPr lang="en-GB" baseline="0" dirty="0" smtClean="0"/>
+              <a:t> kiln</a:t>
+            </a:r>
+          </a:p>
+          <a:p>
+            <a:r>
+              <a:rPr lang="en-GB" dirty="0" smtClean="0"/>
+              <a:t>Kiln on-premises is no more under active development since 2013</a:t>
             </a:r>
             <a:endParaRPr lang="en-GB" dirty="0"/>
+          </a:p>
+        </p:txBody>
+      </p:sp>
+      <p:sp>
+        <p:nvSpPr>
+          <p:cNvPr id="4" name="Slide Number Placeholder 3"/>
+          <p:cNvSpPr>
+            <a:spLocks noGrp="1"/>
+          </p:cNvSpPr>
+          <p:nvPr>
+            <p:ph type="sldNum" sz="quarter" idx="10"/>
+          </p:nvPr>
+        </p:nvSpPr>
+        <p:spPr/>
+        <p:txBody>
+          <a:bodyPr/>
+          <a:lstStyle/>
+          <a:p>
+            <a:fld id="{41826960-2D9A-4E77-89F0-90A563B60D8B}" type="slidenum">
+              <a:rPr lang="en-GB" smtClean="0"/>
+              <a:t>5</a:t>
+            </a:fld>
+            <a:endParaRPr lang="en-GB"/>
+          </a:p>
+        </p:txBody>
+      </p:sp>
+    </p:spTree>
+    <p:extLst>
+      <p:ext uri="{BB962C8B-B14F-4D97-AF65-F5344CB8AC3E}">
+        <p14:creationId xmlns:p14="http://schemas.microsoft.com/office/powerpoint/2010/main" val="218573903"/>
+      </p:ext>
+    </p:extLst>
+  </p:cSld>
+  <p:clrMapOvr>
+    <a:masterClrMapping/>
+  </p:clrMapOvr>
+</p:notes>
+</file>
+
+<file path=ppt/notesSlides/notesSlide6.xml><?xml version="1.0" encoding="utf-8"?>
+<p:notes xmlns:a="http://schemas.openxmlformats.org/drawingml/2006/main" xmlns:r="http://schemas.openxmlformats.org/officeDocument/2006/relationships" xmlns:p="http://schemas.openxmlformats.org/presentationml/2006/main">
+  <p:cSld>
+    <p:spTree>
+      <p:nvGrpSpPr>
+        <p:cNvPr id="1" name=""/>
+        <p:cNvGrpSpPr/>
+        <p:nvPr/>
+      </p:nvGrpSpPr>
+      <p:grpSpPr>
+        <a:xfrm>
+          <a:off x="0" y="0"/>
+          <a:ext cx="0" cy="0"/>
+          <a:chOff x="0" y="0"/>
+          <a:chExt cx="0" cy="0"/>
+        </a:xfrm>
+      </p:grpSpPr>
+      <p:sp>
+        <p:nvSpPr>
+          <p:cNvPr id="2" name="Slide Image Placeholder 1"/>
+          <p:cNvSpPr>
+            <a:spLocks noGrp="1" noRot="1" noChangeAspect="1"/>
+          </p:cNvSpPr>
+          <p:nvPr>
+            <p:ph type="sldImg"/>
+          </p:nvPr>
+        </p:nvSpPr>
+        <p:spPr/>
+      </p:sp>
+      <p:sp>
+        <p:nvSpPr>
+          <p:cNvPr id="3" name="Notes Placeholder 2"/>
+          <p:cNvSpPr>
+            <a:spLocks noGrp="1"/>
+          </p:cNvSpPr>
+          <p:nvPr>
+            <p:ph type="body" idx="1"/>
+          </p:nvPr>
+        </p:nvSpPr>
+        <p:spPr/>
+        <p:txBody>
+          <a:bodyPr/>
+          <a:lstStyle/>
+          <a:p>
+            <a:endParaRPr lang="en-GB" dirty="0"/>
+          </a:p>
+        </p:txBody>
+      </p:sp>
+      <p:sp>
+        <p:nvSpPr>
+          <p:cNvPr id="4" name="Slide Number Placeholder 3"/>
+          <p:cNvSpPr>
+            <a:spLocks noGrp="1"/>
+          </p:cNvSpPr>
+          <p:nvPr>
+            <p:ph type="sldNum" sz="quarter" idx="10"/>
+          </p:nvPr>
+        </p:nvSpPr>
+        <p:spPr/>
+        <p:txBody>
+          <a:bodyPr/>
+          <a:lstStyle/>
+          <a:p>
+            <a:fld id="{41826960-2D9A-4E77-89F0-90A563B60D8B}" type="slidenum">
+              <a:rPr lang="en-GB" smtClean="0"/>
+              <a:t>6</a:t>
+            </a:fld>
+            <a:endParaRPr lang="en-GB"/>
+          </a:p>
+        </p:txBody>
+      </p:sp>
+    </p:spTree>
+    <p:extLst>
+      <p:ext uri="{BB962C8B-B14F-4D97-AF65-F5344CB8AC3E}">
+        <p14:creationId xmlns:p14="http://schemas.microsoft.com/office/powerpoint/2010/main" val="3930984856"/>
+      </p:ext>
+    </p:extLst>
+  </p:cSld>
+  <p:clrMapOvr>
+    <a:masterClrMapping/>
+  </p:clrMapOvr>
+</p:notes>
+</file>
+
+<file path=ppt/notesSlides/notesSlide7.xml><?xml version="1.0" encoding="utf-8"?>
+<p:notes xmlns:a="http://schemas.openxmlformats.org/drawingml/2006/main" xmlns:r="http://schemas.openxmlformats.org/officeDocument/2006/relationships" xmlns:p="http://schemas.openxmlformats.org/presentationml/2006/main">
+  <p:cSld>
+    <p:spTree>
+      <p:nvGrpSpPr>
+        <p:cNvPr id="1" name=""/>
+        <p:cNvGrpSpPr/>
+        <p:nvPr/>
+      </p:nvGrpSpPr>
+      <p:grpSpPr>
+        <a:xfrm>
+          <a:off x="0" y="0"/>
+          <a:ext cx="0" cy="0"/>
+          <a:chOff x="0" y="0"/>
+          <a:chExt cx="0" cy="0"/>
+        </a:xfrm>
+      </p:grpSpPr>
+      <p:sp>
+        <p:nvSpPr>
+          <p:cNvPr id="2" name="Slide Image Placeholder 1"/>
+          <p:cNvSpPr>
+            <a:spLocks noGrp="1" noRot="1" noChangeAspect="1"/>
+          </p:cNvSpPr>
+          <p:nvPr>
+            <p:ph type="sldImg"/>
+          </p:nvPr>
+        </p:nvSpPr>
+        <p:spPr/>
+      </p:sp>
+      <p:sp>
+        <p:nvSpPr>
+          <p:cNvPr id="3" name="Notes Placeholder 2"/>
+          <p:cNvSpPr>
+            <a:spLocks noGrp="1"/>
+          </p:cNvSpPr>
+          <p:nvPr>
+            <p:ph type="body" idx="1"/>
+          </p:nvPr>
+        </p:nvSpPr>
+        <p:spPr/>
+        <p:txBody>
+          <a:bodyPr/>
+          <a:lstStyle/>
+          <a:p>
+            <a:r>
+              <a:rPr lang="en-GB" dirty="0" err="1" smtClean="0"/>
+              <a:t>Più</a:t>
+            </a:r>
+            <a:r>
+              <a:rPr lang="en-GB" dirty="0" smtClean="0"/>
+              <a:t> di 12000</a:t>
+            </a:r>
+            <a:r>
+              <a:rPr lang="en-GB" baseline="0" dirty="0" smtClean="0"/>
+              <a:t> contributors a </a:t>
+            </a:r>
+            <a:r>
+              <a:rPr lang="en-GB" baseline="0" dirty="0" err="1" smtClean="0"/>
+              <a:t>linux</a:t>
+            </a:r>
+            <a:r>
+              <a:rPr lang="en-GB" baseline="0" dirty="0" smtClean="0"/>
+              <a:t>, </a:t>
+            </a:r>
+            <a:r>
+              <a:rPr lang="en-GB" baseline="0" dirty="0" err="1" smtClean="0"/>
+              <a:t>Più</a:t>
+            </a:r>
+            <a:r>
+              <a:rPr lang="en-GB" baseline="0" dirty="0" smtClean="0"/>
+              <a:t> di 15 </a:t>
+            </a:r>
+            <a:r>
+              <a:rPr lang="en-GB" baseline="0" dirty="0" err="1" smtClean="0"/>
+              <a:t>milioni</a:t>
+            </a:r>
+            <a:r>
+              <a:rPr lang="en-GB" baseline="0" dirty="0" smtClean="0"/>
+              <a:t> di line di </a:t>
+            </a:r>
+            <a:r>
+              <a:rPr lang="en-GB" baseline="0" dirty="0" err="1" smtClean="0"/>
+              <a:t>codice</a:t>
+            </a:r>
+            <a:endParaRPr lang="en-GB" baseline="0" dirty="0" smtClean="0"/>
+          </a:p>
+          <a:p>
+            <a:endParaRPr lang="en-GB" baseline="0" dirty="0" smtClean="0"/>
+          </a:p>
+          <a:p>
+            <a:pPr marL="0" marR="0" indent="0" algn="l" defTabSz="914400" rtl="0" eaLnBrk="1" fontAlgn="auto" latinLnBrk="0" hangingPunct="1">
+              <a:lnSpc>
+                <a:spcPct val="100000"/>
+              </a:lnSpc>
+              <a:spcBef>
+                <a:spcPts val="0"/>
+              </a:spcBef>
+              <a:spcAft>
+                <a:spcPts val="0"/>
+              </a:spcAft>
+              <a:buClrTx/>
+              <a:buSzTx/>
+              <a:buFontTx/>
+              <a:buNone/>
+              <a:tabLst/>
+              <a:defRPr/>
+            </a:pPr>
+            <a:r>
+              <a:rPr lang="it-IT" dirty="0" smtClean="0"/>
+              <a:t>Permette ad una sola persona di fare tutti i merge</a:t>
+            </a:r>
+          </a:p>
+          <a:p>
+            <a:endParaRPr lang="en-GB" dirty="0" smtClean="0"/>
+          </a:p>
+          <a:p>
+            <a:r>
+              <a:rPr lang="it-IT" dirty="0" smtClean="0"/>
+              <a:t>Permette a tutti di creare una copia locale e di giocarci</a:t>
+            </a:r>
+          </a:p>
+          <a:p>
+            <a:endParaRPr lang="it-IT" dirty="0" smtClean="0"/>
+          </a:p>
+          <a:p>
+            <a:pPr marL="0" marR="0" indent="0" algn="l" defTabSz="914400" rtl="0" eaLnBrk="1" fontAlgn="auto" latinLnBrk="0" hangingPunct="1">
+              <a:lnSpc>
+                <a:spcPct val="100000"/>
+              </a:lnSpc>
+              <a:spcBef>
+                <a:spcPts val="0"/>
+              </a:spcBef>
+              <a:spcAft>
+                <a:spcPts val="0"/>
+              </a:spcAft>
+              <a:buClrTx/>
+              <a:buSzTx/>
+              <a:buFontTx/>
+              <a:buNone/>
+              <a:tabLst/>
+              <a:defRPr/>
+            </a:pPr>
+            <a:r>
+              <a:rPr lang="it-IT" dirty="0" smtClean="0"/>
+              <a:t>Permette di «riscrivere la storia»</a:t>
+            </a:r>
+          </a:p>
+          <a:p>
+            <a:endParaRPr lang="en-GB" dirty="0" smtClean="0"/>
+          </a:p>
+          <a:p>
+            <a:r>
+              <a:rPr lang="en-GB" dirty="0" err="1" smtClean="0"/>
+              <a:t>Assicura</a:t>
+            </a:r>
+            <a:r>
+              <a:rPr lang="en-GB" dirty="0" smtClean="0"/>
+              <a:t> di default </a:t>
+            </a:r>
+            <a:r>
+              <a:rPr lang="en-GB" dirty="0" err="1" smtClean="0"/>
+              <a:t>l’integrità</a:t>
+            </a:r>
+            <a:r>
+              <a:rPr lang="en-GB" dirty="0" smtClean="0"/>
+              <a:t> </a:t>
+            </a:r>
+            <a:r>
+              <a:rPr lang="en-GB" dirty="0" err="1" smtClean="0"/>
+              <a:t>criptografica</a:t>
+            </a:r>
+            <a:r>
+              <a:rPr lang="en-GB" dirty="0" smtClean="0"/>
+              <a:t> di </a:t>
+            </a:r>
+            <a:r>
+              <a:rPr lang="en-GB" dirty="0" err="1" smtClean="0"/>
+              <a:t>ogni</a:t>
+            </a:r>
+            <a:r>
+              <a:rPr lang="en-GB" dirty="0" smtClean="0"/>
+              <a:t> bit del </a:t>
+            </a:r>
+            <a:r>
+              <a:rPr lang="en-GB" dirty="0" err="1" smtClean="0"/>
+              <a:t>progetto</a:t>
+            </a:r>
+            <a:endParaRPr lang="en-GB" dirty="0" smtClean="0"/>
+          </a:p>
+          <a:p>
+            <a:endParaRPr lang="en-GB" dirty="0" smtClean="0"/>
+          </a:p>
+          <a:p>
+            <a:pPr marL="0" marR="0" indent="0" algn="l" defTabSz="914400" rtl="0" eaLnBrk="1" fontAlgn="auto" latinLnBrk="0" hangingPunct="1">
+              <a:lnSpc>
+                <a:spcPct val="100000"/>
+              </a:lnSpc>
+              <a:spcBef>
+                <a:spcPts val="0"/>
+              </a:spcBef>
+              <a:spcAft>
+                <a:spcPts val="0"/>
+              </a:spcAft>
+              <a:buClrTx/>
+              <a:buSzTx/>
+              <a:buFontTx/>
+              <a:buNone/>
+              <a:tabLst/>
+              <a:defRPr/>
+            </a:pPr>
+            <a:r>
+              <a:rPr lang="en-GB" dirty="0" err="1" smtClean="0"/>
+              <a:t>Acrostico</a:t>
+            </a:r>
+            <a:r>
+              <a:rPr lang="en-GB" dirty="0" smtClean="0"/>
+              <a:t> GPL 2 GNU General Public License</a:t>
+            </a:r>
           </a:p>
         </p:txBody>
       </p:sp>
@@ -928,6 +3803,222 @@
     <p:extLst>
       <p:ext uri="{BB962C8B-B14F-4D97-AF65-F5344CB8AC3E}">
         <p14:creationId xmlns:p14="http://schemas.microsoft.com/office/powerpoint/2010/main" val="1983854150"/>
+      </p:ext>
+    </p:extLst>
+  </p:cSld>
+  <p:clrMapOvr>
+    <a:masterClrMapping/>
+  </p:clrMapOvr>
+</p:notes>
+</file>
+
+<file path=ppt/notesSlides/notesSlide8.xml><?xml version="1.0" encoding="utf-8"?>
+<p:notes xmlns:a="http://schemas.openxmlformats.org/drawingml/2006/main" xmlns:r="http://schemas.openxmlformats.org/officeDocument/2006/relationships" xmlns:p="http://schemas.openxmlformats.org/presentationml/2006/main">
+  <p:cSld>
+    <p:spTree>
+      <p:nvGrpSpPr>
+        <p:cNvPr id="1" name=""/>
+        <p:cNvGrpSpPr/>
+        <p:nvPr/>
+      </p:nvGrpSpPr>
+      <p:grpSpPr>
+        <a:xfrm>
+          <a:off x="0" y="0"/>
+          <a:ext cx="0" cy="0"/>
+          <a:chOff x="0" y="0"/>
+          <a:chExt cx="0" cy="0"/>
+        </a:xfrm>
+      </p:grpSpPr>
+      <p:sp>
+        <p:nvSpPr>
+          <p:cNvPr id="2" name="Slide Image Placeholder 1"/>
+          <p:cNvSpPr>
+            <a:spLocks noGrp="1" noRot="1" noChangeAspect="1"/>
+          </p:cNvSpPr>
+          <p:nvPr>
+            <p:ph type="sldImg"/>
+          </p:nvPr>
+        </p:nvSpPr>
+        <p:spPr/>
+      </p:sp>
+      <p:sp>
+        <p:nvSpPr>
+          <p:cNvPr id="3" name="Notes Placeholder 2"/>
+          <p:cNvSpPr>
+            <a:spLocks noGrp="1"/>
+          </p:cNvSpPr>
+          <p:nvPr>
+            <p:ph type="body" idx="1"/>
+          </p:nvPr>
+        </p:nvSpPr>
+        <p:spPr/>
+        <p:txBody>
+          <a:bodyPr/>
+          <a:lstStyle/>
+          <a:p>
+            <a:r>
+              <a:rPr lang="it-IT" dirty="0" smtClean="0"/>
+              <a:t>DAG Directed acyclic graph</a:t>
+            </a:r>
+          </a:p>
+          <a:p>
+            <a:r>
+              <a:rPr lang="it-IT" dirty="0" smtClean="0"/>
+              <a:t>Ogni nodo rappresenta un commit</a:t>
+            </a:r>
+            <a:endParaRPr lang="it-IT" dirty="0"/>
+          </a:p>
+        </p:txBody>
+      </p:sp>
+      <p:sp>
+        <p:nvSpPr>
+          <p:cNvPr id="4" name="Slide Number Placeholder 3"/>
+          <p:cNvSpPr>
+            <a:spLocks noGrp="1"/>
+          </p:cNvSpPr>
+          <p:nvPr>
+            <p:ph type="sldNum" sz="quarter" idx="10"/>
+          </p:nvPr>
+        </p:nvSpPr>
+        <p:spPr/>
+        <p:txBody>
+          <a:bodyPr/>
+          <a:lstStyle/>
+          <a:p>
+            <a:fld id="{41826960-2D9A-4E77-89F0-90A563B60D8B}" type="slidenum">
+              <a:rPr lang="en-GB" smtClean="0"/>
+              <a:t>8</a:t>
+            </a:fld>
+            <a:endParaRPr lang="en-GB"/>
+          </a:p>
+        </p:txBody>
+      </p:sp>
+    </p:spTree>
+    <p:extLst>
+      <p:ext uri="{BB962C8B-B14F-4D97-AF65-F5344CB8AC3E}">
+        <p14:creationId xmlns:p14="http://schemas.microsoft.com/office/powerpoint/2010/main" val="1711012707"/>
+      </p:ext>
+    </p:extLst>
+  </p:cSld>
+  <p:clrMapOvr>
+    <a:masterClrMapping/>
+  </p:clrMapOvr>
+</p:notes>
+</file>
+
+<file path=ppt/notesSlides/notesSlide9.xml><?xml version="1.0" encoding="utf-8"?>
+<p:notes xmlns:a="http://schemas.openxmlformats.org/drawingml/2006/main" xmlns:r="http://schemas.openxmlformats.org/officeDocument/2006/relationships" xmlns:p="http://schemas.openxmlformats.org/presentationml/2006/main">
+  <p:cSld>
+    <p:spTree>
+      <p:nvGrpSpPr>
+        <p:cNvPr id="1" name=""/>
+        <p:cNvGrpSpPr/>
+        <p:nvPr/>
+      </p:nvGrpSpPr>
+      <p:grpSpPr>
+        <a:xfrm>
+          <a:off x="0" y="0"/>
+          <a:ext cx="0" cy="0"/>
+          <a:chOff x="0" y="0"/>
+          <a:chExt cx="0" cy="0"/>
+        </a:xfrm>
+      </p:grpSpPr>
+      <p:sp>
+        <p:nvSpPr>
+          <p:cNvPr id="2" name="Slide Image Placeholder 1"/>
+          <p:cNvSpPr>
+            <a:spLocks noGrp="1" noRot="1" noChangeAspect="1"/>
+          </p:cNvSpPr>
+          <p:nvPr>
+            <p:ph type="sldImg"/>
+          </p:nvPr>
+        </p:nvSpPr>
+        <p:spPr/>
+      </p:sp>
+      <p:sp>
+        <p:nvSpPr>
+          <p:cNvPr id="3" name="Notes Placeholder 2"/>
+          <p:cNvSpPr>
+            <a:spLocks noGrp="1"/>
+          </p:cNvSpPr>
+          <p:nvPr>
+            <p:ph type="body" idx="1"/>
+          </p:nvPr>
+        </p:nvSpPr>
+        <p:spPr/>
+        <p:txBody>
+          <a:bodyPr/>
+          <a:lstStyle/>
+          <a:p>
+            <a:r>
+              <a:rPr lang="it-IT" dirty="0" smtClean="0"/>
+              <a:t>Chiarire il contesto</a:t>
+            </a:r>
+          </a:p>
+          <a:p>
+            <a:r>
+              <a:rPr lang="it-IT" dirty="0" smtClean="0"/>
+              <a:t>un</a:t>
+            </a:r>
+            <a:r>
+              <a:rPr lang="it-IT" baseline="0" dirty="0" smtClean="0"/>
+              <a:t> solo cambiamento logico</a:t>
+            </a:r>
+          </a:p>
+          <a:p>
+            <a:r>
+              <a:rPr lang="it-IT" baseline="0" dirty="0" smtClean="0"/>
+              <a:t>descrivere il cambiamento, non il codice</a:t>
+            </a:r>
+          </a:p>
+          <a:p>
+            <a:r>
+              <a:rPr lang="it-IT" baseline="0" dirty="0" smtClean="0"/>
+              <a:t>Tenersi al presente, rispondendo alla domanda «cosa applica questo commit?»</a:t>
+            </a:r>
+          </a:p>
+          <a:p>
+            <a:endParaRPr lang="it-IT" dirty="0" smtClean="0"/>
+          </a:p>
+          <a:p>
+            <a:r>
+              <a:rPr lang="it-IT" dirty="0" smtClean="0"/>
+              <a:t>DIFFERENZA Working directory, index e local </a:t>
+            </a:r>
+            <a:endParaRPr lang="en-GB" dirty="0" smtClean="0"/>
+          </a:p>
+          <a:p>
+            <a:endParaRPr lang="en-GB" dirty="0"/>
+          </a:p>
+        </p:txBody>
+      </p:sp>
+      <p:sp>
+        <p:nvSpPr>
+          <p:cNvPr id="4" name="Slide Number Placeholder 3"/>
+          <p:cNvSpPr>
+            <a:spLocks noGrp="1"/>
+          </p:cNvSpPr>
+          <p:nvPr>
+            <p:ph type="sldNum" sz="quarter" idx="10"/>
+          </p:nvPr>
+        </p:nvSpPr>
+        <p:spPr/>
+        <p:txBody>
+          <a:bodyPr/>
+          <a:lstStyle/>
+          <a:p>
+            <a:fld id="{41826960-2D9A-4E77-89F0-90A563B60D8B}" type="slidenum">
+              <a:rPr lang="en-GB" smtClean="0"/>
+              <a:t>9</a:t>
+            </a:fld>
+            <a:endParaRPr lang="en-GB"/>
+          </a:p>
+        </p:txBody>
+      </p:sp>
+    </p:spTree>
+    <p:extLst>
+      <p:ext uri="{BB962C8B-B14F-4D97-AF65-F5344CB8AC3E}">
+        <p14:creationId xmlns:p14="http://schemas.microsoft.com/office/powerpoint/2010/main" val="23346532"/>
       </p:ext>
     </p:extLst>
   </p:cSld>
@@ -1123,7 +4214,7 @@
           <a:p>
             <a:fld id="{4AAD347D-5ACD-4C99-B74B-A9C85AD731AF}" type="datetimeFigureOut">
               <a:rPr lang="en-US" dirty="0"/>
-              <a:t>1/25/2016</a:t>
+              <a:t>1/27/2016</a:t>
             </a:fld>
             <a:endParaRPr lang="en-US" dirty="0"/>
           </a:p>
@@ -1393,7 +4484,7 @@
           <a:p>
             <a:fld id="{4509A250-FF31-4206-8172-F9D3106AACB1}" type="datetimeFigureOut">
               <a:rPr lang="en-US" dirty="0"/>
-              <a:t>1/25/2016</a:t>
+              <a:t>1/27/2016</a:t>
             </a:fld>
             <a:endParaRPr lang="en-US" dirty="0"/>
           </a:p>
@@ -1582,7 +4673,7 @@
           <a:p>
             <a:fld id="{4509A250-FF31-4206-8172-F9D3106AACB1}" type="datetimeFigureOut">
               <a:rPr lang="en-US" dirty="0"/>
-              <a:t>1/25/2016</a:t>
+              <a:t>1/27/2016</a:t>
             </a:fld>
             <a:endParaRPr lang="en-US" dirty="0"/>
           </a:p>
@@ -1850,7 +4941,7 @@
           <a:p>
             <a:fld id="{4509A250-FF31-4206-8172-F9D3106AACB1}" type="datetimeFigureOut">
               <a:rPr lang="en-US" dirty="0"/>
-              <a:t>1/25/2016</a:t>
+              <a:t>1/27/2016</a:t>
             </a:fld>
             <a:endParaRPr lang="en-US" dirty="0"/>
           </a:p>
@@ -2186,7 +5277,7 @@
           <a:p>
             <a:fld id="{4509A250-FF31-4206-8172-F9D3106AACB1}" type="datetimeFigureOut">
               <a:rPr lang="en-US" dirty="0"/>
-              <a:t>1/25/2016</a:t>
+              <a:t>1/27/2016</a:t>
             </a:fld>
             <a:endParaRPr lang="en-US" dirty="0"/>
           </a:p>
@@ -2804,7 +5895,7 @@
           <a:p>
             <a:fld id="{4509A250-FF31-4206-8172-F9D3106AACB1}" type="datetimeFigureOut">
               <a:rPr lang="en-US" dirty="0"/>
-              <a:t>1/25/2016</a:t>
+              <a:t>1/27/2016</a:t>
             </a:fld>
             <a:endParaRPr lang="en-US" dirty="0"/>
           </a:p>
@@ -3659,7 +6750,7 @@
           <a:p>
             <a:fld id="{4509A250-FF31-4206-8172-F9D3106AACB1}" type="datetimeFigureOut">
               <a:rPr lang="en-US" dirty="0"/>
-              <a:t>1/25/2016</a:t>
+              <a:t>1/27/2016</a:t>
             </a:fld>
             <a:endParaRPr lang="en-US" dirty="0"/>
           </a:p>
@@ -3824,7 +6915,7 @@
           <a:p>
             <a:fld id="{4509A250-FF31-4206-8172-F9D3106AACB1}" type="datetimeFigureOut">
               <a:rPr lang="en-US" dirty="0"/>
-              <a:t>1/25/2016</a:t>
+              <a:t>1/27/2016</a:t>
             </a:fld>
             <a:endParaRPr lang="en-US" dirty="0"/>
           </a:p>
@@ -3999,7 +7090,7 @@
           <a:p>
             <a:fld id="{4509A250-FF31-4206-8172-F9D3106AACB1}" type="datetimeFigureOut">
               <a:rPr lang="en-US" dirty="0"/>
-              <a:t>1/25/2016</a:t>
+              <a:t>1/27/2016</a:t>
             </a:fld>
             <a:endParaRPr lang="en-US" dirty="0"/>
           </a:p>
@@ -4164,7 +7255,7 @@
           <a:p>
             <a:fld id="{4509A250-FF31-4206-8172-F9D3106AACB1}" type="datetimeFigureOut">
               <a:rPr lang="en-US" dirty="0"/>
-              <a:t>1/25/2016</a:t>
+              <a:t>1/27/2016</a:t>
             </a:fld>
             <a:endParaRPr lang="en-US" dirty="0"/>
           </a:p>
@@ -4406,7 +7497,7 @@
           <a:p>
             <a:fld id="{9796027F-7875-4030-9381-8BD8C4F21935}" type="datetimeFigureOut">
               <a:rPr lang="en-US" dirty="0"/>
-              <a:t>1/25/2016</a:t>
+              <a:t>1/27/2016</a:t>
             </a:fld>
             <a:endParaRPr lang="en-US" dirty="0"/>
           </a:p>
@@ -4693,7 +7784,7 @@
           <a:p>
             <a:fld id="{9796027F-7875-4030-9381-8BD8C4F21935}" type="datetimeFigureOut">
               <a:rPr lang="en-US" dirty="0"/>
-              <a:t>1/25/2016</a:t>
+              <a:t>1/27/2016</a:t>
             </a:fld>
             <a:endParaRPr lang="en-US" dirty="0"/>
           </a:p>
@@ -5132,7 +8223,7 @@
           <a:p>
             <a:fld id="{9796027F-7875-4030-9381-8BD8C4F21935}" type="datetimeFigureOut">
               <a:rPr lang="en-US" dirty="0"/>
-              <a:t>1/25/2016</a:t>
+              <a:t>1/27/2016</a:t>
             </a:fld>
             <a:endParaRPr lang="en-US" dirty="0"/>
           </a:p>
@@ -5245,7 +8336,7 @@
           <a:p>
             <a:fld id="{4509A250-FF31-4206-8172-F9D3106AACB1}" type="datetimeFigureOut">
               <a:rPr lang="en-US" dirty="0"/>
-              <a:t>1/25/2016</a:t>
+              <a:t>1/27/2016</a:t>
             </a:fld>
             <a:endParaRPr lang="en-US" dirty="0"/>
           </a:p>
@@ -5335,7 +8426,7 @@
           <a:p>
             <a:fld id="{4509A250-FF31-4206-8172-F9D3106AACB1}" type="datetimeFigureOut">
               <a:rPr lang="en-US" dirty="0"/>
-              <a:t>1/25/2016</a:t>
+              <a:t>1/27/2016</a:t>
             </a:fld>
             <a:endParaRPr lang="en-US" dirty="0"/>
           </a:p>
@@ -5609,7 +8700,7 @@
           <a:p>
             <a:fld id="{4509A250-FF31-4206-8172-F9D3106AACB1}" type="datetimeFigureOut">
               <a:rPr lang="en-US" dirty="0"/>
-              <a:t>1/25/2016</a:t>
+              <a:t>1/27/2016</a:t>
             </a:fld>
             <a:endParaRPr lang="en-US" dirty="0"/>
           </a:p>
@@ -5879,7 +8970,7 @@
           <a:p>
             <a:fld id="{4509A250-FF31-4206-8172-F9D3106AACB1}" type="datetimeFigureOut">
               <a:rPr lang="en-US" dirty="0"/>
-              <a:t>1/25/2016</a:t>
+              <a:t>1/27/2016</a:t>
             </a:fld>
             <a:endParaRPr lang="en-US" dirty="0"/>
           </a:p>
@@ -6303,7 +9394,7 @@
           <a:p>
             <a:fld id="{4AAD347D-5ACD-4C99-B74B-A9C85AD731AF}" type="datetimeFigureOut">
               <a:rPr lang="en-US" dirty="0"/>
-              <a:t>1/25/2016</a:t>
+              <a:t>1/27/2016</a:t>
             </a:fld>
             <a:endParaRPr lang="en-US" dirty="0"/>
           </a:p>
@@ -6867,7 +9958,7 @@
           <a:p>
             <a:r>
               <a:rPr lang="it-IT" dirty="0" smtClean="0"/>
-              <a:t>Il cretino</a:t>
+              <a:t>Lo stupido gestore di contenuti</a:t>
             </a:r>
           </a:p>
         </p:txBody>
@@ -6882,6 +9973,13 @@
   <p:clrMapOvr>
     <a:masterClrMapping/>
   </p:clrMapOvr>
+  <p:timing>
+    <p:tnLst>
+      <p:par>
+        <p:cTn id="1" dur="indefinite" restart="never" nodeType="tmRoot"/>
+      </p:par>
+    </p:tnLst>
+  </p:timing>
 </p:sld>
 </file>
 
@@ -6918,62 +10016,53 @@
           <a:lstStyle/>
           <a:p>
             <a:r>
-              <a:rPr lang="it-IT" dirty="0" err="1" smtClean="0"/>
-              <a:t>Feature</a:t>
-            </a:r>
-            <a:r>
-              <a:rPr lang="it-IT" dirty="0" smtClean="0"/>
-              <a:t> </a:t>
-            </a:r>
-            <a:r>
-              <a:rPr lang="it-IT" dirty="0" err="1" smtClean="0"/>
-              <a:t>Branch</a:t>
-            </a:r>
-            <a:r>
-              <a:rPr lang="it-IT" dirty="0" smtClean="0"/>
-              <a:t> </a:t>
-            </a:r>
-            <a:r>
-              <a:rPr lang="it-IT" dirty="0" err="1" smtClean="0"/>
-              <a:t>Workflow</a:t>
+              <a:rPr lang="it-IT" dirty="0" smtClean="0"/>
+              <a:t>Flussi</a:t>
             </a:r>
             <a:endParaRPr lang="en-GB" dirty="0"/>
           </a:p>
         </p:txBody>
       </p:sp>
-      <p:pic>
-        <p:nvPicPr>
-          <p:cNvPr id="4" name="Content Placeholder 3"/>
-          <p:cNvPicPr>
-            <a:picLocks noGrp="1" noChangeAspect="1"/>
-          </p:cNvPicPr>
-          <p:nvPr>
-            <p:ph idx="1"/>
-          </p:nvPr>
-        </p:nvPicPr>
-        <p:blipFill>
-          <a:blip r:embed="rId2"/>
-          <a:stretch>
-            <a:fillRect/>
-          </a:stretch>
-        </p:blipFill>
-        <p:spPr>
-          <a:xfrm>
-            <a:off x="2035821" y="3083626"/>
-            <a:ext cx="7082134" cy="2133785"/>
-          </a:xfrm>
-        </p:spPr>
-      </p:pic>
+      <p:sp>
+        <p:nvSpPr>
+          <p:cNvPr id="3" name="Text Placeholder 2"/>
+          <p:cNvSpPr>
+            <a:spLocks noGrp="1"/>
+          </p:cNvSpPr>
+          <p:nvPr>
+            <p:ph type="body" idx="1"/>
+          </p:nvPr>
+        </p:nvSpPr>
+        <p:spPr/>
+        <p:txBody>
+          <a:bodyPr/>
+          <a:lstStyle/>
+          <a:p>
+            <a:r>
+              <a:rPr lang="it-IT" dirty="0" smtClean="0"/>
+              <a:t>Non importa come lo usi, basta essere d’accordo</a:t>
+            </a:r>
+            <a:endParaRPr lang="en-GB" dirty="0"/>
+          </a:p>
+        </p:txBody>
+      </p:sp>
     </p:spTree>
     <p:extLst>
       <p:ext uri="{BB962C8B-B14F-4D97-AF65-F5344CB8AC3E}">
-        <p14:creationId xmlns:p14="http://schemas.microsoft.com/office/powerpoint/2010/main" val="2942296585"/>
+        <p14:creationId xmlns:p14="http://schemas.microsoft.com/office/powerpoint/2010/main" val="2640804826"/>
       </p:ext>
     </p:extLst>
   </p:cSld>
   <p:clrMapOvr>
     <a:masterClrMapping/>
   </p:clrMapOvr>
+  <p:timing>
+    <p:tnLst>
+      <p:par>
+        <p:cTn id="1" dur="indefinite" restart="never" nodeType="tmRoot"/>
+      </p:par>
+    </p:tnLst>
+  </p:timing>
 </p:sld>
 </file>
 
@@ -7011,7 +10100,7 @@
           <a:p>
             <a:r>
               <a:rPr lang="it-IT" dirty="0" err="1" smtClean="0"/>
-              <a:t>Gitflow</a:t>
+              <a:t>Centralized</a:t>
             </a:r>
             <a:r>
               <a:rPr lang="it-IT" dirty="0" smtClean="0"/>
@@ -7036,22 +10125,22 @@
           </p:nvPr>
         </p:nvPicPr>
         <p:blipFill>
-          <a:blip r:embed="rId2"/>
+          <a:blip r:embed="rId3"/>
           <a:stretch>
             <a:fillRect/>
           </a:stretch>
         </p:blipFill>
         <p:spPr>
           <a:xfrm>
-            <a:off x="1756397" y="2575582"/>
-            <a:ext cx="7640982" cy="3149873"/>
+            <a:off x="1573501" y="2158986"/>
+            <a:ext cx="8006774" cy="3983065"/>
           </a:xfrm>
         </p:spPr>
       </p:pic>
     </p:spTree>
     <p:extLst>
       <p:ext uri="{BB962C8B-B14F-4D97-AF65-F5344CB8AC3E}">
-        <p14:creationId xmlns:p14="http://schemas.microsoft.com/office/powerpoint/2010/main" val="1232142752"/>
+        <p14:creationId xmlns:p14="http://schemas.microsoft.com/office/powerpoint/2010/main" val="1320060809"/>
       </p:ext>
     </p:extLst>
   </p:cSld>
@@ -7095,7 +10184,15 @@
           <a:p>
             <a:r>
               <a:rPr lang="it-IT" dirty="0" err="1" smtClean="0"/>
-              <a:t>Forking</a:t>
+              <a:t>Feature</a:t>
+            </a:r>
+            <a:r>
+              <a:rPr lang="it-IT" dirty="0" smtClean="0"/>
+              <a:t> </a:t>
+            </a:r>
+            <a:r>
+              <a:rPr lang="it-IT" dirty="0" err="1" smtClean="0"/>
+              <a:t>Branch</a:t>
             </a:r>
             <a:r>
               <a:rPr lang="it-IT" dirty="0" smtClean="0"/>
@@ -7120,22 +10217,22 @@
           </p:nvPr>
         </p:nvPicPr>
         <p:blipFill>
-          <a:blip r:embed="rId2"/>
+          <a:blip r:embed="rId3"/>
           <a:stretch>
             <a:fillRect/>
           </a:stretch>
         </p:blipFill>
         <p:spPr>
           <a:xfrm>
-            <a:off x="2867736" y="2052638"/>
-            <a:ext cx="5418303" cy="4195762"/>
+            <a:off x="2035821" y="3083626"/>
+            <a:ext cx="7082134" cy="2133785"/>
           </a:xfrm>
         </p:spPr>
       </p:pic>
     </p:spTree>
     <p:extLst>
       <p:ext uri="{BB962C8B-B14F-4D97-AF65-F5344CB8AC3E}">
-        <p14:creationId xmlns:p14="http://schemas.microsoft.com/office/powerpoint/2010/main" val="1220355524"/>
+        <p14:creationId xmlns:p14="http://schemas.microsoft.com/office/powerpoint/2010/main" val="2942296585"/>
       </p:ext>
     </p:extLst>
   </p:cSld>
@@ -7179,11 +10276,15 @@
           <a:p>
             <a:r>
               <a:rPr lang="it-IT" dirty="0" err="1" smtClean="0"/>
-              <a:t>GitHub</a:t>
-            </a:r>
-            <a:r>
-              <a:rPr lang="it-IT" dirty="0" smtClean="0"/>
-              <a:t> Flow</a:t>
+              <a:t>Gitflow</a:t>
+            </a:r>
+            <a:r>
+              <a:rPr lang="it-IT" dirty="0" smtClean="0"/>
+              <a:t> </a:t>
+            </a:r>
+            <a:r>
+              <a:rPr lang="it-IT" dirty="0" err="1" smtClean="0"/>
+              <a:t>Workflow</a:t>
             </a:r>
             <a:endParaRPr lang="en-GB" dirty="0"/>
           </a:p>
@@ -7191,7 +10292,7 @@
       </p:sp>
       <p:pic>
         <p:nvPicPr>
-          <p:cNvPr id="6" name="Content Placeholder 5"/>
+          <p:cNvPr id="4" name="Content Placeholder 3"/>
           <p:cNvPicPr>
             <a:picLocks noGrp="1" noChangeAspect="1"/>
           </p:cNvPicPr>
@@ -7200,22 +10301,22 @@
           </p:nvPr>
         </p:nvPicPr>
         <p:blipFill>
-          <a:blip r:embed="rId2"/>
+          <a:blip r:embed="rId3"/>
           <a:stretch>
             <a:fillRect/>
           </a:stretch>
         </p:blipFill>
         <p:spPr>
           <a:xfrm>
-            <a:off x="1571958" y="2818144"/>
-            <a:ext cx="8009860" cy="2664749"/>
+            <a:off x="1756397" y="2575582"/>
+            <a:ext cx="7640982" cy="3149873"/>
           </a:xfrm>
         </p:spPr>
       </p:pic>
     </p:spTree>
     <p:extLst>
       <p:ext uri="{BB962C8B-B14F-4D97-AF65-F5344CB8AC3E}">
-        <p14:creationId xmlns:p14="http://schemas.microsoft.com/office/powerpoint/2010/main" val="189212613"/>
+        <p14:creationId xmlns:p14="http://schemas.microsoft.com/office/powerpoint/2010/main" val="1232142752"/>
       </p:ext>
     </p:extLst>
   </p:cSld>
@@ -7258,43 +10359,48 @@
           <a:lstStyle/>
           <a:p>
             <a:r>
-              <a:rPr lang="en-GB" dirty="0"/>
-              <a:t>I U+2665 CLI</a:t>
-            </a:r>
-          </a:p>
-        </p:txBody>
-      </p:sp>
-      <p:sp>
-        <p:nvSpPr>
-          <p:cNvPr id="3" name="Text Placeholder 2"/>
-          <p:cNvSpPr>
-            <a:spLocks noGrp="1"/>
-          </p:cNvSpPr>
-          <p:nvPr>
-            <p:ph type="body" idx="1"/>
-          </p:nvPr>
-        </p:nvSpPr>
-        <p:spPr/>
-        <p:txBody>
-          <a:bodyPr/>
-          <a:lstStyle/>
-          <a:p>
-            <a:r>
-              <a:rPr lang="it-IT" dirty="0"/>
-              <a:t>Ovvero: come ho imparato a non preoccuparmi e ad amare la </a:t>
-            </a:r>
-            <a:r>
-              <a:rPr lang="it-IT" dirty="0" smtClean="0"/>
-              <a:t>line di comando</a:t>
+              <a:rPr lang="it-IT" dirty="0" err="1" smtClean="0"/>
+              <a:t>Forking</a:t>
+            </a:r>
+            <a:r>
+              <a:rPr lang="it-IT" dirty="0" smtClean="0"/>
+              <a:t> </a:t>
+            </a:r>
+            <a:r>
+              <a:rPr lang="it-IT" dirty="0" err="1" smtClean="0"/>
+              <a:t>Workflow</a:t>
             </a:r>
             <a:endParaRPr lang="en-GB" dirty="0"/>
           </a:p>
         </p:txBody>
       </p:sp>
+      <p:pic>
+        <p:nvPicPr>
+          <p:cNvPr id="4" name="Content Placeholder 3"/>
+          <p:cNvPicPr>
+            <a:picLocks noGrp="1" noChangeAspect="1"/>
+          </p:cNvPicPr>
+          <p:nvPr>
+            <p:ph idx="1"/>
+          </p:nvPr>
+        </p:nvPicPr>
+        <p:blipFill>
+          <a:blip r:embed="rId3"/>
+          <a:stretch>
+            <a:fillRect/>
+          </a:stretch>
+        </p:blipFill>
+        <p:spPr>
+          <a:xfrm>
+            <a:off x="2867736" y="2052638"/>
+            <a:ext cx="5418303" cy="4195762"/>
+          </a:xfrm>
+        </p:spPr>
+      </p:pic>
     </p:spTree>
     <p:extLst>
       <p:ext uri="{BB962C8B-B14F-4D97-AF65-F5344CB8AC3E}">
-        <p14:creationId xmlns:p14="http://schemas.microsoft.com/office/powerpoint/2010/main" val="1316777109"/>
+        <p14:creationId xmlns:p14="http://schemas.microsoft.com/office/powerpoint/2010/main" val="1220355524"/>
       </p:ext>
     </p:extLst>
   </p:cSld>
@@ -7337,40 +10443,44 @@
           <a:lstStyle/>
           <a:p>
             <a:r>
-              <a:rPr lang="it-IT" dirty="0" smtClean="0"/>
-              <a:t>Comandi base</a:t>
+              <a:rPr lang="it-IT" dirty="0" err="1" smtClean="0"/>
+              <a:t>GitHub</a:t>
+            </a:r>
+            <a:r>
+              <a:rPr lang="it-IT" dirty="0" smtClean="0"/>
+              <a:t> Flow</a:t>
             </a:r>
             <a:endParaRPr lang="en-GB" dirty="0"/>
           </a:p>
         </p:txBody>
       </p:sp>
-      <p:sp>
-        <p:nvSpPr>
-          <p:cNvPr id="3" name="Text Placeholder 2"/>
-          <p:cNvSpPr>
-            <a:spLocks noGrp="1"/>
-          </p:cNvSpPr>
-          <p:nvPr>
-            <p:ph type="body" idx="1"/>
-          </p:nvPr>
-        </p:nvSpPr>
-        <p:spPr/>
-        <p:txBody>
-          <a:bodyPr/>
-          <a:lstStyle/>
-          <a:p>
-            <a:r>
-              <a:rPr lang="it-IT" dirty="0" smtClean="0"/>
-              <a:t>La solita pizza</a:t>
-            </a:r>
-            <a:endParaRPr lang="en-GB" dirty="0"/>
-          </a:p>
-        </p:txBody>
-      </p:sp>
+      <p:pic>
+        <p:nvPicPr>
+          <p:cNvPr id="6" name="Content Placeholder 5"/>
+          <p:cNvPicPr>
+            <a:picLocks noGrp="1" noChangeAspect="1"/>
+          </p:cNvPicPr>
+          <p:nvPr>
+            <p:ph idx="1"/>
+          </p:nvPr>
+        </p:nvPicPr>
+        <p:blipFill>
+          <a:blip r:embed="rId3"/>
+          <a:stretch>
+            <a:fillRect/>
+          </a:stretch>
+        </p:blipFill>
+        <p:spPr>
+          <a:xfrm>
+            <a:off x="1571958" y="2818144"/>
+            <a:ext cx="8009860" cy="2664749"/>
+          </a:xfrm>
+        </p:spPr>
+      </p:pic>
     </p:spTree>
     <p:extLst>
       <p:ext uri="{BB962C8B-B14F-4D97-AF65-F5344CB8AC3E}">
-        <p14:creationId xmlns:p14="http://schemas.microsoft.com/office/powerpoint/2010/main" val="1597678138"/>
+        <p14:creationId xmlns:p14="http://schemas.microsoft.com/office/powerpoint/2010/main" val="189212613"/>
       </p:ext>
     </p:extLst>
   </p:cSld>
@@ -7414,7 +10524,7 @@
           <a:p>
             <a:r>
               <a:rPr lang="it-IT" dirty="0" smtClean="0"/>
-              <a:t>Li sappiamo tutti?</a:t>
+              <a:t>The Yoox Way</a:t>
             </a:r>
             <a:endParaRPr lang="en-GB" dirty="0"/>
           </a:p>
@@ -7432,153 +10542,97 @@
         </p:nvSpPr>
         <p:spPr/>
         <p:txBody>
-          <a:bodyPr numCol="2"/>
-          <a:lstStyle/>
-          <a:p>
+          <a:bodyPr/>
+          <a:lstStyle/>
+          <a:p>
+            <a:r>
+              <a:rPr lang="it-IT" dirty="0" smtClean="0"/>
+              <a:t>Tutti i nuovi progetti su </a:t>
+            </a:r>
             <a:r>
               <a:rPr lang="it-IT" dirty="0" err="1" smtClean="0"/>
               <a:t>git</a:t>
             </a:r>
-            <a:r>
-              <a:rPr lang="it-IT" dirty="0" smtClean="0"/>
-              <a:t> </a:t>
+            <a:endParaRPr lang="it-IT" dirty="0" smtClean="0"/>
+          </a:p>
+          <a:p>
+            <a:r>
+              <a:rPr lang="it-IT" dirty="0" smtClean="0"/>
+              <a:t>Consigliato installare almeno una GUI (</a:t>
             </a:r>
             <a:r>
               <a:rPr lang="it-IT" dirty="0" err="1" smtClean="0"/>
-              <a:t>add</a:t>
-            </a:r>
-            <a:endParaRPr lang="it-IT" dirty="0" smtClean="0"/>
-          </a:p>
-          <a:p>
+              <a:t>SourceTree</a:t>
+            </a:r>
+            <a:r>
+              <a:rPr lang="it-IT" dirty="0" smtClean="0"/>
+              <a:t> o </a:t>
+            </a:r>
+            <a:r>
+              <a:rPr lang="it-IT" dirty="0" err="1" smtClean="0"/>
+              <a:t>GitHub</a:t>
+            </a:r>
+            <a:r>
+              <a:rPr lang="it-IT" dirty="0" smtClean="0"/>
+              <a:t> for </a:t>
+            </a:r>
+            <a:r>
+              <a:rPr lang="it-IT" dirty="0" err="1" smtClean="0"/>
+              <a:t>Win</a:t>
+            </a:r>
+            <a:r>
+              <a:rPr lang="it-IT" dirty="0" smtClean="0"/>
+              <a:t>)</a:t>
+            </a:r>
+          </a:p>
+          <a:p>
+            <a:r>
+              <a:rPr lang="it-IT" dirty="0" smtClean="0"/>
+              <a:t>Chiedere il passaggio di </a:t>
+            </a:r>
+            <a:r>
+              <a:rPr lang="it-IT" dirty="0" err="1" smtClean="0"/>
+              <a:t>repo</a:t>
+            </a:r>
+            <a:r>
+              <a:rPr lang="it-IT" dirty="0" smtClean="0"/>
+              <a:t> esistenti</a:t>
+            </a:r>
+          </a:p>
+          <a:p>
+            <a:r>
+              <a:rPr lang="it-IT" dirty="0" smtClean="0"/>
+              <a:t>Non tenere dati sensibili nei file di configurazione</a:t>
+            </a:r>
+          </a:p>
+          <a:p>
+            <a:r>
+              <a:rPr lang="it-IT" dirty="0" smtClean="0"/>
+              <a:t>Non usare </a:t>
+            </a:r>
             <a:r>
               <a:rPr lang="it-IT" dirty="0" err="1" smtClean="0"/>
               <a:t>git</a:t>
             </a:r>
             <a:r>
               <a:rPr lang="it-IT" dirty="0" smtClean="0"/>
-              <a:t> </a:t>
+              <a:t> per i file binari</a:t>
+            </a:r>
+          </a:p>
+          <a:p>
+            <a:r>
+              <a:rPr lang="it-IT" dirty="0" smtClean="0"/>
+              <a:t>Ogni team può usare il flusso che preferisce (per ora)</a:t>
+            </a:r>
+          </a:p>
+          <a:p>
+            <a:r>
+              <a:rPr lang="it-IT" dirty="0" smtClean="0"/>
+              <a:t>Automatismi permettendo la desiderata è il </a:t>
             </a:r>
             <a:r>
               <a:rPr lang="it-IT" dirty="0" err="1" smtClean="0"/>
-              <a:t>diff</a:t>
-            </a:r>
-            <a:endParaRPr lang="it-IT" dirty="0" smtClean="0"/>
-          </a:p>
-          <a:p>
-            <a:r>
-              <a:rPr lang="it-IT" dirty="0" err="1" smtClean="0"/>
-              <a:t>git</a:t>
-            </a:r>
-            <a:r>
-              <a:rPr lang="it-IT" dirty="0" smtClean="0"/>
-              <a:t> </a:t>
-            </a:r>
-            <a:r>
-              <a:rPr lang="it-IT" dirty="0" err="1" smtClean="0"/>
-              <a:t>push</a:t>
-            </a:r>
-            <a:endParaRPr lang="it-IT" dirty="0" smtClean="0"/>
-          </a:p>
-          <a:p>
-            <a:r>
-              <a:rPr lang="it-IT" dirty="0" err="1" smtClean="0"/>
-              <a:t>git</a:t>
-            </a:r>
-            <a:r>
-              <a:rPr lang="it-IT" dirty="0" smtClean="0"/>
-              <a:t> </a:t>
-            </a:r>
-            <a:r>
-              <a:rPr lang="it-IT" dirty="0" err="1" smtClean="0"/>
-              <a:t>fetch</a:t>
-            </a:r>
-            <a:endParaRPr lang="it-IT" dirty="0" smtClean="0"/>
-          </a:p>
-          <a:p>
-            <a:endParaRPr lang="it-IT" dirty="0"/>
-          </a:p>
-          <a:p>
-            <a:endParaRPr lang="it-IT" dirty="0" smtClean="0"/>
-          </a:p>
-          <a:p>
-            <a:endParaRPr lang="it-IT" dirty="0"/>
-          </a:p>
-          <a:p>
-            <a:endParaRPr lang="it-IT" dirty="0" smtClean="0"/>
-          </a:p>
-          <a:p>
-            <a:endParaRPr lang="it-IT" dirty="0"/>
-          </a:p>
-          <a:p>
-            <a:r>
-              <a:rPr lang="it-IT" dirty="0" err="1" smtClean="0"/>
-              <a:t>git</a:t>
-            </a:r>
-            <a:r>
-              <a:rPr lang="it-IT" dirty="0" smtClean="0"/>
-              <a:t> </a:t>
-            </a:r>
-            <a:r>
-              <a:rPr lang="it-IT" dirty="0" err="1" smtClean="0"/>
-              <a:t>commit</a:t>
-            </a:r>
-            <a:endParaRPr lang="it-IT" dirty="0" smtClean="0"/>
-          </a:p>
-          <a:p>
-            <a:r>
-              <a:rPr lang="it-IT" dirty="0" err="1" smtClean="0"/>
-              <a:t>git</a:t>
-            </a:r>
-            <a:r>
-              <a:rPr lang="it-IT" dirty="0" smtClean="0"/>
-              <a:t> log</a:t>
-            </a:r>
-          </a:p>
-          <a:p>
-            <a:r>
-              <a:rPr lang="it-IT" dirty="0" err="1" smtClean="0"/>
-              <a:t>git</a:t>
-            </a:r>
-            <a:r>
-              <a:rPr lang="it-IT" dirty="0" smtClean="0"/>
-              <a:t> pull</a:t>
-            </a:r>
-          </a:p>
-          <a:p>
-            <a:r>
-              <a:rPr lang="it-IT" dirty="0" err="1" smtClean="0"/>
-              <a:t>git</a:t>
-            </a:r>
-            <a:r>
-              <a:rPr lang="it-IT" dirty="0" smtClean="0"/>
-              <a:t> </a:t>
-            </a:r>
-            <a:r>
-              <a:rPr lang="it-IT" dirty="0" err="1" smtClean="0"/>
-              <a:t>rebase</a:t>
-            </a:r>
-            <a:endParaRPr lang="it-IT" dirty="0" smtClean="0"/>
-          </a:p>
-          <a:p>
-            <a:endParaRPr lang="it-IT" dirty="0"/>
-          </a:p>
-          <a:p>
-            <a:endParaRPr lang="it-IT" dirty="0" smtClean="0"/>
-          </a:p>
-          <a:p>
-            <a:endParaRPr lang="it-IT" dirty="0"/>
-          </a:p>
-          <a:p>
-            <a:endParaRPr lang="it-IT" dirty="0" smtClean="0"/>
-          </a:p>
-          <a:p>
-            <a:r>
-              <a:rPr lang="it-IT" dirty="0" err="1" smtClean="0"/>
-              <a:t>git</a:t>
-            </a:r>
-            <a:r>
-              <a:rPr lang="it-IT" dirty="0" smtClean="0"/>
-              <a:t> show</a:t>
+              <a:t>GitHubFlow</a:t>
             </a:r>
             <a:endParaRPr lang="en-GB" dirty="0"/>
           </a:p>
@@ -7587,7 +10641,7 @@
     </p:spTree>
     <p:extLst>
       <p:ext uri="{BB962C8B-B14F-4D97-AF65-F5344CB8AC3E}">
-        <p14:creationId xmlns:p14="http://schemas.microsoft.com/office/powerpoint/2010/main" val="125807149"/>
+        <p14:creationId xmlns:p14="http://schemas.microsoft.com/office/powerpoint/2010/main" val="2673456183"/>
       </p:ext>
     </p:extLst>
   </p:cSld>
@@ -7630,14 +10684,9 @@
           <a:lstStyle/>
           <a:p>
             <a:r>
-              <a:rPr lang="it-IT" dirty="0" err="1" smtClean="0"/>
-              <a:t>Porcelain</a:t>
-            </a:r>
-            <a:r>
-              <a:rPr lang="it-IT" dirty="0" smtClean="0"/>
-              <a:t>?</a:t>
-            </a:r>
-            <a:endParaRPr lang="en-GB" dirty="0"/>
+              <a:rPr lang="en-GB" dirty="0"/>
+              <a:t>I U+2665 CLI</a:t>
+            </a:r>
           </a:p>
         </p:txBody>
       </p:sp>
@@ -7653,12 +10702,33 @@
         </p:nvSpPr>
         <p:spPr/>
         <p:txBody>
-          <a:bodyPr/>
-          <a:lstStyle/>
-          <a:p>
-            <a:r>
-              <a:rPr lang="it-IT" dirty="0" smtClean="0"/>
-              <a:t>Quando sei arrivato sul fondo, scava</a:t>
+          <a:bodyPr>
+            <a:normAutofit/>
+          </a:bodyPr>
+          <a:lstStyle/>
+          <a:p>
+            <a:r>
+              <a:rPr lang="it-IT" dirty="0" smtClean="0"/>
+              <a:t>Ovvero: come </a:t>
+            </a:r>
+            <a:r>
+              <a:rPr lang="it-IT" dirty="0"/>
+              <a:t>ho imparato a non preoccuparmi </a:t>
+            </a:r>
+            <a:br>
+              <a:rPr lang="it-IT" dirty="0"/>
+            </a:br>
+            <a:r>
+              <a:rPr lang="it-IT" dirty="0" smtClean="0"/>
+              <a:t>e </a:t>
+            </a:r>
+            <a:r>
+              <a:rPr lang="it-IT" dirty="0"/>
+              <a:t>ad amare la </a:t>
+            </a:r>
+            <a:r>
+              <a:rPr lang="it-IT" dirty="0" smtClean="0"/>
+              <a:t>linea di comando</a:t>
             </a:r>
             <a:endParaRPr lang="en-GB" dirty="0"/>
           </a:p>
@@ -7667,7 +10737,7 @@
     </p:spTree>
     <p:extLst>
       <p:ext uri="{BB962C8B-B14F-4D97-AF65-F5344CB8AC3E}">
-        <p14:creationId xmlns:p14="http://schemas.microsoft.com/office/powerpoint/2010/main" val="489464535"/>
+        <p14:creationId xmlns:p14="http://schemas.microsoft.com/office/powerpoint/2010/main" val="1316777109"/>
       </p:ext>
     </p:extLst>
   </p:cSld>
@@ -7711,24 +10781,41 @@
           <a:p>
             <a:r>
               <a:rPr lang="it-IT" dirty="0" smtClean="0"/>
-              <a:t>DETACHED HEAD</a:t>
+              <a:t>Perché la linea di comando?</a:t>
             </a:r>
             <a:endParaRPr lang="en-GB" dirty="0"/>
           </a:p>
         </p:txBody>
       </p:sp>
-      <p:sp>
-        <p:nvSpPr>
-          <p:cNvPr id="3" name="Picture Placeholder 2"/>
-          <p:cNvSpPr>
-            <a:spLocks noGrp="1"/>
-          </p:cNvSpPr>
+      <p:pic>
+        <p:nvPicPr>
+          <p:cNvPr id="5" name="Picture Placeholder 4"/>
+          <p:cNvPicPr>
+            <a:picLocks noGrp="1" noChangeAspect="1"/>
+          </p:cNvPicPr>
           <p:nvPr>
             <p:ph type="pic" idx="1"/>
           </p:nvPr>
-        </p:nvSpPr>
-        <p:spPr/>
-      </p:sp>
+        </p:nvPicPr>
+        <p:blipFill>
+          <a:blip r:embed="rId2">
+            <a:extLst>
+              <a:ext uri="{28A0092B-C50C-407E-A947-70E740481C1C}">
+                <a14:useLocalDpi xmlns:a14="http://schemas.microsoft.com/office/drawing/2010/main" val="0"/>
+              </a:ext>
+            </a:extLst>
+          </a:blip>
+          <a:stretch>
+            <a:fillRect/>
+          </a:stretch>
+        </p:blipFill>
+        <p:spPr>
+          <a:xfrm>
+            <a:off x="6806670" y="1256900"/>
+            <a:ext cx="4082572" cy="4801400"/>
+          </a:xfrm>
+        </p:spPr>
+      </p:pic>
       <p:sp>
         <p:nvSpPr>
           <p:cNvPr id="4" name="Text Placeholder 3"/>
@@ -7744,20 +10831,68 @@
           <a:bodyPr/>
           <a:lstStyle/>
           <a:p>
-            <a:endParaRPr lang="en-GB"/>
+            <a:r>
+              <a:rPr lang="it-IT" dirty="0" smtClean="0"/>
+              <a:t>Si possono usare tutti i comandi di </a:t>
+            </a:r>
+            <a:r>
+              <a:rPr lang="it-IT" dirty="0" err="1" smtClean="0"/>
+              <a:t>Git</a:t>
+            </a:r>
+            <a:endParaRPr lang="it-IT" dirty="0" smtClean="0"/>
+          </a:p>
+          <a:p>
+            <a:r>
+              <a:rPr lang="it-IT" dirty="0" smtClean="0"/>
+              <a:t>Permette di capire tutte le GUI più velocemente</a:t>
+            </a:r>
+          </a:p>
+          <a:p>
+            <a:r>
+              <a:rPr lang="it-IT" dirty="0" smtClean="0"/>
+              <a:t>Viene installata con tutte le GUI</a:t>
+            </a:r>
+            <a:r>
+              <a:rPr lang="en-GB" dirty="0"/>
+              <a:t> </a:t>
+            </a:r>
+            <a:r>
+              <a:rPr lang="en-GB" dirty="0" smtClean="0"/>
+              <a:t>in </a:t>
+            </a:r>
+            <a:r>
+              <a:rPr lang="en-GB" dirty="0" err="1" smtClean="0"/>
+              <a:t>tutte</a:t>
+            </a:r>
+            <a:r>
+              <a:rPr lang="en-GB" dirty="0" smtClean="0"/>
+              <a:t> le </a:t>
+            </a:r>
+            <a:r>
+              <a:rPr lang="en-GB" dirty="0" err="1" smtClean="0"/>
+              <a:t>piattaforme</a:t>
+            </a:r>
+            <a:endParaRPr lang="it-IT" dirty="0" smtClean="0"/>
           </a:p>
         </p:txBody>
       </p:sp>
     </p:spTree>
     <p:extLst>
       <p:ext uri="{BB962C8B-B14F-4D97-AF65-F5344CB8AC3E}">
-        <p14:creationId xmlns:p14="http://schemas.microsoft.com/office/powerpoint/2010/main" val="2807715743"/>
+        <p14:creationId xmlns:p14="http://schemas.microsoft.com/office/powerpoint/2010/main" val="3538039611"/>
       </p:ext>
     </p:extLst>
   </p:cSld>
   <p:clrMapOvr>
     <a:masterClrMapping/>
   </p:clrMapOvr>
+  <p:timing>
+    <p:tnLst>
+      <p:par>
+        <p:cTn id="1" dur="indefinite" restart="never" nodeType="tmRoot"/>
+      </p:par>
+    </p:tnLst>
+  </p:timing>
 </p:sld>
 </file>
 
@@ -7794,8 +10929,12 @@
           <a:lstStyle/>
           <a:p>
             <a:r>
-              <a:rPr lang="it-IT" dirty="0" smtClean="0"/>
-              <a:t>Link Utili</a:t>
+              <a:rPr lang="it-IT" dirty="0" err="1" smtClean="0"/>
+              <a:t>Git</a:t>
+            </a:r>
+            <a:r>
+              <a:rPr lang="it-IT" dirty="0" smtClean="0"/>
+              <a:t> e Windows</a:t>
             </a:r>
             <a:endParaRPr lang="en-GB" dirty="0"/>
           </a:p>
@@ -7813,63 +10952,175 @@
         </p:nvSpPr>
         <p:spPr/>
         <p:txBody>
-          <a:bodyPr/>
-          <a:lstStyle/>
-          <a:p>
-            <a:r>
-              <a:rPr lang="en-GB" dirty="0" err="1" smtClean="0"/>
-              <a:t>Riferimenti</a:t>
-            </a:r>
-            <a:r>
-              <a:rPr lang="en-GB" dirty="0" smtClean="0"/>
-              <a:t> ultra </a:t>
-            </a:r>
-            <a:r>
-              <a:rPr lang="en-GB" dirty="0" err="1" smtClean="0"/>
-              <a:t>veloci</a:t>
-            </a:r>
-            <a:r>
-              <a:rPr lang="en-GB" dirty="0" smtClean="0"/>
+          <a:bodyPr>
+            <a:normAutofit/>
+          </a:bodyPr>
+          <a:lstStyle/>
+          <a:p>
+            <a:r>
+              <a:rPr lang="it-IT" dirty="0" smtClean="0"/>
+              <a:t>Il massimo col minimo: </a:t>
+            </a:r>
+            <a:r>
+              <a:rPr lang="it-IT" dirty="0" err="1" smtClean="0"/>
+              <a:t>Git</a:t>
+            </a:r>
+            <a:r>
+              <a:rPr lang="it-IT" dirty="0" smtClean="0"/>
+              <a:t> </a:t>
+            </a:r>
+            <a:r>
+              <a:rPr lang="it-IT" dirty="0"/>
+              <a:t>on Windows</a:t>
+            </a:r>
+            <a:br>
+              <a:rPr lang="it-IT" dirty="0"/>
+            </a:br>
+            <a:r>
+              <a:rPr lang="it-IT" dirty="0">
+                <a:hlinkClick r:id="rId3"/>
+              </a:rPr>
+              <a:t>https://git-for-windows.github.io</a:t>
+            </a:r>
+            <a:r>
+              <a:rPr lang="it-IT" dirty="0" smtClean="0">
+                <a:hlinkClick r:id="rId3"/>
+              </a:rPr>
+              <a:t>/</a:t>
+            </a:r>
+            <a:endParaRPr lang="it-IT" dirty="0" smtClean="0"/>
+          </a:p>
+          <a:p>
+            <a:r>
+              <a:rPr lang="it-IT" dirty="0" smtClean="0"/>
+              <a:t>L’interfaccia grafica semplice ed elegante</a:t>
+            </a:r>
+            <a:r>
+              <a:rPr lang="it-IT" dirty="0"/>
               <a:t/>
             </a:r>
             <a:br>
-              <a:rPr lang="en-GB" dirty="0" smtClean="0"/>
+              <a:rPr lang="it-IT" dirty="0"/>
             </a:br>
             <a:r>
-              <a:rPr lang="en-GB" dirty="0" smtClean="0">
-                <a:hlinkClick r:id="rId2"/>
+              <a:rPr lang="it-IT" dirty="0">
+                <a:hlinkClick r:id="rId4"/>
               </a:rPr>
-              <a:t>https</a:t>
-            </a:r>
-            <a:r>
-              <a:rPr lang="en-GB" dirty="0">
-                <a:hlinkClick r:id="rId2"/>
+              <a:t>https://desktop.github.com</a:t>
+            </a:r>
+            <a:r>
+              <a:rPr lang="it-IT" dirty="0" smtClean="0">
+                <a:hlinkClick r:id="rId4"/>
               </a:rPr>
-              <a:t>://</a:t>
-            </a:r>
-            <a:r>
-              <a:rPr lang="en-GB" dirty="0" smtClean="0">
-                <a:hlinkClick r:id="rId2"/>
+              <a:t>/</a:t>
+            </a:r>
+            <a:endParaRPr lang="it-IT" dirty="0" smtClean="0"/>
+          </a:p>
+          <a:p>
+            <a:r>
+              <a:rPr lang="it-IT" dirty="0" smtClean="0"/>
+              <a:t>Emulatore di console (necessita di </a:t>
+            </a:r>
+            <a:r>
+              <a:rPr lang="it-IT" dirty="0" err="1" smtClean="0"/>
+              <a:t>Git</a:t>
+            </a:r>
+            <a:r>
+              <a:rPr lang="it-IT" dirty="0" smtClean="0"/>
+              <a:t> </a:t>
+            </a:r>
+            <a:r>
+              <a:rPr lang="it-IT" dirty="0"/>
+              <a:t>on Windows)</a:t>
+            </a:r>
+            <a:br>
+              <a:rPr lang="it-IT" dirty="0"/>
+            </a:br>
+            <a:r>
+              <a:rPr lang="it-IT" dirty="0">
+                <a:hlinkClick r:id="rId5"/>
               </a:rPr>
-              <a:t>git-scm.com/docs/everyday</a:t>
-            </a:r>
-            <a:endParaRPr lang="en-GB" dirty="0" smtClean="0"/>
-          </a:p>
-          <a:p>
-            <a:endParaRPr lang="en-GB" dirty="0"/>
+              <a:t>https://conemu.github.io</a:t>
+            </a:r>
+            <a:r>
+              <a:rPr lang="it-IT" dirty="0" smtClean="0">
+                <a:hlinkClick r:id="rId5"/>
+              </a:rPr>
+              <a:t>/</a:t>
+            </a:r>
+            <a:endParaRPr lang="it-IT" dirty="0" smtClean="0"/>
+          </a:p>
+          <a:p>
+            <a:r>
+              <a:rPr lang="it-IT" dirty="0" smtClean="0"/>
+              <a:t>Terminale avanzato POWER (Stand Alone)</a:t>
+            </a:r>
+            <a:r>
+              <a:rPr lang="it-IT" dirty="0"/>
+              <a:t/>
+            </a:r>
+            <a:br>
+              <a:rPr lang="it-IT" dirty="0"/>
+            </a:br>
+            <a:r>
+              <a:rPr lang="it-IT" dirty="0">
+                <a:hlinkClick r:id="rId6"/>
+              </a:rPr>
+              <a:t>https://github.com/cmderdev/cmder/releases</a:t>
+            </a:r>
+            <a:r>
+              <a:rPr lang="it-IT" dirty="0" smtClean="0">
+                <a:hlinkClick r:id="rId6"/>
+              </a:rPr>
+              <a:t>/</a:t>
+            </a:r>
+            <a:endParaRPr lang="it-IT" dirty="0" smtClean="0"/>
+          </a:p>
+          <a:p>
+            <a:r>
+              <a:rPr lang="it-IT" dirty="0" smtClean="0"/>
+              <a:t>Package </a:t>
+            </a:r>
+            <a:r>
+              <a:rPr lang="it-IT" dirty="0"/>
+              <a:t>manager</a:t>
+            </a:r>
+            <a:br>
+              <a:rPr lang="it-IT" dirty="0"/>
+            </a:br>
+            <a:r>
+              <a:rPr lang="it-IT" dirty="0">
+                <a:hlinkClick r:id="rId7"/>
+              </a:rPr>
+              <a:t>https://chocolatey.org</a:t>
+            </a:r>
+            <a:r>
+              <a:rPr lang="it-IT" dirty="0" smtClean="0">
+                <a:hlinkClick r:id="rId7"/>
+              </a:rPr>
+              <a:t>/</a:t>
+            </a:r>
+            <a:endParaRPr lang="it-IT" dirty="0" smtClean="0"/>
           </a:p>
         </p:txBody>
       </p:sp>
     </p:spTree>
     <p:extLst>
       <p:ext uri="{BB962C8B-B14F-4D97-AF65-F5344CB8AC3E}">
-        <p14:creationId xmlns:p14="http://schemas.microsoft.com/office/powerpoint/2010/main" val="2392760351"/>
+        <p14:creationId xmlns:p14="http://schemas.microsoft.com/office/powerpoint/2010/main" val="2715435165"/>
       </p:ext>
     </p:extLst>
   </p:cSld>
   <p:clrMapOvr>
     <a:masterClrMapping/>
   </p:clrMapOvr>
+  <p:timing>
+    <p:tnLst>
+      <p:par>
+        <p:cTn id="1" dur="indefinite" restart="never" nodeType="tmRoot"/>
+      </p:par>
+    </p:tnLst>
+  </p:timing>
 </p:sld>
 </file>
 
@@ -7946,6 +11197,13 @@
   <p:clrMapOvr>
     <a:masterClrMapping/>
   </p:clrMapOvr>
+  <p:timing>
+    <p:tnLst>
+      <p:par>
+        <p:cTn id="1" dur="indefinite" restart="never" nodeType="tmRoot"/>
+      </p:par>
+    </p:tnLst>
+  </p:timing>
 </p:sld>
 </file>
 
@@ -7982,171 +11240,1127 @@
           <a:lstStyle/>
           <a:p>
             <a:r>
-              <a:rPr lang="it-IT" dirty="0" smtClean="0"/>
-              <a:t>Dove ho rubato</a:t>
+              <a:rPr lang="it-IT" dirty="0" err="1" smtClean="0"/>
+              <a:t>git-gui</a:t>
             </a:r>
             <a:endParaRPr lang="en-GB" dirty="0"/>
           </a:p>
         </p:txBody>
       </p:sp>
-      <p:sp>
-        <p:nvSpPr>
-          <p:cNvPr id="3" name="Content Placeholder 2"/>
-          <p:cNvSpPr>
-            <a:spLocks noGrp="1"/>
-          </p:cNvSpPr>
-          <p:nvPr>
-            <p:ph idx="1"/>
-          </p:nvPr>
-        </p:nvSpPr>
-        <p:spPr/>
-        <p:txBody>
-          <a:bodyPr/>
-          <a:lstStyle/>
-          <a:p>
+      <p:pic>
+        <p:nvPicPr>
+          <p:cNvPr id="5" name="Picture Placeholder 4"/>
+          <p:cNvPicPr>
+            <a:picLocks noGrp="1" noChangeAspect="1"/>
+          </p:cNvPicPr>
+          <p:nvPr>
+            <p:ph type="pic" idx="1"/>
+          </p:nvPr>
+        </p:nvPicPr>
+        <p:blipFill>
+          <a:blip r:embed="rId2">
+            <a:extLst>
+              <a:ext uri="{28A0092B-C50C-407E-A947-70E740481C1C}">
+                <a14:useLocalDpi xmlns:a14="http://schemas.microsoft.com/office/drawing/2010/main" val="0"/>
+              </a:ext>
+            </a:extLst>
+          </a:blip>
+          <a:stretch>
+            <a:fillRect/>
+          </a:stretch>
+        </p:blipFill>
+        <p:spPr>
+          <a:xfrm>
+            <a:off x="6707607" y="1342702"/>
+            <a:ext cx="4772691" cy="4629796"/>
+          </a:xfrm>
+        </p:spPr>
+      </p:pic>
+      <p:sp>
+        <p:nvSpPr>
+          <p:cNvPr id="4" name="Text Placeholder 3"/>
+          <p:cNvSpPr>
+            <a:spLocks noGrp="1"/>
+          </p:cNvSpPr>
+          <p:nvPr>
+            <p:ph type="body" sz="half" idx="2"/>
+          </p:nvPr>
+        </p:nvSpPr>
+        <p:spPr/>
+        <p:txBody>
+          <a:bodyPr/>
+          <a:lstStyle/>
+          <a:p>
+            <a:r>
+              <a:rPr lang="en-GB" dirty="0" err="1" smtClean="0"/>
+              <a:t>Pensato</a:t>
+            </a:r>
             <a:r>
               <a:rPr lang="en-GB" dirty="0" smtClean="0"/>
-              <a:t>Video </a:t>
+              <a:t> per </a:t>
             </a:r>
             <a:r>
               <a:rPr lang="en-GB" dirty="0" err="1" smtClean="0"/>
-              <a:t>fantastico</a:t>
+              <a:t>gestire</a:t>
             </a:r>
             <a:r>
               <a:rPr lang="en-GB" dirty="0" smtClean="0"/>
-              <a:t> di Lorna Mitchell </a:t>
-            </a:r>
-            <a:br>
+              <a:t> commit, branch e merge</a:t>
+            </a:r>
+          </a:p>
+          <a:p>
+            <a:r>
               <a:rPr lang="en-GB" dirty="0" smtClean="0"/>
-            </a:br>
-            <a:r>
-              <a:rPr lang="en-GB" dirty="0" smtClean="0">
-                <a:hlinkClick r:id="rId2"/>
-              </a:rPr>
-              <a:t>https</a:t>
-            </a:r>
-            <a:r>
-              <a:rPr lang="en-GB" dirty="0">
-                <a:hlinkClick r:id="rId2"/>
-              </a:rPr>
-              <a:t>://</a:t>
-            </a:r>
-            <a:r>
-              <a:rPr lang="en-GB" dirty="0" smtClean="0">
-                <a:hlinkClick r:id="rId2"/>
-              </a:rPr>
-              <a:t>youtu.be/duqBHik7nRo</a:t>
+              <a:t>Non </a:t>
+            </a:r>
+            <a:r>
+              <a:rPr lang="en-GB" dirty="0" err="1" smtClean="0"/>
+              <a:t>mostra</a:t>
+            </a:r>
+            <a:r>
+              <a:rPr lang="en-GB" dirty="0" smtClean="0"/>
+              <a:t> lo </a:t>
+            </a:r>
+            <a:r>
+              <a:rPr lang="en-GB" dirty="0" err="1" smtClean="0"/>
+              <a:t>storico</a:t>
             </a:r>
             <a:endParaRPr lang="en-GB" dirty="0" smtClean="0"/>
           </a:p>
           <a:p>
             <a:r>
-              <a:rPr lang="it-IT" dirty="0" smtClean="0"/>
-              <a:t>Articolo sui messaggi di </a:t>
-            </a:r>
-            <a:r>
-              <a:rPr lang="it-IT" dirty="0" err="1" smtClean="0"/>
-              <a:t>commit</a:t>
-            </a:r>
-            <a:r>
-              <a:rPr lang="it-IT" dirty="0"/>
-              <a:t/>
-            </a:r>
-            <a:br>
-              <a:rPr lang="it-IT" dirty="0"/>
-            </a:br>
-            <a:r>
-              <a:rPr lang="it-IT" dirty="0">
-                <a:hlinkClick r:id="rId3"/>
-              </a:rPr>
-              <a:t>http://</a:t>
-            </a:r>
-            <a:r>
-              <a:rPr lang="it-IT" dirty="0" smtClean="0">
-                <a:hlinkClick r:id="rId3"/>
-              </a:rPr>
-              <a:t>who-t.blogspot.co.at/2009/12/on-commit-messages.html</a:t>
-            </a:r>
-            <a:endParaRPr lang="it-IT" dirty="0" smtClean="0"/>
-          </a:p>
-          <a:p>
-            <a:r>
-              <a:rPr lang="it-IT" dirty="0" smtClean="0"/>
-              <a:t>Guida sui flussi di lavoro </a:t>
-            </a:r>
-            <a:r>
-              <a:rPr lang="it-IT" dirty="0" err="1" smtClean="0"/>
-              <a:t>Atlassian</a:t>
-            </a:r>
-            <a:r>
-              <a:rPr lang="it-IT" dirty="0"/>
-              <a:t/>
-            </a:r>
-            <a:br>
-              <a:rPr lang="it-IT" dirty="0"/>
-            </a:br>
-            <a:r>
-              <a:rPr lang="it-IT" dirty="0">
-                <a:hlinkClick r:id="rId4"/>
-              </a:rPr>
-              <a:t>https://</a:t>
-            </a:r>
-            <a:r>
-              <a:rPr lang="it-IT" dirty="0" smtClean="0">
-                <a:hlinkClick r:id="rId4"/>
-              </a:rPr>
-              <a:t>www.atlassian.com/git/tutorials/comparing-workflows</a:t>
-            </a:r>
-            <a:endParaRPr lang="it-IT" dirty="0" smtClean="0"/>
-          </a:p>
-          <a:p>
-            <a:r>
-              <a:rPr lang="it-IT" dirty="0" smtClean="0"/>
-              <a:t>Indispensabile </a:t>
-            </a:r>
-            <a:r>
-              <a:rPr lang="it-IT" dirty="0" err="1" smtClean="0"/>
-              <a:t>GitHub</a:t>
-            </a:r>
-            <a:r>
-              <a:rPr lang="it-IT" dirty="0"/>
-              <a:t> Flow</a:t>
-            </a:r>
-            <a:br>
-              <a:rPr lang="it-IT" dirty="0"/>
-            </a:br>
-            <a:r>
-              <a:rPr lang="it-IT" dirty="0">
-                <a:hlinkClick r:id="rId5"/>
-              </a:rPr>
-              <a:t>https://guides.github.com/introduction/flow</a:t>
-            </a:r>
-            <a:r>
-              <a:rPr lang="it-IT" dirty="0" smtClean="0">
-                <a:hlinkClick r:id="rId5"/>
-              </a:rPr>
-              <a:t>/</a:t>
-            </a:r>
-            <a:endParaRPr lang="it-IT" dirty="0" smtClean="0"/>
-          </a:p>
-          <a:p>
-            <a:endParaRPr lang="it-IT" dirty="0" smtClean="0"/>
-          </a:p>
-          <a:p>
+              <a:rPr lang="en-GB" dirty="0" err="1" smtClean="0"/>
+              <a:t>Multipiattaforma</a:t>
+            </a:r>
             <a:endParaRPr lang="en-GB" dirty="0" smtClean="0"/>
-          </a:p>
-          <a:p>
-            <a:endParaRPr lang="en-GB" dirty="0" smtClean="0"/>
-          </a:p>
-          <a:p>
-            <a:endParaRPr lang="en-GB" dirty="0"/>
           </a:p>
         </p:txBody>
       </p:sp>
     </p:spTree>
     <p:extLst>
       <p:ext uri="{BB962C8B-B14F-4D97-AF65-F5344CB8AC3E}">
-        <p14:creationId xmlns:p14="http://schemas.microsoft.com/office/powerpoint/2010/main" val="1694856285"/>
+        <p14:creationId xmlns:p14="http://schemas.microsoft.com/office/powerpoint/2010/main" val="471719957"/>
+      </p:ext>
+    </p:extLst>
+  </p:cSld>
+  <p:clrMapOvr>
+    <a:masterClrMapping/>
+  </p:clrMapOvr>
+</p:sld>
+</file>
+
+<file path=ppt/slides/slide21.xml><?xml version="1.0" encoding="utf-8"?>
+<p:sld xmlns:a="http://schemas.openxmlformats.org/drawingml/2006/main" xmlns:r="http://schemas.openxmlformats.org/officeDocument/2006/relationships" xmlns:p="http://schemas.openxmlformats.org/presentationml/2006/main">
+  <p:cSld>
+    <p:spTree>
+      <p:nvGrpSpPr>
+        <p:cNvPr id="1" name=""/>
+        <p:cNvGrpSpPr/>
+        <p:nvPr/>
+      </p:nvGrpSpPr>
+      <p:grpSpPr>
+        <a:xfrm>
+          <a:off x="0" y="0"/>
+          <a:ext cx="0" cy="0"/>
+          <a:chOff x="0" y="0"/>
+          <a:chExt cx="0" cy="0"/>
+        </a:xfrm>
+      </p:grpSpPr>
+      <p:sp>
+        <p:nvSpPr>
+          <p:cNvPr id="2" name="Title 1"/>
+          <p:cNvSpPr>
+            <a:spLocks noGrp="1"/>
+          </p:cNvSpPr>
+          <p:nvPr>
+            <p:ph type="title"/>
+          </p:nvPr>
+        </p:nvSpPr>
+        <p:spPr/>
+        <p:txBody>
+          <a:bodyPr/>
+          <a:lstStyle/>
+          <a:p>
+            <a:r>
+              <a:rPr lang="it-IT" dirty="0" err="1" smtClean="0"/>
+              <a:t>git</a:t>
+            </a:r>
+            <a:r>
+              <a:rPr lang="it-IT" dirty="0" err="1"/>
+              <a:t>k</a:t>
+            </a:r>
+            <a:endParaRPr lang="en-GB" dirty="0"/>
+          </a:p>
+        </p:txBody>
+      </p:sp>
+      <p:pic>
+        <p:nvPicPr>
+          <p:cNvPr id="5" name="Picture Placeholder 4"/>
+          <p:cNvPicPr>
+            <a:picLocks noGrp="1" noChangeAspect="1"/>
+          </p:cNvPicPr>
+          <p:nvPr>
+            <p:ph type="pic" idx="1"/>
+          </p:nvPr>
+        </p:nvPicPr>
+        <p:blipFill>
+          <a:blip r:embed="rId2">
+            <a:extLst>
+              <a:ext uri="{28A0092B-C50C-407E-A947-70E740481C1C}">
+                <a14:useLocalDpi xmlns:a14="http://schemas.microsoft.com/office/drawing/2010/main" val="0"/>
+              </a:ext>
+            </a:extLst>
+          </a:blip>
+          <a:stretch>
+            <a:fillRect/>
+          </a:stretch>
+        </p:blipFill>
+        <p:spPr>
+          <a:xfrm>
+            <a:off x="6563456" y="1276562"/>
+            <a:ext cx="4286848" cy="4639322"/>
+          </a:xfrm>
+        </p:spPr>
+      </p:pic>
+      <p:sp>
+        <p:nvSpPr>
+          <p:cNvPr id="4" name="Text Placeholder 3"/>
+          <p:cNvSpPr>
+            <a:spLocks noGrp="1"/>
+          </p:cNvSpPr>
+          <p:nvPr>
+            <p:ph type="body" sz="half" idx="2"/>
+          </p:nvPr>
+        </p:nvSpPr>
+        <p:spPr/>
+        <p:txBody>
+          <a:bodyPr/>
+          <a:lstStyle/>
+          <a:p>
+            <a:r>
+              <a:rPr lang="en-GB" dirty="0" err="1" smtClean="0"/>
+              <a:t>Mostra</a:t>
+            </a:r>
+            <a:r>
+              <a:rPr lang="en-GB" dirty="0" smtClean="0"/>
+              <a:t> </a:t>
+            </a:r>
+            <a:r>
+              <a:rPr lang="it-IT" dirty="0" smtClean="0"/>
+              <a:t>cambiamenti nel repository</a:t>
+            </a:r>
+          </a:p>
+          <a:p>
+            <a:r>
+              <a:rPr lang="it-IT" dirty="0" smtClean="0"/>
+              <a:t>Visualizza il grafico dei commit</a:t>
+            </a:r>
+          </a:p>
+          <a:p>
+            <a:r>
+              <a:rPr lang="it-IT" dirty="0" smtClean="0"/>
+              <a:t>Visualizza il dettaglio dei file per ogni nodo</a:t>
+            </a:r>
+            <a:endParaRPr lang="en-GB" dirty="0"/>
+          </a:p>
+        </p:txBody>
+      </p:sp>
+    </p:spTree>
+    <p:extLst>
+      <p:ext uri="{BB962C8B-B14F-4D97-AF65-F5344CB8AC3E}">
+        <p14:creationId xmlns:p14="http://schemas.microsoft.com/office/powerpoint/2010/main" val="4244704289"/>
+      </p:ext>
+    </p:extLst>
+  </p:cSld>
+  <p:clrMapOvr>
+    <a:masterClrMapping/>
+  </p:clrMapOvr>
+</p:sld>
+</file>
+
+<file path=ppt/slides/slide22.xml><?xml version="1.0" encoding="utf-8"?>
+<p:sld xmlns:a="http://schemas.openxmlformats.org/drawingml/2006/main" xmlns:r="http://schemas.openxmlformats.org/officeDocument/2006/relationships" xmlns:p="http://schemas.openxmlformats.org/presentationml/2006/main">
+  <p:cSld>
+    <p:spTree>
+      <p:nvGrpSpPr>
+        <p:cNvPr id="1" name=""/>
+        <p:cNvGrpSpPr/>
+        <p:nvPr/>
+      </p:nvGrpSpPr>
+      <p:grpSpPr>
+        <a:xfrm>
+          <a:off x="0" y="0"/>
+          <a:ext cx="0" cy="0"/>
+          <a:chOff x="0" y="0"/>
+          <a:chExt cx="0" cy="0"/>
+        </a:xfrm>
+      </p:grpSpPr>
+      <p:sp>
+        <p:nvSpPr>
+          <p:cNvPr id="2" name="Title 1"/>
+          <p:cNvSpPr>
+            <a:spLocks noGrp="1"/>
+          </p:cNvSpPr>
+          <p:nvPr>
+            <p:ph type="title"/>
+          </p:nvPr>
+        </p:nvSpPr>
+        <p:spPr/>
+        <p:txBody>
+          <a:bodyPr/>
+          <a:lstStyle/>
+          <a:p>
+            <a:r>
+              <a:rPr lang="it-IT" dirty="0" err="1" smtClean="0"/>
+              <a:t>SourceTree</a:t>
+            </a:r>
+            <a:endParaRPr lang="en-GB" dirty="0"/>
+          </a:p>
+        </p:txBody>
+      </p:sp>
+      <p:pic>
+        <p:nvPicPr>
+          <p:cNvPr id="6" name="Picture Placeholder 5"/>
+          <p:cNvPicPr>
+            <a:picLocks noGrp="1" noChangeAspect="1"/>
+          </p:cNvPicPr>
+          <p:nvPr>
+            <p:ph type="pic" idx="1"/>
+          </p:nvPr>
+        </p:nvPicPr>
+        <p:blipFill>
+          <a:blip r:embed="rId3">
+            <a:extLst>
+              <a:ext uri="{28A0092B-C50C-407E-A947-70E740481C1C}">
+                <a14:useLocalDpi xmlns:a14="http://schemas.microsoft.com/office/drawing/2010/main" val="0"/>
+              </a:ext>
+            </a:extLst>
+          </a:blip>
+          <a:stretch>
+            <a:fillRect/>
+          </a:stretch>
+        </p:blipFill>
+        <p:spPr>
+          <a:xfrm>
+            <a:off x="6606073" y="1823842"/>
+            <a:ext cx="4925653" cy="3667515"/>
+          </a:xfrm>
+        </p:spPr>
+      </p:pic>
+      <p:sp>
+        <p:nvSpPr>
+          <p:cNvPr id="3" name="Content Placeholder 2"/>
+          <p:cNvSpPr>
+            <a:spLocks noGrp="1"/>
+          </p:cNvSpPr>
+          <p:nvPr>
+            <p:ph type="body" sz="half" idx="2"/>
+          </p:nvPr>
+        </p:nvSpPr>
+        <p:spPr/>
+        <p:txBody>
+          <a:bodyPr/>
+          <a:lstStyle/>
+          <a:p>
+            <a:r>
+              <a:rPr lang="it-IT" dirty="0" smtClean="0"/>
+              <a:t>Rimuovere dalla lista degli </a:t>
+            </a:r>
+            <a:r>
+              <a:rPr lang="it-IT" dirty="0" err="1" smtClean="0"/>
+              <a:t>ignore</a:t>
+            </a:r>
+            <a:r>
+              <a:rPr lang="it-IT" dirty="0" smtClean="0"/>
+              <a:t> di </a:t>
+            </a:r>
+            <a:r>
+              <a:rPr lang="it-IT" dirty="0" err="1" smtClean="0"/>
+              <a:t>SourceTree</a:t>
+            </a:r>
+            <a:r>
+              <a:rPr lang="it-IT" dirty="0" smtClean="0"/>
+              <a:t> gli EXE</a:t>
+            </a:r>
+            <a:endParaRPr lang="en-GB" dirty="0"/>
+          </a:p>
+        </p:txBody>
+      </p:sp>
+    </p:spTree>
+    <p:extLst>
+      <p:ext uri="{BB962C8B-B14F-4D97-AF65-F5344CB8AC3E}">
+        <p14:creationId xmlns:p14="http://schemas.microsoft.com/office/powerpoint/2010/main" val="2169916720"/>
+      </p:ext>
+    </p:extLst>
+  </p:cSld>
+  <p:clrMapOvr>
+    <a:masterClrMapping/>
+  </p:clrMapOvr>
+</p:sld>
+</file>
+
+<file path=ppt/slides/slide23.xml><?xml version="1.0" encoding="utf-8"?>
+<p:sld xmlns:a="http://schemas.openxmlformats.org/drawingml/2006/main" xmlns:r="http://schemas.openxmlformats.org/officeDocument/2006/relationships" xmlns:p="http://schemas.openxmlformats.org/presentationml/2006/main">
+  <p:cSld>
+    <p:spTree>
+      <p:nvGrpSpPr>
+        <p:cNvPr id="1" name=""/>
+        <p:cNvGrpSpPr/>
+        <p:nvPr/>
+      </p:nvGrpSpPr>
+      <p:grpSpPr>
+        <a:xfrm>
+          <a:off x="0" y="0"/>
+          <a:ext cx="0" cy="0"/>
+          <a:chOff x="0" y="0"/>
+          <a:chExt cx="0" cy="0"/>
+        </a:xfrm>
+      </p:grpSpPr>
+      <p:sp>
+        <p:nvSpPr>
+          <p:cNvPr id="2" name="Title 1"/>
+          <p:cNvSpPr>
+            <a:spLocks noGrp="1"/>
+          </p:cNvSpPr>
+          <p:nvPr>
+            <p:ph type="title"/>
+          </p:nvPr>
+        </p:nvSpPr>
+        <p:spPr/>
+        <p:txBody>
+          <a:bodyPr/>
+          <a:lstStyle/>
+          <a:p>
+            <a:r>
+              <a:rPr lang="it-IT" dirty="0" smtClean="0"/>
+              <a:t>Comandi base</a:t>
+            </a:r>
+            <a:endParaRPr lang="en-GB" dirty="0"/>
+          </a:p>
+        </p:txBody>
+      </p:sp>
+      <p:sp>
+        <p:nvSpPr>
+          <p:cNvPr id="3" name="Text Placeholder 2"/>
+          <p:cNvSpPr>
+            <a:spLocks noGrp="1"/>
+          </p:cNvSpPr>
+          <p:nvPr>
+            <p:ph type="body" idx="1"/>
+          </p:nvPr>
+        </p:nvSpPr>
+        <p:spPr/>
+        <p:txBody>
+          <a:bodyPr/>
+          <a:lstStyle/>
+          <a:p>
+            <a:r>
+              <a:rPr lang="it-IT" dirty="0" smtClean="0"/>
+              <a:t>La solita pizza</a:t>
+            </a:r>
+            <a:endParaRPr lang="en-GB" dirty="0"/>
+          </a:p>
+        </p:txBody>
+      </p:sp>
+    </p:spTree>
+    <p:extLst>
+      <p:ext uri="{BB962C8B-B14F-4D97-AF65-F5344CB8AC3E}">
+        <p14:creationId xmlns:p14="http://schemas.microsoft.com/office/powerpoint/2010/main" val="1597678138"/>
+      </p:ext>
+    </p:extLst>
+  </p:cSld>
+  <p:clrMapOvr>
+    <a:masterClrMapping/>
+  </p:clrMapOvr>
+</p:sld>
+</file>
+
+<file path=ppt/slides/slide24.xml><?xml version="1.0" encoding="utf-8"?>
+<p:sld xmlns:a="http://schemas.openxmlformats.org/drawingml/2006/main" xmlns:r="http://schemas.openxmlformats.org/officeDocument/2006/relationships" xmlns:p="http://schemas.openxmlformats.org/presentationml/2006/main">
+  <p:cSld>
+    <p:spTree>
+      <p:nvGrpSpPr>
+        <p:cNvPr id="1" name=""/>
+        <p:cNvGrpSpPr/>
+        <p:nvPr/>
+      </p:nvGrpSpPr>
+      <p:grpSpPr>
+        <a:xfrm>
+          <a:off x="0" y="0"/>
+          <a:ext cx="0" cy="0"/>
+          <a:chOff x="0" y="0"/>
+          <a:chExt cx="0" cy="0"/>
+        </a:xfrm>
+      </p:grpSpPr>
+      <p:sp>
+        <p:nvSpPr>
+          <p:cNvPr id="2" name="Title 1"/>
+          <p:cNvSpPr>
+            <a:spLocks noGrp="1"/>
+          </p:cNvSpPr>
+          <p:nvPr>
+            <p:ph type="title"/>
+          </p:nvPr>
+        </p:nvSpPr>
+        <p:spPr/>
+        <p:txBody>
+          <a:bodyPr/>
+          <a:lstStyle/>
+          <a:p>
+            <a:r>
+              <a:rPr lang="it-IT" dirty="0" smtClean="0"/>
+              <a:t>I comandi più usati</a:t>
+            </a:r>
+            <a:endParaRPr lang="en-GB" dirty="0"/>
+          </a:p>
+        </p:txBody>
+      </p:sp>
+      <p:sp>
+        <p:nvSpPr>
+          <p:cNvPr id="3" name="Content Placeholder 2"/>
+          <p:cNvSpPr>
+            <a:spLocks noGrp="1"/>
+          </p:cNvSpPr>
+          <p:nvPr>
+            <p:ph idx="1"/>
+          </p:nvPr>
+        </p:nvSpPr>
+        <p:spPr/>
+        <p:txBody>
+          <a:bodyPr numCol="2">
+            <a:normAutofit/>
+          </a:bodyPr>
+          <a:lstStyle/>
+          <a:p>
+            <a:r>
+              <a:rPr lang="it-IT" dirty="0" err="1" smtClean="0"/>
+              <a:t>git</a:t>
+            </a:r>
+            <a:r>
+              <a:rPr lang="it-IT" dirty="0" smtClean="0"/>
+              <a:t> </a:t>
+            </a:r>
+            <a:r>
+              <a:rPr lang="it-IT" dirty="0" err="1" smtClean="0"/>
+              <a:t>add</a:t>
+            </a:r>
+            <a:endParaRPr lang="it-IT" dirty="0" smtClean="0"/>
+          </a:p>
+          <a:p>
+            <a:r>
+              <a:rPr lang="it-IT" dirty="0" err="1" smtClean="0"/>
+              <a:t>git</a:t>
+            </a:r>
+            <a:r>
+              <a:rPr lang="it-IT" dirty="0" smtClean="0"/>
+              <a:t> </a:t>
+            </a:r>
+            <a:r>
+              <a:rPr lang="it-IT" dirty="0" err="1" smtClean="0"/>
+              <a:t>diff</a:t>
+            </a:r>
+            <a:endParaRPr lang="it-IT" dirty="0" smtClean="0"/>
+          </a:p>
+          <a:p>
+            <a:r>
+              <a:rPr lang="it-IT" dirty="0" err="1" smtClean="0"/>
+              <a:t>git</a:t>
+            </a:r>
+            <a:r>
+              <a:rPr lang="it-IT" dirty="0" smtClean="0"/>
+              <a:t> </a:t>
+            </a:r>
+            <a:r>
+              <a:rPr lang="it-IT" dirty="0" err="1" smtClean="0"/>
+              <a:t>branch</a:t>
+            </a:r>
+            <a:endParaRPr lang="it-IT" dirty="0"/>
+          </a:p>
+          <a:p>
+            <a:r>
+              <a:rPr lang="it-IT" dirty="0" smtClean="0"/>
+              <a:t>git push</a:t>
+            </a:r>
+          </a:p>
+          <a:p>
+            <a:endParaRPr lang="it-IT" dirty="0" smtClean="0"/>
+          </a:p>
+          <a:p>
+            <a:endParaRPr lang="it-IT" dirty="0" smtClean="0"/>
+          </a:p>
+          <a:p>
+            <a:endParaRPr lang="it-IT" dirty="0" smtClean="0"/>
+          </a:p>
+          <a:p>
+            <a:endParaRPr lang="it-IT" dirty="0"/>
+          </a:p>
+          <a:p>
+            <a:endParaRPr lang="it-IT" dirty="0" smtClean="0"/>
+          </a:p>
+          <a:p>
+            <a:r>
+              <a:rPr lang="it-IT" dirty="0" err="1" smtClean="0"/>
+              <a:t>git</a:t>
+            </a:r>
+            <a:r>
+              <a:rPr lang="it-IT" dirty="0" smtClean="0"/>
+              <a:t> status</a:t>
+            </a:r>
+          </a:p>
+          <a:p>
+            <a:r>
+              <a:rPr lang="it-IT" dirty="0" err="1" smtClean="0"/>
+              <a:t>git</a:t>
+            </a:r>
+            <a:r>
+              <a:rPr lang="it-IT" dirty="0" smtClean="0"/>
+              <a:t> </a:t>
+            </a:r>
+            <a:r>
+              <a:rPr lang="it-IT" dirty="0" err="1" smtClean="0"/>
+              <a:t>commit</a:t>
+            </a:r>
+            <a:endParaRPr lang="it-IT" dirty="0" smtClean="0"/>
+          </a:p>
+          <a:p>
+            <a:r>
+              <a:rPr lang="it-IT" dirty="0" err="1" smtClean="0"/>
+              <a:t>git</a:t>
+            </a:r>
+            <a:r>
+              <a:rPr lang="it-IT" dirty="0" smtClean="0"/>
+              <a:t> checkout</a:t>
+            </a:r>
+          </a:p>
+          <a:p>
+            <a:r>
+              <a:rPr lang="it-IT" dirty="0" err="1" smtClean="0"/>
+              <a:t>git</a:t>
+            </a:r>
+            <a:r>
+              <a:rPr lang="it-IT" dirty="0" smtClean="0"/>
+              <a:t> pull</a:t>
+            </a:r>
+          </a:p>
+          <a:p>
+            <a:r>
+              <a:rPr lang="it-IT" dirty="0" err="1" smtClean="0"/>
+              <a:t>git</a:t>
+            </a:r>
+            <a:r>
+              <a:rPr lang="it-IT" dirty="0" smtClean="0"/>
+              <a:t> log</a:t>
+            </a:r>
+          </a:p>
+        </p:txBody>
+      </p:sp>
+    </p:spTree>
+    <p:extLst>
+      <p:ext uri="{BB962C8B-B14F-4D97-AF65-F5344CB8AC3E}">
+        <p14:creationId xmlns:p14="http://schemas.microsoft.com/office/powerpoint/2010/main" val="125807149"/>
+      </p:ext>
+    </p:extLst>
+  </p:cSld>
+  <p:clrMapOvr>
+    <a:masterClrMapping/>
+  </p:clrMapOvr>
+  <p:timing>
+    <p:tnLst>
+      <p:par>
+        <p:cTn id="1" dur="indefinite" restart="never" nodeType="tmRoot"/>
+      </p:par>
+    </p:tnLst>
+  </p:timing>
+</p:sld>
+</file>
+
+<file path=ppt/slides/slide25.xml><?xml version="1.0" encoding="utf-8"?>
+<p:sld xmlns:a="http://schemas.openxmlformats.org/drawingml/2006/main" xmlns:r="http://schemas.openxmlformats.org/officeDocument/2006/relationships" xmlns:p="http://schemas.openxmlformats.org/presentationml/2006/main">
+  <p:cSld>
+    <p:spTree>
+      <p:nvGrpSpPr>
+        <p:cNvPr id="1" name=""/>
+        <p:cNvGrpSpPr/>
+        <p:nvPr/>
+      </p:nvGrpSpPr>
+      <p:grpSpPr>
+        <a:xfrm>
+          <a:off x="0" y="0"/>
+          <a:ext cx="0" cy="0"/>
+          <a:chOff x="0" y="0"/>
+          <a:chExt cx="0" cy="0"/>
+        </a:xfrm>
+      </p:grpSpPr>
+      <p:sp>
+        <p:nvSpPr>
+          <p:cNvPr id="2" name="Title 1"/>
+          <p:cNvSpPr>
+            <a:spLocks noGrp="1"/>
+          </p:cNvSpPr>
+          <p:nvPr>
+            <p:ph type="title"/>
+          </p:nvPr>
+        </p:nvSpPr>
+        <p:spPr/>
+        <p:txBody>
+          <a:bodyPr/>
+          <a:lstStyle/>
+          <a:p>
+            <a:r>
+              <a:rPr lang="it-IT" dirty="0" smtClean="0"/>
+              <a:t>Altri comandi</a:t>
+            </a:r>
+            <a:endParaRPr lang="en-GB" dirty="0"/>
+          </a:p>
+        </p:txBody>
+      </p:sp>
+      <p:sp>
+        <p:nvSpPr>
+          <p:cNvPr id="3" name="Content Placeholder 2"/>
+          <p:cNvSpPr>
+            <a:spLocks noGrp="1"/>
+          </p:cNvSpPr>
+          <p:nvPr>
+            <p:ph idx="1"/>
+          </p:nvPr>
+        </p:nvSpPr>
+        <p:spPr/>
+        <p:txBody>
+          <a:bodyPr numCol="2"/>
+          <a:lstStyle/>
+          <a:p>
+            <a:r>
+              <a:rPr lang="it-IT" dirty="0" err="1" smtClean="0"/>
+              <a:t>git</a:t>
+            </a:r>
+            <a:r>
+              <a:rPr lang="it-IT" dirty="0" smtClean="0"/>
+              <a:t> clone</a:t>
+            </a:r>
+          </a:p>
+          <a:p>
+            <a:r>
+              <a:rPr lang="it-IT" dirty="0" err="1" smtClean="0"/>
+              <a:t>git</a:t>
+            </a:r>
+            <a:r>
+              <a:rPr lang="it-IT" dirty="0" smtClean="0"/>
+              <a:t> &lt;</a:t>
+            </a:r>
+            <a:r>
+              <a:rPr lang="it-IT" dirty="0" err="1" smtClean="0"/>
+              <a:t>command</a:t>
+            </a:r>
+            <a:r>
+              <a:rPr lang="it-IT" dirty="0" smtClean="0"/>
+              <a:t>&gt; --help</a:t>
+            </a:r>
+          </a:p>
+          <a:p>
+            <a:r>
+              <a:rPr lang="it-IT" dirty="0" err="1" smtClean="0"/>
+              <a:t>git</a:t>
+            </a:r>
+            <a:r>
+              <a:rPr lang="it-IT" dirty="0" smtClean="0"/>
+              <a:t> show</a:t>
+            </a:r>
+            <a:endParaRPr lang="en-GB" dirty="0"/>
+          </a:p>
+        </p:txBody>
+      </p:sp>
+    </p:spTree>
+    <p:extLst>
+      <p:ext uri="{BB962C8B-B14F-4D97-AF65-F5344CB8AC3E}">
+        <p14:creationId xmlns:p14="http://schemas.microsoft.com/office/powerpoint/2010/main" val="2882042806"/>
+      </p:ext>
+    </p:extLst>
+  </p:cSld>
+  <p:clrMapOvr>
+    <a:masterClrMapping/>
+  </p:clrMapOvr>
+  <p:timing>
+    <p:tnLst>
+      <p:par>
+        <p:cTn id="1" dur="indefinite" restart="never" nodeType="tmRoot"/>
+      </p:par>
+    </p:tnLst>
+  </p:timing>
+</p:sld>
+</file>
+
+<file path=ppt/slides/slide26.xml><?xml version="1.0" encoding="utf-8"?>
+<p:sld xmlns:a="http://schemas.openxmlformats.org/drawingml/2006/main" xmlns:r="http://schemas.openxmlformats.org/officeDocument/2006/relationships" xmlns:p="http://schemas.openxmlformats.org/presentationml/2006/main">
+  <p:cSld>
+    <p:spTree>
+      <p:nvGrpSpPr>
+        <p:cNvPr id="1" name=""/>
+        <p:cNvGrpSpPr/>
+        <p:nvPr/>
+      </p:nvGrpSpPr>
+      <p:grpSpPr>
+        <a:xfrm>
+          <a:off x="0" y="0"/>
+          <a:ext cx="0" cy="0"/>
+          <a:chOff x="0" y="0"/>
+          <a:chExt cx="0" cy="0"/>
+        </a:xfrm>
+      </p:grpSpPr>
+      <p:sp>
+        <p:nvSpPr>
+          <p:cNvPr id="2" name="Title 1"/>
+          <p:cNvSpPr>
+            <a:spLocks noGrp="1"/>
+          </p:cNvSpPr>
+          <p:nvPr>
+            <p:ph type="title"/>
+          </p:nvPr>
+        </p:nvSpPr>
+        <p:spPr/>
+        <p:txBody>
+          <a:bodyPr/>
+          <a:lstStyle/>
+          <a:p>
+            <a:r>
+              <a:rPr lang="it-IT" dirty="0" smtClean="0"/>
+              <a:t>Into the Porcelain</a:t>
+            </a:r>
+            <a:endParaRPr lang="en-GB" dirty="0"/>
+          </a:p>
+        </p:txBody>
+      </p:sp>
+      <p:sp>
+        <p:nvSpPr>
+          <p:cNvPr id="3" name="Text Placeholder 2"/>
+          <p:cNvSpPr>
+            <a:spLocks noGrp="1"/>
+          </p:cNvSpPr>
+          <p:nvPr>
+            <p:ph type="body" idx="1"/>
+          </p:nvPr>
+        </p:nvSpPr>
+        <p:spPr/>
+        <p:txBody>
+          <a:bodyPr/>
+          <a:lstStyle/>
+          <a:p>
+            <a:r>
+              <a:rPr lang="it-IT" dirty="0" smtClean="0"/>
+              <a:t>Alcuni esempi pratici</a:t>
+            </a:r>
+            <a:endParaRPr lang="en-GB" dirty="0"/>
+          </a:p>
+        </p:txBody>
+      </p:sp>
+    </p:spTree>
+    <p:extLst>
+      <p:ext uri="{BB962C8B-B14F-4D97-AF65-F5344CB8AC3E}">
+        <p14:creationId xmlns:p14="http://schemas.microsoft.com/office/powerpoint/2010/main" val="489464535"/>
+      </p:ext>
+    </p:extLst>
+  </p:cSld>
+  <p:clrMapOvr>
+    <a:masterClrMapping/>
+  </p:clrMapOvr>
+  <p:timing>
+    <p:tnLst>
+      <p:par>
+        <p:cTn id="1" dur="indefinite" restart="never" nodeType="tmRoot"/>
+      </p:par>
+    </p:tnLst>
+  </p:timing>
+</p:sld>
+</file>
+
+<file path=ppt/slides/slide27.xml><?xml version="1.0" encoding="utf-8"?>
+<p:sld xmlns:a="http://schemas.openxmlformats.org/drawingml/2006/main" xmlns:r="http://schemas.openxmlformats.org/officeDocument/2006/relationships" xmlns:p="http://schemas.openxmlformats.org/presentationml/2006/main">
+  <p:cSld>
+    <p:spTree>
+      <p:nvGrpSpPr>
+        <p:cNvPr id="1" name=""/>
+        <p:cNvGrpSpPr/>
+        <p:nvPr/>
+      </p:nvGrpSpPr>
+      <p:grpSpPr>
+        <a:xfrm>
+          <a:off x="0" y="0"/>
+          <a:ext cx="0" cy="0"/>
+          <a:chOff x="0" y="0"/>
+          <a:chExt cx="0" cy="0"/>
+        </a:xfrm>
+      </p:grpSpPr>
+      <p:sp>
+        <p:nvSpPr>
+          <p:cNvPr id="2" name="Title 1"/>
+          <p:cNvSpPr>
+            <a:spLocks noGrp="1"/>
+          </p:cNvSpPr>
+          <p:nvPr>
+            <p:ph type="title"/>
+          </p:nvPr>
+        </p:nvSpPr>
+        <p:spPr/>
+        <p:txBody>
+          <a:bodyPr/>
+          <a:lstStyle/>
+          <a:p>
+            <a:r>
+              <a:rPr lang="it-IT" dirty="0" smtClean="0"/>
+              <a:t>git config</a:t>
+            </a:r>
+            <a:endParaRPr lang="it-IT" dirty="0"/>
+          </a:p>
+        </p:txBody>
+      </p:sp>
+      <p:sp>
+        <p:nvSpPr>
+          <p:cNvPr id="3" name="Picture Placeholder 2"/>
+          <p:cNvSpPr>
+            <a:spLocks noGrp="1"/>
+          </p:cNvSpPr>
+          <p:nvPr>
+            <p:ph type="pic" idx="1"/>
+          </p:nvPr>
+        </p:nvSpPr>
+        <p:spPr/>
+      </p:sp>
+      <p:sp>
+        <p:nvSpPr>
+          <p:cNvPr id="4" name="Text Placeholder 3"/>
+          <p:cNvSpPr>
+            <a:spLocks noGrp="1"/>
+          </p:cNvSpPr>
+          <p:nvPr>
+            <p:ph type="body" sz="half" idx="2"/>
+          </p:nvPr>
+        </p:nvSpPr>
+        <p:spPr/>
+        <p:txBody>
+          <a:bodyPr/>
+          <a:lstStyle/>
+          <a:p>
+            <a:r>
+              <a:rPr lang="it-IT" dirty="0" smtClean="0"/>
+              <a:t>Imposta le configurazioni per macchina, utente e repository</a:t>
+            </a:r>
+          </a:p>
+          <a:p>
+            <a:r>
+              <a:rPr lang="it-IT" dirty="0" smtClean="0"/>
+              <a:t>Su windows usa wincred per le credenziali</a:t>
+            </a:r>
+          </a:p>
+          <a:p>
+            <a:r>
+              <a:rPr lang="it-IT" dirty="0" smtClean="0"/>
+              <a:t>Disabilitare il CRLF automatico</a:t>
+            </a:r>
+            <a:endParaRPr lang="it-IT" dirty="0"/>
+          </a:p>
+        </p:txBody>
+      </p:sp>
+    </p:spTree>
+    <p:extLst>
+      <p:ext uri="{BB962C8B-B14F-4D97-AF65-F5344CB8AC3E}">
+        <p14:creationId xmlns:p14="http://schemas.microsoft.com/office/powerpoint/2010/main" val="2842346493"/>
+      </p:ext>
+    </p:extLst>
+  </p:cSld>
+  <p:clrMapOvr>
+    <a:masterClrMapping/>
+  </p:clrMapOvr>
+</p:sld>
+</file>
+
+<file path=ppt/slides/slide28.xml><?xml version="1.0" encoding="utf-8"?>
+<p:sld xmlns:a="http://schemas.openxmlformats.org/drawingml/2006/main" xmlns:r="http://schemas.openxmlformats.org/officeDocument/2006/relationships" xmlns:p="http://schemas.openxmlformats.org/presentationml/2006/main">
+  <p:cSld>
+    <p:spTree>
+      <p:nvGrpSpPr>
+        <p:cNvPr id="1" name=""/>
+        <p:cNvGrpSpPr/>
+        <p:nvPr/>
+      </p:nvGrpSpPr>
+      <p:grpSpPr>
+        <a:xfrm>
+          <a:off x="0" y="0"/>
+          <a:ext cx="0" cy="0"/>
+          <a:chOff x="0" y="0"/>
+          <a:chExt cx="0" cy="0"/>
+        </a:xfrm>
+      </p:grpSpPr>
+      <p:sp>
+        <p:nvSpPr>
+          <p:cNvPr id="2" name="Title 1"/>
+          <p:cNvSpPr>
+            <a:spLocks noGrp="1"/>
+          </p:cNvSpPr>
+          <p:nvPr>
+            <p:ph type="title"/>
+          </p:nvPr>
+        </p:nvSpPr>
+        <p:spPr/>
+        <p:txBody>
+          <a:bodyPr/>
+          <a:lstStyle/>
+          <a:p>
+            <a:r>
+              <a:rPr lang="it-IT" dirty="0" smtClean="0"/>
+              <a:t>README.md</a:t>
+            </a:r>
+            <a:endParaRPr lang="en-GB" dirty="0"/>
+          </a:p>
+        </p:txBody>
+      </p:sp>
+      <p:sp>
+        <p:nvSpPr>
+          <p:cNvPr id="3" name="Picture Placeholder 2"/>
+          <p:cNvSpPr>
+            <a:spLocks noGrp="1"/>
+          </p:cNvSpPr>
+          <p:nvPr>
+            <p:ph type="pic" idx="1"/>
+          </p:nvPr>
+        </p:nvSpPr>
+        <p:spPr/>
+      </p:sp>
+      <p:sp>
+        <p:nvSpPr>
+          <p:cNvPr id="4" name="Text Placeholder 3"/>
+          <p:cNvSpPr>
+            <a:spLocks noGrp="1"/>
+          </p:cNvSpPr>
+          <p:nvPr>
+            <p:ph type="body" sz="half" idx="2"/>
+          </p:nvPr>
+        </p:nvSpPr>
+        <p:spPr/>
+        <p:txBody>
+          <a:bodyPr/>
+          <a:lstStyle/>
+          <a:p>
+            <a:r>
+              <a:rPr lang="it-IT" dirty="0" smtClean="0"/>
+              <a:t>Consigliato da </a:t>
+            </a:r>
+            <a:r>
+              <a:rPr lang="it-IT" dirty="0" err="1" smtClean="0"/>
+              <a:t>GitHub</a:t>
+            </a:r>
+            <a:endParaRPr lang="it-IT" dirty="0" smtClean="0"/>
+          </a:p>
+          <a:p>
+            <a:r>
+              <a:rPr lang="it-IT" dirty="0" smtClean="0"/>
+              <a:t>Presenta il </a:t>
+            </a:r>
+            <a:r>
+              <a:rPr lang="it-IT" dirty="0" err="1" smtClean="0"/>
+              <a:t>repository</a:t>
+            </a:r>
+            <a:endParaRPr lang="it-IT" dirty="0" smtClean="0"/>
+          </a:p>
+          <a:p>
+            <a:r>
+              <a:rPr lang="it-IT" dirty="0" err="1" smtClean="0"/>
+              <a:t>CommonMarkdown</a:t>
+            </a:r>
+            <a:endParaRPr lang="it-IT" dirty="0" smtClean="0"/>
+          </a:p>
+        </p:txBody>
+      </p:sp>
+    </p:spTree>
+    <p:extLst>
+      <p:ext uri="{BB962C8B-B14F-4D97-AF65-F5344CB8AC3E}">
+        <p14:creationId xmlns:p14="http://schemas.microsoft.com/office/powerpoint/2010/main" val="3938717493"/>
+      </p:ext>
+    </p:extLst>
+  </p:cSld>
+  <p:clrMapOvr>
+    <a:masterClrMapping/>
+  </p:clrMapOvr>
+</p:sld>
+</file>
+
+<file path=ppt/slides/slide29.xml><?xml version="1.0" encoding="utf-8"?>
+<p:sld xmlns:a="http://schemas.openxmlformats.org/drawingml/2006/main" xmlns:r="http://schemas.openxmlformats.org/officeDocument/2006/relationships" xmlns:p="http://schemas.openxmlformats.org/presentationml/2006/main">
+  <p:cSld>
+    <p:spTree>
+      <p:nvGrpSpPr>
+        <p:cNvPr id="1" name=""/>
+        <p:cNvGrpSpPr/>
+        <p:nvPr/>
+      </p:nvGrpSpPr>
+      <p:grpSpPr>
+        <a:xfrm>
+          <a:off x="0" y="0"/>
+          <a:ext cx="0" cy="0"/>
+          <a:chOff x="0" y="0"/>
+          <a:chExt cx="0" cy="0"/>
+        </a:xfrm>
+      </p:grpSpPr>
+      <p:sp>
+        <p:nvSpPr>
+          <p:cNvPr id="2" name="Title 1"/>
+          <p:cNvSpPr>
+            <a:spLocks noGrp="1"/>
+          </p:cNvSpPr>
+          <p:nvPr>
+            <p:ph type="title"/>
+          </p:nvPr>
+        </p:nvSpPr>
+        <p:spPr/>
+        <p:txBody>
+          <a:bodyPr/>
+          <a:lstStyle/>
+          <a:p>
+            <a:r>
+              <a:rPr lang="it-IT" dirty="0" err="1" smtClean="0"/>
+              <a:t>stash</a:t>
+            </a:r>
+            <a:endParaRPr lang="en-GB" dirty="0"/>
+          </a:p>
+        </p:txBody>
+      </p:sp>
+      <p:sp>
+        <p:nvSpPr>
+          <p:cNvPr id="3" name="Picture Placeholder 2"/>
+          <p:cNvSpPr>
+            <a:spLocks noGrp="1"/>
+          </p:cNvSpPr>
+          <p:nvPr>
+            <p:ph type="pic" idx="1"/>
+          </p:nvPr>
+        </p:nvSpPr>
+        <p:spPr/>
+      </p:sp>
+      <p:sp>
+        <p:nvSpPr>
+          <p:cNvPr id="4" name="Text Placeholder 3"/>
+          <p:cNvSpPr>
+            <a:spLocks noGrp="1"/>
+          </p:cNvSpPr>
+          <p:nvPr>
+            <p:ph type="body" sz="half" idx="2"/>
+          </p:nvPr>
+        </p:nvSpPr>
+        <p:spPr/>
+        <p:txBody>
+          <a:bodyPr/>
+          <a:lstStyle/>
+          <a:p>
+            <a:r>
+              <a:rPr lang="it-IT" dirty="0" smtClean="0"/>
+              <a:t>Permette di salvare velocemente il proprio lavoro</a:t>
+            </a:r>
+            <a:endParaRPr lang="en-GB" dirty="0"/>
+          </a:p>
+        </p:txBody>
+      </p:sp>
+    </p:spTree>
+    <p:extLst>
+      <p:ext uri="{BB962C8B-B14F-4D97-AF65-F5344CB8AC3E}">
+        <p14:creationId xmlns:p14="http://schemas.microsoft.com/office/powerpoint/2010/main" val="4197137371"/>
       </p:ext>
     </p:extLst>
   </p:cSld>
@@ -8211,7 +12425,7 @@
           </p:nvPr>
         </p:nvPicPr>
         <p:blipFill>
-          <a:blip r:embed="rId2"/>
+          <a:blip r:embed="rId3"/>
           <a:srcRect l="15000" r="15000"/>
           <a:stretch>
             <a:fillRect/>
@@ -8231,7 +12445,9 @@
         </p:nvSpPr>
         <p:spPr/>
         <p:txBody>
-          <a:bodyPr/>
+          <a:bodyPr>
+            <a:noAutofit/>
+          </a:bodyPr>
           <a:lstStyle/>
           <a:p>
             <a:r>
@@ -8255,6 +12471,20 @@
             <a:r>
               <a:rPr lang="it-IT" dirty="0" smtClean="0"/>
               <a:t>MAI tenuto presentazioni tecniche</a:t>
+            </a:r>
+          </a:p>
+          <a:p>
+            <a:r>
+              <a:rPr lang="it-IT" dirty="0" smtClean="0"/>
+              <a:t>Uso </a:t>
+            </a:r>
+            <a:r>
+              <a:rPr lang="it-IT" dirty="0" err="1" smtClean="0"/>
+              <a:t>Git</a:t>
+            </a:r>
+            <a:r>
+              <a:rPr lang="it-IT" dirty="0" smtClean="0"/>
+              <a:t> dal 2012</a:t>
             </a:r>
             <a:endParaRPr lang="en-GB" dirty="0"/>
           </a:p>
@@ -8270,6 +12500,1218 @@
   <p:clrMapOvr>
     <a:masterClrMapping/>
   </p:clrMapOvr>
+  <p:timing>
+    <p:tnLst>
+      <p:par>
+        <p:cTn id="1" dur="indefinite" restart="never" nodeType="tmRoot"/>
+      </p:par>
+    </p:tnLst>
+  </p:timing>
+</p:sld>
+</file>
+
+<file path=ppt/slides/slide30.xml><?xml version="1.0" encoding="utf-8"?>
+<p:sld xmlns:a="http://schemas.openxmlformats.org/drawingml/2006/main" xmlns:r="http://schemas.openxmlformats.org/officeDocument/2006/relationships" xmlns:p="http://schemas.openxmlformats.org/presentationml/2006/main">
+  <p:cSld>
+    <p:spTree>
+      <p:nvGrpSpPr>
+        <p:cNvPr id="1" name=""/>
+        <p:cNvGrpSpPr/>
+        <p:nvPr/>
+      </p:nvGrpSpPr>
+      <p:grpSpPr>
+        <a:xfrm>
+          <a:off x="0" y="0"/>
+          <a:ext cx="0" cy="0"/>
+          <a:chOff x="0" y="0"/>
+          <a:chExt cx="0" cy="0"/>
+        </a:xfrm>
+      </p:grpSpPr>
+      <p:sp>
+        <p:nvSpPr>
+          <p:cNvPr id="2" name="Title 1"/>
+          <p:cNvSpPr>
+            <a:spLocks noGrp="1"/>
+          </p:cNvSpPr>
+          <p:nvPr>
+            <p:ph type="title"/>
+          </p:nvPr>
+        </p:nvSpPr>
+        <p:spPr/>
+        <p:txBody>
+          <a:bodyPr/>
+          <a:lstStyle/>
+          <a:p>
+            <a:r>
+              <a:rPr lang="it-IT" dirty="0" smtClean="0"/>
+              <a:t>pull VS </a:t>
+            </a:r>
+            <a:r>
+              <a:rPr lang="it-IT" dirty="0" err="1" smtClean="0"/>
+              <a:t>fetch</a:t>
+            </a:r>
+            <a:r>
+              <a:rPr lang="it-IT" dirty="0" smtClean="0"/>
+              <a:t> &amp; merge</a:t>
+            </a:r>
+            <a:endParaRPr lang="it-IT" dirty="0"/>
+          </a:p>
+        </p:txBody>
+      </p:sp>
+      <p:sp>
+        <p:nvSpPr>
+          <p:cNvPr id="3" name="Picture Placeholder 2"/>
+          <p:cNvSpPr>
+            <a:spLocks noGrp="1"/>
+          </p:cNvSpPr>
+          <p:nvPr>
+            <p:ph type="pic" idx="1"/>
+          </p:nvPr>
+        </p:nvSpPr>
+        <p:spPr/>
+      </p:sp>
+      <p:sp>
+        <p:nvSpPr>
+          <p:cNvPr id="4" name="Text Placeholder 3"/>
+          <p:cNvSpPr>
+            <a:spLocks noGrp="1"/>
+          </p:cNvSpPr>
+          <p:nvPr>
+            <p:ph type="body" sz="half" idx="2"/>
+          </p:nvPr>
+        </p:nvSpPr>
+        <p:spPr/>
+        <p:txBody>
+          <a:bodyPr/>
+          <a:lstStyle/>
+          <a:p>
+            <a:r>
+              <a:rPr lang="it-IT" dirty="0" smtClean="0"/>
+              <a:t>pull è un comando magico, non abusarne</a:t>
+            </a:r>
+          </a:p>
+        </p:txBody>
+      </p:sp>
+    </p:spTree>
+    <p:extLst>
+      <p:ext uri="{BB962C8B-B14F-4D97-AF65-F5344CB8AC3E}">
+        <p14:creationId xmlns:p14="http://schemas.microsoft.com/office/powerpoint/2010/main" val="1804272913"/>
+      </p:ext>
+    </p:extLst>
+  </p:cSld>
+  <p:clrMapOvr>
+    <a:masterClrMapping/>
+  </p:clrMapOvr>
+</p:sld>
+</file>
+
+<file path=ppt/slides/slide31.xml><?xml version="1.0" encoding="utf-8"?>
+<p:sld xmlns:a="http://schemas.openxmlformats.org/drawingml/2006/main" xmlns:r="http://schemas.openxmlformats.org/officeDocument/2006/relationships" xmlns:p="http://schemas.openxmlformats.org/presentationml/2006/main">
+  <p:cSld>
+    <p:spTree>
+      <p:nvGrpSpPr>
+        <p:cNvPr id="1" name=""/>
+        <p:cNvGrpSpPr/>
+        <p:nvPr/>
+      </p:nvGrpSpPr>
+      <p:grpSpPr>
+        <a:xfrm>
+          <a:off x="0" y="0"/>
+          <a:ext cx="0" cy="0"/>
+          <a:chOff x="0" y="0"/>
+          <a:chExt cx="0" cy="0"/>
+        </a:xfrm>
+      </p:grpSpPr>
+      <p:sp>
+        <p:nvSpPr>
+          <p:cNvPr id="2" name="Title 1"/>
+          <p:cNvSpPr>
+            <a:spLocks noGrp="1"/>
+          </p:cNvSpPr>
+          <p:nvPr>
+            <p:ph type="title"/>
+          </p:nvPr>
+        </p:nvSpPr>
+        <p:spPr/>
+        <p:txBody>
+          <a:bodyPr/>
+          <a:lstStyle/>
+          <a:p>
+            <a:r>
+              <a:rPr lang="it-IT" dirty="0" smtClean="0"/>
+              <a:t>tag</a:t>
+            </a:r>
+            <a:endParaRPr lang="it-IT" dirty="0"/>
+          </a:p>
+        </p:txBody>
+      </p:sp>
+      <p:sp>
+        <p:nvSpPr>
+          <p:cNvPr id="3" name="Picture Placeholder 2"/>
+          <p:cNvSpPr>
+            <a:spLocks noGrp="1"/>
+          </p:cNvSpPr>
+          <p:nvPr>
+            <p:ph type="pic" idx="1"/>
+          </p:nvPr>
+        </p:nvSpPr>
+        <p:spPr/>
+      </p:sp>
+      <p:sp>
+        <p:nvSpPr>
+          <p:cNvPr id="4" name="Text Placeholder 3"/>
+          <p:cNvSpPr>
+            <a:spLocks noGrp="1"/>
+          </p:cNvSpPr>
+          <p:nvPr>
+            <p:ph type="body" sz="half" idx="2"/>
+          </p:nvPr>
+        </p:nvSpPr>
+        <p:spPr/>
+        <p:txBody>
+          <a:bodyPr/>
+          <a:lstStyle/>
+          <a:p>
+            <a:r>
+              <a:rPr lang="it-IT" dirty="0" smtClean="0"/>
+              <a:t>Permette di etichettare qualunque punto del log</a:t>
+            </a:r>
+          </a:p>
+          <a:p>
+            <a:r>
+              <a:rPr lang="it-IT" dirty="0" smtClean="0"/>
+              <a:t>Non viene condiviso se non esplicitato</a:t>
+            </a:r>
+          </a:p>
+          <a:p>
+            <a:r>
+              <a:rPr lang="it-IT" dirty="0" smtClean="0"/>
+              <a:t>Comodo alias per usare altri comandi</a:t>
+            </a:r>
+            <a:endParaRPr lang="it-IT" dirty="0"/>
+          </a:p>
+        </p:txBody>
+      </p:sp>
+    </p:spTree>
+    <p:extLst>
+      <p:ext uri="{BB962C8B-B14F-4D97-AF65-F5344CB8AC3E}">
+        <p14:creationId xmlns:p14="http://schemas.microsoft.com/office/powerpoint/2010/main" val="1885611198"/>
+      </p:ext>
+    </p:extLst>
+  </p:cSld>
+  <p:clrMapOvr>
+    <a:masterClrMapping/>
+  </p:clrMapOvr>
+  <p:timing>
+    <p:tnLst>
+      <p:par>
+        <p:cTn id="1" dur="indefinite" restart="never" nodeType="tmRoot"/>
+      </p:par>
+    </p:tnLst>
+  </p:timing>
+</p:sld>
+</file>
+
+<file path=ppt/slides/slide32.xml><?xml version="1.0" encoding="utf-8"?>
+<p:sld xmlns:a="http://schemas.openxmlformats.org/drawingml/2006/main" xmlns:r="http://schemas.openxmlformats.org/officeDocument/2006/relationships" xmlns:p="http://schemas.openxmlformats.org/presentationml/2006/main">
+  <p:cSld>
+    <p:spTree>
+      <p:nvGrpSpPr>
+        <p:cNvPr id="1" name=""/>
+        <p:cNvGrpSpPr/>
+        <p:nvPr/>
+      </p:nvGrpSpPr>
+      <p:grpSpPr>
+        <a:xfrm>
+          <a:off x="0" y="0"/>
+          <a:ext cx="0" cy="0"/>
+          <a:chOff x="0" y="0"/>
+          <a:chExt cx="0" cy="0"/>
+        </a:xfrm>
+      </p:grpSpPr>
+      <p:sp>
+        <p:nvSpPr>
+          <p:cNvPr id="2" name="Title 1"/>
+          <p:cNvSpPr>
+            <a:spLocks noGrp="1"/>
+          </p:cNvSpPr>
+          <p:nvPr>
+            <p:ph type="title"/>
+          </p:nvPr>
+        </p:nvSpPr>
+        <p:spPr/>
+        <p:txBody>
+          <a:bodyPr/>
+          <a:lstStyle/>
+          <a:p>
+            <a:r>
+              <a:rPr lang="it-IT" dirty="0" smtClean="0"/>
+              <a:t>reset</a:t>
+            </a:r>
+            <a:endParaRPr lang="it-IT" dirty="0"/>
+          </a:p>
+        </p:txBody>
+      </p:sp>
+      <p:sp>
+        <p:nvSpPr>
+          <p:cNvPr id="3" name="Picture Placeholder 2"/>
+          <p:cNvSpPr>
+            <a:spLocks noGrp="1"/>
+          </p:cNvSpPr>
+          <p:nvPr>
+            <p:ph type="pic" idx="1"/>
+          </p:nvPr>
+        </p:nvSpPr>
+        <p:spPr/>
+      </p:sp>
+      <p:sp>
+        <p:nvSpPr>
+          <p:cNvPr id="4" name="Text Placeholder 3"/>
+          <p:cNvSpPr>
+            <a:spLocks noGrp="1"/>
+          </p:cNvSpPr>
+          <p:nvPr>
+            <p:ph type="body" sz="half" idx="2"/>
+          </p:nvPr>
+        </p:nvSpPr>
+        <p:spPr/>
+        <p:txBody>
+          <a:bodyPr/>
+          <a:lstStyle/>
+          <a:p>
+            <a:r>
+              <a:rPr lang="it-IT" dirty="0" smtClean="0"/>
+              <a:t>Riporta la HEAD allo stato specificato</a:t>
+            </a:r>
+          </a:p>
+          <a:p>
+            <a:r>
+              <a:rPr lang="it-IT" smtClean="0"/>
+              <a:t>Usato per togliere dall’index modifiche aggiunte</a:t>
+            </a:r>
+            <a:endParaRPr lang="it-IT" dirty="0" smtClean="0"/>
+          </a:p>
+          <a:p>
+            <a:r>
+              <a:rPr lang="it-IT" dirty="0" smtClean="0"/>
+              <a:t>Usato per cancellare commit non condivisi</a:t>
+            </a:r>
+          </a:p>
+          <a:p>
+            <a:endParaRPr lang="it-IT" dirty="0"/>
+          </a:p>
+        </p:txBody>
+      </p:sp>
+    </p:spTree>
+    <p:extLst>
+      <p:ext uri="{BB962C8B-B14F-4D97-AF65-F5344CB8AC3E}">
+        <p14:creationId xmlns:p14="http://schemas.microsoft.com/office/powerpoint/2010/main" val="2995972181"/>
+      </p:ext>
+    </p:extLst>
+  </p:cSld>
+  <p:clrMapOvr>
+    <a:masterClrMapping/>
+  </p:clrMapOvr>
+  <p:timing>
+    <p:tnLst>
+      <p:par>
+        <p:cTn id="1" dur="indefinite" restart="never" nodeType="tmRoot"/>
+      </p:par>
+    </p:tnLst>
+  </p:timing>
+</p:sld>
+</file>
+
+<file path=ppt/slides/slide33.xml><?xml version="1.0" encoding="utf-8"?>
+<p:sld xmlns:a="http://schemas.openxmlformats.org/drawingml/2006/main" xmlns:r="http://schemas.openxmlformats.org/officeDocument/2006/relationships" xmlns:p="http://schemas.openxmlformats.org/presentationml/2006/main">
+  <p:cSld>
+    <p:spTree>
+      <p:nvGrpSpPr>
+        <p:cNvPr id="1" name=""/>
+        <p:cNvGrpSpPr/>
+        <p:nvPr/>
+      </p:nvGrpSpPr>
+      <p:grpSpPr>
+        <a:xfrm>
+          <a:off x="0" y="0"/>
+          <a:ext cx="0" cy="0"/>
+          <a:chOff x="0" y="0"/>
+          <a:chExt cx="0" cy="0"/>
+        </a:xfrm>
+      </p:grpSpPr>
+      <p:sp>
+        <p:nvSpPr>
+          <p:cNvPr id="2" name="Title 1"/>
+          <p:cNvSpPr>
+            <a:spLocks noGrp="1"/>
+          </p:cNvSpPr>
+          <p:nvPr>
+            <p:ph type="title"/>
+          </p:nvPr>
+        </p:nvSpPr>
+        <p:spPr/>
+        <p:txBody>
+          <a:bodyPr/>
+          <a:lstStyle/>
+          <a:p>
+            <a:r>
+              <a:rPr lang="it-IT" dirty="0" err="1" smtClean="0"/>
+              <a:t>clean</a:t>
+            </a:r>
+            <a:endParaRPr lang="en-GB" dirty="0"/>
+          </a:p>
+        </p:txBody>
+      </p:sp>
+      <p:sp>
+        <p:nvSpPr>
+          <p:cNvPr id="3" name="Picture Placeholder 2"/>
+          <p:cNvSpPr>
+            <a:spLocks noGrp="1"/>
+          </p:cNvSpPr>
+          <p:nvPr>
+            <p:ph type="pic" idx="1"/>
+          </p:nvPr>
+        </p:nvSpPr>
+        <p:spPr/>
+      </p:sp>
+      <p:sp>
+        <p:nvSpPr>
+          <p:cNvPr id="4" name="Text Placeholder 3"/>
+          <p:cNvSpPr>
+            <a:spLocks noGrp="1"/>
+          </p:cNvSpPr>
+          <p:nvPr>
+            <p:ph type="body" sz="half" idx="2"/>
+          </p:nvPr>
+        </p:nvSpPr>
+        <p:spPr/>
+        <p:txBody>
+          <a:bodyPr/>
+          <a:lstStyle/>
+          <a:p>
+            <a:r>
+              <a:rPr lang="it-IT" dirty="0" smtClean="0"/>
+              <a:t>Pulisce velocemente la </a:t>
+            </a:r>
+            <a:r>
+              <a:rPr lang="it-IT" dirty="0" err="1" smtClean="0"/>
+              <a:t>working</a:t>
+            </a:r>
+            <a:r>
+              <a:rPr lang="it-IT" dirty="0" smtClean="0"/>
+              <a:t> directory</a:t>
+            </a:r>
+            <a:endParaRPr lang="en-GB" dirty="0"/>
+          </a:p>
+        </p:txBody>
+      </p:sp>
+    </p:spTree>
+    <p:extLst>
+      <p:ext uri="{BB962C8B-B14F-4D97-AF65-F5344CB8AC3E}">
+        <p14:creationId xmlns:p14="http://schemas.microsoft.com/office/powerpoint/2010/main" val="2633412967"/>
+      </p:ext>
+    </p:extLst>
+  </p:cSld>
+  <p:clrMapOvr>
+    <a:masterClrMapping/>
+  </p:clrMapOvr>
+</p:sld>
+</file>
+
+<file path=ppt/slides/slide34.xml><?xml version="1.0" encoding="utf-8"?>
+<p:sld xmlns:a="http://schemas.openxmlformats.org/drawingml/2006/main" xmlns:r="http://schemas.openxmlformats.org/officeDocument/2006/relationships" xmlns:p="http://schemas.openxmlformats.org/presentationml/2006/main">
+  <p:cSld>
+    <p:spTree>
+      <p:nvGrpSpPr>
+        <p:cNvPr id="1" name=""/>
+        <p:cNvGrpSpPr/>
+        <p:nvPr/>
+      </p:nvGrpSpPr>
+      <p:grpSpPr>
+        <a:xfrm>
+          <a:off x="0" y="0"/>
+          <a:ext cx="0" cy="0"/>
+          <a:chOff x="0" y="0"/>
+          <a:chExt cx="0" cy="0"/>
+        </a:xfrm>
+      </p:grpSpPr>
+      <p:sp>
+        <p:nvSpPr>
+          <p:cNvPr id="2" name="Title 1"/>
+          <p:cNvSpPr>
+            <a:spLocks noGrp="1"/>
+          </p:cNvSpPr>
+          <p:nvPr>
+            <p:ph type="title"/>
+          </p:nvPr>
+        </p:nvSpPr>
+        <p:spPr/>
+        <p:txBody>
+          <a:bodyPr/>
+          <a:lstStyle/>
+          <a:p>
+            <a:r>
+              <a:rPr lang="it-IT" dirty="0" smtClean="0"/>
+              <a:t>rebase</a:t>
+            </a:r>
+            <a:endParaRPr lang="en-GB" dirty="0"/>
+          </a:p>
+        </p:txBody>
+      </p:sp>
+      <p:sp>
+        <p:nvSpPr>
+          <p:cNvPr id="3" name="Picture Placeholder 2"/>
+          <p:cNvSpPr>
+            <a:spLocks noGrp="1"/>
+          </p:cNvSpPr>
+          <p:nvPr>
+            <p:ph type="pic" idx="1"/>
+          </p:nvPr>
+        </p:nvSpPr>
+        <p:spPr/>
+      </p:sp>
+      <p:sp>
+        <p:nvSpPr>
+          <p:cNvPr id="4" name="Text Placeholder 3"/>
+          <p:cNvSpPr>
+            <a:spLocks noGrp="1"/>
+          </p:cNvSpPr>
+          <p:nvPr>
+            <p:ph type="body" sz="half" idx="2"/>
+          </p:nvPr>
+        </p:nvSpPr>
+        <p:spPr>
+          <a:xfrm>
+            <a:off x="1154954" y="3657600"/>
+            <a:ext cx="5084979" cy="1764632"/>
+          </a:xfrm>
+        </p:spPr>
+        <p:txBody>
+          <a:bodyPr>
+            <a:noAutofit/>
+          </a:bodyPr>
+          <a:lstStyle/>
+          <a:p>
+            <a:r>
+              <a:rPr lang="it-IT" dirty="0"/>
+              <a:t>Più pulito del merge, quando </a:t>
+            </a:r>
+            <a:r>
+              <a:rPr lang="it-IT" dirty="0" smtClean="0"/>
+              <a:t>necessario</a:t>
+            </a:r>
+          </a:p>
+          <a:p>
+            <a:r>
+              <a:rPr lang="it-IT" dirty="0" smtClean="0"/>
+              <a:t>Riapplica tutti i </a:t>
+            </a:r>
+            <a:r>
+              <a:rPr lang="it-IT" dirty="0" err="1" smtClean="0"/>
+              <a:t>commit</a:t>
+            </a:r>
+            <a:r>
+              <a:rPr lang="it-IT" dirty="0" smtClean="0"/>
+              <a:t> di differenza e posiziona l’head subito dopo il soggetto del merge</a:t>
+            </a:r>
+          </a:p>
+          <a:p>
+            <a:r>
+              <a:rPr lang="it-IT" dirty="0" smtClean="0"/>
+              <a:t>Evita di visualizzare un </a:t>
+            </a:r>
+            <a:r>
+              <a:rPr lang="it-IT" dirty="0" err="1" smtClean="0"/>
+              <a:t>branch</a:t>
+            </a:r>
+            <a:r>
+              <a:rPr lang="it-IT" dirty="0" smtClean="0"/>
+              <a:t> e un </a:t>
+            </a:r>
+            <a:r>
+              <a:rPr lang="it-IT" dirty="0" err="1" smtClean="0"/>
+              <a:t>commit</a:t>
+            </a:r>
+            <a:r>
+              <a:rPr lang="it-IT" dirty="0" smtClean="0"/>
+              <a:t> aggiuntivo nel grafo</a:t>
+            </a:r>
+          </a:p>
+        </p:txBody>
+      </p:sp>
+    </p:spTree>
+    <p:extLst>
+      <p:ext uri="{BB962C8B-B14F-4D97-AF65-F5344CB8AC3E}">
+        <p14:creationId xmlns:p14="http://schemas.microsoft.com/office/powerpoint/2010/main" val="2899130992"/>
+      </p:ext>
+    </p:extLst>
+  </p:cSld>
+  <p:clrMapOvr>
+    <a:masterClrMapping/>
+  </p:clrMapOvr>
+  <p:timing>
+    <p:tnLst>
+      <p:par>
+        <p:cTn id="1" dur="indefinite" restart="never" nodeType="tmRoot"/>
+      </p:par>
+    </p:tnLst>
+  </p:timing>
+</p:sld>
+</file>
+
+<file path=ppt/slides/slide35.xml><?xml version="1.0" encoding="utf-8"?>
+<p:sld xmlns:a="http://schemas.openxmlformats.org/drawingml/2006/main" xmlns:r="http://schemas.openxmlformats.org/officeDocument/2006/relationships" xmlns:p="http://schemas.openxmlformats.org/presentationml/2006/main">
+  <p:cSld>
+    <p:spTree>
+      <p:nvGrpSpPr>
+        <p:cNvPr id="1" name=""/>
+        <p:cNvGrpSpPr/>
+        <p:nvPr/>
+      </p:nvGrpSpPr>
+      <p:grpSpPr>
+        <a:xfrm>
+          <a:off x="0" y="0"/>
+          <a:ext cx="0" cy="0"/>
+          <a:chOff x="0" y="0"/>
+          <a:chExt cx="0" cy="0"/>
+        </a:xfrm>
+      </p:grpSpPr>
+      <p:sp>
+        <p:nvSpPr>
+          <p:cNvPr id="2" name="Title 1"/>
+          <p:cNvSpPr>
+            <a:spLocks noGrp="1"/>
+          </p:cNvSpPr>
+          <p:nvPr>
+            <p:ph type="title"/>
+          </p:nvPr>
+        </p:nvSpPr>
+        <p:spPr/>
+        <p:txBody>
+          <a:bodyPr/>
+          <a:lstStyle/>
+          <a:p>
+            <a:r>
+              <a:rPr lang="it-IT" dirty="0" smtClean="0"/>
+              <a:t>DETACHED HEAD</a:t>
+            </a:r>
+            <a:endParaRPr lang="en-GB" dirty="0"/>
+          </a:p>
+        </p:txBody>
+      </p:sp>
+      <p:sp>
+        <p:nvSpPr>
+          <p:cNvPr id="3" name="Picture Placeholder 2"/>
+          <p:cNvSpPr>
+            <a:spLocks noGrp="1"/>
+          </p:cNvSpPr>
+          <p:nvPr>
+            <p:ph type="pic" idx="1"/>
+          </p:nvPr>
+        </p:nvSpPr>
+        <p:spPr/>
+      </p:sp>
+      <p:sp>
+        <p:nvSpPr>
+          <p:cNvPr id="4" name="Text Placeholder 3"/>
+          <p:cNvSpPr>
+            <a:spLocks noGrp="1"/>
+          </p:cNvSpPr>
+          <p:nvPr>
+            <p:ph type="body" sz="half" idx="2"/>
+          </p:nvPr>
+        </p:nvSpPr>
+        <p:spPr/>
+        <p:txBody>
+          <a:bodyPr>
+            <a:normAutofit/>
+          </a:bodyPr>
+          <a:lstStyle/>
+          <a:p>
+            <a:r>
+              <a:rPr lang="en-GB" dirty="0" smtClean="0"/>
+              <a:t>Capita </a:t>
+            </a:r>
+            <a:r>
+              <a:rPr lang="en-GB" dirty="0" err="1" smtClean="0"/>
+              <a:t>spesso</a:t>
+            </a:r>
+            <a:r>
+              <a:rPr lang="en-GB" dirty="0" smtClean="0"/>
+              <a:t> </a:t>
+            </a:r>
+            <a:r>
+              <a:rPr lang="en-GB" dirty="0" err="1" smtClean="0"/>
+              <a:t>usando</a:t>
+            </a:r>
+            <a:r>
+              <a:rPr lang="en-GB" dirty="0" smtClean="0"/>
+              <a:t> le </a:t>
+            </a:r>
+            <a:r>
+              <a:rPr lang="en-GB" dirty="0" err="1" smtClean="0"/>
+              <a:t>varie</a:t>
+            </a:r>
+            <a:r>
+              <a:rPr lang="en-GB" dirty="0" smtClean="0"/>
+              <a:t> GUI</a:t>
+            </a:r>
+          </a:p>
+          <a:p>
+            <a:r>
+              <a:rPr lang="en-GB" dirty="0" err="1" smtClean="0"/>
+              <a:t>Indica</a:t>
+            </a:r>
+            <a:r>
+              <a:rPr lang="en-GB" dirty="0" smtClean="0"/>
+              <a:t> la working directory </a:t>
+            </a:r>
+            <a:r>
+              <a:rPr lang="en-GB" dirty="0" err="1" smtClean="0"/>
+              <a:t>staccata</a:t>
+            </a:r>
+            <a:r>
+              <a:rPr lang="en-GB" dirty="0" smtClean="0"/>
+              <a:t> da un branch </a:t>
+            </a:r>
+          </a:p>
+          <a:p>
+            <a:r>
+              <a:rPr lang="en-GB" dirty="0" smtClean="0"/>
+              <a:t>Se </a:t>
+            </a:r>
+            <a:r>
+              <a:rPr lang="en-GB" dirty="0" err="1" smtClean="0"/>
+              <a:t>si</a:t>
+            </a:r>
+            <a:r>
+              <a:rPr lang="en-GB" dirty="0" smtClean="0"/>
+              <a:t> </a:t>
+            </a:r>
+            <a:r>
+              <a:rPr lang="en-GB" dirty="0" err="1" smtClean="0"/>
+              <a:t>fanno</a:t>
+            </a:r>
+            <a:r>
+              <a:rPr lang="en-GB" dirty="0" smtClean="0"/>
+              <a:t> commit e poi </a:t>
+            </a:r>
+            <a:r>
+              <a:rPr lang="en-GB" dirty="0" err="1" smtClean="0"/>
+              <a:t>si</a:t>
+            </a:r>
+            <a:r>
+              <a:rPr lang="en-GB" dirty="0" smtClean="0"/>
+              <a:t> </a:t>
+            </a:r>
+            <a:r>
+              <a:rPr lang="en-GB" dirty="0" err="1" smtClean="0"/>
+              <a:t>abbandona</a:t>
+            </a:r>
+            <a:r>
+              <a:rPr lang="en-GB" dirty="0" smtClean="0"/>
+              <a:t>, </a:t>
+            </a:r>
+            <a:r>
+              <a:rPr lang="en-GB" dirty="0" err="1" smtClean="0"/>
+              <a:t>senza</a:t>
+            </a:r>
+            <a:r>
+              <a:rPr lang="en-GB" dirty="0" smtClean="0"/>
+              <a:t> tag o branch, </a:t>
+            </a:r>
+            <a:r>
+              <a:rPr lang="en-GB" dirty="0" err="1" smtClean="0"/>
+              <a:t>viene</a:t>
+            </a:r>
+            <a:r>
+              <a:rPr lang="en-GB" dirty="0" smtClean="0"/>
+              <a:t> eliminate in </a:t>
+            </a:r>
+            <a:r>
+              <a:rPr lang="en-GB" dirty="0" err="1" smtClean="0"/>
+              <a:t>automatico</a:t>
+            </a:r>
+            <a:endParaRPr lang="en-GB" dirty="0"/>
+          </a:p>
+        </p:txBody>
+      </p:sp>
+    </p:spTree>
+    <p:extLst>
+      <p:ext uri="{BB962C8B-B14F-4D97-AF65-F5344CB8AC3E}">
+        <p14:creationId xmlns:p14="http://schemas.microsoft.com/office/powerpoint/2010/main" val="2807715743"/>
+      </p:ext>
+    </p:extLst>
+  </p:cSld>
+  <p:clrMapOvr>
+    <a:masterClrMapping/>
+  </p:clrMapOvr>
+</p:sld>
+</file>
+
+<file path=ppt/slides/slide36.xml><?xml version="1.0" encoding="utf-8"?>
+<p:sld xmlns:a="http://schemas.openxmlformats.org/drawingml/2006/main" xmlns:r="http://schemas.openxmlformats.org/officeDocument/2006/relationships" xmlns:p="http://schemas.openxmlformats.org/presentationml/2006/main">
+  <p:cSld>
+    <p:spTree>
+      <p:nvGrpSpPr>
+        <p:cNvPr id="1" name=""/>
+        <p:cNvGrpSpPr/>
+        <p:nvPr/>
+      </p:nvGrpSpPr>
+      <p:grpSpPr>
+        <a:xfrm>
+          <a:off x="0" y="0"/>
+          <a:ext cx="0" cy="0"/>
+          <a:chOff x="0" y="0"/>
+          <a:chExt cx="0" cy="0"/>
+        </a:xfrm>
+      </p:grpSpPr>
+      <p:sp>
+        <p:nvSpPr>
+          <p:cNvPr id="2" name="Title 1"/>
+          <p:cNvSpPr>
+            <a:spLocks noGrp="1"/>
+          </p:cNvSpPr>
+          <p:nvPr>
+            <p:ph type="title"/>
+          </p:nvPr>
+        </p:nvSpPr>
+        <p:spPr/>
+        <p:txBody>
+          <a:bodyPr/>
+          <a:lstStyle/>
+          <a:p>
+            <a:pPr algn="ctr"/>
+            <a:r>
+              <a:rPr lang="it-IT" dirty="0" err="1" smtClean="0"/>
+              <a:t>git</a:t>
+            </a:r>
+            <a:r>
+              <a:rPr lang="it-IT" dirty="0" smtClean="0"/>
+              <a:t> è sicuro</a:t>
+            </a:r>
+            <a:endParaRPr lang="en-GB" dirty="0"/>
+          </a:p>
+        </p:txBody>
+      </p:sp>
+      <p:sp>
+        <p:nvSpPr>
+          <p:cNvPr id="7" name="Text Placeholder 6"/>
+          <p:cNvSpPr>
+            <a:spLocks noGrp="1"/>
+          </p:cNvSpPr>
+          <p:nvPr>
+            <p:ph type="body" sz="half" idx="14"/>
+          </p:nvPr>
+        </p:nvSpPr>
+        <p:spPr/>
+        <p:txBody>
+          <a:bodyPr/>
+          <a:lstStyle/>
+          <a:p>
+            <a:r>
+              <a:rPr lang="it-IT" dirty="0" smtClean="0"/>
+              <a:t>Tutti</a:t>
+            </a:r>
+            <a:endParaRPr lang="en-GB" dirty="0"/>
+          </a:p>
+        </p:txBody>
+      </p:sp>
+      <p:sp>
+        <p:nvSpPr>
+          <p:cNvPr id="4" name="Text Placeholder 3"/>
+          <p:cNvSpPr>
+            <a:spLocks noGrp="1"/>
+          </p:cNvSpPr>
+          <p:nvPr>
+            <p:ph type="body" sz="half" idx="2"/>
+          </p:nvPr>
+        </p:nvSpPr>
+        <p:spPr/>
+        <p:txBody>
+          <a:bodyPr>
+            <a:normAutofit/>
+          </a:bodyPr>
+          <a:lstStyle/>
+          <a:p>
+            <a:r>
+              <a:rPr lang="it-IT" dirty="0" smtClean="0"/>
+              <a:t>Il seguente comando funziona:</a:t>
+            </a:r>
+            <a:endParaRPr lang="en-GB" dirty="0" smtClean="0"/>
+          </a:p>
+          <a:p>
+            <a:r>
+              <a:rPr lang="en-GB" dirty="0" smtClean="0"/>
+              <a:t>git </a:t>
+            </a:r>
+            <a:r>
+              <a:rPr lang="en-GB" dirty="0"/>
+              <a:t>commit -a -m </a:t>
+            </a:r>
+            <a:r>
+              <a:rPr lang="en-GB" dirty="0" smtClean="0"/>
+              <a:t>"</a:t>
+            </a:r>
+            <a:r>
+              <a:rPr lang="en-GB" dirty="0" err="1" smtClean="0"/>
+              <a:t>HeHeHe</a:t>
+            </a:r>
+            <a:r>
+              <a:rPr lang="en-GB" dirty="0" smtClean="0"/>
+              <a:t>" --</a:t>
+            </a:r>
+            <a:r>
+              <a:rPr lang="en-GB" dirty="0"/>
+              <a:t>author "Chuck Norris </a:t>
+            </a:r>
+            <a:r>
+              <a:rPr lang="en-GB" dirty="0" smtClean="0"/>
+              <a:t>&lt;</a:t>
+            </a:r>
+            <a:r>
+              <a:rPr lang="en-GB" dirty="0" err="1" smtClean="0"/>
+              <a:t>chuck@is.god</a:t>
+            </a:r>
+            <a:r>
+              <a:rPr lang="en-GB" dirty="0" smtClean="0"/>
+              <a:t>&gt;"</a:t>
+            </a:r>
+            <a:endParaRPr lang="en-GB" dirty="0"/>
+          </a:p>
+        </p:txBody>
+      </p:sp>
+    </p:spTree>
+    <p:extLst>
+      <p:ext uri="{BB962C8B-B14F-4D97-AF65-F5344CB8AC3E}">
+        <p14:creationId xmlns:p14="http://schemas.microsoft.com/office/powerpoint/2010/main" val="4108228829"/>
+      </p:ext>
+    </p:extLst>
+  </p:cSld>
+  <p:clrMapOvr>
+    <a:masterClrMapping/>
+  </p:clrMapOvr>
+</p:sld>
+</file>
+
+<file path=ppt/slides/slide37.xml><?xml version="1.0" encoding="utf-8"?>
+<p:sld xmlns:a="http://schemas.openxmlformats.org/drawingml/2006/main" xmlns:r="http://schemas.openxmlformats.org/officeDocument/2006/relationships" xmlns:p="http://schemas.openxmlformats.org/presentationml/2006/main">
+  <p:cSld>
+    <p:spTree>
+      <p:nvGrpSpPr>
+        <p:cNvPr id="1" name=""/>
+        <p:cNvGrpSpPr/>
+        <p:nvPr/>
+      </p:nvGrpSpPr>
+      <p:grpSpPr>
+        <a:xfrm>
+          <a:off x="0" y="0"/>
+          <a:ext cx="0" cy="0"/>
+          <a:chOff x="0" y="0"/>
+          <a:chExt cx="0" cy="0"/>
+        </a:xfrm>
+      </p:grpSpPr>
+      <p:sp>
+        <p:nvSpPr>
+          <p:cNvPr id="2" name="Title 1"/>
+          <p:cNvSpPr>
+            <a:spLocks noGrp="1"/>
+          </p:cNvSpPr>
+          <p:nvPr>
+            <p:ph type="title"/>
+          </p:nvPr>
+        </p:nvSpPr>
+        <p:spPr/>
+        <p:txBody>
+          <a:bodyPr/>
+          <a:lstStyle/>
+          <a:p>
+            <a:endParaRPr lang="it-IT" dirty="0"/>
+          </a:p>
+        </p:txBody>
+      </p:sp>
+      <p:sp>
+        <p:nvSpPr>
+          <p:cNvPr id="3" name="Text Placeholder 2"/>
+          <p:cNvSpPr>
+            <a:spLocks noGrp="1"/>
+          </p:cNvSpPr>
+          <p:nvPr>
+            <p:ph type="body" idx="1"/>
+          </p:nvPr>
+        </p:nvSpPr>
+        <p:spPr/>
+        <p:txBody>
+          <a:bodyPr/>
+          <a:lstStyle/>
+          <a:p>
+            <a:r>
+              <a:rPr lang="it-IT" dirty="0" smtClean="0"/>
+              <a:t>Domande?</a:t>
+            </a:r>
+            <a:endParaRPr lang="it-IT" dirty="0"/>
+          </a:p>
+        </p:txBody>
+      </p:sp>
+    </p:spTree>
+    <p:extLst>
+      <p:ext uri="{BB962C8B-B14F-4D97-AF65-F5344CB8AC3E}">
+        <p14:creationId xmlns:p14="http://schemas.microsoft.com/office/powerpoint/2010/main" val="1870896761"/>
+      </p:ext>
+    </p:extLst>
+  </p:cSld>
+  <p:clrMapOvr>
+    <a:masterClrMapping/>
+  </p:clrMapOvr>
+</p:sld>
+</file>
+
+<file path=ppt/slides/slide38.xml><?xml version="1.0" encoding="utf-8"?>
+<p:sld xmlns:a="http://schemas.openxmlformats.org/drawingml/2006/main" xmlns:r="http://schemas.openxmlformats.org/officeDocument/2006/relationships" xmlns:p="http://schemas.openxmlformats.org/presentationml/2006/main">
+  <p:cSld>
+    <p:spTree>
+      <p:nvGrpSpPr>
+        <p:cNvPr id="1" name=""/>
+        <p:cNvGrpSpPr/>
+        <p:nvPr/>
+      </p:nvGrpSpPr>
+      <p:grpSpPr>
+        <a:xfrm>
+          <a:off x="0" y="0"/>
+          <a:ext cx="0" cy="0"/>
+          <a:chOff x="0" y="0"/>
+          <a:chExt cx="0" cy="0"/>
+        </a:xfrm>
+      </p:grpSpPr>
+      <p:sp>
+        <p:nvSpPr>
+          <p:cNvPr id="2" name="Title 1"/>
+          <p:cNvSpPr>
+            <a:spLocks noGrp="1"/>
+          </p:cNvSpPr>
+          <p:nvPr>
+            <p:ph type="title"/>
+          </p:nvPr>
+        </p:nvSpPr>
+        <p:spPr>
+          <a:xfrm>
+            <a:off x="1574801" y="1848492"/>
+            <a:ext cx="7999315" cy="1264578"/>
+          </a:xfrm>
+        </p:spPr>
+        <p:txBody>
+          <a:bodyPr/>
+          <a:lstStyle/>
+          <a:p>
+            <a:pPr algn="ctr"/>
+            <a:r>
+              <a:rPr lang="it-IT" dirty="0" smtClean="0"/>
+              <a:t>Grazie a tutti</a:t>
+            </a:r>
+            <a:endParaRPr lang="it-IT" dirty="0"/>
+          </a:p>
+        </p:txBody>
+      </p:sp>
+      <p:sp>
+        <p:nvSpPr>
+          <p:cNvPr id="3" name="Text Placeholder 2"/>
+          <p:cNvSpPr>
+            <a:spLocks noGrp="1"/>
+          </p:cNvSpPr>
+          <p:nvPr>
+            <p:ph type="body" sz="half" idx="14"/>
+          </p:nvPr>
+        </p:nvSpPr>
+        <p:spPr/>
+        <p:txBody>
+          <a:bodyPr/>
+          <a:lstStyle/>
+          <a:p>
+            <a:r>
+              <a:rPr lang="it-IT" dirty="0" smtClean="0"/>
+              <a:t>Giulio Caccin</a:t>
+            </a:r>
+            <a:endParaRPr lang="it-IT" dirty="0"/>
+          </a:p>
+        </p:txBody>
+      </p:sp>
+      <p:sp>
+        <p:nvSpPr>
+          <p:cNvPr id="4" name="Text Placeholder 3"/>
+          <p:cNvSpPr>
+            <a:spLocks noGrp="1"/>
+          </p:cNvSpPr>
+          <p:nvPr>
+            <p:ph type="body" sz="half" idx="2"/>
+          </p:nvPr>
+        </p:nvSpPr>
+        <p:spPr/>
+        <p:txBody>
+          <a:bodyPr/>
+          <a:lstStyle/>
+          <a:p>
+            <a:endParaRPr lang="it-IT"/>
+          </a:p>
+        </p:txBody>
+      </p:sp>
+    </p:spTree>
+    <p:extLst>
+      <p:ext uri="{BB962C8B-B14F-4D97-AF65-F5344CB8AC3E}">
+        <p14:creationId xmlns:p14="http://schemas.microsoft.com/office/powerpoint/2010/main" val="1434294232"/>
+      </p:ext>
+    </p:extLst>
+  </p:cSld>
+  <p:clrMapOvr>
+    <a:masterClrMapping/>
+  </p:clrMapOvr>
+  <p:timing>
+    <p:tnLst>
+      <p:par>
+        <p:cTn id="1" dur="indefinite" restart="never" nodeType="tmRoot"/>
+      </p:par>
+    </p:tnLst>
+  </p:timing>
+</p:sld>
+</file>
+
+<file path=ppt/slides/slide39.xml><?xml version="1.0" encoding="utf-8"?>
+<p:sld xmlns:a="http://schemas.openxmlformats.org/drawingml/2006/main" xmlns:r="http://schemas.openxmlformats.org/officeDocument/2006/relationships" xmlns:p="http://schemas.openxmlformats.org/presentationml/2006/main">
+  <p:cSld>
+    <p:spTree>
+      <p:nvGrpSpPr>
+        <p:cNvPr id="1" name=""/>
+        <p:cNvGrpSpPr/>
+        <p:nvPr/>
+      </p:nvGrpSpPr>
+      <p:grpSpPr>
+        <a:xfrm>
+          <a:off x="0" y="0"/>
+          <a:ext cx="0" cy="0"/>
+          <a:chOff x="0" y="0"/>
+          <a:chExt cx="0" cy="0"/>
+        </a:xfrm>
+      </p:grpSpPr>
+      <p:sp>
+        <p:nvSpPr>
+          <p:cNvPr id="2" name="Title 1"/>
+          <p:cNvSpPr>
+            <a:spLocks noGrp="1"/>
+          </p:cNvSpPr>
+          <p:nvPr>
+            <p:ph type="title"/>
+          </p:nvPr>
+        </p:nvSpPr>
+        <p:spPr/>
+        <p:txBody>
+          <a:bodyPr/>
+          <a:lstStyle/>
+          <a:p>
+            <a:r>
+              <a:rPr lang="it-IT" dirty="0" smtClean="0"/>
+              <a:t>Link Utili</a:t>
+            </a:r>
+            <a:endParaRPr lang="en-GB" dirty="0"/>
+          </a:p>
+        </p:txBody>
+      </p:sp>
+      <p:sp>
+        <p:nvSpPr>
+          <p:cNvPr id="3" name="Content Placeholder 2"/>
+          <p:cNvSpPr>
+            <a:spLocks noGrp="1"/>
+          </p:cNvSpPr>
+          <p:nvPr>
+            <p:ph idx="1"/>
+          </p:nvPr>
+        </p:nvSpPr>
+        <p:spPr/>
+        <p:txBody>
+          <a:bodyPr/>
+          <a:lstStyle/>
+          <a:p>
+            <a:r>
+              <a:rPr lang="it-IT" dirty="0"/>
+              <a:t>La bibbia</a:t>
+            </a:r>
+            <a:br>
+              <a:rPr lang="it-IT" dirty="0"/>
+            </a:br>
+            <a:r>
+              <a:rPr lang="it-IT" dirty="0">
+                <a:hlinkClick r:id="rId2"/>
+              </a:rPr>
+              <a:t>https://git-scm.com</a:t>
+            </a:r>
+            <a:r>
+              <a:rPr lang="it-IT" dirty="0" smtClean="0">
+                <a:hlinkClick r:id="rId2"/>
+              </a:rPr>
+              <a:t>/</a:t>
+            </a:r>
+            <a:endParaRPr lang="it-IT" dirty="0" smtClean="0"/>
+          </a:p>
+          <a:p>
+            <a:r>
+              <a:rPr lang="en-GB" dirty="0" err="1" smtClean="0"/>
+              <a:t>Riferimenti</a:t>
+            </a:r>
+            <a:r>
+              <a:rPr lang="en-GB" dirty="0" smtClean="0"/>
+              <a:t> ultra </a:t>
+            </a:r>
+            <a:r>
+              <a:rPr lang="en-GB" dirty="0" err="1" smtClean="0"/>
+              <a:t>veloci</a:t>
+            </a:r>
+            <a:r>
+              <a:rPr lang="en-GB" dirty="0" smtClean="0"/>
+              <a:t/>
+            </a:r>
+            <a:br>
+              <a:rPr lang="en-GB" dirty="0" smtClean="0"/>
+            </a:br>
+            <a:r>
+              <a:rPr lang="en-GB" dirty="0" smtClean="0">
+                <a:hlinkClick r:id="rId3"/>
+              </a:rPr>
+              <a:t>https</a:t>
+            </a:r>
+            <a:r>
+              <a:rPr lang="en-GB" dirty="0">
+                <a:hlinkClick r:id="rId3"/>
+              </a:rPr>
+              <a:t>://</a:t>
+            </a:r>
+            <a:r>
+              <a:rPr lang="en-GB" dirty="0" smtClean="0">
+                <a:hlinkClick r:id="rId3"/>
+              </a:rPr>
+              <a:t>git-scm.com/docs/everyday</a:t>
+            </a:r>
+            <a:endParaRPr lang="en-GB" dirty="0" smtClean="0"/>
+          </a:p>
+          <a:p>
+            <a:endParaRPr lang="en-GB" dirty="0"/>
+          </a:p>
+        </p:txBody>
+      </p:sp>
+    </p:spTree>
+    <p:extLst>
+      <p:ext uri="{BB962C8B-B14F-4D97-AF65-F5344CB8AC3E}">
+        <p14:creationId xmlns:p14="http://schemas.microsoft.com/office/powerpoint/2010/main" val="2392760351"/>
+      </p:ext>
+    </p:extLst>
+  </p:cSld>
+  <p:clrMapOvr>
+    <a:masterClrMapping/>
+  </p:clrMapOvr>
+  <p:timing>
+    <p:tnLst>
+      <p:par>
+        <p:cTn id="1" dur="indefinite" restart="never" nodeType="tmRoot"/>
+      </p:par>
+    </p:tnLst>
+  </p:timing>
 </p:sld>
 </file>
 
@@ -8313,18 +13755,35 @@
           </a:p>
         </p:txBody>
       </p:sp>
-      <p:sp>
-        <p:nvSpPr>
-          <p:cNvPr id="3" name="Picture Placeholder 2"/>
-          <p:cNvSpPr>
-            <a:spLocks noGrp="1"/>
-          </p:cNvSpPr>
+      <p:pic>
+        <p:nvPicPr>
+          <p:cNvPr id="5" name="Picture Placeholder 4"/>
+          <p:cNvPicPr>
+            <a:picLocks noGrp="1" noChangeAspect="1"/>
+          </p:cNvPicPr>
           <p:nvPr>
             <p:ph type="pic" idx="1"/>
           </p:nvPr>
-        </p:nvSpPr>
-        <p:spPr/>
-      </p:sp>
+        </p:nvPicPr>
+        <p:blipFill>
+          <a:blip r:embed="rId3">
+            <a:extLst>
+              <a:ext uri="{28A0092B-C50C-407E-A947-70E740481C1C}">
+                <a14:useLocalDpi xmlns:a14="http://schemas.microsoft.com/office/drawing/2010/main" val="0"/>
+              </a:ext>
+            </a:extLst>
+          </a:blip>
+          <a:stretch>
+            <a:fillRect/>
+          </a:stretch>
+        </p:blipFill>
+        <p:spPr>
+          <a:xfrm>
+            <a:off x="6519411" y="2804451"/>
+            <a:ext cx="3838691" cy="1249098"/>
+          </a:xfrm>
+        </p:spPr>
+      </p:pic>
       <p:sp>
         <p:nvSpPr>
           <p:cNvPr id="4" name="Text Placeholder 3"/>
@@ -8341,6 +13800,12 @@
           <a:lstStyle/>
           <a:p>
             <a:r>
+              <a:rPr lang="it-IT" dirty="0"/>
+              <a:t>Punta a livellare conoscenze di strumenti aziendali</a:t>
+            </a:r>
+          </a:p>
+          <a:p>
+            <a:r>
               <a:rPr lang="it-IT" dirty="0" smtClean="0"/>
               <a:t>Introduce alcuni concetti avanzati</a:t>
             </a:r>
@@ -8348,13 +13813,7 @@
           <a:p>
             <a:r>
               <a:rPr lang="it-IT" dirty="0" smtClean="0"/>
-              <a:t>Punta a livellare conoscenze di strumenti aziendali</a:t>
-            </a:r>
-          </a:p>
-          <a:p>
-            <a:r>
-              <a:rPr lang="it-IT" dirty="0" smtClean="0"/>
-              <a:t>E’ soprattutto una prova</a:t>
+              <a:t>E’ soprattutto un modo per conoscerci</a:t>
             </a:r>
             <a:endParaRPr lang="en-GB" dirty="0"/>
           </a:p>
@@ -8370,6 +13829,274 @@
   <p:clrMapOvr>
     <a:masterClrMapping/>
   </p:clrMapOvr>
+  <p:timing>
+    <p:tnLst>
+      <p:par>
+        <p:cTn id="1" dur="indefinite" restart="never" nodeType="tmRoot"/>
+      </p:par>
+    </p:tnLst>
+  </p:timing>
+</p:sld>
+</file>
+
+<file path=ppt/slides/slide40.xml><?xml version="1.0" encoding="utf-8"?>
+<p:sld xmlns:a="http://schemas.openxmlformats.org/drawingml/2006/main" xmlns:r="http://schemas.openxmlformats.org/officeDocument/2006/relationships" xmlns:p="http://schemas.openxmlformats.org/presentationml/2006/main">
+  <p:cSld>
+    <p:spTree>
+      <p:nvGrpSpPr>
+        <p:cNvPr id="1" name=""/>
+        <p:cNvGrpSpPr/>
+        <p:nvPr/>
+      </p:nvGrpSpPr>
+      <p:grpSpPr>
+        <a:xfrm>
+          <a:off x="0" y="0"/>
+          <a:ext cx="0" cy="0"/>
+          <a:chOff x="0" y="0"/>
+          <a:chExt cx="0" cy="0"/>
+        </a:xfrm>
+      </p:grpSpPr>
+      <p:sp>
+        <p:nvSpPr>
+          <p:cNvPr id="2" name="Title 1"/>
+          <p:cNvSpPr>
+            <a:spLocks noGrp="1"/>
+          </p:cNvSpPr>
+          <p:nvPr>
+            <p:ph type="title"/>
+          </p:nvPr>
+        </p:nvSpPr>
+        <p:spPr/>
+        <p:txBody>
+          <a:bodyPr/>
+          <a:lstStyle/>
+          <a:p>
+            <a:r>
+              <a:rPr lang="it-IT" dirty="0" smtClean="0"/>
+              <a:t>Dove ho rubato</a:t>
+            </a:r>
+            <a:endParaRPr lang="en-GB" dirty="0"/>
+          </a:p>
+        </p:txBody>
+      </p:sp>
+      <p:sp>
+        <p:nvSpPr>
+          <p:cNvPr id="3" name="Content Placeholder 2"/>
+          <p:cNvSpPr>
+            <a:spLocks noGrp="1"/>
+          </p:cNvSpPr>
+          <p:nvPr>
+            <p:ph idx="1"/>
+          </p:nvPr>
+        </p:nvSpPr>
+        <p:spPr/>
+        <p:txBody>
+          <a:bodyPr/>
+          <a:lstStyle/>
+          <a:p>
+            <a:r>
+              <a:rPr lang="en-GB" dirty="0" smtClean="0"/>
+              <a:t>Video </a:t>
+            </a:r>
+            <a:r>
+              <a:rPr lang="en-GB" dirty="0" err="1" smtClean="0"/>
+              <a:t>fantastico</a:t>
+            </a:r>
+            <a:r>
+              <a:rPr lang="en-GB" dirty="0" smtClean="0"/>
+              <a:t> di Lorna Mitchell </a:t>
+            </a:r>
+            <a:br>
+              <a:rPr lang="en-GB" dirty="0" smtClean="0"/>
+            </a:br>
+            <a:r>
+              <a:rPr lang="en-GB" dirty="0" smtClean="0">
+                <a:hlinkClick r:id="rId3"/>
+              </a:rPr>
+              <a:t>https</a:t>
+            </a:r>
+            <a:r>
+              <a:rPr lang="en-GB" dirty="0">
+                <a:hlinkClick r:id="rId3"/>
+              </a:rPr>
+              <a:t>://</a:t>
+            </a:r>
+            <a:r>
+              <a:rPr lang="en-GB" dirty="0" smtClean="0">
+                <a:hlinkClick r:id="rId3"/>
+              </a:rPr>
+              <a:t>youtu.be/duqBHik7nRo</a:t>
+            </a:r>
+            <a:endParaRPr lang="en-GB" dirty="0" smtClean="0"/>
+          </a:p>
+          <a:p>
+            <a:r>
+              <a:rPr lang="it-IT" dirty="0" smtClean="0"/>
+              <a:t>Articolo sui messaggi di </a:t>
+            </a:r>
+            <a:r>
+              <a:rPr lang="it-IT" dirty="0" err="1" smtClean="0"/>
+              <a:t>commit</a:t>
+            </a:r>
+            <a:r>
+              <a:rPr lang="it-IT" dirty="0"/>
+              <a:t/>
+            </a:r>
+            <a:br>
+              <a:rPr lang="it-IT" dirty="0"/>
+            </a:br>
+            <a:r>
+              <a:rPr lang="it-IT" dirty="0">
+                <a:hlinkClick r:id="rId4"/>
+              </a:rPr>
+              <a:t>http://</a:t>
+            </a:r>
+            <a:r>
+              <a:rPr lang="it-IT" dirty="0" smtClean="0">
+                <a:hlinkClick r:id="rId4"/>
+              </a:rPr>
+              <a:t>who-t.blogspot.co.at/2009/12/on-commit-messages.html</a:t>
+            </a:r>
+            <a:endParaRPr lang="it-IT" dirty="0" smtClean="0"/>
+          </a:p>
+          <a:p>
+            <a:r>
+              <a:rPr lang="it-IT" dirty="0" smtClean="0"/>
+              <a:t>Guida sui flussi di lavoro </a:t>
+            </a:r>
+            <a:r>
+              <a:rPr lang="it-IT" dirty="0" err="1" smtClean="0"/>
+              <a:t>Atlassian</a:t>
+            </a:r>
+            <a:r>
+              <a:rPr lang="it-IT" dirty="0"/>
+              <a:t/>
+            </a:r>
+            <a:br>
+              <a:rPr lang="it-IT" dirty="0"/>
+            </a:br>
+            <a:r>
+              <a:rPr lang="it-IT" dirty="0">
+                <a:hlinkClick r:id="rId5"/>
+              </a:rPr>
+              <a:t>https://</a:t>
+            </a:r>
+            <a:r>
+              <a:rPr lang="it-IT" dirty="0" smtClean="0">
+                <a:hlinkClick r:id="rId5"/>
+              </a:rPr>
+              <a:t>www.atlassian.com/git/tutorials/comparing-workflows</a:t>
+            </a:r>
+            <a:endParaRPr lang="it-IT" dirty="0" smtClean="0"/>
+          </a:p>
+          <a:p>
+            <a:r>
+              <a:rPr lang="it-IT" dirty="0" smtClean="0"/>
+              <a:t>Indispensabile </a:t>
+            </a:r>
+            <a:r>
+              <a:rPr lang="it-IT" dirty="0" err="1" smtClean="0"/>
+              <a:t>GitHub</a:t>
+            </a:r>
+            <a:r>
+              <a:rPr lang="it-IT" dirty="0"/>
+              <a:t> Flow</a:t>
+            </a:r>
+            <a:br>
+              <a:rPr lang="it-IT" dirty="0"/>
+            </a:br>
+            <a:r>
+              <a:rPr lang="it-IT" dirty="0">
+                <a:hlinkClick r:id="rId6"/>
+              </a:rPr>
+              <a:t>https://guides.github.com/introduction/flow</a:t>
+            </a:r>
+            <a:r>
+              <a:rPr lang="it-IT" dirty="0" smtClean="0">
+                <a:hlinkClick r:id="rId6"/>
+              </a:rPr>
+              <a:t>/</a:t>
+            </a:r>
+            <a:endParaRPr lang="it-IT" dirty="0" smtClean="0"/>
+          </a:p>
+          <a:p>
+            <a:r>
+              <a:rPr lang="it-IT" dirty="0" smtClean="0"/>
+              <a:t>Firmate con GPG i vostri </a:t>
+            </a:r>
+            <a:r>
+              <a:rPr lang="it-IT" dirty="0" err="1" smtClean="0"/>
+              <a:t>commit</a:t>
+            </a:r>
+            <a:r>
+              <a:rPr lang="it-IT" dirty="0"/>
+              <a:t> </a:t>
+            </a:r>
+            <a:r>
+              <a:rPr lang="it-IT" dirty="0" err="1" smtClean="0"/>
+              <a:t>Git</a:t>
+            </a:r>
+            <a:r>
+              <a:rPr lang="it-IT" dirty="0" smtClean="0"/>
+              <a:t/>
+            </a:r>
+            <a:br>
+              <a:rPr lang="it-IT" dirty="0" smtClean="0"/>
+            </a:br>
+            <a:r>
+              <a:rPr lang="it-IT" dirty="0" smtClean="0">
+                <a:hlinkClick r:id="rId7"/>
+              </a:rPr>
+              <a:t>https</a:t>
+            </a:r>
+            <a:r>
+              <a:rPr lang="it-IT" dirty="0">
+                <a:hlinkClick r:id="rId7"/>
+              </a:rPr>
+              <a:t>://ariejan.net/2014/06/04/gpg-sign-your-git-commits</a:t>
+            </a:r>
+            <a:r>
+              <a:rPr lang="it-IT" dirty="0" smtClean="0">
+                <a:hlinkClick r:id="rId7"/>
+              </a:rPr>
+              <a:t>/</a:t>
+            </a:r>
+            <a:endParaRPr lang="it-IT" dirty="0" smtClean="0"/>
+          </a:p>
+          <a:p>
+            <a:endParaRPr lang="it-IT" dirty="0" smtClean="0"/>
+          </a:p>
+          <a:p>
+            <a:endParaRPr lang="it-IT" dirty="0" smtClean="0"/>
+          </a:p>
+          <a:p>
+            <a:endParaRPr lang="en-GB" dirty="0" smtClean="0"/>
+          </a:p>
+          <a:p>
+            <a:endParaRPr lang="en-GB" dirty="0" smtClean="0"/>
+          </a:p>
+          <a:p>
+            <a:endParaRPr lang="en-GB" dirty="0"/>
+          </a:p>
+        </p:txBody>
+      </p:sp>
+    </p:spTree>
+    <p:extLst>
+      <p:ext uri="{BB962C8B-B14F-4D97-AF65-F5344CB8AC3E}">
+        <p14:creationId xmlns:p14="http://schemas.microsoft.com/office/powerpoint/2010/main" val="1694856285"/>
+      </p:ext>
+    </p:extLst>
+  </p:cSld>
+  <p:clrMapOvr>
+    <a:masterClrMapping/>
+  </p:clrMapOvr>
+  <p:timing>
+    <p:tnLst>
+      <p:par>
+        <p:cTn id="1" dur="indefinite" restart="never" nodeType="tmRoot"/>
+      </p:par>
+    </p:tnLst>
+  </p:timing>
 </p:sld>
 </file>
 
@@ -8417,18 +14144,35 @@
           </a:p>
         </p:txBody>
       </p:sp>
-      <p:sp>
-        <p:nvSpPr>
-          <p:cNvPr id="3" name="Picture Placeholder 2"/>
-          <p:cNvSpPr>
-            <a:spLocks noGrp="1"/>
-          </p:cNvSpPr>
+      <p:pic>
+        <p:nvPicPr>
+          <p:cNvPr id="5" name="Picture Placeholder 4"/>
+          <p:cNvPicPr>
+            <a:picLocks noGrp="1" noChangeAspect="1"/>
+          </p:cNvPicPr>
           <p:nvPr>
             <p:ph type="pic" idx="1"/>
           </p:nvPr>
-        </p:nvSpPr>
-        <p:spPr/>
-      </p:sp>
+        </p:nvPicPr>
+        <p:blipFill>
+          <a:blip r:embed="rId3">
+            <a:extLst>
+              <a:ext uri="{28A0092B-C50C-407E-A947-70E740481C1C}">
+                <a14:useLocalDpi xmlns:a14="http://schemas.microsoft.com/office/drawing/2010/main" val="0"/>
+              </a:ext>
+            </a:extLst>
+          </a:blip>
+          <a:stretch>
+            <a:fillRect/>
+          </a:stretch>
+        </p:blipFill>
+        <p:spPr>
+          <a:xfrm>
+            <a:off x="6803701" y="1881187"/>
+            <a:ext cx="3095625" cy="3095625"/>
+          </a:xfrm>
+        </p:spPr>
+      </p:pic>
       <p:sp>
         <p:nvSpPr>
           <p:cNvPr id="4" name="Text Placeholder 3"/>
@@ -8447,12 +14191,6 @@
             <a:r>
               <a:rPr lang="it-IT" dirty="0" smtClean="0"/>
               <a:t>E’ uno standard de facto nel settore</a:t>
-            </a:r>
-          </a:p>
-          <a:p>
-            <a:r>
-              <a:rPr lang="it-IT" dirty="0" smtClean="0"/>
-              <a:t>E’ distribuito, veloce e flessibile</a:t>
             </a:r>
           </a:p>
           <a:p>
@@ -8480,6 +14218,13 @@
   <p:clrMapOvr>
     <a:masterClrMapping/>
   </p:clrMapOvr>
+  <p:timing>
+    <p:tnLst>
+      <p:par>
+        <p:cTn id="1" dur="indefinite" restart="never" nodeType="tmRoot"/>
+      </p:par>
+    </p:tnLst>
+  </p:timing>
 </p:sld>
 </file>
 
@@ -8540,7 +14285,7 @@
           <a:p>
             <a:r>
               <a:rPr lang="it-IT" dirty="0" smtClean="0"/>
-              <a:t>Lo famo strano</a:t>
+              <a:t>Collaborazione 2.0</a:t>
             </a:r>
             <a:endParaRPr lang="en-GB" dirty="0"/>
           </a:p>
@@ -8556,6 +14301,13 @@
   <p:clrMapOvr>
     <a:masterClrMapping/>
   </p:clrMapOvr>
+  <p:timing>
+    <p:tnLst>
+      <p:par>
+        <p:cTn id="1" dur="indefinite" restart="never" nodeType="tmRoot"/>
+      </p:par>
+    </p:tnLst>
+  </p:timing>
 </p:sld>
 </file>
 
@@ -8593,7 +14345,7 @@
           <a:p>
             <a:r>
               <a:rPr lang="it-IT" dirty="0" smtClean="0"/>
-              <a:t>Il costo della confusione</a:t>
+              <a:t>Il costo della collaborazione</a:t>
             </a:r>
             <a:endParaRPr lang="en-GB" dirty="0"/>
           </a:p>
@@ -8606,37 +14358,48 @@
             <a:spLocks noGrp="1"/>
           </p:cNvSpPr>
           <p:nvPr>
-            <p:ph type="body" sz="half" idx="2"/>
-          </p:nvPr>
-        </p:nvSpPr>
-        <p:spPr/>
-        <p:txBody>
-          <a:bodyPr/>
-          <a:lstStyle/>
-          <a:p>
-            <a:r>
-              <a:rPr lang="it-IT" dirty="0" smtClean="0"/>
-              <a:t>Perché è necessario?</a:t>
-            </a:r>
-          </a:p>
-          <a:p>
-            <a:r>
-              <a:rPr lang="it-IT" dirty="0" smtClean="0"/>
-              <a:t>Come il </a:t>
-            </a:r>
-            <a:r>
-              <a:rPr lang="it-IT" dirty="0" err="1" smtClean="0"/>
-              <a:t>commit</a:t>
-            </a:r>
-            <a:r>
-              <a:rPr lang="it-IT" dirty="0" smtClean="0"/>
-              <a:t> risolve la questione?</a:t>
-            </a:r>
-          </a:p>
-          <a:p>
-            <a:r>
-              <a:rPr lang="it-IT" dirty="0" smtClean="0"/>
-              <a:t>Che effetti produce?</a:t>
+            <p:ph idx="1"/>
+          </p:nvPr>
+        </p:nvSpPr>
+        <p:spPr/>
+        <p:txBody>
+          <a:bodyPr/>
+          <a:lstStyle/>
+          <a:p>
+            <a:r>
+              <a:rPr lang="it-IT" dirty="0" smtClean="0"/>
+              <a:t>Nasce per le esigenze di Linus Torvald</a:t>
+            </a:r>
+          </a:p>
+          <a:p>
+            <a:r>
+              <a:rPr lang="it-IT" dirty="0" smtClean="0"/>
+              <a:t>E’ veloce (in locale e in rete)</a:t>
+            </a:r>
+          </a:p>
+          <a:p>
+            <a:r>
+              <a:rPr lang="it-IT" dirty="0" smtClean="0"/>
+              <a:t>E’ distribuito</a:t>
+            </a:r>
+            <a:endParaRPr lang="it-IT" dirty="0"/>
+          </a:p>
+          <a:p>
+            <a:r>
+              <a:rPr lang="it-IT" dirty="0" smtClean="0"/>
+              <a:t>E’ flessibile</a:t>
+            </a:r>
+          </a:p>
+          <a:p>
+            <a:r>
+              <a:rPr lang="it-IT" dirty="0" smtClean="0"/>
+              <a:t>E’ sicuro</a:t>
+            </a:r>
+          </a:p>
+          <a:p>
+            <a:r>
+              <a:rPr lang="it-IT" dirty="0" smtClean="0"/>
+              <a:t>E’ gratuito ed open source</a:t>
             </a:r>
             <a:endParaRPr lang="en-GB" dirty="0"/>
           </a:p>
@@ -8652,6 +14415,13 @@
   <p:clrMapOvr>
     <a:masterClrMapping/>
   </p:clrMapOvr>
+  <p:timing>
+    <p:tnLst>
+      <p:par>
+        <p:cTn id="1" dur="indefinite" restart="never" nodeType="tmRoot"/>
+      </p:par>
+    </p:tnLst>
+  </p:timing>
 </p:sld>
 </file>
 
@@ -8674,7 +14444,7 @@
       </p:grpSpPr>
       <p:sp>
         <p:nvSpPr>
-          <p:cNvPr id="2" name="Title 1"/>
+          <p:cNvPr id="7" name="Title 6"/>
           <p:cNvSpPr>
             <a:spLocks noGrp="1"/>
           </p:cNvSpPr>
@@ -8688,31 +14458,194 @@
           <a:lstStyle/>
           <a:p>
             <a:r>
-              <a:rPr lang="it-IT" dirty="0" smtClean="0"/>
-              <a:t>Flussi</a:t>
+              <a:rPr lang="en-GB" dirty="0" err="1"/>
+              <a:t>Grafo</a:t>
+            </a:r>
+            <a:r>
+              <a:rPr lang="en-GB" dirty="0"/>
+              <a:t> </a:t>
+            </a:r>
+            <a:r>
+              <a:rPr lang="en-GB" dirty="0" err="1"/>
+              <a:t>aciclico</a:t>
+            </a:r>
+            <a:r>
+              <a:rPr lang="en-GB" dirty="0"/>
+              <a:t> </a:t>
+            </a:r>
+            <a:r>
+              <a:rPr lang="en-GB" dirty="0" err="1"/>
+              <a:t>diretto</a:t>
             </a:r>
             <a:endParaRPr lang="en-GB" dirty="0"/>
           </a:p>
         </p:txBody>
       </p:sp>
-      <p:sp>
-        <p:nvSpPr>
-          <p:cNvPr id="3" name="Text Placeholder 2"/>
-          <p:cNvSpPr>
-            <a:spLocks noGrp="1"/>
-          </p:cNvSpPr>
-          <p:nvPr>
-            <p:ph type="body" idx="1"/>
-          </p:nvPr>
-        </p:nvSpPr>
-        <p:spPr/>
-        <p:txBody>
-          <a:bodyPr/>
-          <a:lstStyle/>
-          <a:p>
-            <a:r>
-              <a:rPr lang="it-IT" dirty="0" smtClean="0"/>
-              <a:t>Devi essere come acqua</a:t>
+      <p:pic>
+        <p:nvPicPr>
+          <p:cNvPr id="3" name="Picture Placeholder 2"/>
+          <p:cNvPicPr>
+            <a:picLocks noGrp="1" noChangeAspect="1"/>
+          </p:cNvPicPr>
+          <p:nvPr>
+            <p:ph type="pic" idx="1"/>
+          </p:nvPr>
+        </p:nvPicPr>
+        <p:blipFill>
+          <a:blip r:embed="rId3">
+            <a:extLst>
+              <a:ext uri="{28A0092B-C50C-407E-A947-70E740481C1C}">
+                <a14:useLocalDpi xmlns:a14="http://schemas.microsoft.com/office/drawing/2010/main" val="0"/>
+              </a:ext>
+            </a:extLst>
+          </a:blip>
+          <a:stretch>
+            <a:fillRect/>
+          </a:stretch>
+        </p:blipFill>
+        <p:spPr>
+          <a:xfrm>
+            <a:off x="6496498" y="971038"/>
+            <a:ext cx="4915923" cy="4915923"/>
+          </a:xfrm>
+        </p:spPr>
+      </p:pic>
+      <p:sp>
+        <p:nvSpPr>
+          <p:cNvPr id="9" name="Text Placeholder 8"/>
+          <p:cNvSpPr>
+            <a:spLocks noGrp="1"/>
+          </p:cNvSpPr>
+          <p:nvPr>
+            <p:ph type="body" sz="half" idx="2"/>
+          </p:nvPr>
+        </p:nvSpPr>
+        <p:spPr/>
+        <p:txBody>
+          <a:bodyPr/>
+          <a:lstStyle/>
+          <a:p>
+            <a:r>
+              <a:rPr lang="en-GB" dirty="0" err="1" smtClean="0"/>
+              <a:t>Struttura</a:t>
+            </a:r>
+            <a:r>
+              <a:rPr lang="en-GB" dirty="0" smtClean="0"/>
+              <a:t> di </a:t>
+            </a:r>
+            <a:r>
+              <a:rPr lang="en-GB" dirty="0" err="1" smtClean="0"/>
+              <a:t>nodi</a:t>
+            </a:r>
+            <a:endParaRPr lang="en-GB" dirty="0" smtClean="0"/>
+          </a:p>
+          <a:p>
+            <a:r>
+              <a:rPr lang="en-GB" dirty="0" err="1" smtClean="0"/>
+              <a:t>Percorrendo</a:t>
+            </a:r>
+            <a:r>
+              <a:rPr lang="en-GB" dirty="0" smtClean="0"/>
+              <a:t> </a:t>
+            </a:r>
+            <a:r>
+              <a:rPr lang="en-GB" dirty="0" err="1" smtClean="0"/>
+              <a:t>il</a:t>
+            </a:r>
+            <a:r>
+              <a:rPr lang="en-GB" dirty="0" smtClean="0"/>
+              <a:t> </a:t>
+            </a:r>
+            <a:r>
+              <a:rPr lang="en-GB" dirty="0" err="1" smtClean="0"/>
+              <a:t>grafo</a:t>
+            </a:r>
+            <a:r>
+              <a:rPr lang="en-GB" dirty="0" smtClean="0"/>
+              <a:t> non </a:t>
+            </a:r>
+            <a:r>
+              <a:rPr lang="en-GB" dirty="0" err="1" smtClean="0"/>
+              <a:t>si</a:t>
+            </a:r>
+            <a:r>
+              <a:rPr lang="en-GB" dirty="0" smtClean="0"/>
+              <a:t> </a:t>
+            </a:r>
+            <a:r>
+              <a:rPr lang="en-GB" dirty="0" err="1" smtClean="0"/>
+              <a:t>può</a:t>
+            </a:r>
+            <a:r>
+              <a:rPr lang="en-GB" dirty="0" smtClean="0"/>
+              <a:t> </a:t>
+            </a:r>
+            <a:r>
+              <a:rPr lang="en-GB" dirty="0" err="1" smtClean="0"/>
+              <a:t>mai</a:t>
+            </a:r>
+            <a:r>
+              <a:rPr lang="en-GB" dirty="0" smtClean="0"/>
+              <a:t> </a:t>
+            </a:r>
+            <a:r>
+              <a:rPr lang="en-GB" dirty="0" err="1" smtClean="0"/>
+              <a:t>tornare</a:t>
+            </a:r>
+            <a:r>
+              <a:rPr lang="en-GB" dirty="0" smtClean="0"/>
+              <a:t> </a:t>
+            </a:r>
+            <a:r>
+              <a:rPr lang="en-GB" dirty="0" err="1" smtClean="0"/>
+              <a:t>alla</a:t>
+            </a:r>
+            <a:r>
+              <a:rPr lang="en-GB" dirty="0" smtClean="0"/>
+              <a:t> </a:t>
+            </a:r>
+            <a:r>
+              <a:rPr lang="en-GB" dirty="0" err="1" smtClean="0"/>
+              <a:t>partenza</a:t>
+            </a:r>
+            <a:endParaRPr lang="en-GB" dirty="0" smtClean="0"/>
+          </a:p>
+          <a:p>
+            <a:r>
+              <a:rPr lang="en-GB" dirty="0" err="1" smtClean="0"/>
+              <a:t>Nessun</a:t>
+            </a:r>
+            <a:r>
+              <a:rPr lang="en-GB" dirty="0" smtClean="0"/>
+              <a:t> </a:t>
+            </a:r>
+            <a:r>
+              <a:rPr lang="en-GB" dirty="0" err="1" smtClean="0"/>
+              <a:t>nodo</a:t>
+            </a:r>
+            <a:r>
+              <a:rPr lang="en-GB" dirty="0" smtClean="0"/>
+              <a:t> </a:t>
+            </a:r>
+            <a:r>
+              <a:rPr lang="en-GB" dirty="0" err="1" smtClean="0"/>
+              <a:t>può</a:t>
+            </a:r>
+            <a:r>
+              <a:rPr lang="en-GB" dirty="0" smtClean="0"/>
+              <a:t> </a:t>
+            </a:r>
+            <a:r>
+              <a:rPr lang="en-GB" dirty="0" err="1" smtClean="0"/>
+              <a:t>essere</a:t>
+            </a:r>
+            <a:r>
+              <a:rPr lang="en-GB" dirty="0" smtClean="0"/>
+              <a:t> </a:t>
+            </a:r>
+            <a:r>
+              <a:rPr lang="en-GB" dirty="0" err="1" smtClean="0"/>
+              <a:t>isolato</a:t>
             </a:r>
             <a:endParaRPr lang="en-GB" dirty="0"/>
           </a:p>
@@ -8721,13 +14654,20 @@
     </p:spTree>
     <p:extLst>
       <p:ext uri="{BB962C8B-B14F-4D97-AF65-F5344CB8AC3E}">
-        <p14:creationId xmlns:p14="http://schemas.microsoft.com/office/powerpoint/2010/main" val="2640804826"/>
+        <p14:creationId xmlns:p14="http://schemas.microsoft.com/office/powerpoint/2010/main" val="3229668924"/>
       </p:ext>
     </p:extLst>
   </p:cSld>
   <p:clrMapOvr>
     <a:masterClrMapping/>
   </p:clrMapOvr>
+  <p:timing>
+    <p:tnLst>
+      <p:par>
+        <p:cTn id="1" dur="indefinite" restart="never" nodeType="tmRoot"/>
+      </p:par>
+    </p:tnLst>
+  </p:timing>
 </p:sld>
 </file>
 
@@ -8764,54 +14704,112 @@
           <a:lstStyle/>
           <a:p>
             <a:r>
-              <a:rPr lang="it-IT" dirty="0" err="1" smtClean="0"/>
-              <a:t>Centralized</a:t>
-            </a:r>
-            <a:r>
-              <a:rPr lang="it-IT" dirty="0" smtClean="0"/>
-              <a:t> </a:t>
-            </a:r>
-            <a:r>
-              <a:rPr lang="it-IT" dirty="0" err="1" smtClean="0"/>
-              <a:t>Workflow</a:t>
-            </a:r>
-            <a:endParaRPr lang="en-GB" dirty="0"/>
+              <a:rPr lang="en-GB" dirty="0" smtClean="0"/>
+              <a:t>Un commit (non) è per </a:t>
+            </a:r>
+            <a:r>
+              <a:rPr lang="it-IT" dirty="0" smtClean="0"/>
+              <a:t>sempre</a:t>
+            </a:r>
+            <a:endParaRPr lang="it-IT" dirty="0"/>
           </a:p>
         </p:txBody>
       </p:sp>
       <p:pic>
         <p:nvPicPr>
-          <p:cNvPr id="4" name="Content Placeholder 3"/>
+          <p:cNvPr id="6" name="Picture Placeholder 5"/>
           <p:cNvPicPr>
             <a:picLocks noGrp="1" noChangeAspect="1"/>
           </p:cNvPicPr>
           <p:nvPr>
-            <p:ph idx="1"/>
+            <p:ph type="pic" idx="1"/>
           </p:nvPr>
         </p:nvPicPr>
         <p:blipFill>
-          <a:blip r:embed="rId2"/>
+          <a:blip r:embed="rId3">
+            <a:extLst>
+              <a:ext uri="{28A0092B-C50C-407E-A947-70E740481C1C}">
+                <a14:useLocalDpi xmlns:a14="http://schemas.microsoft.com/office/drawing/2010/main" val="0"/>
+              </a:ext>
+            </a:extLst>
+          </a:blip>
           <a:stretch>
             <a:fillRect/>
           </a:stretch>
         </p:blipFill>
         <p:spPr>
           <a:xfrm>
-            <a:off x="1573501" y="2158986"/>
-            <a:ext cx="8006774" cy="3983065"/>
+            <a:off x="6501257" y="1484656"/>
+            <a:ext cx="5098468" cy="4345888"/>
           </a:xfrm>
         </p:spPr>
       </p:pic>
+      <p:sp>
+        <p:nvSpPr>
+          <p:cNvPr id="3" name="Content Placeholder 2"/>
+          <p:cNvSpPr>
+            <a:spLocks noGrp="1"/>
+          </p:cNvSpPr>
+          <p:nvPr>
+            <p:ph type="body" sz="half" idx="2"/>
+          </p:nvPr>
+        </p:nvSpPr>
+        <p:spPr/>
+        <p:txBody>
+          <a:bodyPr>
+            <a:normAutofit/>
+          </a:bodyPr>
+          <a:lstStyle/>
+          <a:p>
+            <a:r>
+              <a:rPr lang="it-IT" dirty="0" err="1" smtClean="0"/>
+              <a:t>commit</a:t>
+            </a:r>
+            <a:r>
+              <a:rPr lang="it-IT" dirty="0" smtClean="0"/>
+              <a:t> spesso, fin da subito</a:t>
+            </a:r>
+          </a:p>
+          <a:p>
+            <a:r>
+              <a:rPr lang="it-IT" dirty="0" smtClean="0"/>
+              <a:t>Ogni commit rappresenta una idea o un cambiamento</a:t>
+            </a:r>
+          </a:p>
+          <a:p>
+            <a:r>
+              <a:rPr lang="it-IT" dirty="0" smtClean="0"/>
+              <a:t>Prima del push ci si può sbizzarrire</a:t>
+            </a:r>
+          </a:p>
+          <a:p>
+            <a:r>
+              <a:rPr lang="it-IT" dirty="0" smtClean="0"/>
+              <a:t>Si può riscrivere la storia dei commit locali</a:t>
+            </a:r>
+          </a:p>
+          <a:p>
+            <a:endParaRPr lang="en-GB" dirty="0"/>
+          </a:p>
+        </p:txBody>
+      </p:sp>
     </p:spTree>
     <p:extLst>
       <p:ext uri="{BB962C8B-B14F-4D97-AF65-F5344CB8AC3E}">
-        <p14:creationId xmlns:p14="http://schemas.microsoft.com/office/powerpoint/2010/main" val="1320060809"/>
+        <p14:creationId xmlns:p14="http://schemas.microsoft.com/office/powerpoint/2010/main" val="830398925"/>
       </p:ext>
     </p:extLst>
   </p:cSld>
   <p:clrMapOvr>
     <a:masterClrMapping/>
   </p:clrMapOvr>
+  <p:timing>
+    <p:tnLst>
+      <p:par>
+        <p:cTn id="1" dur="indefinite" restart="never" nodeType="tmRoot"/>
+      </p:par>
+    </p:tnLst>
+  </p:timing>
 </p:sld>
 </file>
 
